--- a/FAO_2024/mutmapqtlseq.pptx
+++ b/FAO_2024/mutmapqtlseq.pptx
@@ -15248,7 +15248,7 @@
         </p:nvSpPr>
         <p:spPr>
           <a:xfrm>
-            <a:off x="2857351" y="1299068"/>
+            <a:off x="2857351" y="1851518"/>
             <a:ext cx="829769" cy="182604"/>
           </a:xfrm>
           <a:prstGeom prst="rightArrow">
@@ -15294,7 +15294,7 @@
         </p:nvSpPr>
         <p:spPr>
           <a:xfrm>
-            <a:off x="1120774" y="1662858"/>
+            <a:off x="293072" y="1758154"/>
             <a:ext cx="1105202" cy="369332"/>
           </a:xfrm>
           <a:prstGeom prst="rect">
@@ -15347,7 +15347,7 @@
         </p:blipFill>
         <p:spPr>
           <a:xfrm>
-            <a:off x="1206894" y="883656"/>
+            <a:off x="1206894" y="1436106"/>
             <a:ext cx="914400" cy="914400"/>
           </a:xfrm>
           <a:prstGeom prst="rect">
@@ -15386,7 +15386,7 @@
         </p:blipFill>
         <p:spPr>
           <a:xfrm>
-            <a:off x="4409562" y="883656"/>
+            <a:off x="4409562" y="1436106"/>
             <a:ext cx="914400" cy="914400"/>
           </a:xfrm>
           <a:prstGeom prst="rect">
@@ -15408,7 +15408,7 @@
         </p:nvSpPr>
         <p:spPr>
           <a:xfrm>
-            <a:off x="2016465" y="1017690"/>
+            <a:off x="2016465" y="1570140"/>
             <a:ext cx="797686" cy="646331"/>
           </a:xfrm>
           <a:prstGeom prst="rect">
@@ -15453,8 +15453,8 @@
         </p:nvSpPr>
         <p:spPr>
           <a:xfrm>
-            <a:off x="2720838" y="982938"/>
-            <a:ext cx="1096083" cy="369332"/>
+            <a:off x="2718943" y="1593309"/>
+            <a:ext cx="1096083" cy="338554"/>
           </a:xfrm>
           <a:prstGeom prst="rect">
             <a:avLst/>
@@ -15469,10 +15469,10 @@
           <a:p>
             <a:pPr algn="ctr"/>
             <a:r>
-              <a:rPr kumimoji="1" lang="en-US" altLang="ja-JP" dirty="0"/>
+              <a:rPr kumimoji="1" lang="en-US" altLang="ja-JP" sz="1600" dirty="0"/>
               <a:t>mutation</a:t>
             </a:r>
-            <a:endParaRPr kumimoji="1" lang="ja-JP" altLang="en-US" dirty="0"/>
+            <a:endParaRPr kumimoji="1" lang="ja-JP" altLang="en-US" sz="1600" dirty="0"/>
           </a:p>
         </p:txBody>
       </p:sp>
@@ -15490,7 +15490,7 @@
         </p:nvSpPr>
         <p:spPr>
           <a:xfrm>
-            <a:off x="3650092" y="1017690"/>
+            <a:off x="3650092" y="1570140"/>
             <a:ext cx="914400" cy="646331"/>
           </a:xfrm>
           <a:prstGeom prst="rect">
@@ -15539,7 +15539,7 @@
         </p:nvSpPr>
         <p:spPr>
           <a:xfrm>
-            <a:off x="493733" y="3447572"/>
+            <a:off x="493733" y="4838222"/>
             <a:ext cx="1105202" cy="369332"/>
           </a:xfrm>
           <a:prstGeom prst="rect">
@@ -15592,7 +15592,7 @@
         </p:blipFill>
         <p:spPr>
           <a:xfrm>
-            <a:off x="579853" y="2673904"/>
+            <a:off x="579853" y="4064554"/>
             <a:ext cx="914400" cy="914400"/>
           </a:xfrm>
           <a:prstGeom prst="rect">
@@ -15631,7 +15631,7 @@
         </p:blipFill>
         <p:spPr>
           <a:xfrm>
-            <a:off x="3782521" y="2673904"/>
+            <a:off x="3782521" y="4064554"/>
             <a:ext cx="914400" cy="914400"/>
           </a:xfrm>
           <a:prstGeom prst="rect">
@@ -15653,7 +15653,7 @@
         </p:nvSpPr>
         <p:spPr>
           <a:xfrm>
-            <a:off x="1389424" y="2807938"/>
+            <a:off x="1389424" y="4198588"/>
             <a:ext cx="797686" cy="646331"/>
           </a:xfrm>
           <a:prstGeom prst="rect">
@@ -15698,7 +15698,7 @@
         </p:nvSpPr>
         <p:spPr>
           <a:xfrm>
-            <a:off x="3023051" y="2807938"/>
+            <a:off x="3023051" y="4198588"/>
             <a:ext cx="914400" cy="646331"/>
           </a:xfrm>
           <a:prstGeom prst="rect">
@@ -15743,7 +15743,7 @@
         </p:nvSpPr>
         <p:spPr>
           <a:xfrm>
-            <a:off x="3687120" y="3447572"/>
+            <a:off x="3687120" y="4838222"/>
             <a:ext cx="1105202" cy="369332"/>
           </a:xfrm>
           <a:prstGeom prst="rect">
@@ -15779,7 +15779,7 @@
         </p:nvSpPr>
         <p:spPr>
           <a:xfrm>
-            <a:off x="493733" y="113780"/>
+            <a:off x="168048" y="121882"/>
             <a:ext cx="5647338" cy="646331"/>
           </a:xfrm>
           <a:prstGeom prst="rect">
@@ -15804,6 +15804,94 @@
               <a:t>Cultivar A shows green leaf , mutation changes leaf color</a:t>
             </a:r>
             <a:endParaRPr kumimoji="1" lang="ja-JP" altLang="en-US" dirty="0"/>
+          </a:p>
+        </p:txBody>
+      </p:sp>
+      <p:sp>
+        <p:nvSpPr>
+          <p:cNvPr id="2" name="テキスト ボックス 1">
+            <a:extLst>
+              <a:ext uri="{FF2B5EF4-FFF2-40B4-BE49-F238E27FC236}">
+                <a16:creationId xmlns:a16="http://schemas.microsoft.com/office/drawing/2014/main" id="{02A76CF4-DB04-DA8B-724E-012C20A6ECE1}"/>
+              </a:ext>
+            </a:extLst>
+          </p:cNvPr>
+          <p:cNvSpPr txBox="1"/>
+          <p:nvPr/>
+        </p:nvSpPr>
+        <p:spPr>
+          <a:xfrm>
+            <a:off x="2991717" y="1045094"/>
+            <a:ext cx="1401613" cy="261610"/>
+          </a:xfrm>
+          <a:prstGeom prst="rect">
+            <a:avLst/>
+          </a:prstGeom>
+          <a:noFill/>
+          <a:ln w="12700">
+            <a:noFill/>
+          </a:ln>
+        </p:spPr>
+        <p:txBody>
+          <a:bodyPr wrap="square" rtlCol="0">
+            <a:spAutoFit/>
+          </a:bodyPr>
+          <a:lstStyle/>
+          <a:p>
+            <a:r>
+              <a:rPr kumimoji="1" lang="en-US" altLang="ja-JP" sz="1100" dirty="0"/>
+              <a:t>ex) EMS mutagenesis</a:t>
+            </a:r>
+            <a:endParaRPr kumimoji="1" lang="ja-JP" altLang="en-US" sz="1100" dirty="0"/>
+          </a:p>
+        </p:txBody>
+      </p:sp>
+      <p:sp>
+        <p:nvSpPr>
+          <p:cNvPr id="3" name="稲妻 2">
+            <a:extLst>
+              <a:ext uri="{FF2B5EF4-FFF2-40B4-BE49-F238E27FC236}">
+                <a16:creationId xmlns:a16="http://schemas.microsoft.com/office/drawing/2014/main" id="{12686503-4B79-77CB-A9B0-06AEDE2DEE1D}"/>
+              </a:ext>
+            </a:extLst>
+          </p:cNvPr>
+          <p:cNvSpPr/>
+          <p:nvPr/>
+        </p:nvSpPr>
+        <p:spPr>
+          <a:xfrm>
+            <a:off x="2659663" y="1123605"/>
+            <a:ext cx="560828" cy="466747"/>
+          </a:xfrm>
+          <a:prstGeom prst="lightningBolt">
+            <a:avLst/>
+          </a:prstGeom>
+          <a:solidFill>
+            <a:schemeClr val="accent4"/>
+          </a:solidFill>
+        </p:spPr>
+        <p:style>
+          <a:lnRef idx="2">
+            <a:schemeClr val="accent1">
+              <a:shade val="50000"/>
+            </a:schemeClr>
+          </a:lnRef>
+          <a:fillRef idx="1">
+            <a:schemeClr val="accent1"/>
+          </a:fillRef>
+          <a:effectRef idx="0">
+            <a:schemeClr val="accent1"/>
+          </a:effectRef>
+          <a:fontRef idx="minor">
+            <a:schemeClr val="lt1"/>
+          </a:fontRef>
+        </p:style>
+        <p:txBody>
+          <a:bodyPr rtlCol="0" anchor="ctr"/>
+          <a:lstStyle/>
+          <a:p>
+            <a:pPr algn="ctr"/>
+            <a:endParaRPr kumimoji="1" lang="ja-JP" altLang="en-US"/>
           </a:p>
         </p:txBody>
       </p:sp>

--- a/FAO_2024/mutmapqtlseq.pptx
+++ b/FAO_2024/mutmapqtlseq.pptx
@@ -15539,7 +15539,7 @@
         </p:nvSpPr>
         <p:spPr>
           <a:xfrm>
-            <a:off x="493733" y="4838222"/>
+            <a:off x="854954" y="8007114"/>
             <a:ext cx="1105202" cy="369332"/>
           </a:xfrm>
           <a:prstGeom prst="rect">
@@ -15592,7 +15592,7 @@
         </p:blipFill>
         <p:spPr>
           <a:xfrm>
-            <a:off x="579853" y="4064554"/>
+            <a:off x="941074" y="7233446"/>
             <a:ext cx="914400" cy="914400"/>
           </a:xfrm>
           <a:prstGeom prst="rect">
@@ -15631,7 +15631,7 @@
         </p:blipFill>
         <p:spPr>
           <a:xfrm>
-            <a:off x="3782521" y="4064554"/>
+            <a:off x="4143742" y="7233446"/>
             <a:ext cx="914400" cy="914400"/>
           </a:xfrm>
           <a:prstGeom prst="rect">
@@ -15653,7 +15653,7 @@
         </p:nvSpPr>
         <p:spPr>
           <a:xfrm>
-            <a:off x="1389424" y="4198588"/>
+            <a:off x="1750645" y="7367480"/>
             <a:ext cx="797686" cy="646331"/>
           </a:xfrm>
           <a:prstGeom prst="rect">
@@ -15698,7 +15698,7 @@
         </p:nvSpPr>
         <p:spPr>
           <a:xfrm>
-            <a:off x="3023051" y="4198588"/>
+            <a:off x="3384272" y="7367480"/>
             <a:ext cx="914400" cy="646331"/>
           </a:xfrm>
           <a:prstGeom prst="rect">
@@ -15743,7 +15743,7 @@
         </p:nvSpPr>
         <p:spPr>
           <a:xfrm>
-            <a:off x="3687120" y="4838222"/>
+            <a:off x="4048341" y="8007114"/>
             <a:ext cx="1105202" cy="369332"/>
           </a:xfrm>
           <a:prstGeom prst="rect">
@@ -15892,6 +15892,517 @@
           <a:p>
             <a:pPr algn="ctr"/>
             <a:endParaRPr kumimoji="1" lang="ja-JP" altLang="en-US"/>
+          </a:p>
+        </p:txBody>
+      </p:sp>
+      <p:sp>
+        <p:nvSpPr>
+          <p:cNvPr id="5" name="テキスト ボックス 4">
+            <a:extLst>
+              <a:ext uri="{FF2B5EF4-FFF2-40B4-BE49-F238E27FC236}">
+                <a16:creationId xmlns:a16="http://schemas.microsoft.com/office/drawing/2014/main" id="{ECC14355-C83C-B322-5D71-BD65BEF4C517}"/>
+              </a:ext>
+            </a:extLst>
+          </p:cNvPr>
+          <p:cNvSpPr txBox="1"/>
+          <p:nvPr/>
+        </p:nvSpPr>
+        <p:spPr>
+          <a:xfrm>
+            <a:off x="293072" y="3839694"/>
+            <a:ext cx="1105202" cy="369332"/>
+          </a:xfrm>
+          <a:prstGeom prst="rect">
+            <a:avLst/>
+          </a:prstGeom>
+          <a:noFill/>
+        </p:spPr>
+        <p:txBody>
+          <a:bodyPr wrap="square" rtlCol="0">
+            <a:spAutoFit/>
+          </a:bodyPr>
+          <a:lstStyle/>
+          <a:p>
+            <a:r>
+              <a:rPr kumimoji="1" lang="en-US" altLang="ja-JP" dirty="0"/>
+              <a:t>Cultivar A</a:t>
+            </a:r>
+            <a:endParaRPr kumimoji="1" lang="ja-JP" altLang="en-US" dirty="0"/>
+          </a:p>
+        </p:txBody>
+      </p:sp>
+      <p:pic>
+        <p:nvPicPr>
+          <p:cNvPr id="6" name="グラフィックス 5" descr="植物 単色塗りつぶし">
+            <a:extLst>
+              <a:ext uri="{FF2B5EF4-FFF2-40B4-BE49-F238E27FC236}">
+                <a16:creationId xmlns:a16="http://schemas.microsoft.com/office/drawing/2014/main" id="{43CECBE7-2ED7-E17E-6551-42BDE2DAC167}"/>
+              </a:ext>
+            </a:extLst>
+          </p:cNvPr>
+          <p:cNvPicPr>
+            <a:picLocks noChangeAspect="1"/>
+          </p:cNvPicPr>
+          <p:nvPr/>
+        </p:nvPicPr>
+        <p:blipFill>
+          <a:blip r:embed="rId2">
+            <a:extLst>
+              <a:ext uri="{28A0092B-C50C-407E-A947-70E740481C1C}">
+                <a14:useLocalDpi xmlns:a14="http://schemas.microsoft.com/office/drawing/2010/main" val="0"/>
+              </a:ext>
+              <a:ext uri="{96DAC541-7B7A-43D3-8B79-37D633B846F1}">
+                <asvg:svgBlip xmlns:asvg="http://schemas.microsoft.com/office/drawing/2016/SVG/main" r:embed="rId3"/>
+              </a:ext>
+            </a:extLst>
+          </a:blip>
+          <a:stretch>
+            <a:fillRect/>
+          </a:stretch>
+        </p:blipFill>
+        <p:spPr>
+          <a:xfrm>
+            <a:off x="1206894" y="3517646"/>
+            <a:ext cx="914400" cy="914400"/>
+          </a:xfrm>
+          <a:prstGeom prst="rect">
+            <a:avLst/>
+          </a:prstGeom>
+        </p:spPr>
+      </p:pic>
+      <p:pic>
+        <p:nvPicPr>
+          <p:cNvPr id="7" name="グラフィックス 6" descr="植物 単色塗りつぶし">
+            <a:extLst>
+              <a:ext uri="{FF2B5EF4-FFF2-40B4-BE49-F238E27FC236}">
+                <a16:creationId xmlns:a16="http://schemas.microsoft.com/office/drawing/2014/main" id="{25A7CE1A-AC8A-A9E8-DC7C-29D7F41E8021}"/>
+              </a:ext>
+            </a:extLst>
+          </p:cNvPr>
+          <p:cNvPicPr>
+            <a:picLocks noChangeAspect="1"/>
+          </p:cNvPicPr>
+          <p:nvPr/>
+        </p:nvPicPr>
+        <p:blipFill>
+          <a:blip r:embed="rId4">
+            <a:extLst>
+              <a:ext uri="{28A0092B-C50C-407E-A947-70E740481C1C}">
+                <a14:useLocalDpi xmlns:a14="http://schemas.microsoft.com/office/drawing/2010/main" val="0"/>
+              </a:ext>
+              <a:ext uri="{96DAC541-7B7A-43D3-8B79-37D633B846F1}">
+                <asvg:svgBlip xmlns:asvg="http://schemas.microsoft.com/office/drawing/2016/SVG/main" r:embed="rId5"/>
+              </a:ext>
+            </a:extLst>
+          </a:blip>
+          <a:stretch>
+            <a:fillRect/>
+          </a:stretch>
+        </p:blipFill>
+        <p:spPr>
+          <a:xfrm>
+            <a:off x="3447537" y="3517646"/>
+            <a:ext cx="914400" cy="914400"/>
+          </a:xfrm>
+          <a:prstGeom prst="rect">
+            <a:avLst/>
+          </a:prstGeom>
+        </p:spPr>
+      </p:pic>
+      <p:sp>
+        <p:nvSpPr>
+          <p:cNvPr id="8" name="テキスト ボックス 7">
+            <a:extLst>
+              <a:ext uri="{FF2B5EF4-FFF2-40B4-BE49-F238E27FC236}">
+                <a16:creationId xmlns:a16="http://schemas.microsoft.com/office/drawing/2014/main" id="{6998010D-7D5B-9F95-5420-7BF2E04D2100}"/>
+              </a:ext>
+            </a:extLst>
+          </p:cNvPr>
+          <p:cNvSpPr txBox="1"/>
+          <p:nvPr/>
+        </p:nvSpPr>
+        <p:spPr>
+          <a:xfrm>
+            <a:off x="2016465" y="3651680"/>
+            <a:ext cx="797686" cy="646331"/>
+          </a:xfrm>
+          <a:prstGeom prst="rect">
+            <a:avLst/>
+          </a:prstGeom>
+          <a:noFill/>
+        </p:spPr>
+        <p:txBody>
+          <a:bodyPr wrap="square" rtlCol="0">
+            <a:spAutoFit/>
+          </a:bodyPr>
+          <a:lstStyle/>
+          <a:p>
+            <a:pPr algn="ctr"/>
+            <a:r>
+              <a:rPr kumimoji="1" lang="en-US" altLang="ja-JP" b="1" dirty="0">
+                <a:solidFill>
+                  <a:schemeClr val="accent6"/>
+                </a:solidFill>
+              </a:rPr>
+              <a:t>Green leaf</a:t>
+            </a:r>
+            <a:endParaRPr kumimoji="1" lang="ja-JP" altLang="en-US" b="1" dirty="0">
+              <a:solidFill>
+                <a:schemeClr val="accent6"/>
+              </a:solidFill>
+            </a:endParaRPr>
+          </a:p>
+        </p:txBody>
+      </p:sp>
+      <p:sp>
+        <p:nvSpPr>
+          <p:cNvPr id="10" name="テキスト ボックス 9">
+            <a:extLst>
+              <a:ext uri="{FF2B5EF4-FFF2-40B4-BE49-F238E27FC236}">
+                <a16:creationId xmlns:a16="http://schemas.microsoft.com/office/drawing/2014/main" id="{2641767D-B6A0-3074-FE47-9ACDA127DD4B}"/>
+              </a:ext>
+            </a:extLst>
+          </p:cNvPr>
+          <p:cNvSpPr txBox="1"/>
+          <p:nvPr/>
+        </p:nvSpPr>
+        <p:spPr>
+          <a:xfrm>
+            <a:off x="2688067" y="3651680"/>
+            <a:ext cx="914400" cy="646331"/>
+          </a:xfrm>
+          <a:prstGeom prst="rect">
+            <a:avLst/>
+          </a:prstGeom>
+          <a:noFill/>
+        </p:spPr>
+        <p:txBody>
+          <a:bodyPr wrap="square" rtlCol="0">
+            <a:spAutoFit/>
+          </a:bodyPr>
+          <a:lstStyle/>
+          <a:p>
+            <a:pPr algn="ctr"/>
+            <a:r>
+              <a:rPr kumimoji="1" lang="en-US" altLang="ja-JP" b="1" dirty="0">
+                <a:solidFill>
+                  <a:schemeClr val="accent4">
+                    <a:lumMod val="75000"/>
+                  </a:schemeClr>
+                </a:solidFill>
+              </a:rPr>
+              <a:t>Brown leaf</a:t>
+            </a:r>
+            <a:endParaRPr kumimoji="1" lang="ja-JP" altLang="en-US" b="1" dirty="0">
+              <a:solidFill>
+                <a:schemeClr val="accent4">
+                  <a:lumMod val="75000"/>
+                </a:schemeClr>
+              </a:solidFill>
+            </a:endParaRPr>
+          </a:p>
+        </p:txBody>
+      </p:sp>
+      <p:pic>
+        <p:nvPicPr>
+          <p:cNvPr id="12" name="図 11" descr="会社名 が含まれている画像&#10;&#10;自動的に生成された説明">
+            <a:extLst>
+              <a:ext uri="{FF2B5EF4-FFF2-40B4-BE49-F238E27FC236}">
+                <a16:creationId xmlns:a16="http://schemas.microsoft.com/office/drawing/2014/main" id="{E9EED2BD-C006-CA2C-BC05-3DE4C31D725F}"/>
+              </a:ext>
+            </a:extLst>
+          </p:cNvPr>
+          <p:cNvPicPr>
+            <a:picLocks noChangeAspect="1"/>
+          </p:cNvPicPr>
+          <p:nvPr/>
+        </p:nvPicPr>
+        <p:blipFill rotWithShape="1">
+          <a:blip r:embed="rId8">
+            <a:duotone>
+              <a:schemeClr val="accent6">
+                <a:shade val="45000"/>
+                <a:satMod val="135000"/>
+              </a:schemeClr>
+              <a:prstClr val="white"/>
+            </a:duotone>
+            <a:extLst>
+              <a:ext uri="{28A0092B-C50C-407E-A947-70E740481C1C}">
+                <a14:useLocalDpi xmlns:a14="http://schemas.microsoft.com/office/drawing/2010/main" val="0"/>
+              </a:ext>
+            </a:extLst>
+          </a:blip>
+          <a:srcRect l="31833" r="32382"/>
+          <a:stretch/>
+        </p:blipFill>
+        <p:spPr>
+          <a:xfrm rot="2205768">
+            <a:off x="1934784" y="4602771"/>
+            <a:ext cx="330491" cy="646478"/>
+          </a:xfrm>
+          <a:prstGeom prst="rect">
+            <a:avLst/>
+          </a:prstGeom>
+        </p:spPr>
+      </p:pic>
+      <p:pic>
+        <p:nvPicPr>
+          <p:cNvPr id="15" name="図 14" descr="会社名 が含まれている画像&#10;&#10;自動的に生成された説明">
+            <a:extLst>
+              <a:ext uri="{FF2B5EF4-FFF2-40B4-BE49-F238E27FC236}">
+                <a16:creationId xmlns:a16="http://schemas.microsoft.com/office/drawing/2014/main" id="{5F5F5C74-D1DB-FC68-7319-E17D0708D1D7}"/>
+              </a:ext>
+            </a:extLst>
+          </p:cNvPr>
+          <p:cNvPicPr>
+            <a:picLocks noChangeAspect="1"/>
+          </p:cNvPicPr>
+          <p:nvPr/>
+        </p:nvPicPr>
+        <p:blipFill rotWithShape="1">
+          <a:blip r:embed="rId8">
+            <a:duotone>
+              <a:schemeClr val="accent4">
+                <a:shade val="45000"/>
+                <a:satMod val="135000"/>
+              </a:schemeClr>
+              <a:prstClr val="white"/>
+            </a:duotone>
+            <a:extLst>
+              <a:ext uri="{28A0092B-C50C-407E-A947-70E740481C1C}">
+                <a14:useLocalDpi xmlns:a14="http://schemas.microsoft.com/office/drawing/2010/main" val="0"/>
+              </a:ext>
+            </a:extLst>
+          </a:blip>
+          <a:srcRect l="31833" r="32382"/>
+          <a:stretch/>
+        </p:blipFill>
+        <p:spPr>
+          <a:xfrm rot="2205768">
+            <a:off x="3338540" y="4602771"/>
+            <a:ext cx="330491" cy="646478"/>
+          </a:xfrm>
+          <a:prstGeom prst="rect">
+            <a:avLst/>
+          </a:prstGeom>
+        </p:spPr>
+      </p:pic>
+      <p:sp>
+        <p:nvSpPr>
+          <p:cNvPr id="18" name="矢印: 下 17">
+            <a:extLst>
+              <a:ext uri="{FF2B5EF4-FFF2-40B4-BE49-F238E27FC236}">
+                <a16:creationId xmlns:a16="http://schemas.microsoft.com/office/drawing/2014/main" id="{0514195D-3EC3-CCA2-1380-CD3D73FFA8E2}"/>
+              </a:ext>
+            </a:extLst>
+          </p:cNvPr>
+          <p:cNvSpPr/>
+          <p:nvPr/>
+        </p:nvSpPr>
+        <p:spPr>
+          <a:xfrm rot="19484603">
+            <a:off x="1696026" y="4337685"/>
+            <a:ext cx="375793" cy="372900"/>
+          </a:xfrm>
+          <a:prstGeom prst="downArrow">
+            <a:avLst/>
+          </a:prstGeom>
+        </p:spPr>
+        <p:style>
+          <a:lnRef idx="2">
+            <a:schemeClr val="dk1">
+              <a:shade val="15000"/>
+            </a:schemeClr>
+          </a:lnRef>
+          <a:fillRef idx="1">
+            <a:schemeClr val="dk1"/>
+          </a:fillRef>
+          <a:effectRef idx="0">
+            <a:schemeClr val="dk1"/>
+          </a:effectRef>
+          <a:fontRef idx="minor">
+            <a:schemeClr val="lt1"/>
+          </a:fontRef>
+        </p:style>
+        <p:txBody>
+          <a:bodyPr rtlCol="0" anchor="ctr"/>
+          <a:lstStyle/>
+          <a:p>
+            <a:pPr algn="ctr"/>
+            <a:endParaRPr kumimoji="1" lang="ja-JP" altLang="en-US"/>
+          </a:p>
+        </p:txBody>
+      </p:sp>
+      <p:sp>
+        <p:nvSpPr>
+          <p:cNvPr id="20" name="正方形/長方形 19">
+            <a:extLst>
+              <a:ext uri="{FF2B5EF4-FFF2-40B4-BE49-F238E27FC236}">
+                <a16:creationId xmlns:a16="http://schemas.microsoft.com/office/drawing/2014/main" id="{0495F864-C174-C873-64FF-210C46E07F74}"/>
+              </a:ext>
+            </a:extLst>
+          </p:cNvPr>
+          <p:cNvSpPr/>
+          <p:nvPr/>
+        </p:nvSpPr>
+        <p:spPr>
+          <a:xfrm>
+            <a:off x="1619250" y="4432046"/>
+            <a:ext cx="2429091" cy="914401"/>
+          </a:xfrm>
+          <a:prstGeom prst="rect">
+            <a:avLst/>
+          </a:prstGeom>
+          <a:noFill/>
+          <a:ln>
+            <a:solidFill>
+              <a:schemeClr val="tx1"/>
+            </a:solidFill>
+            <a:prstDash val="dash"/>
+          </a:ln>
+        </p:spPr>
+        <p:style>
+          <a:lnRef idx="2">
+            <a:schemeClr val="accent1">
+              <a:shade val="15000"/>
+            </a:schemeClr>
+          </a:lnRef>
+          <a:fillRef idx="1">
+            <a:schemeClr val="accent1"/>
+          </a:fillRef>
+          <a:effectRef idx="0">
+            <a:schemeClr val="accent1"/>
+          </a:effectRef>
+          <a:fontRef idx="minor">
+            <a:schemeClr val="lt1"/>
+          </a:fontRef>
+        </p:style>
+        <p:txBody>
+          <a:bodyPr rtlCol="0" anchor="ctr"/>
+          <a:lstStyle/>
+          <a:p>
+            <a:pPr algn="ctr"/>
+            <a:endParaRPr kumimoji="1" lang="ja-JP" altLang="en-US"/>
+          </a:p>
+        </p:txBody>
+      </p:sp>
+      <p:sp>
+        <p:nvSpPr>
+          <p:cNvPr id="21" name="テキスト ボックス 20">
+            <a:extLst>
+              <a:ext uri="{FF2B5EF4-FFF2-40B4-BE49-F238E27FC236}">
+                <a16:creationId xmlns:a16="http://schemas.microsoft.com/office/drawing/2014/main" id="{EF42F09E-CC1E-728D-FAA5-F6B6CDAF7D22}"/>
+              </a:ext>
+            </a:extLst>
+          </p:cNvPr>
+          <p:cNvSpPr txBox="1"/>
+          <p:nvPr/>
+        </p:nvSpPr>
+        <p:spPr>
+          <a:xfrm>
+            <a:off x="2384705" y="4768334"/>
+            <a:ext cx="797686" cy="369332"/>
+          </a:xfrm>
+          <a:prstGeom prst="rect">
+            <a:avLst/>
+          </a:prstGeom>
+          <a:noFill/>
+        </p:spPr>
+        <p:txBody>
+          <a:bodyPr wrap="square" rtlCol="0">
+            <a:spAutoFit/>
+          </a:bodyPr>
+          <a:lstStyle/>
+          <a:p>
+            <a:pPr algn="ctr"/>
+            <a:r>
+              <a:rPr kumimoji="1" lang="en-US" altLang="ja-JP" b="1" dirty="0"/>
+              <a:t>vs</a:t>
+            </a:r>
+            <a:endParaRPr kumimoji="1" lang="ja-JP" altLang="en-US" b="1" dirty="0"/>
+          </a:p>
+        </p:txBody>
+      </p:sp>
+      <p:sp>
+        <p:nvSpPr>
+          <p:cNvPr id="22" name="矢印: 下 21">
+            <a:extLst>
+              <a:ext uri="{FF2B5EF4-FFF2-40B4-BE49-F238E27FC236}">
+                <a16:creationId xmlns:a16="http://schemas.microsoft.com/office/drawing/2014/main" id="{EA3EBACD-4D65-BD3E-BE4A-DB0A8E7DA2C7}"/>
+              </a:ext>
+            </a:extLst>
+          </p:cNvPr>
+          <p:cNvSpPr/>
+          <p:nvPr/>
+        </p:nvSpPr>
+        <p:spPr>
+          <a:xfrm rot="2115397" flipH="1">
+            <a:off x="3638439" y="4337269"/>
+            <a:ext cx="375793" cy="363042"/>
+          </a:xfrm>
+          <a:prstGeom prst="downArrow">
+            <a:avLst/>
+          </a:prstGeom>
+        </p:spPr>
+        <p:style>
+          <a:lnRef idx="2">
+            <a:schemeClr val="dk1">
+              <a:shade val="15000"/>
+            </a:schemeClr>
+          </a:lnRef>
+          <a:fillRef idx="1">
+            <a:schemeClr val="dk1"/>
+          </a:fillRef>
+          <a:effectRef idx="0">
+            <a:schemeClr val="dk1"/>
+          </a:effectRef>
+          <a:fontRef idx="minor">
+            <a:schemeClr val="lt1"/>
+          </a:fontRef>
+        </p:style>
+        <p:txBody>
+          <a:bodyPr rtlCol="0" anchor="ctr"/>
+          <a:lstStyle/>
+          <a:p>
+            <a:pPr algn="ctr"/>
+            <a:endParaRPr kumimoji="1" lang="ja-JP" altLang="en-US"/>
+          </a:p>
+        </p:txBody>
+      </p:sp>
+      <p:sp>
+        <p:nvSpPr>
+          <p:cNvPr id="23" name="テキスト ボックス 22">
+            <a:extLst>
+              <a:ext uri="{FF2B5EF4-FFF2-40B4-BE49-F238E27FC236}">
+                <a16:creationId xmlns:a16="http://schemas.microsoft.com/office/drawing/2014/main" id="{5FC4B92F-2D61-C2EF-B11B-439F5D6243CA}"/>
+              </a:ext>
+            </a:extLst>
+          </p:cNvPr>
+          <p:cNvSpPr txBox="1"/>
+          <p:nvPr/>
+        </p:nvSpPr>
+        <p:spPr>
+          <a:xfrm>
+            <a:off x="939783" y="4714481"/>
+            <a:ext cx="797686" cy="369332"/>
+          </a:xfrm>
+          <a:prstGeom prst="rect">
+            <a:avLst/>
+          </a:prstGeom>
+          <a:noFill/>
+        </p:spPr>
+        <p:txBody>
+          <a:bodyPr wrap="square" rtlCol="0">
+            <a:spAutoFit/>
+          </a:bodyPr>
+          <a:lstStyle/>
+          <a:p>
+            <a:pPr algn="ctr"/>
+            <a:r>
+              <a:rPr kumimoji="1" lang="en-US" altLang="ja-JP" b="1" dirty="0"/>
+              <a:t>DNA</a:t>
+            </a:r>
+            <a:endParaRPr kumimoji="1" lang="ja-JP" altLang="en-US" b="1" dirty="0"/>
           </a:p>
         </p:txBody>
       </p:sp>

--- a/FAO_2024/mutmapqtlseq.pptx
+++ b/FAO_2024/mutmapqtlseq.pptx
@@ -15539,7 +15539,7 @@
         </p:nvSpPr>
         <p:spPr>
           <a:xfrm>
-            <a:off x="854954" y="8007114"/>
+            <a:off x="618730" y="9414786"/>
             <a:ext cx="1105202" cy="369332"/>
           </a:xfrm>
           <a:prstGeom prst="rect">
@@ -15592,7 +15592,7 @@
         </p:blipFill>
         <p:spPr>
           <a:xfrm>
-            <a:off x="941074" y="7233446"/>
+            <a:off x="704850" y="8641118"/>
             <a:ext cx="914400" cy="914400"/>
           </a:xfrm>
           <a:prstGeom prst="rect">
@@ -15631,7 +15631,7 @@
         </p:blipFill>
         <p:spPr>
           <a:xfrm>
-            <a:off x="4143742" y="7233446"/>
+            <a:off x="3907518" y="8641118"/>
             <a:ext cx="914400" cy="914400"/>
           </a:xfrm>
           <a:prstGeom prst="rect">
@@ -15653,7 +15653,7 @@
         </p:nvSpPr>
         <p:spPr>
           <a:xfrm>
-            <a:off x="1750645" y="7367480"/>
+            <a:off x="1514421" y="8775152"/>
             <a:ext cx="797686" cy="646331"/>
           </a:xfrm>
           <a:prstGeom prst="rect">
@@ -15698,7 +15698,7 @@
         </p:nvSpPr>
         <p:spPr>
           <a:xfrm>
-            <a:off x="3384272" y="7367480"/>
+            <a:off x="3148048" y="8775152"/>
             <a:ext cx="914400" cy="646331"/>
           </a:xfrm>
           <a:prstGeom prst="rect">
@@ -15743,7 +15743,7 @@
         </p:nvSpPr>
         <p:spPr>
           <a:xfrm>
-            <a:off x="4048341" y="8007114"/>
+            <a:off x="3812117" y="9414786"/>
             <a:ext cx="1105202" cy="369332"/>
           </a:xfrm>
           <a:prstGeom prst="rect">
@@ -15909,7 +15909,7 @@
         </p:nvSpPr>
         <p:spPr>
           <a:xfrm>
-            <a:off x="293072" y="3839694"/>
+            <a:off x="654293" y="2940624"/>
             <a:ext cx="1105202" cy="369332"/>
           </a:xfrm>
           <a:prstGeom prst="rect">
@@ -15962,7 +15962,7 @@
         </p:blipFill>
         <p:spPr>
           <a:xfrm>
-            <a:off x="1206894" y="3517646"/>
+            <a:off x="1568115" y="2618576"/>
             <a:ext cx="914400" cy="914400"/>
           </a:xfrm>
           <a:prstGeom prst="rect">
@@ -16001,7 +16001,7 @@
         </p:blipFill>
         <p:spPr>
           <a:xfrm>
-            <a:off x="3447537" y="3517646"/>
+            <a:off x="3808758" y="2618576"/>
             <a:ext cx="914400" cy="914400"/>
           </a:xfrm>
           <a:prstGeom prst="rect">
@@ -16023,7 +16023,7 @@
         </p:nvSpPr>
         <p:spPr>
           <a:xfrm>
-            <a:off x="2016465" y="3651680"/>
+            <a:off x="2377686" y="2752610"/>
             <a:ext cx="797686" cy="646331"/>
           </a:xfrm>
           <a:prstGeom prst="rect">
@@ -16068,7 +16068,7 @@
         </p:nvSpPr>
         <p:spPr>
           <a:xfrm>
-            <a:off x="2688067" y="3651680"/>
+            <a:off x="3049288" y="2752610"/>
             <a:ext cx="914400" cy="646331"/>
           </a:xfrm>
           <a:prstGeom prst="rect">
@@ -16137,7 +16137,7 @@
         </p:blipFill>
         <p:spPr>
           <a:xfrm rot="2205768">
-            <a:off x="1934784" y="4602771"/>
+            <a:off x="2296005" y="3703701"/>
             <a:ext cx="330491" cy="646478"/>
           </a:xfrm>
           <a:prstGeom prst="rect">
@@ -16179,7 +16179,7 @@
         </p:blipFill>
         <p:spPr>
           <a:xfrm rot="2205768">
-            <a:off x="3338540" y="4602771"/>
+            <a:off x="3699761" y="3703701"/>
             <a:ext cx="330491" cy="646478"/>
           </a:xfrm>
           <a:prstGeom prst="rect">
@@ -16201,7 +16201,7 @@
         </p:nvSpPr>
         <p:spPr>
           <a:xfrm rot="19484603">
-            <a:off x="1696026" y="4337685"/>
+            <a:off x="2057247" y="3438615"/>
             <a:ext cx="375793" cy="372900"/>
           </a:xfrm>
           <a:prstGeom prst="downArrow">
@@ -16247,7 +16247,7 @@
         </p:nvSpPr>
         <p:spPr>
           <a:xfrm>
-            <a:off x="1619250" y="4432046"/>
+            <a:off x="1980471" y="3532976"/>
             <a:ext cx="2429091" cy="914401"/>
           </a:xfrm>
           <a:prstGeom prst="rect">
@@ -16300,7 +16300,7 @@
         </p:nvSpPr>
         <p:spPr>
           <a:xfrm>
-            <a:off x="2384705" y="4768334"/>
+            <a:off x="2745926" y="3869264"/>
             <a:ext cx="797686" cy="369332"/>
           </a:xfrm>
           <a:prstGeom prst="rect">
@@ -16337,7 +16337,7 @@
         </p:nvSpPr>
         <p:spPr>
           <a:xfrm rot="2115397" flipH="1">
-            <a:off x="3638439" y="4337269"/>
+            <a:off x="3999660" y="3438199"/>
             <a:ext cx="375793" cy="363042"/>
           </a:xfrm>
           <a:prstGeom prst="downArrow">
@@ -16383,7 +16383,7 @@
         </p:nvSpPr>
         <p:spPr>
           <a:xfrm>
-            <a:off x="939783" y="4714481"/>
+            <a:off x="1301004" y="3815411"/>
             <a:ext cx="797686" cy="369332"/>
           </a:xfrm>
           <a:prstGeom prst="rect">
@@ -16401,6 +16401,826 @@
             <a:r>
               <a:rPr kumimoji="1" lang="en-US" altLang="ja-JP" b="1" dirty="0"/>
               <a:t>DNA</a:t>
+            </a:r>
+            <a:endParaRPr kumimoji="1" lang="ja-JP" altLang="en-US" b="1" dirty="0"/>
+          </a:p>
+        </p:txBody>
+      </p:sp>
+      <p:sp>
+        <p:nvSpPr>
+          <p:cNvPr id="4" name="テキスト ボックス 3">
+            <a:extLst>
+              <a:ext uri="{FF2B5EF4-FFF2-40B4-BE49-F238E27FC236}">
+                <a16:creationId xmlns:a16="http://schemas.microsoft.com/office/drawing/2014/main" id="{03EC4885-4E24-25C5-C804-CA4B1AFA9B7C}"/>
+              </a:ext>
+            </a:extLst>
+          </p:cNvPr>
+          <p:cNvSpPr txBox="1"/>
+          <p:nvPr/>
+        </p:nvSpPr>
+        <p:spPr>
+          <a:xfrm>
+            <a:off x="640178" y="5039287"/>
+            <a:ext cx="1105202" cy="369332"/>
+          </a:xfrm>
+          <a:prstGeom prst="rect">
+            <a:avLst/>
+          </a:prstGeom>
+          <a:noFill/>
+        </p:spPr>
+        <p:txBody>
+          <a:bodyPr wrap="square" rtlCol="0">
+            <a:spAutoFit/>
+          </a:bodyPr>
+          <a:lstStyle/>
+          <a:p>
+            <a:r>
+              <a:rPr kumimoji="1" lang="en-US" altLang="ja-JP" dirty="0"/>
+              <a:t>Cultivar A</a:t>
+            </a:r>
+            <a:endParaRPr kumimoji="1" lang="ja-JP" altLang="en-US" dirty="0"/>
+          </a:p>
+        </p:txBody>
+      </p:sp>
+      <p:pic>
+        <p:nvPicPr>
+          <p:cNvPr id="9" name="グラフィックス 8" descr="植物 単色塗りつぶし">
+            <a:extLst>
+              <a:ext uri="{FF2B5EF4-FFF2-40B4-BE49-F238E27FC236}">
+                <a16:creationId xmlns:a16="http://schemas.microsoft.com/office/drawing/2014/main" id="{87FFE9B3-BA50-066E-88E0-6B9745C95BEC}"/>
+              </a:ext>
+            </a:extLst>
+          </p:cNvPr>
+          <p:cNvPicPr>
+            <a:picLocks noChangeAspect="1"/>
+          </p:cNvPicPr>
+          <p:nvPr/>
+        </p:nvPicPr>
+        <p:blipFill>
+          <a:blip r:embed="rId2">
+            <a:extLst>
+              <a:ext uri="{28A0092B-C50C-407E-A947-70E740481C1C}">
+                <a14:useLocalDpi xmlns:a14="http://schemas.microsoft.com/office/drawing/2010/main" val="0"/>
+              </a:ext>
+              <a:ext uri="{96DAC541-7B7A-43D3-8B79-37D633B846F1}">
+                <asvg:svgBlip xmlns:asvg="http://schemas.microsoft.com/office/drawing/2016/SVG/main" r:embed="rId3"/>
+              </a:ext>
+            </a:extLst>
+          </a:blip>
+          <a:stretch>
+            <a:fillRect/>
+          </a:stretch>
+        </p:blipFill>
+        <p:spPr>
+          <a:xfrm>
+            <a:off x="1554000" y="4717239"/>
+            <a:ext cx="914400" cy="914400"/>
+          </a:xfrm>
+          <a:prstGeom prst="rect">
+            <a:avLst/>
+          </a:prstGeom>
+        </p:spPr>
+      </p:pic>
+      <p:pic>
+        <p:nvPicPr>
+          <p:cNvPr id="13" name="グラフィックス 12" descr="植物 単色塗りつぶし">
+            <a:extLst>
+              <a:ext uri="{FF2B5EF4-FFF2-40B4-BE49-F238E27FC236}">
+                <a16:creationId xmlns:a16="http://schemas.microsoft.com/office/drawing/2014/main" id="{37B85F5A-4B67-BD8D-74FD-7A725D15D939}"/>
+              </a:ext>
+            </a:extLst>
+          </p:cNvPr>
+          <p:cNvPicPr>
+            <a:picLocks noChangeAspect="1"/>
+          </p:cNvPicPr>
+          <p:nvPr/>
+        </p:nvPicPr>
+        <p:blipFill>
+          <a:blip r:embed="rId4">
+            <a:extLst>
+              <a:ext uri="{28A0092B-C50C-407E-A947-70E740481C1C}">
+                <a14:useLocalDpi xmlns:a14="http://schemas.microsoft.com/office/drawing/2010/main" val="0"/>
+              </a:ext>
+              <a:ext uri="{96DAC541-7B7A-43D3-8B79-37D633B846F1}">
+                <asvg:svgBlip xmlns:asvg="http://schemas.microsoft.com/office/drawing/2016/SVG/main" r:embed="rId5"/>
+              </a:ext>
+            </a:extLst>
+          </a:blip>
+          <a:stretch>
+            <a:fillRect/>
+          </a:stretch>
+        </p:blipFill>
+        <p:spPr>
+          <a:xfrm>
+            <a:off x="3794643" y="4717239"/>
+            <a:ext cx="914400" cy="914400"/>
+          </a:xfrm>
+          <a:prstGeom prst="rect">
+            <a:avLst/>
+          </a:prstGeom>
+        </p:spPr>
+      </p:pic>
+      <p:sp>
+        <p:nvSpPr>
+          <p:cNvPr id="14" name="テキスト ボックス 13">
+            <a:extLst>
+              <a:ext uri="{FF2B5EF4-FFF2-40B4-BE49-F238E27FC236}">
+                <a16:creationId xmlns:a16="http://schemas.microsoft.com/office/drawing/2014/main" id="{22896927-6320-FC3B-70BC-44DB46CEEF34}"/>
+              </a:ext>
+            </a:extLst>
+          </p:cNvPr>
+          <p:cNvSpPr txBox="1"/>
+          <p:nvPr/>
+        </p:nvSpPr>
+        <p:spPr>
+          <a:xfrm>
+            <a:off x="2363571" y="4851273"/>
+            <a:ext cx="797686" cy="646331"/>
+          </a:xfrm>
+          <a:prstGeom prst="rect">
+            <a:avLst/>
+          </a:prstGeom>
+          <a:noFill/>
+        </p:spPr>
+        <p:txBody>
+          <a:bodyPr wrap="square" rtlCol="0">
+            <a:spAutoFit/>
+          </a:bodyPr>
+          <a:lstStyle/>
+          <a:p>
+            <a:pPr algn="ctr"/>
+            <a:r>
+              <a:rPr kumimoji="1" lang="en-US" altLang="ja-JP" b="1" dirty="0">
+                <a:solidFill>
+                  <a:schemeClr val="accent6"/>
+                </a:solidFill>
+              </a:rPr>
+              <a:t>Green leaf</a:t>
+            </a:r>
+            <a:endParaRPr kumimoji="1" lang="ja-JP" altLang="en-US" b="1" dirty="0">
+              <a:solidFill>
+                <a:schemeClr val="accent6"/>
+              </a:solidFill>
+            </a:endParaRPr>
+          </a:p>
+        </p:txBody>
+      </p:sp>
+      <p:sp>
+        <p:nvSpPr>
+          <p:cNvPr id="16" name="テキスト ボックス 15">
+            <a:extLst>
+              <a:ext uri="{FF2B5EF4-FFF2-40B4-BE49-F238E27FC236}">
+                <a16:creationId xmlns:a16="http://schemas.microsoft.com/office/drawing/2014/main" id="{70AC7AF2-E4FD-F48A-DFEB-C353F581E312}"/>
+              </a:ext>
+            </a:extLst>
+          </p:cNvPr>
+          <p:cNvSpPr txBox="1"/>
+          <p:nvPr/>
+        </p:nvSpPr>
+        <p:spPr>
+          <a:xfrm>
+            <a:off x="3035173" y="4851273"/>
+            <a:ext cx="914400" cy="646331"/>
+          </a:xfrm>
+          <a:prstGeom prst="rect">
+            <a:avLst/>
+          </a:prstGeom>
+          <a:noFill/>
+        </p:spPr>
+        <p:txBody>
+          <a:bodyPr wrap="square" rtlCol="0">
+            <a:spAutoFit/>
+          </a:bodyPr>
+          <a:lstStyle/>
+          <a:p>
+            <a:pPr algn="ctr"/>
+            <a:r>
+              <a:rPr kumimoji="1" lang="en-US" altLang="ja-JP" b="1" dirty="0">
+                <a:solidFill>
+                  <a:schemeClr val="accent4">
+                    <a:lumMod val="75000"/>
+                  </a:schemeClr>
+                </a:solidFill>
+              </a:rPr>
+              <a:t>Brown leaf</a:t>
+            </a:r>
+            <a:endParaRPr kumimoji="1" lang="ja-JP" altLang="en-US" b="1" dirty="0">
+              <a:solidFill>
+                <a:schemeClr val="accent4">
+                  <a:lumMod val="75000"/>
+                </a:schemeClr>
+              </a:solidFill>
+            </a:endParaRPr>
+          </a:p>
+        </p:txBody>
+      </p:sp>
+      <p:pic>
+        <p:nvPicPr>
+          <p:cNvPr id="17" name="図 16" descr="会社名 が含まれている画像&#10;&#10;自動的に生成された説明">
+            <a:extLst>
+              <a:ext uri="{FF2B5EF4-FFF2-40B4-BE49-F238E27FC236}">
+                <a16:creationId xmlns:a16="http://schemas.microsoft.com/office/drawing/2014/main" id="{6FFEC881-119B-D65F-7FD5-A2E7A696488B}"/>
+              </a:ext>
+            </a:extLst>
+          </p:cNvPr>
+          <p:cNvPicPr>
+            <a:picLocks noChangeAspect="1"/>
+          </p:cNvPicPr>
+          <p:nvPr/>
+        </p:nvPicPr>
+        <p:blipFill rotWithShape="1">
+          <a:blip r:embed="rId8">
+            <a:duotone>
+              <a:schemeClr val="accent6">
+                <a:shade val="45000"/>
+                <a:satMod val="135000"/>
+              </a:schemeClr>
+              <a:prstClr val="white"/>
+            </a:duotone>
+            <a:extLst>
+              <a:ext uri="{28A0092B-C50C-407E-A947-70E740481C1C}">
+                <a14:useLocalDpi xmlns:a14="http://schemas.microsoft.com/office/drawing/2010/main" val="0"/>
+              </a:ext>
+            </a:extLst>
+          </a:blip>
+          <a:srcRect l="31833" r="32382"/>
+          <a:stretch/>
+        </p:blipFill>
+        <p:spPr>
+          <a:xfrm rot="2205768">
+            <a:off x="2281890" y="5802364"/>
+            <a:ext cx="330491" cy="646478"/>
+          </a:xfrm>
+          <a:prstGeom prst="rect">
+            <a:avLst/>
+          </a:prstGeom>
+        </p:spPr>
+      </p:pic>
+      <p:pic>
+        <p:nvPicPr>
+          <p:cNvPr id="19" name="図 18" descr="会社名 が含まれている画像&#10;&#10;自動的に生成された説明">
+            <a:extLst>
+              <a:ext uri="{FF2B5EF4-FFF2-40B4-BE49-F238E27FC236}">
+                <a16:creationId xmlns:a16="http://schemas.microsoft.com/office/drawing/2014/main" id="{4497F682-142A-4080-E8FD-CBC6D3D094B2}"/>
+              </a:ext>
+            </a:extLst>
+          </p:cNvPr>
+          <p:cNvPicPr>
+            <a:picLocks noChangeAspect="1"/>
+          </p:cNvPicPr>
+          <p:nvPr/>
+        </p:nvPicPr>
+        <p:blipFill rotWithShape="1">
+          <a:blip r:embed="rId8">
+            <a:duotone>
+              <a:schemeClr val="accent4">
+                <a:shade val="45000"/>
+                <a:satMod val="135000"/>
+              </a:schemeClr>
+              <a:prstClr val="white"/>
+            </a:duotone>
+            <a:extLst>
+              <a:ext uri="{28A0092B-C50C-407E-A947-70E740481C1C}">
+                <a14:useLocalDpi xmlns:a14="http://schemas.microsoft.com/office/drawing/2010/main" val="0"/>
+              </a:ext>
+            </a:extLst>
+          </a:blip>
+          <a:srcRect l="31833" r="32382"/>
+          <a:stretch/>
+        </p:blipFill>
+        <p:spPr>
+          <a:xfrm rot="2205768">
+            <a:off x="3685646" y="5802364"/>
+            <a:ext cx="330491" cy="646478"/>
+          </a:xfrm>
+          <a:prstGeom prst="rect">
+            <a:avLst/>
+          </a:prstGeom>
+        </p:spPr>
+      </p:pic>
+      <p:sp>
+        <p:nvSpPr>
+          <p:cNvPr id="24" name="矢印: 下 23">
+            <a:extLst>
+              <a:ext uri="{FF2B5EF4-FFF2-40B4-BE49-F238E27FC236}">
+                <a16:creationId xmlns:a16="http://schemas.microsoft.com/office/drawing/2014/main" id="{A9E74BB4-6684-BB86-A9BD-FFA9543E9AAF}"/>
+              </a:ext>
+            </a:extLst>
+          </p:cNvPr>
+          <p:cNvSpPr/>
+          <p:nvPr/>
+        </p:nvSpPr>
+        <p:spPr>
+          <a:xfrm rot="19484603">
+            <a:off x="2043132" y="5537278"/>
+            <a:ext cx="375793" cy="372900"/>
+          </a:xfrm>
+          <a:prstGeom prst="downArrow">
+            <a:avLst/>
+          </a:prstGeom>
+        </p:spPr>
+        <p:style>
+          <a:lnRef idx="2">
+            <a:schemeClr val="dk1">
+              <a:shade val="15000"/>
+            </a:schemeClr>
+          </a:lnRef>
+          <a:fillRef idx="1">
+            <a:schemeClr val="dk1"/>
+          </a:fillRef>
+          <a:effectRef idx="0">
+            <a:schemeClr val="dk1"/>
+          </a:effectRef>
+          <a:fontRef idx="minor">
+            <a:schemeClr val="lt1"/>
+          </a:fontRef>
+        </p:style>
+        <p:txBody>
+          <a:bodyPr rtlCol="0" anchor="ctr"/>
+          <a:lstStyle/>
+          <a:p>
+            <a:pPr algn="ctr"/>
+            <a:endParaRPr kumimoji="1" lang="ja-JP" altLang="en-US"/>
+          </a:p>
+        </p:txBody>
+      </p:sp>
+      <p:sp>
+        <p:nvSpPr>
+          <p:cNvPr id="26" name="正方形/長方形 25">
+            <a:extLst>
+              <a:ext uri="{FF2B5EF4-FFF2-40B4-BE49-F238E27FC236}">
+                <a16:creationId xmlns:a16="http://schemas.microsoft.com/office/drawing/2014/main" id="{79C21AF9-6D4C-4D66-28BD-84BE28338C03}"/>
+              </a:ext>
+            </a:extLst>
+          </p:cNvPr>
+          <p:cNvSpPr/>
+          <p:nvPr/>
+        </p:nvSpPr>
+        <p:spPr>
+          <a:xfrm>
+            <a:off x="1966356" y="5631639"/>
+            <a:ext cx="2429091" cy="914401"/>
+          </a:xfrm>
+          <a:prstGeom prst="rect">
+            <a:avLst/>
+          </a:prstGeom>
+          <a:noFill/>
+          <a:ln>
+            <a:solidFill>
+              <a:schemeClr val="tx1"/>
+            </a:solidFill>
+            <a:prstDash val="dash"/>
+          </a:ln>
+        </p:spPr>
+        <p:style>
+          <a:lnRef idx="2">
+            <a:schemeClr val="accent1">
+              <a:shade val="15000"/>
+            </a:schemeClr>
+          </a:lnRef>
+          <a:fillRef idx="1">
+            <a:schemeClr val="accent1"/>
+          </a:fillRef>
+          <a:effectRef idx="0">
+            <a:schemeClr val="accent1"/>
+          </a:effectRef>
+          <a:fontRef idx="minor">
+            <a:schemeClr val="lt1"/>
+          </a:fontRef>
+        </p:style>
+        <p:txBody>
+          <a:bodyPr rtlCol="0" anchor="ctr"/>
+          <a:lstStyle/>
+          <a:p>
+            <a:pPr algn="ctr"/>
+            <a:endParaRPr kumimoji="1" lang="ja-JP" altLang="en-US"/>
+          </a:p>
+        </p:txBody>
+      </p:sp>
+      <p:sp>
+        <p:nvSpPr>
+          <p:cNvPr id="28" name="テキスト ボックス 27">
+            <a:extLst>
+              <a:ext uri="{FF2B5EF4-FFF2-40B4-BE49-F238E27FC236}">
+                <a16:creationId xmlns:a16="http://schemas.microsoft.com/office/drawing/2014/main" id="{F288021C-19C7-1E1C-C118-2BF994C2B51A}"/>
+              </a:ext>
+            </a:extLst>
+          </p:cNvPr>
+          <p:cNvSpPr txBox="1"/>
+          <p:nvPr/>
+        </p:nvSpPr>
+        <p:spPr>
+          <a:xfrm>
+            <a:off x="2731811" y="5967927"/>
+            <a:ext cx="797686" cy="369332"/>
+          </a:xfrm>
+          <a:prstGeom prst="rect">
+            <a:avLst/>
+          </a:prstGeom>
+          <a:noFill/>
+        </p:spPr>
+        <p:txBody>
+          <a:bodyPr wrap="square" rtlCol="0">
+            <a:spAutoFit/>
+          </a:bodyPr>
+          <a:lstStyle/>
+          <a:p>
+            <a:pPr algn="ctr"/>
+            <a:r>
+              <a:rPr kumimoji="1" lang="en-US" altLang="ja-JP" b="1" dirty="0"/>
+              <a:t>vs</a:t>
+            </a:r>
+            <a:endParaRPr kumimoji="1" lang="ja-JP" altLang="en-US" b="1" dirty="0"/>
+          </a:p>
+        </p:txBody>
+      </p:sp>
+      <p:sp>
+        <p:nvSpPr>
+          <p:cNvPr id="30" name="矢印: 下 29">
+            <a:extLst>
+              <a:ext uri="{FF2B5EF4-FFF2-40B4-BE49-F238E27FC236}">
+                <a16:creationId xmlns:a16="http://schemas.microsoft.com/office/drawing/2014/main" id="{860D19B5-0FF4-66C3-1DF8-0108977DE2FF}"/>
+              </a:ext>
+            </a:extLst>
+          </p:cNvPr>
+          <p:cNvSpPr/>
+          <p:nvPr/>
+        </p:nvSpPr>
+        <p:spPr>
+          <a:xfrm rot="2115397" flipH="1">
+            <a:off x="3985545" y="5536862"/>
+            <a:ext cx="375793" cy="363042"/>
+          </a:xfrm>
+          <a:prstGeom prst="downArrow">
+            <a:avLst/>
+          </a:prstGeom>
+        </p:spPr>
+        <p:style>
+          <a:lnRef idx="2">
+            <a:schemeClr val="dk1">
+              <a:shade val="15000"/>
+            </a:schemeClr>
+          </a:lnRef>
+          <a:fillRef idx="1">
+            <a:schemeClr val="dk1"/>
+          </a:fillRef>
+          <a:effectRef idx="0">
+            <a:schemeClr val="dk1"/>
+          </a:effectRef>
+          <a:fontRef idx="minor">
+            <a:schemeClr val="lt1"/>
+          </a:fontRef>
+        </p:style>
+        <p:txBody>
+          <a:bodyPr rtlCol="0" anchor="ctr"/>
+          <a:lstStyle/>
+          <a:p>
+            <a:pPr algn="ctr"/>
+            <a:endParaRPr kumimoji="1" lang="ja-JP" altLang="en-US"/>
+          </a:p>
+        </p:txBody>
+      </p:sp>
+      <p:sp>
+        <p:nvSpPr>
+          <p:cNvPr id="31" name="テキスト ボックス 30">
+            <a:extLst>
+              <a:ext uri="{FF2B5EF4-FFF2-40B4-BE49-F238E27FC236}">
+                <a16:creationId xmlns:a16="http://schemas.microsoft.com/office/drawing/2014/main" id="{9F40802C-ED97-FB3C-7037-69EAAC5BA9E7}"/>
+              </a:ext>
+            </a:extLst>
+          </p:cNvPr>
+          <p:cNvSpPr txBox="1"/>
+          <p:nvPr/>
+        </p:nvSpPr>
+        <p:spPr>
+          <a:xfrm>
+            <a:off x="1286889" y="5914074"/>
+            <a:ext cx="797686" cy="369332"/>
+          </a:xfrm>
+          <a:prstGeom prst="rect">
+            <a:avLst/>
+          </a:prstGeom>
+          <a:noFill/>
+        </p:spPr>
+        <p:txBody>
+          <a:bodyPr wrap="square" rtlCol="0">
+            <a:spAutoFit/>
+          </a:bodyPr>
+          <a:lstStyle/>
+          <a:p>
+            <a:pPr algn="ctr"/>
+            <a:r>
+              <a:rPr kumimoji="1" lang="en-US" altLang="ja-JP" b="1" dirty="0"/>
+              <a:t>DNA</a:t>
+            </a:r>
+            <a:endParaRPr kumimoji="1" lang="ja-JP" altLang="en-US" b="1" dirty="0"/>
+          </a:p>
+        </p:txBody>
+      </p:sp>
+      <p:sp>
+        <p:nvSpPr>
+          <p:cNvPr id="32" name="吹き出し: 角を丸めた四角形 31">
+            <a:extLst>
+              <a:ext uri="{FF2B5EF4-FFF2-40B4-BE49-F238E27FC236}">
+                <a16:creationId xmlns:a16="http://schemas.microsoft.com/office/drawing/2014/main" id="{D3A9D2DC-839C-0249-BDC3-60143ACA9608}"/>
+              </a:ext>
+            </a:extLst>
+          </p:cNvPr>
+          <p:cNvSpPr/>
+          <p:nvPr/>
+        </p:nvSpPr>
+        <p:spPr>
+          <a:xfrm>
+            <a:off x="363867" y="6846577"/>
+            <a:ext cx="2791255" cy="210916"/>
+          </a:xfrm>
+          <a:prstGeom prst="wedgeRoundRectCallout">
+            <a:avLst>
+              <a:gd name="adj1" fmla="val 19747"/>
+              <a:gd name="adj2" fmla="val -229635"/>
+              <a:gd name="adj3" fmla="val 16667"/>
+            </a:avLst>
+          </a:prstGeom>
+        </p:spPr>
+        <p:style>
+          <a:lnRef idx="2">
+            <a:schemeClr val="dk1">
+              <a:shade val="50000"/>
+            </a:schemeClr>
+          </a:lnRef>
+          <a:fillRef idx="1">
+            <a:schemeClr val="dk1"/>
+          </a:fillRef>
+          <a:effectRef idx="0">
+            <a:schemeClr val="dk1"/>
+          </a:effectRef>
+          <a:fontRef idx="minor">
+            <a:schemeClr val="lt1"/>
+          </a:fontRef>
+        </p:style>
+        <p:txBody>
+          <a:bodyPr rtlCol="0" anchor="ctr"/>
+          <a:lstStyle/>
+          <a:p>
+            <a:pPr algn="ctr"/>
+            <a:r>
+              <a:rPr kumimoji="1" lang="en-US" altLang="ja-JP" dirty="0"/>
+              <a:t>ATGCATGCATGCATGCATGC…</a:t>
+            </a:r>
+            <a:endParaRPr kumimoji="1" lang="ja-JP" altLang="en-US" dirty="0"/>
+          </a:p>
+        </p:txBody>
+      </p:sp>
+      <p:sp>
+        <p:nvSpPr>
+          <p:cNvPr id="34" name="テキスト ボックス 33">
+            <a:extLst>
+              <a:ext uri="{FF2B5EF4-FFF2-40B4-BE49-F238E27FC236}">
+                <a16:creationId xmlns:a16="http://schemas.microsoft.com/office/drawing/2014/main" id="{4DA88D91-3C59-35FE-5341-C3BE560DA654}"/>
+              </a:ext>
+            </a:extLst>
+          </p:cNvPr>
+          <p:cNvSpPr txBox="1"/>
+          <p:nvPr/>
+        </p:nvSpPr>
+        <p:spPr>
+          <a:xfrm>
+            <a:off x="360465" y="6524556"/>
+            <a:ext cx="2017221" cy="307777"/>
+          </a:xfrm>
+          <a:prstGeom prst="rect">
+            <a:avLst/>
+          </a:prstGeom>
+          <a:noFill/>
+          <a:ln w="12700">
+            <a:noFill/>
+          </a:ln>
+        </p:spPr>
+        <p:txBody>
+          <a:bodyPr wrap="square" rtlCol="0">
+            <a:spAutoFit/>
+          </a:bodyPr>
+          <a:lstStyle/>
+          <a:p>
+            <a:r>
+              <a:rPr kumimoji="1" lang="en-US" altLang="ja-JP" sz="1400" dirty="0"/>
+              <a:t>Reference genome</a:t>
+            </a:r>
+            <a:endParaRPr kumimoji="1" lang="ja-JP" altLang="en-US" sz="1400" dirty="0"/>
+          </a:p>
+        </p:txBody>
+      </p:sp>
+      <p:sp>
+        <p:nvSpPr>
+          <p:cNvPr id="35" name="フリーフォーム: 図形 34">
+            <a:extLst>
+              <a:ext uri="{FF2B5EF4-FFF2-40B4-BE49-F238E27FC236}">
+                <a16:creationId xmlns:a16="http://schemas.microsoft.com/office/drawing/2014/main" id="{1F00D350-C1C6-C677-66EB-486F74002E96}"/>
+              </a:ext>
+            </a:extLst>
+          </p:cNvPr>
+          <p:cNvSpPr/>
+          <p:nvPr/>
+        </p:nvSpPr>
+        <p:spPr>
+          <a:xfrm>
+            <a:off x="3990975" y="6248400"/>
+            <a:ext cx="257315" cy="542925"/>
+          </a:xfrm>
+          <a:custGeom>
+            <a:avLst/>
+            <a:gdLst>
+              <a:gd name="connsiteX0" fmla="*/ 0 w 257315"/>
+              <a:gd name="connsiteY0" fmla="*/ 0 h 542925"/>
+              <a:gd name="connsiteX1" fmla="*/ 257175 w 257315"/>
+              <a:gd name="connsiteY1" fmla="*/ 228600 h 542925"/>
+              <a:gd name="connsiteX2" fmla="*/ 28575 w 257315"/>
+              <a:gd name="connsiteY2" fmla="*/ 542925 h 542925"/>
+            </a:gdLst>
+            <a:ahLst/>
+            <a:cxnLst>
+              <a:cxn ang="0">
+                <a:pos x="connsiteX0" y="connsiteY0"/>
+              </a:cxn>
+              <a:cxn ang="0">
+                <a:pos x="connsiteX1" y="connsiteY1"/>
+              </a:cxn>
+              <a:cxn ang="0">
+                <a:pos x="connsiteX2" y="connsiteY2"/>
+              </a:cxn>
+            </a:cxnLst>
+            <a:rect l="l" t="t" r="r" b="b"/>
+            <a:pathLst>
+              <a:path w="257315" h="542925">
+                <a:moveTo>
+                  <a:pt x="0" y="0"/>
+                </a:moveTo>
+                <a:cubicBezTo>
+                  <a:pt x="126206" y="69056"/>
+                  <a:pt x="252413" y="138113"/>
+                  <a:pt x="257175" y="228600"/>
+                </a:cubicBezTo>
+                <a:cubicBezTo>
+                  <a:pt x="261937" y="319087"/>
+                  <a:pt x="145256" y="431006"/>
+                  <a:pt x="28575" y="542925"/>
+                </a:cubicBezTo>
+              </a:path>
+            </a:pathLst>
+          </a:custGeom>
+          <a:ln w="28575">
+            <a:headEnd type="none" w="med" len="med"/>
+            <a:tailEnd type="arrow" w="med" len="med"/>
+          </a:ln>
+        </p:spPr>
+        <p:style>
+          <a:lnRef idx="1">
+            <a:schemeClr val="dk1"/>
+          </a:lnRef>
+          <a:fillRef idx="0">
+            <a:schemeClr val="dk1"/>
+          </a:fillRef>
+          <a:effectRef idx="0">
+            <a:schemeClr val="dk1"/>
+          </a:effectRef>
+          <a:fontRef idx="minor">
+            <a:schemeClr val="tx1"/>
+          </a:fontRef>
+        </p:style>
+        <p:txBody>
+          <a:bodyPr rtlCol="0" anchor="ctr"/>
+          <a:lstStyle/>
+          <a:p>
+            <a:pPr algn="ctr"/>
+            <a:endParaRPr kumimoji="1" lang="ja-JP" altLang="en-US"/>
+          </a:p>
+        </p:txBody>
+      </p:sp>
+      <p:sp>
+        <p:nvSpPr>
+          <p:cNvPr id="36" name="テキスト ボックス 35">
+            <a:extLst>
+              <a:ext uri="{FF2B5EF4-FFF2-40B4-BE49-F238E27FC236}">
+                <a16:creationId xmlns:a16="http://schemas.microsoft.com/office/drawing/2014/main" id="{A43FB3EB-9776-CD47-6F9F-AD2DA5DF2BAD}"/>
+              </a:ext>
+            </a:extLst>
+          </p:cNvPr>
+          <p:cNvSpPr txBox="1"/>
+          <p:nvPr/>
+        </p:nvSpPr>
+        <p:spPr>
+          <a:xfrm>
+            <a:off x="4173442" y="6535298"/>
+            <a:ext cx="1105202" cy="307777"/>
+          </a:xfrm>
+          <a:prstGeom prst="rect">
+            <a:avLst/>
+          </a:prstGeom>
+          <a:noFill/>
+          <a:ln w="12700">
+            <a:noFill/>
+          </a:ln>
+        </p:spPr>
+        <p:txBody>
+          <a:bodyPr wrap="square" rtlCol="0">
+            <a:spAutoFit/>
+          </a:bodyPr>
+          <a:lstStyle/>
+          <a:p>
+            <a:r>
+              <a:rPr kumimoji="1" lang="en-US" altLang="ja-JP" sz="1400" dirty="0"/>
+              <a:t>Sequencing</a:t>
+            </a:r>
+            <a:endParaRPr kumimoji="1" lang="ja-JP" altLang="en-US" sz="1400" dirty="0"/>
+          </a:p>
+        </p:txBody>
+      </p:sp>
+      <p:sp>
+        <p:nvSpPr>
+          <p:cNvPr id="39" name="吹き出し: 角を丸めた四角形 38">
+            <a:extLst>
+              <a:ext uri="{FF2B5EF4-FFF2-40B4-BE49-F238E27FC236}">
+                <a16:creationId xmlns:a16="http://schemas.microsoft.com/office/drawing/2014/main" id="{3FB3920E-19C7-D27A-28E3-A6CA22D2CA67}"/>
+              </a:ext>
+            </a:extLst>
+          </p:cNvPr>
+          <p:cNvSpPr/>
+          <p:nvPr/>
+        </p:nvSpPr>
+        <p:spPr>
+          <a:xfrm>
+            <a:off x="3605249" y="6846577"/>
+            <a:ext cx="1345630" cy="218078"/>
+          </a:xfrm>
+          <a:prstGeom prst="wedgeRoundRectCallout">
+            <a:avLst>
+              <a:gd name="adj1" fmla="val 20430"/>
+              <a:gd name="adj2" fmla="val -48994"/>
+              <a:gd name="adj3" fmla="val 16667"/>
+            </a:avLst>
+          </a:prstGeom>
+        </p:spPr>
+        <p:style>
+          <a:lnRef idx="2">
+            <a:schemeClr val="dk1">
+              <a:shade val="50000"/>
+            </a:schemeClr>
+          </a:lnRef>
+          <a:fillRef idx="1">
+            <a:schemeClr val="dk1"/>
+          </a:fillRef>
+          <a:effectRef idx="0">
+            <a:schemeClr val="dk1"/>
+          </a:effectRef>
+          <a:fontRef idx="minor">
+            <a:schemeClr val="lt1"/>
+          </a:fontRef>
+        </p:style>
+        <p:txBody>
+          <a:bodyPr rtlCol="0" anchor="ctr"/>
+          <a:lstStyle/>
+          <a:p>
+            <a:pPr algn="ctr"/>
+            <a:r>
+              <a:rPr kumimoji="1" lang="en-US" altLang="ja-JP" dirty="0"/>
+              <a:t>??????…</a:t>
+            </a:r>
+            <a:endParaRPr kumimoji="1" lang="ja-JP" altLang="en-US" dirty="0"/>
+          </a:p>
+        </p:txBody>
+      </p:sp>
+      <p:sp>
+        <p:nvSpPr>
+          <p:cNvPr id="41" name="テキスト ボックス 40">
+            <a:extLst>
+              <a:ext uri="{FF2B5EF4-FFF2-40B4-BE49-F238E27FC236}">
+                <a16:creationId xmlns:a16="http://schemas.microsoft.com/office/drawing/2014/main" id="{DF3DA7D2-A83A-598E-0057-841809AAA21E}"/>
+              </a:ext>
+            </a:extLst>
+          </p:cNvPr>
+          <p:cNvSpPr txBox="1"/>
+          <p:nvPr/>
+        </p:nvSpPr>
+        <p:spPr>
+          <a:xfrm>
+            <a:off x="2990868" y="6767369"/>
+            <a:ext cx="797686" cy="369332"/>
+          </a:xfrm>
+          <a:prstGeom prst="rect">
+            <a:avLst/>
+          </a:prstGeom>
+          <a:noFill/>
+        </p:spPr>
+        <p:txBody>
+          <a:bodyPr wrap="square" rtlCol="0">
+            <a:spAutoFit/>
+          </a:bodyPr>
+          <a:lstStyle/>
+          <a:p>
+            <a:pPr algn="ctr"/>
+            <a:r>
+              <a:rPr kumimoji="1" lang="en-US" altLang="ja-JP" b="1" dirty="0"/>
+              <a:t>vs</a:t>
             </a:r>
             <a:endParaRPr kumimoji="1" lang="ja-JP" altLang="en-US" b="1" dirty="0"/>
           </a:p>

--- a/FAO_2024/mutmapqtlseq.pptx
+++ b/FAO_2024/mutmapqtlseq.pptx
@@ -26901,6 +26901,1867 @@
           </a:p>
         </p:txBody>
       </p:sp>
+      <p:sp>
+        <p:nvSpPr>
+          <p:cNvPr id="2" name="テキスト ボックス 1">
+            <a:extLst>
+              <a:ext uri="{FF2B5EF4-FFF2-40B4-BE49-F238E27FC236}">
+                <a16:creationId xmlns:a16="http://schemas.microsoft.com/office/drawing/2014/main" id="{5A52CB66-9DBF-B491-B289-570BE8FE48CA}"/>
+              </a:ext>
+            </a:extLst>
+          </p:cNvPr>
+          <p:cNvSpPr txBox="1"/>
+          <p:nvPr/>
+        </p:nvSpPr>
+        <p:spPr>
+          <a:xfrm>
+            <a:off x="807935" y="3617112"/>
+            <a:ext cx="1105202" cy="369332"/>
+          </a:xfrm>
+          <a:prstGeom prst="rect">
+            <a:avLst/>
+          </a:prstGeom>
+          <a:noFill/>
+        </p:spPr>
+        <p:txBody>
+          <a:bodyPr wrap="square" rtlCol="0">
+            <a:spAutoFit/>
+          </a:bodyPr>
+          <a:lstStyle/>
+          <a:p>
+            <a:r>
+              <a:rPr kumimoji="1" lang="en-US" altLang="ja-JP" dirty="0"/>
+              <a:t>Cultivar A</a:t>
+            </a:r>
+            <a:endParaRPr kumimoji="1" lang="ja-JP" altLang="en-US" dirty="0"/>
+          </a:p>
+        </p:txBody>
+      </p:sp>
+      <p:pic>
+        <p:nvPicPr>
+          <p:cNvPr id="3" name="グラフィックス 2" descr="植物 単色塗りつぶし">
+            <a:extLst>
+              <a:ext uri="{FF2B5EF4-FFF2-40B4-BE49-F238E27FC236}">
+                <a16:creationId xmlns:a16="http://schemas.microsoft.com/office/drawing/2014/main" id="{8896E4E2-88D1-F865-8D42-B6B10EFA0CA1}"/>
+              </a:ext>
+            </a:extLst>
+          </p:cNvPr>
+          <p:cNvPicPr>
+            <a:picLocks noChangeAspect="1"/>
+          </p:cNvPicPr>
+          <p:nvPr/>
+        </p:nvPicPr>
+        <p:blipFill>
+          <a:blip r:embed="rId3">
+            <a:extLst>
+              <a:ext uri="{28A0092B-C50C-407E-A947-70E740481C1C}">
+                <a14:useLocalDpi xmlns:a14="http://schemas.microsoft.com/office/drawing/2010/main" val="0"/>
+              </a:ext>
+              <a:ext uri="{96DAC541-7B7A-43D3-8B79-37D633B846F1}">
+                <asvg:svgBlip xmlns:asvg="http://schemas.microsoft.com/office/drawing/2016/SVG/main" r:embed="rId4"/>
+              </a:ext>
+            </a:extLst>
+          </a:blip>
+          <a:stretch>
+            <a:fillRect/>
+          </a:stretch>
+        </p:blipFill>
+        <p:spPr>
+          <a:xfrm>
+            <a:off x="1721757" y="3295064"/>
+            <a:ext cx="914400" cy="914400"/>
+          </a:xfrm>
+          <a:prstGeom prst="rect">
+            <a:avLst/>
+          </a:prstGeom>
+        </p:spPr>
+      </p:pic>
+      <p:pic>
+        <p:nvPicPr>
+          <p:cNvPr id="4" name="グラフィックス 3" descr="植物 単色塗りつぶし">
+            <a:extLst>
+              <a:ext uri="{FF2B5EF4-FFF2-40B4-BE49-F238E27FC236}">
+                <a16:creationId xmlns:a16="http://schemas.microsoft.com/office/drawing/2014/main" id="{00BB5179-6F7B-62F0-C631-04E332E46A75}"/>
+              </a:ext>
+            </a:extLst>
+          </p:cNvPr>
+          <p:cNvPicPr>
+            <a:picLocks noChangeAspect="1"/>
+          </p:cNvPicPr>
+          <p:nvPr/>
+        </p:nvPicPr>
+        <p:blipFill>
+          <a:blip r:embed="rId5">
+            <a:extLst>
+              <a:ext uri="{28A0092B-C50C-407E-A947-70E740481C1C}">
+                <a14:useLocalDpi xmlns:a14="http://schemas.microsoft.com/office/drawing/2010/main" val="0"/>
+              </a:ext>
+              <a:ext uri="{96DAC541-7B7A-43D3-8B79-37D633B846F1}">
+                <asvg:svgBlip xmlns:asvg="http://schemas.microsoft.com/office/drawing/2016/SVG/main" r:embed="rId6"/>
+              </a:ext>
+            </a:extLst>
+          </a:blip>
+          <a:stretch>
+            <a:fillRect/>
+          </a:stretch>
+        </p:blipFill>
+        <p:spPr>
+          <a:xfrm>
+            <a:off x="3962400" y="3295064"/>
+            <a:ext cx="914400" cy="914400"/>
+          </a:xfrm>
+          <a:prstGeom prst="rect">
+            <a:avLst/>
+          </a:prstGeom>
+        </p:spPr>
+      </p:pic>
+      <p:sp>
+        <p:nvSpPr>
+          <p:cNvPr id="5" name="テキスト ボックス 4">
+            <a:extLst>
+              <a:ext uri="{FF2B5EF4-FFF2-40B4-BE49-F238E27FC236}">
+                <a16:creationId xmlns:a16="http://schemas.microsoft.com/office/drawing/2014/main" id="{997C7440-D927-3AD5-1E9C-13E55EF849B9}"/>
+              </a:ext>
+            </a:extLst>
+          </p:cNvPr>
+          <p:cNvSpPr txBox="1"/>
+          <p:nvPr/>
+        </p:nvSpPr>
+        <p:spPr>
+          <a:xfrm>
+            <a:off x="2531328" y="3429098"/>
+            <a:ext cx="797686" cy="646331"/>
+          </a:xfrm>
+          <a:prstGeom prst="rect">
+            <a:avLst/>
+          </a:prstGeom>
+          <a:noFill/>
+        </p:spPr>
+        <p:txBody>
+          <a:bodyPr wrap="square" rtlCol="0">
+            <a:spAutoFit/>
+          </a:bodyPr>
+          <a:lstStyle/>
+          <a:p>
+            <a:pPr algn="ctr"/>
+            <a:r>
+              <a:rPr kumimoji="1" lang="en-US" altLang="ja-JP" b="1" dirty="0">
+                <a:solidFill>
+                  <a:schemeClr val="accent6"/>
+                </a:solidFill>
+              </a:rPr>
+              <a:t>Green leaf</a:t>
+            </a:r>
+            <a:endParaRPr kumimoji="1" lang="ja-JP" altLang="en-US" b="1" dirty="0">
+              <a:solidFill>
+                <a:schemeClr val="accent6"/>
+              </a:solidFill>
+            </a:endParaRPr>
+          </a:p>
+        </p:txBody>
+      </p:sp>
+      <p:sp>
+        <p:nvSpPr>
+          <p:cNvPr id="6" name="テキスト ボックス 5">
+            <a:extLst>
+              <a:ext uri="{FF2B5EF4-FFF2-40B4-BE49-F238E27FC236}">
+                <a16:creationId xmlns:a16="http://schemas.microsoft.com/office/drawing/2014/main" id="{5DCC0C21-B656-B501-A27B-682B2F2C0480}"/>
+              </a:ext>
+            </a:extLst>
+          </p:cNvPr>
+          <p:cNvSpPr txBox="1"/>
+          <p:nvPr/>
+        </p:nvSpPr>
+        <p:spPr>
+          <a:xfrm>
+            <a:off x="3202930" y="3429098"/>
+            <a:ext cx="914400" cy="646331"/>
+          </a:xfrm>
+          <a:prstGeom prst="rect">
+            <a:avLst/>
+          </a:prstGeom>
+          <a:noFill/>
+        </p:spPr>
+        <p:txBody>
+          <a:bodyPr wrap="square" rtlCol="0">
+            <a:spAutoFit/>
+          </a:bodyPr>
+          <a:lstStyle/>
+          <a:p>
+            <a:pPr algn="ctr"/>
+            <a:r>
+              <a:rPr kumimoji="1" lang="en-US" altLang="ja-JP" b="1" dirty="0">
+                <a:solidFill>
+                  <a:schemeClr val="accent4">
+                    <a:lumMod val="75000"/>
+                  </a:schemeClr>
+                </a:solidFill>
+              </a:rPr>
+              <a:t>Brown leaf</a:t>
+            </a:r>
+            <a:endParaRPr kumimoji="1" lang="ja-JP" altLang="en-US" b="1" dirty="0">
+              <a:solidFill>
+                <a:schemeClr val="accent4">
+                  <a:lumMod val="75000"/>
+                </a:schemeClr>
+              </a:solidFill>
+            </a:endParaRPr>
+          </a:p>
+        </p:txBody>
+      </p:sp>
+      <p:pic>
+        <p:nvPicPr>
+          <p:cNvPr id="7" name="図 6" descr="会社名 が含まれている画像&#10;&#10;自動的に生成された説明">
+            <a:extLst>
+              <a:ext uri="{FF2B5EF4-FFF2-40B4-BE49-F238E27FC236}">
+                <a16:creationId xmlns:a16="http://schemas.microsoft.com/office/drawing/2014/main" id="{BB511F6C-2218-386A-E1F9-96F5B1CA7977}"/>
+              </a:ext>
+            </a:extLst>
+          </p:cNvPr>
+          <p:cNvPicPr>
+            <a:picLocks noChangeAspect="1"/>
+          </p:cNvPicPr>
+          <p:nvPr/>
+        </p:nvPicPr>
+        <p:blipFill rotWithShape="1">
+          <a:blip r:embed="rId2">
+            <a:duotone>
+              <a:schemeClr val="accent6">
+                <a:shade val="45000"/>
+                <a:satMod val="135000"/>
+              </a:schemeClr>
+              <a:prstClr val="white"/>
+            </a:duotone>
+            <a:extLst>
+              <a:ext uri="{28A0092B-C50C-407E-A947-70E740481C1C}">
+                <a14:useLocalDpi xmlns:a14="http://schemas.microsoft.com/office/drawing/2010/main" val="0"/>
+              </a:ext>
+            </a:extLst>
+          </a:blip>
+          <a:srcRect l="31833" r="32382"/>
+          <a:stretch/>
+        </p:blipFill>
+        <p:spPr>
+          <a:xfrm rot="2205768">
+            <a:off x="2449647" y="4380189"/>
+            <a:ext cx="330491" cy="646478"/>
+          </a:xfrm>
+          <a:prstGeom prst="rect">
+            <a:avLst/>
+          </a:prstGeom>
+        </p:spPr>
+      </p:pic>
+      <p:pic>
+        <p:nvPicPr>
+          <p:cNvPr id="8" name="図 7" descr="会社名 が含まれている画像&#10;&#10;自動的に生成された説明">
+            <a:extLst>
+              <a:ext uri="{FF2B5EF4-FFF2-40B4-BE49-F238E27FC236}">
+                <a16:creationId xmlns:a16="http://schemas.microsoft.com/office/drawing/2014/main" id="{2C313168-C0BC-D81A-105F-D5369846D7B5}"/>
+              </a:ext>
+            </a:extLst>
+          </p:cNvPr>
+          <p:cNvPicPr>
+            <a:picLocks noChangeAspect="1"/>
+          </p:cNvPicPr>
+          <p:nvPr/>
+        </p:nvPicPr>
+        <p:blipFill rotWithShape="1">
+          <a:blip r:embed="rId2">
+            <a:duotone>
+              <a:schemeClr val="accent4">
+                <a:shade val="45000"/>
+                <a:satMod val="135000"/>
+              </a:schemeClr>
+              <a:prstClr val="white"/>
+            </a:duotone>
+            <a:extLst>
+              <a:ext uri="{28A0092B-C50C-407E-A947-70E740481C1C}">
+                <a14:useLocalDpi xmlns:a14="http://schemas.microsoft.com/office/drawing/2010/main" val="0"/>
+              </a:ext>
+            </a:extLst>
+          </a:blip>
+          <a:srcRect l="31833" r="32382"/>
+          <a:stretch/>
+        </p:blipFill>
+        <p:spPr>
+          <a:xfrm rot="2205768">
+            <a:off x="3853403" y="4380189"/>
+            <a:ext cx="330491" cy="646478"/>
+          </a:xfrm>
+          <a:prstGeom prst="rect">
+            <a:avLst/>
+          </a:prstGeom>
+        </p:spPr>
+      </p:pic>
+      <p:sp>
+        <p:nvSpPr>
+          <p:cNvPr id="9" name="矢印: 下 8">
+            <a:extLst>
+              <a:ext uri="{FF2B5EF4-FFF2-40B4-BE49-F238E27FC236}">
+                <a16:creationId xmlns:a16="http://schemas.microsoft.com/office/drawing/2014/main" id="{BF22E6AE-CE06-195F-347F-62C924910ADA}"/>
+              </a:ext>
+            </a:extLst>
+          </p:cNvPr>
+          <p:cNvSpPr/>
+          <p:nvPr/>
+        </p:nvSpPr>
+        <p:spPr>
+          <a:xfrm rot="19484603">
+            <a:off x="2210889" y="4115103"/>
+            <a:ext cx="375793" cy="372900"/>
+          </a:xfrm>
+          <a:prstGeom prst="downArrow">
+            <a:avLst/>
+          </a:prstGeom>
+        </p:spPr>
+        <p:style>
+          <a:lnRef idx="2">
+            <a:schemeClr val="dk1">
+              <a:shade val="15000"/>
+            </a:schemeClr>
+          </a:lnRef>
+          <a:fillRef idx="1">
+            <a:schemeClr val="dk1"/>
+          </a:fillRef>
+          <a:effectRef idx="0">
+            <a:schemeClr val="dk1"/>
+          </a:effectRef>
+          <a:fontRef idx="minor">
+            <a:schemeClr val="lt1"/>
+          </a:fontRef>
+        </p:style>
+        <p:txBody>
+          <a:bodyPr rtlCol="0" anchor="ctr"/>
+          <a:lstStyle/>
+          <a:p>
+            <a:pPr algn="ctr"/>
+            <a:endParaRPr kumimoji="1" lang="ja-JP" altLang="en-US"/>
+          </a:p>
+        </p:txBody>
+      </p:sp>
+      <p:sp>
+        <p:nvSpPr>
+          <p:cNvPr id="12" name="テキスト ボックス 11">
+            <a:extLst>
+              <a:ext uri="{FF2B5EF4-FFF2-40B4-BE49-F238E27FC236}">
+                <a16:creationId xmlns:a16="http://schemas.microsoft.com/office/drawing/2014/main" id="{0B60E4B8-83CB-CAA1-A2DD-20DB8187600E}"/>
+              </a:ext>
+            </a:extLst>
+          </p:cNvPr>
+          <p:cNvSpPr txBox="1"/>
+          <p:nvPr/>
+        </p:nvSpPr>
+        <p:spPr>
+          <a:xfrm>
+            <a:off x="2899568" y="4545752"/>
+            <a:ext cx="797686" cy="369332"/>
+          </a:xfrm>
+          <a:prstGeom prst="rect">
+            <a:avLst/>
+          </a:prstGeom>
+          <a:noFill/>
+        </p:spPr>
+        <p:txBody>
+          <a:bodyPr wrap="square" rtlCol="0">
+            <a:spAutoFit/>
+          </a:bodyPr>
+          <a:lstStyle/>
+          <a:p>
+            <a:pPr algn="ctr"/>
+            <a:r>
+              <a:rPr kumimoji="1" lang="en-US" altLang="ja-JP" b="1" dirty="0"/>
+              <a:t>vs</a:t>
+            </a:r>
+            <a:endParaRPr kumimoji="1" lang="ja-JP" altLang="en-US" b="1" dirty="0"/>
+          </a:p>
+        </p:txBody>
+      </p:sp>
+      <p:sp>
+        <p:nvSpPr>
+          <p:cNvPr id="13" name="矢印: 下 12">
+            <a:extLst>
+              <a:ext uri="{FF2B5EF4-FFF2-40B4-BE49-F238E27FC236}">
+                <a16:creationId xmlns:a16="http://schemas.microsoft.com/office/drawing/2014/main" id="{02AE2827-762D-BC8F-DAD4-6893FD508A20}"/>
+              </a:ext>
+            </a:extLst>
+          </p:cNvPr>
+          <p:cNvSpPr/>
+          <p:nvPr/>
+        </p:nvSpPr>
+        <p:spPr>
+          <a:xfrm rot="2115397" flipH="1">
+            <a:off x="4153302" y="4114687"/>
+            <a:ext cx="375793" cy="363042"/>
+          </a:xfrm>
+          <a:prstGeom prst="downArrow">
+            <a:avLst/>
+          </a:prstGeom>
+        </p:spPr>
+        <p:style>
+          <a:lnRef idx="2">
+            <a:schemeClr val="dk1">
+              <a:shade val="15000"/>
+            </a:schemeClr>
+          </a:lnRef>
+          <a:fillRef idx="1">
+            <a:schemeClr val="dk1"/>
+          </a:fillRef>
+          <a:effectRef idx="0">
+            <a:schemeClr val="dk1"/>
+          </a:effectRef>
+          <a:fontRef idx="minor">
+            <a:schemeClr val="lt1"/>
+          </a:fontRef>
+        </p:style>
+        <p:txBody>
+          <a:bodyPr rtlCol="0" anchor="ctr"/>
+          <a:lstStyle/>
+          <a:p>
+            <a:pPr algn="ctr"/>
+            <a:endParaRPr kumimoji="1" lang="ja-JP" altLang="en-US"/>
+          </a:p>
+        </p:txBody>
+      </p:sp>
+      <p:sp>
+        <p:nvSpPr>
+          <p:cNvPr id="14" name="テキスト ボックス 13">
+            <a:extLst>
+              <a:ext uri="{FF2B5EF4-FFF2-40B4-BE49-F238E27FC236}">
+                <a16:creationId xmlns:a16="http://schemas.microsoft.com/office/drawing/2014/main" id="{DD054D29-801D-BC0F-D241-0E40ACCCBB8C}"/>
+              </a:ext>
+            </a:extLst>
+          </p:cNvPr>
+          <p:cNvSpPr txBox="1"/>
+          <p:nvPr/>
+        </p:nvSpPr>
+        <p:spPr>
+          <a:xfrm>
+            <a:off x="1454646" y="4491899"/>
+            <a:ext cx="797686" cy="369332"/>
+          </a:xfrm>
+          <a:prstGeom prst="rect">
+            <a:avLst/>
+          </a:prstGeom>
+          <a:noFill/>
+        </p:spPr>
+        <p:txBody>
+          <a:bodyPr wrap="square" rtlCol="0">
+            <a:spAutoFit/>
+          </a:bodyPr>
+          <a:lstStyle/>
+          <a:p>
+            <a:pPr algn="ctr"/>
+            <a:r>
+              <a:rPr kumimoji="1" lang="en-US" altLang="ja-JP" b="1" dirty="0"/>
+              <a:t>DNA</a:t>
+            </a:r>
+            <a:endParaRPr kumimoji="1" lang="ja-JP" altLang="en-US" b="1" dirty="0"/>
+          </a:p>
+        </p:txBody>
+      </p:sp>
+      <p:sp>
+        <p:nvSpPr>
+          <p:cNvPr id="16" name="テキスト ボックス 15">
+            <a:extLst>
+              <a:ext uri="{FF2B5EF4-FFF2-40B4-BE49-F238E27FC236}">
+                <a16:creationId xmlns:a16="http://schemas.microsoft.com/office/drawing/2014/main" id="{85E8FC3E-6700-F877-DF30-C6FD573AB3F2}"/>
+              </a:ext>
+            </a:extLst>
+          </p:cNvPr>
+          <p:cNvSpPr txBox="1"/>
+          <p:nvPr/>
+        </p:nvSpPr>
+        <p:spPr>
+          <a:xfrm>
+            <a:off x="528222" y="5102381"/>
+            <a:ext cx="2017221" cy="307777"/>
+          </a:xfrm>
+          <a:prstGeom prst="rect">
+            <a:avLst/>
+          </a:prstGeom>
+          <a:noFill/>
+          <a:ln w="12700">
+            <a:noFill/>
+          </a:ln>
+        </p:spPr>
+        <p:txBody>
+          <a:bodyPr wrap="square" rtlCol="0">
+            <a:spAutoFit/>
+          </a:bodyPr>
+          <a:lstStyle/>
+          <a:p>
+            <a:r>
+              <a:rPr kumimoji="1" lang="en-US" altLang="ja-JP" sz="1400" dirty="0"/>
+              <a:t>Reference genome</a:t>
+            </a:r>
+            <a:endParaRPr kumimoji="1" lang="ja-JP" altLang="en-US" sz="1400" dirty="0"/>
+          </a:p>
+        </p:txBody>
+      </p:sp>
+      <p:sp>
+        <p:nvSpPr>
+          <p:cNvPr id="17" name="フリーフォーム: 図形 16">
+            <a:extLst>
+              <a:ext uri="{FF2B5EF4-FFF2-40B4-BE49-F238E27FC236}">
+                <a16:creationId xmlns:a16="http://schemas.microsoft.com/office/drawing/2014/main" id="{420B60D9-9A92-E836-0807-B90EDE4413D0}"/>
+              </a:ext>
+            </a:extLst>
+          </p:cNvPr>
+          <p:cNvSpPr/>
+          <p:nvPr/>
+        </p:nvSpPr>
+        <p:spPr>
+          <a:xfrm>
+            <a:off x="4158732" y="4826225"/>
+            <a:ext cx="257315" cy="542925"/>
+          </a:xfrm>
+          <a:custGeom>
+            <a:avLst/>
+            <a:gdLst>
+              <a:gd name="connsiteX0" fmla="*/ 0 w 257315"/>
+              <a:gd name="connsiteY0" fmla="*/ 0 h 542925"/>
+              <a:gd name="connsiteX1" fmla="*/ 257175 w 257315"/>
+              <a:gd name="connsiteY1" fmla="*/ 228600 h 542925"/>
+              <a:gd name="connsiteX2" fmla="*/ 28575 w 257315"/>
+              <a:gd name="connsiteY2" fmla="*/ 542925 h 542925"/>
+            </a:gdLst>
+            <a:ahLst/>
+            <a:cxnLst>
+              <a:cxn ang="0">
+                <a:pos x="connsiteX0" y="connsiteY0"/>
+              </a:cxn>
+              <a:cxn ang="0">
+                <a:pos x="connsiteX1" y="connsiteY1"/>
+              </a:cxn>
+              <a:cxn ang="0">
+                <a:pos x="connsiteX2" y="connsiteY2"/>
+              </a:cxn>
+            </a:cxnLst>
+            <a:rect l="l" t="t" r="r" b="b"/>
+            <a:pathLst>
+              <a:path w="257315" h="542925">
+                <a:moveTo>
+                  <a:pt x="0" y="0"/>
+                </a:moveTo>
+                <a:cubicBezTo>
+                  <a:pt x="126206" y="69056"/>
+                  <a:pt x="252413" y="138113"/>
+                  <a:pt x="257175" y="228600"/>
+                </a:cubicBezTo>
+                <a:cubicBezTo>
+                  <a:pt x="261937" y="319087"/>
+                  <a:pt x="145256" y="431006"/>
+                  <a:pt x="28575" y="542925"/>
+                </a:cubicBezTo>
+              </a:path>
+            </a:pathLst>
+          </a:custGeom>
+          <a:ln w="28575">
+            <a:headEnd type="none" w="med" len="med"/>
+            <a:tailEnd type="arrow" w="med" len="med"/>
+          </a:ln>
+        </p:spPr>
+        <p:style>
+          <a:lnRef idx="1">
+            <a:schemeClr val="dk1"/>
+          </a:lnRef>
+          <a:fillRef idx="0">
+            <a:schemeClr val="dk1"/>
+          </a:fillRef>
+          <a:effectRef idx="0">
+            <a:schemeClr val="dk1"/>
+          </a:effectRef>
+          <a:fontRef idx="minor">
+            <a:schemeClr val="tx1"/>
+          </a:fontRef>
+        </p:style>
+        <p:txBody>
+          <a:bodyPr rtlCol="0" anchor="ctr"/>
+          <a:lstStyle/>
+          <a:p>
+            <a:pPr algn="ctr"/>
+            <a:endParaRPr kumimoji="1" lang="ja-JP" altLang="en-US"/>
+          </a:p>
+        </p:txBody>
+      </p:sp>
+      <p:sp>
+        <p:nvSpPr>
+          <p:cNvPr id="18" name="テキスト ボックス 17">
+            <a:extLst>
+              <a:ext uri="{FF2B5EF4-FFF2-40B4-BE49-F238E27FC236}">
+                <a16:creationId xmlns:a16="http://schemas.microsoft.com/office/drawing/2014/main" id="{4DC0944A-92F9-14A6-877D-4A270BE68595}"/>
+              </a:ext>
+            </a:extLst>
+          </p:cNvPr>
+          <p:cNvSpPr txBox="1"/>
+          <p:nvPr/>
+        </p:nvSpPr>
+        <p:spPr>
+          <a:xfrm>
+            <a:off x="4341199" y="5113123"/>
+            <a:ext cx="1105202" cy="307777"/>
+          </a:xfrm>
+          <a:prstGeom prst="rect">
+            <a:avLst/>
+          </a:prstGeom>
+          <a:noFill/>
+          <a:ln w="12700">
+            <a:noFill/>
+          </a:ln>
+        </p:spPr>
+        <p:txBody>
+          <a:bodyPr wrap="square" rtlCol="0">
+            <a:spAutoFit/>
+          </a:bodyPr>
+          <a:lstStyle/>
+          <a:p>
+            <a:r>
+              <a:rPr kumimoji="1" lang="en-US" altLang="ja-JP" sz="1400" dirty="0"/>
+              <a:t>Sequencing</a:t>
+            </a:r>
+            <a:endParaRPr kumimoji="1" lang="ja-JP" altLang="en-US" sz="1400" dirty="0"/>
+          </a:p>
+        </p:txBody>
+      </p:sp>
+      <p:sp>
+        <p:nvSpPr>
+          <p:cNvPr id="21" name="吹き出し: 角を丸めた四角形 20">
+            <a:extLst>
+              <a:ext uri="{FF2B5EF4-FFF2-40B4-BE49-F238E27FC236}">
+                <a16:creationId xmlns:a16="http://schemas.microsoft.com/office/drawing/2014/main" id="{6B0D07CB-6DFB-D2C6-2F4B-0A5B871DE5A3}"/>
+              </a:ext>
+            </a:extLst>
+          </p:cNvPr>
+          <p:cNvSpPr/>
+          <p:nvPr/>
+        </p:nvSpPr>
+        <p:spPr>
+          <a:xfrm>
+            <a:off x="3767044" y="5538684"/>
+            <a:ext cx="900000" cy="145886"/>
+          </a:xfrm>
+          <a:prstGeom prst="wedgeRoundRectCallout">
+            <a:avLst>
+              <a:gd name="adj1" fmla="val 19747"/>
+              <a:gd name="adj2" fmla="val -44980"/>
+              <a:gd name="adj3" fmla="val 16667"/>
+            </a:avLst>
+          </a:prstGeom>
+        </p:spPr>
+        <p:style>
+          <a:lnRef idx="2">
+            <a:schemeClr val="dk1">
+              <a:shade val="50000"/>
+            </a:schemeClr>
+          </a:lnRef>
+          <a:fillRef idx="1">
+            <a:schemeClr val="dk1"/>
+          </a:fillRef>
+          <a:effectRef idx="0">
+            <a:schemeClr val="dk1"/>
+          </a:effectRef>
+          <a:fontRef idx="minor">
+            <a:schemeClr val="lt1"/>
+          </a:fontRef>
+        </p:style>
+        <p:txBody>
+          <a:bodyPr rtlCol="0" anchor="ctr"/>
+          <a:lstStyle/>
+          <a:p>
+            <a:pPr algn="ctr"/>
+            <a:r>
+              <a:rPr kumimoji="1" lang="en-US" altLang="ja-JP" sz="1400" dirty="0"/>
+              <a:t>ATC…AGC</a:t>
+            </a:r>
+            <a:endParaRPr kumimoji="1" lang="ja-JP" altLang="en-US" sz="1400" dirty="0"/>
+          </a:p>
+        </p:txBody>
+      </p:sp>
+      <p:sp>
+        <p:nvSpPr>
+          <p:cNvPr id="23" name="吹き出し: 角を丸めた四角形 22">
+            <a:extLst>
+              <a:ext uri="{FF2B5EF4-FFF2-40B4-BE49-F238E27FC236}">
+                <a16:creationId xmlns:a16="http://schemas.microsoft.com/office/drawing/2014/main" id="{3CB3FAC1-3D31-4A79-F63A-DE1DF9AED596}"/>
+              </a:ext>
+            </a:extLst>
+          </p:cNvPr>
+          <p:cNvSpPr/>
+          <p:nvPr/>
+        </p:nvSpPr>
+        <p:spPr>
+          <a:xfrm>
+            <a:off x="3430683" y="5906712"/>
+            <a:ext cx="936000" cy="145886"/>
+          </a:xfrm>
+          <a:prstGeom prst="wedgeRoundRectCallout">
+            <a:avLst>
+              <a:gd name="adj1" fmla="val 19747"/>
+              <a:gd name="adj2" fmla="val -44980"/>
+              <a:gd name="adj3" fmla="val 16667"/>
+            </a:avLst>
+          </a:prstGeom>
+        </p:spPr>
+        <p:style>
+          <a:lnRef idx="2">
+            <a:schemeClr val="dk1">
+              <a:shade val="50000"/>
+            </a:schemeClr>
+          </a:lnRef>
+          <a:fillRef idx="1">
+            <a:schemeClr val="dk1"/>
+          </a:fillRef>
+          <a:effectRef idx="0">
+            <a:schemeClr val="dk1"/>
+          </a:effectRef>
+          <a:fontRef idx="minor">
+            <a:schemeClr val="lt1"/>
+          </a:fontRef>
+        </p:style>
+        <p:txBody>
+          <a:bodyPr rtlCol="0" anchor="ctr"/>
+          <a:lstStyle/>
+          <a:p>
+            <a:pPr algn="ctr"/>
+            <a:r>
+              <a:rPr kumimoji="1" lang="en-US" altLang="ja-JP" sz="1400" dirty="0"/>
+              <a:t>GCA…TGA</a:t>
+            </a:r>
+            <a:endParaRPr kumimoji="1" lang="ja-JP" altLang="en-US" sz="1400" dirty="0"/>
+          </a:p>
+        </p:txBody>
+      </p:sp>
+      <p:sp>
+        <p:nvSpPr>
+          <p:cNvPr id="25" name="吹き出し: 角を丸めた四角形 24">
+            <a:extLst>
+              <a:ext uri="{FF2B5EF4-FFF2-40B4-BE49-F238E27FC236}">
+                <a16:creationId xmlns:a16="http://schemas.microsoft.com/office/drawing/2014/main" id="{994FF986-24D2-EAEC-4F77-80D16BB68B9F}"/>
+              </a:ext>
+            </a:extLst>
+          </p:cNvPr>
+          <p:cNvSpPr/>
+          <p:nvPr/>
+        </p:nvSpPr>
+        <p:spPr>
+          <a:xfrm>
+            <a:off x="4722283" y="5637083"/>
+            <a:ext cx="936000" cy="145886"/>
+          </a:xfrm>
+          <a:prstGeom prst="wedgeRoundRectCallout">
+            <a:avLst>
+              <a:gd name="adj1" fmla="val 19747"/>
+              <a:gd name="adj2" fmla="val -44980"/>
+              <a:gd name="adj3" fmla="val 16667"/>
+            </a:avLst>
+          </a:prstGeom>
+        </p:spPr>
+        <p:style>
+          <a:lnRef idx="2">
+            <a:schemeClr val="dk1">
+              <a:shade val="50000"/>
+            </a:schemeClr>
+          </a:lnRef>
+          <a:fillRef idx="1">
+            <a:schemeClr val="dk1"/>
+          </a:fillRef>
+          <a:effectRef idx="0">
+            <a:schemeClr val="dk1"/>
+          </a:effectRef>
+          <a:fontRef idx="minor">
+            <a:schemeClr val="lt1"/>
+          </a:fontRef>
+        </p:style>
+        <p:txBody>
+          <a:bodyPr rtlCol="0" anchor="ctr"/>
+          <a:lstStyle/>
+          <a:p>
+            <a:pPr algn="ctr"/>
+            <a:r>
+              <a:rPr kumimoji="1" lang="en-US" altLang="ja-JP" sz="1400" dirty="0"/>
+              <a:t>CAT…GAC</a:t>
+            </a:r>
+            <a:endParaRPr kumimoji="1" lang="ja-JP" altLang="en-US" sz="1400" dirty="0"/>
+          </a:p>
+        </p:txBody>
+      </p:sp>
+      <p:sp>
+        <p:nvSpPr>
+          <p:cNvPr id="27" name="吹き出し: 角を丸めた四角形 26">
+            <a:extLst>
+              <a:ext uri="{FF2B5EF4-FFF2-40B4-BE49-F238E27FC236}">
+                <a16:creationId xmlns:a16="http://schemas.microsoft.com/office/drawing/2014/main" id="{C1B5C60B-AD03-8804-18C1-1A776C8CF7D8}"/>
+              </a:ext>
+            </a:extLst>
+          </p:cNvPr>
+          <p:cNvSpPr/>
+          <p:nvPr/>
+        </p:nvSpPr>
+        <p:spPr>
+          <a:xfrm>
+            <a:off x="4234608" y="6274740"/>
+            <a:ext cx="936000" cy="145886"/>
+          </a:xfrm>
+          <a:prstGeom prst="wedgeRoundRectCallout">
+            <a:avLst>
+              <a:gd name="adj1" fmla="val 19747"/>
+              <a:gd name="adj2" fmla="val -44980"/>
+              <a:gd name="adj3" fmla="val 16667"/>
+            </a:avLst>
+          </a:prstGeom>
+        </p:spPr>
+        <p:style>
+          <a:lnRef idx="2">
+            <a:schemeClr val="dk1">
+              <a:shade val="50000"/>
+            </a:schemeClr>
+          </a:lnRef>
+          <a:fillRef idx="1">
+            <a:schemeClr val="dk1"/>
+          </a:fillRef>
+          <a:effectRef idx="0">
+            <a:schemeClr val="dk1"/>
+          </a:effectRef>
+          <a:fontRef idx="minor">
+            <a:schemeClr val="lt1"/>
+          </a:fontRef>
+        </p:style>
+        <p:txBody>
+          <a:bodyPr rtlCol="0" anchor="ctr"/>
+          <a:lstStyle/>
+          <a:p>
+            <a:pPr algn="ctr"/>
+            <a:r>
+              <a:rPr kumimoji="1" lang="en-US" altLang="ja-JP" sz="1400" dirty="0"/>
+              <a:t>TTA…CTG</a:t>
+            </a:r>
+            <a:endParaRPr kumimoji="1" lang="ja-JP" altLang="en-US" sz="1400" dirty="0"/>
+          </a:p>
+        </p:txBody>
+      </p:sp>
+      <p:sp>
+        <p:nvSpPr>
+          <p:cNvPr id="31" name="吹き出し: 角を丸めた四角形 30">
+            <a:extLst>
+              <a:ext uri="{FF2B5EF4-FFF2-40B4-BE49-F238E27FC236}">
+                <a16:creationId xmlns:a16="http://schemas.microsoft.com/office/drawing/2014/main" id="{32CF8630-BA26-1F47-B2E9-AC7DC5C9C7A6}"/>
+              </a:ext>
+            </a:extLst>
+          </p:cNvPr>
+          <p:cNvSpPr/>
+          <p:nvPr/>
+        </p:nvSpPr>
+        <p:spPr>
+          <a:xfrm>
+            <a:off x="4531783" y="5974175"/>
+            <a:ext cx="936000" cy="145886"/>
+          </a:xfrm>
+          <a:prstGeom prst="wedgeRoundRectCallout">
+            <a:avLst>
+              <a:gd name="adj1" fmla="val 19747"/>
+              <a:gd name="adj2" fmla="val -44980"/>
+              <a:gd name="adj3" fmla="val 16667"/>
+            </a:avLst>
+          </a:prstGeom>
+        </p:spPr>
+        <p:style>
+          <a:lnRef idx="2">
+            <a:schemeClr val="dk1">
+              <a:shade val="50000"/>
+            </a:schemeClr>
+          </a:lnRef>
+          <a:fillRef idx="1">
+            <a:schemeClr val="dk1"/>
+          </a:fillRef>
+          <a:effectRef idx="0">
+            <a:schemeClr val="dk1"/>
+          </a:effectRef>
+          <a:fontRef idx="minor">
+            <a:schemeClr val="lt1"/>
+          </a:fontRef>
+        </p:style>
+        <p:txBody>
+          <a:bodyPr rtlCol="0" anchor="ctr"/>
+          <a:lstStyle/>
+          <a:p>
+            <a:pPr algn="ctr"/>
+            <a:r>
+              <a:rPr kumimoji="1" lang="en-US" altLang="ja-JP" sz="1400" dirty="0"/>
+              <a:t>GCA…TGA</a:t>
+            </a:r>
+            <a:endParaRPr kumimoji="1" lang="ja-JP" altLang="en-US" sz="1400" dirty="0"/>
+          </a:p>
+        </p:txBody>
+      </p:sp>
+      <p:sp>
+        <p:nvSpPr>
+          <p:cNvPr id="32" name="テキスト ボックス 31">
+            <a:extLst>
+              <a:ext uri="{FF2B5EF4-FFF2-40B4-BE49-F238E27FC236}">
+                <a16:creationId xmlns:a16="http://schemas.microsoft.com/office/drawing/2014/main" id="{D0D0E22C-9EFD-8BC5-E550-513ACF56294D}"/>
+              </a:ext>
+            </a:extLst>
+          </p:cNvPr>
+          <p:cNvSpPr txBox="1"/>
+          <p:nvPr/>
+        </p:nvSpPr>
+        <p:spPr>
+          <a:xfrm>
+            <a:off x="5624633" y="5893229"/>
+            <a:ext cx="412100" cy="307777"/>
+          </a:xfrm>
+          <a:prstGeom prst="rect">
+            <a:avLst/>
+          </a:prstGeom>
+          <a:noFill/>
+          <a:ln w="12700">
+            <a:noFill/>
+          </a:ln>
+        </p:spPr>
+        <p:txBody>
+          <a:bodyPr wrap="square" rtlCol="0">
+            <a:spAutoFit/>
+          </a:bodyPr>
+          <a:lstStyle/>
+          <a:p>
+            <a:r>
+              <a:rPr kumimoji="1" lang="en-US" altLang="ja-JP" sz="1400" dirty="0"/>
+              <a:t>…</a:t>
+            </a:r>
+            <a:endParaRPr kumimoji="1" lang="ja-JP" altLang="en-US" sz="1400" dirty="0"/>
+          </a:p>
+        </p:txBody>
+      </p:sp>
+      <p:sp>
+        <p:nvSpPr>
+          <p:cNvPr id="45" name="テキスト ボックス 44">
+            <a:extLst>
+              <a:ext uri="{FF2B5EF4-FFF2-40B4-BE49-F238E27FC236}">
+                <a16:creationId xmlns:a16="http://schemas.microsoft.com/office/drawing/2014/main" id="{CC03A723-C384-DD2F-078B-6F8512CEDD49}"/>
+              </a:ext>
+            </a:extLst>
+          </p:cNvPr>
+          <p:cNvSpPr txBox="1"/>
+          <p:nvPr/>
+        </p:nvSpPr>
+        <p:spPr>
+          <a:xfrm>
+            <a:off x="3394831" y="5997836"/>
+            <a:ext cx="1105202" cy="261610"/>
+          </a:xfrm>
+          <a:prstGeom prst="rect">
+            <a:avLst/>
+          </a:prstGeom>
+          <a:noFill/>
+          <a:ln w="12700">
+            <a:noFill/>
+          </a:ln>
+        </p:spPr>
+        <p:txBody>
+          <a:bodyPr wrap="square" rtlCol="0">
+            <a:spAutoFit/>
+          </a:bodyPr>
+          <a:lstStyle/>
+          <a:p>
+            <a:r>
+              <a:rPr kumimoji="1" lang="en-US" altLang="ja-JP" sz="1100" dirty="0"/>
+              <a:t>100~300bp</a:t>
+            </a:r>
+            <a:endParaRPr kumimoji="1" lang="ja-JP" altLang="en-US" sz="1100" dirty="0"/>
+          </a:p>
+        </p:txBody>
+      </p:sp>
+      <p:sp>
+        <p:nvSpPr>
+          <p:cNvPr id="56" name="吹き出し: 角を丸めた四角形 55">
+            <a:extLst>
+              <a:ext uri="{FF2B5EF4-FFF2-40B4-BE49-F238E27FC236}">
+                <a16:creationId xmlns:a16="http://schemas.microsoft.com/office/drawing/2014/main" id="{C399FB07-54B7-E203-5DF1-BDA523B97472}"/>
+              </a:ext>
+            </a:extLst>
+          </p:cNvPr>
+          <p:cNvSpPr/>
+          <p:nvPr/>
+        </p:nvSpPr>
+        <p:spPr>
+          <a:xfrm>
+            <a:off x="152166" y="5504283"/>
+            <a:ext cx="2791255" cy="210916"/>
+          </a:xfrm>
+          <a:prstGeom prst="wedgeRoundRectCallout">
+            <a:avLst>
+              <a:gd name="adj1" fmla="val 33852"/>
+              <a:gd name="adj2" fmla="val -261749"/>
+              <a:gd name="adj3" fmla="val 16667"/>
+            </a:avLst>
+          </a:prstGeom>
+        </p:spPr>
+        <p:style>
+          <a:lnRef idx="2">
+            <a:schemeClr val="dk1">
+              <a:shade val="50000"/>
+            </a:schemeClr>
+          </a:lnRef>
+          <a:fillRef idx="1">
+            <a:schemeClr val="dk1"/>
+          </a:fillRef>
+          <a:effectRef idx="0">
+            <a:schemeClr val="dk1"/>
+          </a:effectRef>
+          <a:fontRef idx="minor">
+            <a:schemeClr val="lt1"/>
+          </a:fontRef>
+        </p:style>
+        <p:txBody>
+          <a:bodyPr rtlCol="0" anchor="ctr"/>
+          <a:lstStyle/>
+          <a:p>
+            <a:pPr algn="ctr"/>
+            <a:r>
+              <a:rPr kumimoji="1" lang="en-US" altLang="ja-JP" sz="1400" dirty="0"/>
+              <a:t>ATGCATGCATGCATGC…ATGCATCCA</a:t>
+            </a:r>
+            <a:endParaRPr kumimoji="1" lang="ja-JP" altLang="en-US" sz="1400" dirty="0"/>
+          </a:p>
+        </p:txBody>
+      </p:sp>
+      <p:sp>
+        <p:nvSpPr>
+          <p:cNvPr id="58" name="矢印: 下 57">
+            <a:extLst>
+              <a:ext uri="{FF2B5EF4-FFF2-40B4-BE49-F238E27FC236}">
+                <a16:creationId xmlns:a16="http://schemas.microsoft.com/office/drawing/2014/main" id="{11606BF7-713F-A269-FFC5-414C75EEE700}"/>
+              </a:ext>
+            </a:extLst>
+          </p:cNvPr>
+          <p:cNvSpPr/>
+          <p:nvPr/>
+        </p:nvSpPr>
+        <p:spPr>
+          <a:xfrm flipH="1">
+            <a:off x="2940734" y="6517604"/>
+            <a:ext cx="375793" cy="363042"/>
+          </a:xfrm>
+          <a:prstGeom prst="downArrow">
+            <a:avLst/>
+          </a:prstGeom>
+        </p:spPr>
+        <p:style>
+          <a:lnRef idx="2">
+            <a:schemeClr val="dk1">
+              <a:shade val="15000"/>
+            </a:schemeClr>
+          </a:lnRef>
+          <a:fillRef idx="1">
+            <a:schemeClr val="dk1"/>
+          </a:fillRef>
+          <a:effectRef idx="0">
+            <a:schemeClr val="dk1"/>
+          </a:effectRef>
+          <a:fontRef idx="minor">
+            <a:schemeClr val="lt1"/>
+          </a:fontRef>
+        </p:style>
+        <p:txBody>
+          <a:bodyPr rtlCol="0" anchor="ctr"/>
+          <a:lstStyle/>
+          <a:p>
+            <a:pPr algn="ctr"/>
+            <a:endParaRPr kumimoji="1" lang="ja-JP" altLang="en-US"/>
+          </a:p>
+        </p:txBody>
+      </p:sp>
+      <p:sp>
+        <p:nvSpPr>
+          <p:cNvPr id="59" name="テキスト ボックス 58">
+            <a:extLst>
+              <a:ext uri="{FF2B5EF4-FFF2-40B4-BE49-F238E27FC236}">
+                <a16:creationId xmlns:a16="http://schemas.microsoft.com/office/drawing/2014/main" id="{A4C64435-E0D1-BFAA-E31F-F52B31D9DF4F}"/>
+              </a:ext>
+            </a:extLst>
+          </p:cNvPr>
+          <p:cNvSpPr txBox="1"/>
+          <p:nvPr/>
+        </p:nvSpPr>
+        <p:spPr>
+          <a:xfrm>
+            <a:off x="3384832" y="6545236"/>
+            <a:ext cx="1806726" cy="307777"/>
+          </a:xfrm>
+          <a:prstGeom prst="rect">
+            <a:avLst/>
+          </a:prstGeom>
+          <a:noFill/>
+          <a:ln w="12700">
+            <a:noFill/>
+          </a:ln>
+        </p:spPr>
+        <p:txBody>
+          <a:bodyPr wrap="square" rtlCol="0">
+            <a:spAutoFit/>
+          </a:bodyPr>
+          <a:lstStyle/>
+          <a:p>
+            <a:r>
+              <a:rPr kumimoji="1" lang="en-US" altLang="ja-JP" sz="1400" b="1" dirty="0"/>
+              <a:t>Short read alignment</a:t>
+            </a:r>
+            <a:endParaRPr kumimoji="1" lang="ja-JP" altLang="en-US" sz="1400" b="1" dirty="0"/>
+          </a:p>
+        </p:txBody>
+      </p:sp>
+      <p:sp>
+        <p:nvSpPr>
+          <p:cNvPr id="60" name="正方形/長方形 59">
+            <a:extLst>
+              <a:ext uri="{FF2B5EF4-FFF2-40B4-BE49-F238E27FC236}">
+                <a16:creationId xmlns:a16="http://schemas.microsoft.com/office/drawing/2014/main" id="{46D3DF15-35B6-BBF6-5946-34856F147241}"/>
+              </a:ext>
+            </a:extLst>
+          </p:cNvPr>
+          <p:cNvSpPr/>
+          <p:nvPr/>
+        </p:nvSpPr>
+        <p:spPr>
+          <a:xfrm>
+            <a:off x="76309" y="5415922"/>
+            <a:ext cx="5960424" cy="1110084"/>
+          </a:xfrm>
+          <a:prstGeom prst="rect">
+            <a:avLst/>
+          </a:prstGeom>
+          <a:noFill/>
+          <a:ln>
+            <a:solidFill>
+              <a:schemeClr val="tx1"/>
+            </a:solidFill>
+            <a:prstDash val="dash"/>
+          </a:ln>
+        </p:spPr>
+        <p:style>
+          <a:lnRef idx="2">
+            <a:schemeClr val="accent1">
+              <a:shade val="15000"/>
+            </a:schemeClr>
+          </a:lnRef>
+          <a:fillRef idx="1">
+            <a:schemeClr val="accent1"/>
+          </a:fillRef>
+          <a:effectRef idx="0">
+            <a:schemeClr val="accent1"/>
+          </a:effectRef>
+          <a:fontRef idx="minor">
+            <a:schemeClr val="lt1"/>
+          </a:fontRef>
+        </p:style>
+        <p:txBody>
+          <a:bodyPr rtlCol="0" anchor="ctr"/>
+          <a:lstStyle/>
+          <a:p>
+            <a:pPr algn="ctr"/>
+            <a:endParaRPr kumimoji="1" lang="ja-JP" altLang="en-US"/>
+          </a:p>
+        </p:txBody>
+      </p:sp>
+      <p:sp>
+        <p:nvSpPr>
+          <p:cNvPr id="61" name="吹き出し: 角を丸めた四角形 60">
+            <a:extLst>
+              <a:ext uri="{FF2B5EF4-FFF2-40B4-BE49-F238E27FC236}">
+                <a16:creationId xmlns:a16="http://schemas.microsoft.com/office/drawing/2014/main" id="{AFAE487D-6314-73F1-EF66-3EB1DAFC0702}"/>
+              </a:ext>
+            </a:extLst>
+          </p:cNvPr>
+          <p:cNvSpPr/>
+          <p:nvPr/>
+        </p:nvSpPr>
+        <p:spPr>
+          <a:xfrm>
+            <a:off x="1618533" y="7010796"/>
+            <a:ext cx="3311607" cy="210916"/>
+          </a:xfrm>
+          <a:prstGeom prst="wedgeRoundRectCallout">
+            <a:avLst>
+              <a:gd name="adj1" fmla="val 32487"/>
+              <a:gd name="adj2" fmla="val -32938"/>
+              <a:gd name="adj3" fmla="val 16667"/>
+            </a:avLst>
+          </a:prstGeom>
+        </p:spPr>
+        <p:style>
+          <a:lnRef idx="2">
+            <a:schemeClr val="dk1">
+              <a:shade val="50000"/>
+            </a:schemeClr>
+          </a:lnRef>
+          <a:fillRef idx="1">
+            <a:schemeClr val="dk1"/>
+          </a:fillRef>
+          <a:effectRef idx="0">
+            <a:schemeClr val="dk1"/>
+          </a:effectRef>
+          <a:fontRef idx="minor">
+            <a:schemeClr val="lt1"/>
+          </a:fontRef>
+        </p:style>
+        <p:txBody>
+          <a:bodyPr rtlCol="0" anchor="ctr"/>
+          <a:lstStyle/>
+          <a:p>
+            <a:pPr algn="ctr"/>
+            <a:r>
+              <a:rPr kumimoji="1" lang="en-US" altLang="ja-JP" sz="1400" dirty="0">
+                <a:latin typeface="Courier New" panose="02070309020205020404" pitchFamily="49" charset="0"/>
+                <a:cs typeface="Courier New" panose="02070309020205020404" pitchFamily="49" charset="0"/>
+              </a:rPr>
+              <a:t>ATGCATGCATGCATGC…………ATGCATCCA</a:t>
+            </a:r>
+            <a:endParaRPr kumimoji="1" lang="ja-JP" altLang="en-US" sz="1400" dirty="0">
+              <a:latin typeface="Courier New" panose="02070309020205020404" pitchFamily="49" charset="0"/>
+              <a:cs typeface="Courier New" panose="02070309020205020404" pitchFamily="49" charset="0"/>
+            </a:endParaRPr>
+          </a:p>
+        </p:txBody>
+      </p:sp>
+      <p:sp>
+        <p:nvSpPr>
+          <p:cNvPr id="62" name="吹き出し: 角を丸めた四角形 61">
+            <a:extLst>
+              <a:ext uri="{FF2B5EF4-FFF2-40B4-BE49-F238E27FC236}">
+                <a16:creationId xmlns:a16="http://schemas.microsoft.com/office/drawing/2014/main" id="{4E0A2A31-51E5-D35A-4470-9AF46BB86E01}"/>
+              </a:ext>
+            </a:extLst>
+          </p:cNvPr>
+          <p:cNvSpPr/>
+          <p:nvPr/>
+        </p:nvSpPr>
+        <p:spPr>
+          <a:xfrm>
+            <a:off x="1607525" y="7491106"/>
+            <a:ext cx="886743" cy="145886"/>
+          </a:xfrm>
+          <a:prstGeom prst="wedgeRoundRectCallout">
+            <a:avLst>
+              <a:gd name="adj1" fmla="val 19747"/>
+              <a:gd name="adj2" fmla="val -44980"/>
+              <a:gd name="adj3" fmla="val 16667"/>
+            </a:avLst>
+          </a:prstGeom>
+        </p:spPr>
+        <p:style>
+          <a:lnRef idx="2">
+            <a:schemeClr val="dk1">
+              <a:shade val="50000"/>
+            </a:schemeClr>
+          </a:lnRef>
+          <a:fillRef idx="1">
+            <a:schemeClr val="dk1"/>
+          </a:fillRef>
+          <a:effectRef idx="0">
+            <a:schemeClr val="dk1"/>
+          </a:effectRef>
+          <a:fontRef idx="minor">
+            <a:schemeClr val="lt1"/>
+          </a:fontRef>
+        </p:style>
+        <p:txBody>
+          <a:bodyPr rtlCol="0" anchor="ctr"/>
+          <a:lstStyle/>
+          <a:p>
+            <a:pPr algn="ctr"/>
+            <a:r>
+              <a:rPr kumimoji="1" lang="en-US" altLang="ja-JP" sz="1400" dirty="0">
+                <a:latin typeface="Courier New" panose="02070309020205020404" pitchFamily="49" charset="0"/>
+                <a:cs typeface="Courier New" panose="02070309020205020404" pitchFamily="49" charset="0"/>
+              </a:rPr>
+              <a:t>ATGCA</a:t>
+            </a:r>
+            <a:r>
+              <a:rPr kumimoji="1" lang="en-US" altLang="ja-JP" sz="1400" b="1" dirty="0">
+                <a:solidFill>
+                  <a:srgbClr val="FF0000"/>
+                </a:solidFill>
+                <a:latin typeface="Courier New" panose="02070309020205020404" pitchFamily="49" charset="0"/>
+                <a:cs typeface="Courier New" panose="02070309020205020404" pitchFamily="49" charset="0"/>
+              </a:rPr>
+              <a:t>G</a:t>
+            </a:r>
+            <a:endParaRPr kumimoji="1" lang="ja-JP" altLang="en-US" sz="1400" b="1" dirty="0">
+              <a:solidFill>
+                <a:srgbClr val="FF0000"/>
+              </a:solidFill>
+              <a:latin typeface="Courier New" panose="02070309020205020404" pitchFamily="49" charset="0"/>
+              <a:cs typeface="Courier New" panose="02070309020205020404" pitchFamily="49" charset="0"/>
+            </a:endParaRPr>
+          </a:p>
+        </p:txBody>
+      </p:sp>
+      <p:sp>
+        <p:nvSpPr>
+          <p:cNvPr id="63" name="吹き出し: 角を丸めた四角形 62">
+            <a:extLst>
+              <a:ext uri="{FF2B5EF4-FFF2-40B4-BE49-F238E27FC236}">
+                <a16:creationId xmlns:a16="http://schemas.microsoft.com/office/drawing/2014/main" id="{B43C7568-D7A1-BC20-139B-D5545CB61376}"/>
+              </a:ext>
+            </a:extLst>
+          </p:cNvPr>
+          <p:cNvSpPr/>
+          <p:nvPr/>
+        </p:nvSpPr>
+        <p:spPr>
+          <a:xfrm>
+            <a:off x="2367936" y="8099130"/>
+            <a:ext cx="886743" cy="145886"/>
+          </a:xfrm>
+          <a:prstGeom prst="wedgeRoundRectCallout">
+            <a:avLst>
+              <a:gd name="adj1" fmla="val 19747"/>
+              <a:gd name="adj2" fmla="val -44980"/>
+              <a:gd name="adj3" fmla="val 16667"/>
+            </a:avLst>
+          </a:prstGeom>
+        </p:spPr>
+        <p:style>
+          <a:lnRef idx="2">
+            <a:schemeClr val="dk1">
+              <a:shade val="50000"/>
+            </a:schemeClr>
+          </a:lnRef>
+          <a:fillRef idx="1">
+            <a:schemeClr val="dk1"/>
+          </a:fillRef>
+          <a:effectRef idx="0">
+            <a:schemeClr val="dk1"/>
+          </a:effectRef>
+          <a:fontRef idx="minor">
+            <a:schemeClr val="lt1"/>
+          </a:fontRef>
+        </p:style>
+        <p:txBody>
+          <a:bodyPr rtlCol="0" anchor="ctr"/>
+          <a:lstStyle/>
+          <a:p>
+            <a:pPr algn="ctr"/>
+            <a:r>
+              <a:rPr kumimoji="1" lang="en-US" altLang="ja-JP" sz="1400" dirty="0">
+                <a:latin typeface="Courier New" panose="02070309020205020404" pitchFamily="49" charset="0"/>
+                <a:cs typeface="Courier New" panose="02070309020205020404" pitchFamily="49" charset="0"/>
+              </a:rPr>
+              <a:t>CATGCA</a:t>
+            </a:r>
+            <a:endParaRPr kumimoji="1" lang="ja-JP" altLang="en-US" sz="1400" dirty="0">
+              <a:latin typeface="Courier New" panose="02070309020205020404" pitchFamily="49" charset="0"/>
+              <a:cs typeface="Courier New" panose="02070309020205020404" pitchFamily="49" charset="0"/>
+            </a:endParaRPr>
+          </a:p>
+        </p:txBody>
+      </p:sp>
+      <p:sp>
+        <p:nvSpPr>
+          <p:cNvPr id="64" name="吹き出し: 角を丸めた四角形 63">
+            <a:extLst>
+              <a:ext uri="{FF2B5EF4-FFF2-40B4-BE49-F238E27FC236}">
+                <a16:creationId xmlns:a16="http://schemas.microsoft.com/office/drawing/2014/main" id="{3BE03244-EA20-FED8-EDF5-CDF41D5D49C5}"/>
+              </a:ext>
+            </a:extLst>
+          </p:cNvPr>
+          <p:cNvSpPr/>
+          <p:nvPr/>
+        </p:nvSpPr>
+        <p:spPr>
+          <a:xfrm>
+            <a:off x="2043276" y="7693781"/>
+            <a:ext cx="886743" cy="145886"/>
+          </a:xfrm>
+          <a:prstGeom prst="wedgeRoundRectCallout">
+            <a:avLst>
+              <a:gd name="adj1" fmla="val 19747"/>
+              <a:gd name="adj2" fmla="val -44980"/>
+              <a:gd name="adj3" fmla="val 16667"/>
+            </a:avLst>
+          </a:prstGeom>
+        </p:spPr>
+        <p:style>
+          <a:lnRef idx="2">
+            <a:schemeClr val="dk1">
+              <a:shade val="50000"/>
+            </a:schemeClr>
+          </a:lnRef>
+          <a:fillRef idx="1">
+            <a:schemeClr val="dk1"/>
+          </a:fillRef>
+          <a:effectRef idx="0">
+            <a:schemeClr val="dk1"/>
+          </a:effectRef>
+          <a:fontRef idx="minor">
+            <a:schemeClr val="lt1"/>
+          </a:fontRef>
+        </p:style>
+        <p:txBody>
+          <a:bodyPr rtlCol="0" anchor="ctr"/>
+          <a:lstStyle/>
+          <a:p>
+            <a:pPr algn="ctr"/>
+            <a:r>
+              <a:rPr kumimoji="1" lang="en-US" altLang="ja-JP" sz="1400" dirty="0">
+                <a:latin typeface="Courier New" panose="02070309020205020404" pitchFamily="49" charset="0"/>
+                <a:cs typeface="Courier New" panose="02070309020205020404" pitchFamily="49" charset="0"/>
+              </a:rPr>
+              <a:t>A</a:t>
+            </a:r>
+            <a:r>
+              <a:rPr kumimoji="1" lang="en-US" altLang="ja-JP" sz="1400" b="1" dirty="0">
+                <a:solidFill>
+                  <a:srgbClr val="FF0000"/>
+                </a:solidFill>
+                <a:latin typeface="Courier New" panose="02070309020205020404" pitchFamily="49" charset="0"/>
+                <a:cs typeface="Courier New" panose="02070309020205020404" pitchFamily="49" charset="0"/>
+              </a:rPr>
+              <a:t>G</a:t>
+            </a:r>
+            <a:r>
+              <a:rPr kumimoji="1" lang="en-US" altLang="ja-JP" sz="1400" dirty="0">
+                <a:latin typeface="Courier New" panose="02070309020205020404" pitchFamily="49" charset="0"/>
+                <a:cs typeface="Courier New" panose="02070309020205020404" pitchFamily="49" charset="0"/>
+              </a:rPr>
+              <a:t>GCAT</a:t>
+            </a:r>
+            <a:endParaRPr kumimoji="1" lang="ja-JP" altLang="en-US" sz="1400" dirty="0">
+              <a:latin typeface="Courier New" panose="02070309020205020404" pitchFamily="49" charset="0"/>
+              <a:cs typeface="Courier New" panose="02070309020205020404" pitchFamily="49" charset="0"/>
+            </a:endParaRPr>
+          </a:p>
+        </p:txBody>
+      </p:sp>
+      <p:sp>
+        <p:nvSpPr>
+          <p:cNvPr id="67" name="吹き出し: 角を丸めた四角形 66">
+            <a:extLst>
+              <a:ext uri="{FF2B5EF4-FFF2-40B4-BE49-F238E27FC236}">
+                <a16:creationId xmlns:a16="http://schemas.microsoft.com/office/drawing/2014/main" id="{6FEEC874-FE75-33F0-C65C-9ABB7FD3CD5A}"/>
+              </a:ext>
+            </a:extLst>
+          </p:cNvPr>
+          <p:cNvSpPr/>
+          <p:nvPr/>
+        </p:nvSpPr>
+        <p:spPr>
+          <a:xfrm>
+            <a:off x="3744970" y="7486515"/>
+            <a:ext cx="886743" cy="145886"/>
+          </a:xfrm>
+          <a:prstGeom prst="wedgeRoundRectCallout">
+            <a:avLst>
+              <a:gd name="adj1" fmla="val 19747"/>
+              <a:gd name="adj2" fmla="val -44980"/>
+              <a:gd name="adj3" fmla="val 16667"/>
+            </a:avLst>
+          </a:prstGeom>
+        </p:spPr>
+        <p:style>
+          <a:lnRef idx="2">
+            <a:schemeClr val="dk1">
+              <a:shade val="50000"/>
+            </a:schemeClr>
+          </a:lnRef>
+          <a:fillRef idx="1">
+            <a:schemeClr val="dk1"/>
+          </a:fillRef>
+          <a:effectRef idx="0">
+            <a:schemeClr val="dk1"/>
+          </a:effectRef>
+          <a:fontRef idx="minor">
+            <a:schemeClr val="lt1"/>
+          </a:fontRef>
+        </p:style>
+        <p:txBody>
+          <a:bodyPr rtlCol="0" anchor="ctr"/>
+          <a:lstStyle/>
+          <a:p>
+            <a:pPr algn="ctr"/>
+            <a:r>
+              <a:rPr kumimoji="1" lang="en-US" altLang="ja-JP" sz="1400" dirty="0">
+                <a:latin typeface="Courier New" panose="02070309020205020404" pitchFamily="49" charset="0"/>
+                <a:cs typeface="Courier New" panose="02070309020205020404" pitchFamily="49" charset="0"/>
+              </a:rPr>
+              <a:t>ATGCAT</a:t>
+            </a:r>
+            <a:endParaRPr kumimoji="1" lang="ja-JP" altLang="en-US" sz="1400" dirty="0">
+              <a:latin typeface="Courier New" panose="02070309020205020404" pitchFamily="49" charset="0"/>
+              <a:cs typeface="Courier New" panose="02070309020205020404" pitchFamily="49" charset="0"/>
+            </a:endParaRPr>
+          </a:p>
+        </p:txBody>
+      </p:sp>
+      <p:sp>
+        <p:nvSpPr>
+          <p:cNvPr id="68" name="吹き出し: 角を丸めた四角形 67">
+            <a:extLst>
+              <a:ext uri="{FF2B5EF4-FFF2-40B4-BE49-F238E27FC236}">
+                <a16:creationId xmlns:a16="http://schemas.microsoft.com/office/drawing/2014/main" id="{4EABF9B7-8135-E886-4C71-C6AFAADB7E3F}"/>
+              </a:ext>
+            </a:extLst>
+          </p:cNvPr>
+          <p:cNvSpPr/>
+          <p:nvPr/>
+        </p:nvSpPr>
+        <p:spPr>
+          <a:xfrm>
+            <a:off x="3963552" y="7689987"/>
+            <a:ext cx="886743" cy="145886"/>
+          </a:xfrm>
+          <a:prstGeom prst="wedgeRoundRectCallout">
+            <a:avLst>
+              <a:gd name="adj1" fmla="val 19747"/>
+              <a:gd name="adj2" fmla="val -44980"/>
+              <a:gd name="adj3" fmla="val 16667"/>
+            </a:avLst>
+          </a:prstGeom>
+        </p:spPr>
+        <p:style>
+          <a:lnRef idx="2">
+            <a:schemeClr val="dk1">
+              <a:shade val="50000"/>
+            </a:schemeClr>
+          </a:lnRef>
+          <a:fillRef idx="1">
+            <a:schemeClr val="dk1"/>
+          </a:fillRef>
+          <a:effectRef idx="0">
+            <a:schemeClr val="dk1"/>
+          </a:effectRef>
+          <a:fontRef idx="minor">
+            <a:schemeClr val="lt1"/>
+          </a:fontRef>
+        </p:style>
+        <p:txBody>
+          <a:bodyPr rtlCol="0" anchor="ctr"/>
+          <a:lstStyle/>
+          <a:p>
+            <a:pPr algn="ctr"/>
+            <a:r>
+              <a:rPr kumimoji="1" lang="en-US" altLang="ja-JP" sz="1400" dirty="0">
+                <a:latin typeface="Courier New" panose="02070309020205020404" pitchFamily="49" charset="0"/>
+                <a:cs typeface="Courier New" panose="02070309020205020404" pitchFamily="49" charset="0"/>
+              </a:rPr>
+              <a:t>GCATCC</a:t>
+            </a:r>
+            <a:endParaRPr kumimoji="1" lang="ja-JP" altLang="en-US" sz="1400" dirty="0">
+              <a:latin typeface="Courier New" panose="02070309020205020404" pitchFamily="49" charset="0"/>
+              <a:cs typeface="Courier New" panose="02070309020205020404" pitchFamily="49" charset="0"/>
+            </a:endParaRPr>
+          </a:p>
+        </p:txBody>
+      </p:sp>
+      <p:sp>
+        <p:nvSpPr>
+          <p:cNvPr id="69" name="吹き出し: 角を丸めた四角形 68">
+            <a:extLst>
+              <a:ext uri="{FF2B5EF4-FFF2-40B4-BE49-F238E27FC236}">
+                <a16:creationId xmlns:a16="http://schemas.microsoft.com/office/drawing/2014/main" id="{349CE127-63B4-7FDD-4428-39B816F0DD20}"/>
+              </a:ext>
+            </a:extLst>
+          </p:cNvPr>
+          <p:cNvSpPr/>
+          <p:nvPr/>
+        </p:nvSpPr>
+        <p:spPr>
+          <a:xfrm>
+            <a:off x="2043276" y="7896456"/>
+            <a:ext cx="886743" cy="145886"/>
+          </a:xfrm>
+          <a:prstGeom prst="wedgeRoundRectCallout">
+            <a:avLst>
+              <a:gd name="adj1" fmla="val 19747"/>
+              <a:gd name="adj2" fmla="val -44980"/>
+              <a:gd name="adj3" fmla="val 16667"/>
+            </a:avLst>
+          </a:prstGeom>
+        </p:spPr>
+        <p:style>
+          <a:lnRef idx="2">
+            <a:schemeClr val="dk1">
+              <a:shade val="50000"/>
+            </a:schemeClr>
+          </a:lnRef>
+          <a:fillRef idx="1">
+            <a:schemeClr val="dk1"/>
+          </a:fillRef>
+          <a:effectRef idx="0">
+            <a:schemeClr val="dk1"/>
+          </a:effectRef>
+          <a:fontRef idx="minor">
+            <a:schemeClr val="lt1"/>
+          </a:fontRef>
+        </p:style>
+        <p:txBody>
+          <a:bodyPr rtlCol="0" anchor="ctr"/>
+          <a:lstStyle/>
+          <a:p>
+            <a:pPr algn="ctr"/>
+            <a:r>
+              <a:rPr kumimoji="1" lang="en-US" altLang="ja-JP" sz="1400" dirty="0">
+                <a:latin typeface="Courier New" panose="02070309020205020404" pitchFamily="49" charset="0"/>
+                <a:cs typeface="Courier New" panose="02070309020205020404" pitchFamily="49" charset="0"/>
+              </a:rPr>
+              <a:t>A</a:t>
+            </a:r>
+            <a:r>
+              <a:rPr kumimoji="1" lang="en-US" altLang="ja-JP" sz="1400" b="1" dirty="0">
+                <a:solidFill>
+                  <a:srgbClr val="FF0000"/>
+                </a:solidFill>
+                <a:latin typeface="Courier New" panose="02070309020205020404" pitchFamily="49" charset="0"/>
+                <a:cs typeface="Courier New" panose="02070309020205020404" pitchFamily="49" charset="0"/>
+              </a:rPr>
+              <a:t>G</a:t>
+            </a:r>
+            <a:r>
+              <a:rPr kumimoji="1" lang="en-US" altLang="ja-JP" sz="1400" dirty="0">
+                <a:latin typeface="Courier New" panose="02070309020205020404" pitchFamily="49" charset="0"/>
+                <a:cs typeface="Courier New" panose="02070309020205020404" pitchFamily="49" charset="0"/>
+              </a:rPr>
+              <a:t>GCAT</a:t>
+            </a:r>
+            <a:endParaRPr kumimoji="1" lang="ja-JP" altLang="en-US" sz="1400" dirty="0">
+              <a:latin typeface="Courier New" panose="02070309020205020404" pitchFamily="49" charset="0"/>
+              <a:cs typeface="Courier New" panose="02070309020205020404" pitchFamily="49" charset="0"/>
+            </a:endParaRPr>
+          </a:p>
+        </p:txBody>
+      </p:sp>
+      <p:sp>
+        <p:nvSpPr>
+          <p:cNvPr id="70" name="吹き出し: 角を丸めた四角形 69">
+            <a:extLst>
+              <a:ext uri="{FF2B5EF4-FFF2-40B4-BE49-F238E27FC236}">
+                <a16:creationId xmlns:a16="http://schemas.microsoft.com/office/drawing/2014/main" id="{1F91BFA0-0D11-3827-F6D2-0B13C296406B}"/>
+              </a:ext>
+            </a:extLst>
+          </p:cNvPr>
+          <p:cNvSpPr/>
+          <p:nvPr/>
+        </p:nvSpPr>
+        <p:spPr>
+          <a:xfrm>
+            <a:off x="4074817" y="7893460"/>
+            <a:ext cx="886743" cy="145886"/>
+          </a:xfrm>
+          <a:prstGeom prst="wedgeRoundRectCallout">
+            <a:avLst>
+              <a:gd name="adj1" fmla="val 19747"/>
+              <a:gd name="adj2" fmla="val -44980"/>
+              <a:gd name="adj3" fmla="val 16667"/>
+            </a:avLst>
+          </a:prstGeom>
+        </p:spPr>
+        <p:style>
+          <a:lnRef idx="2">
+            <a:schemeClr val="dk1">
+              <a:shade val="50000"/>
+            </a:schemeClr>
+          </a:lnRef>
+          <a:fillRef idx="1">
+            <a:schemeClr val="dk1"/>
+          </a:fillRef>
+          <a:effectRef idx="0">
+            <a:schemeClr val="dk1"/>
+          </a:effectRef>
+          <a:fontRef idx="minor">
+            <a:schemeClr val="lt1"/>
+          </a:fontRef>
+        </p:style>
+        <p:txBody>
+          <a:bodyPr rtlCol="0" anchor="ctr"/>
+          <a:lstStyle/>
+          <a:p>
+            <a:pPr algn="ctr"/>
+            <a:r>
+              <a:rPr kumimoji="1" lang="en-US" altLang="ja-JP" sz="1400" dirty="0">
+                <a:latin typeface="Courier New" panose="02070309020205020404" pitchFamily="49" charset="0"/>
+                <a:cs typeface="Courier New" panose="02070309020205020404" pitchFamily="49" charset="0"/>
+              </a:rPr>
+              <a:t>CATCCA</a:t>
+            </a:r>
+            <a:endParaRPr kumimoji="1" lang="ja-JP" altLang="en-US" sz="1400" dirty="0">
+              <a:latin typeface="Courier New" panose="02070309020205020404" pitchFamily="49" charset="0"/>
+              <a:cs typeface="Courier New" panose="02070309020205020404" pitchFamily="49" charset="0"/>
+            </a:endParaRPr>
+          </a:p>
+        </p:txBody>
+      </p:sp>
+      <p:sp>
+        <p:nvSpPr>
+          <p:cNvPr id="71" name="テキスト ボックス 70">
+            <a:extLst>
+              <a:ext uri="{FF2B5EF4-FFF2-40B4-BE49-F238E27FC236}">
+                <a16:creationId xmlns:a16="http://schemas.microsoft.com/office/drawing/2014/main" id="{583A5E01-A670-F74A-117D-0BFC5B0C3636}"/>
+              </a:ext>
+            </a:extLst>
+          </p:cNvPr>
+          <p:cNvSpPr txBox="1"/>
+          <p:nvPr/>
+        </p:nvSpPr>
+        <p:spPr>
+          <a:xfrm>
+            <a:off x="3302390" y="7582423"/>
+            <a:ext cx="412100" cy="307777"/>
+          </a:xfrm>
+          <a:prstGeom prst="rect">
+            <a:avLst/>
+          </a:prstGeom>
+          <a:noFill/>
+          <a:ln w="12700">
+            <a:noFill/>
+          </a:ln>
+        </p:spPr>
+        <p:txBody>
+          <a:bodyPr wrap="square" rtlCol="0">
+            <a:spAutoFit/>
+          </a:bodyPr>
+          <a:lstStyle/>
+          <a:p>
+            <a:r>
+              <a:rPr kumimoji="1" lang="en-US" altLang="ja-JP" sz="1400" dirty="0"/>
+              <a:t>…</a:t>
+            </a:r>
+            <a:endParaRPr kumimoji="1" lang="ja-JP" altLang="en-US" sz="1400" dirty="0"/>
+          </a:p>
+        </p:txBody>
+      </p:sp>
+      <p:sp>
+        <p:nvSpPr>
+          <p:cNvPr id="72" name="テキスト ボックス 71">
+            <a:extLst>
+              <a:ext uri="{FF2B5EF4-FFF2-40B4-BE49-F238E27FC236}">
+                <a16:creationId xmlns:a16="http://schemas.microsoft.com/office/drawing/2014/main" id="{5C9F3C91-6F84-7EE3-FA42-F01BAEFC79A9}"/>
+              </a:ext>
+            </a:extLst>
+          </p:cNvPr>
+          <p:cNvSpPr txBox="1"/>
+          <p:nvPr/>
+        </p:nvSpPr>
+        <p:spPr>
+          <a:xfrm>
+            <a:off x="23668" y="6939499"/>
+            <a:ext cx="1575640" cy="307777"/>
+          </a:xfrm>
+          <a:prstGeom prst="rect">
+            <a:avLst/>
+          </a:prstGeom>
+          <a:noFill/>
+          <a:ln w="12700">
+            <a:noFill/>
+          </a:ln>
+        </p:spPr>
+        <p:txBody>
+          <a:bodyPr wrap="square" rtlCol="0">
+            <a:spAutoFit/>
+          </a:bodyPr>
+          <a:lstStyle/>
+          <a:p>
+            <a:pPr algn="r"/>
+            <a:r>
+              <a:rPr kumimoji="1" lang="en-US" altLang="ja-JP" sz="1400" dirty="0"/>
+              <a:t>Reference genome</a:t>
+            </a:r>
+            <a:endParaRPr kumimoji="1" lang="ja-JP" altLang="en-US" sz="1400" dirty="0"/>
+          </a:p>
+        </p:txBody>
+      </p:sp>
+      <p:sp>
+        <p:nvSpPr>
+          <p:cNvPr id="73" name="テキスト ボックス 72">
+            <a:extLst>
+              <a:ext uri="{FF2B5EF4-FFF2-40B4-BE49-F238E27FC236}">
+                <a16:creationId xmlns:a16="http://schemas.microsoft.com/office/drawing/2014/main" id="{0D69B7FF-B803-5F71-E3B3-3127AEA15F87}"/>
+              </a:ext>
+            </a:extLst>
+          </p:cNvPr>
+          <p:cNvSpPr txBox="1"/>
+          <p:nvPr/>
+        </p:nvSpPr>
+        <p:spPr>
+          <a:xfrm>
+            <a:off x="572645" y="7706502"/>
+            <a:ext cx="1026663" cy="307777"/>
+          </a:xfrm>
+          <a:prstGeom prst="rect">
+            <a:avLst/>
+          </a:prstGeom>
+          <a:noFill/>
+          <a:ln w="12700">
+            <a:noFill/>
+          </a:ln>
+        </p:spPr>
+        <p:txBody>
+          <a:bodyPr wrap="square" rtlCol="0">
+            <a:spAutoFit/>
+          </a:bodyPr>
+          <a:lstStyle/>
+          <a:p>
+            <a:pPr algn="r"/>
+            <a:r>
+              <a:rPr kumimoji="1" lang="en-US" altLang="ja-JP" sz="1400" dirty="0"/>
+              <a:t>Short reads</a:t>
+            </a:r>
+            <a:endParaRPr kumimoji="1" lang="ja-JP" altLang="en-US" sz="1400" dirty="0"/>
+          </a:p>
+        </p:txBody>
+      </p:sp>
+      <p:sp>
+        <p:nvSpPr>
+          <p:cNvPr id="74" name="正方形/長方形 73">
+            <a:extLst>
+              <a:ext uri="{FF2B5EF4-FFF2-40B4-BE49-F238E27FC236}">
+                <a16:creationId xmlns:a16="http://schemas.microsoft.com/office/drawing/2014/main" id="{A0A6D229-7AFF-30AF-5C9E-9FB5B8FC26F1}"/>
+              </a:ext>
+            </a:extLst>
+          </p:cNvPr>
+          <p:cNvSpPr/>
+          <p:nvPr/>
+        </p:nvSpPr>
+        <p:spPr>
+          <a:xfrm>
+            <a:off x="2253602" y="7010796"/>
+            <a:ext cx="132238" cy="1031546"/>
+          </a:xfrm>
+          <a:prstGeom prst="rect">
+            <a:avLst/>
+          </a:prstGeom>
+          <a:noFill/>
+          <a:ln w="19050">
+            <a:solidFill>
+              <a:srgbClr val="DAA82F"/>
+            </a:solidFill>
+            <a:prstDash val="solid"/>
+          </a:ln>
+        </p:spPr>
+        <p:style>
+          <a:lnRef idx="2">
+            <a:schemeClr val="accent1">
+              <a:shade val="15000"/>
+            </a:schemeClr>
+          </a:lnRef>
+          <a:fillRef idx="1">
+            <a:schemeClr val="accent1"/>
+          </a:fillRef>
+          <a:effectRef idx="0">
+            <a:schemeClr val="accent1"/>
+          </a:effectRef>
+          <a:fontRef idx="minor">
+            <a:schemeClr val="lt1"/>
+          </a:fontRef>
+        </p:style>
+        <p:txBody>
+          <a:bodyPr rtlCol="0" anchor="ctr"/>
+          <a:lstStyle/>
+          <a:p>
+            <a:pPr algn="ctr"/>
+            <a:endParaRPr kumimoji="1" lang="ja-JP" altLang="en-US"/>
+          </a:p>
+        </p:txBody>
+      </p:sp>
     </p:spTree>
     <p:extLst>
       <p:ext uri="{BB962C8B-B14F-4D97-AF65-F5344CB8AC3E}">

--- a/FAO_2024/mutmapqtlseq.pptx
+++ b/FAO_2024/mutmapqtlseq.pptx
@@ -272,7 +272,7 @@
           <a:p>
             <a:fld id="{E9E87471-319F-4954-8EC5-36236D89AF18}" type="datetimeFigureOut">
               <a:rPr kumimoji="1" lang="ja-JP" altLang="en-US" smtClean="0"/>
-              <a:t>2024/3/24</a:t>
+              <a:t>2024/3/25</a:t>
             </a:fld>
             <a:endParaRPr kumimoji="1" lang="ja-JP" altLang="en-US"/>
           </a:p>
@@ -474,7 +474,7 @@
           <a:p>
             <a:fld id="{E9E87471-319F-4954-8EC5-36236D89AF18}" type="datetimeFigureOut">
               <a:rPr kumimoji="1" lang="ja-JP" altLang="en-US" smtClean="0"/>
-              <a:t>2024/3/24</a:t>
+              <a:t>2024/3/25</a:t>
             </a:fld>
             <a:endParaRPr kumimoji="1" lang="ja-JP" altLang="en-US"/>
           </a:p>
@@ -686,7 +686,7 @@
           <a:p>
             <a:fld id="{E9E87471-319F-4954-8EC5-36236D89AF18}" type="datetimeFigureOut">
               <a:rPr kumimoji="1" lang="ja-JP" altLang="en-US" smtClean="0"/>
-              <a:t>2024/3/24</a:t>
+              <a:t>2024/3/25</a:t>
             </a:fld>
             <a:endParaRPr kumimoji="1" lang="ja-JP" altLang="en-US"/>
           </a:p>
@@ -888,7 +888,7 @@
           <a:p>
             <a:fld id="{E9E87471-319F-4954-8EC5-36236D89AF18}" type="datetimeFigureOut">
               <a:rPr kumimoji="1" lang="ja-JP" altLang="en-US" smtClean="0"/>
-              <a:t>2024/3/24</a:t>
+              <a:t>2024/3/25</a:t>
             </a:fld>
             <a:endParaRPr kumimoji="1" lang="ja-JP" altLang="en-US"/>
           </a:p>
@@ -1132,7 +1132,7 @@
           <a:p>
             <a:fld id="{E9E87471-319F-4954-8EC5-36236D89AF18}" type="datetimeFigureOut">
               <a:rPr kumimoji="1" lang="ja-JP" altLang="en-US" smtClean="0"/>
-              <a:t>2024/3/24</a:t>
+              <a:t>2024/3/25</a:t>
             </a:fld>
             <a:endParaRPr kumimoji="1" lang="ja-JP" altLang="en-US"/>
           </a:p>
@@ -1428,7 +1428,7 @@
           <a:p>
             <a:fld id="{E9E87471-319F-4954-8EC5-36236D89AF18}" type="datetimeFigureOut">
               <a:rPr kumimoji="1" lang="ja-JP" altLang="en-US" smtClean="0"/>
-              <a:t>2024/3/24</a:t>
+              <a:t>2024/3/25</a:t>
             </a:fld>
             <a:endParaRPr kumimoji="1" lang="ja-JP" altLang="en-US"/>
           </a:p>
@@ -1859,7 +1859,7 @@
           <a:p>
             <a:fld id="{E9E87471-319F-4954-8EC5-36236D89AF18}" type="datetimeFigureOut">
               <a:rPr kumimoji="1" lang="ja-JP" altLang="en-US" smtClean="0"/>
-              <a:t>2024/3/24</a:t>
+              <a:t>2024/3/25</a:t>
             </a:fld>
             <a:endParaRPr kumimoji="1" lang="ja-JP" altLang="en-US"/>
           </a:p>
@@ -1977,7 +1977,7 @@
           <a:p>
             <a:fld id="{E9E87471-319F-4954-8EC5-36236D89AF18}" type="datetimeFigureOut">
               <a:rPr kumimoji="1" lang="ja-JP" altLang="en-US" smtClean="0"/>
-              <a:t>2024/3/24</a:t>
+              <a:t>2024/3/25</a:t>
             </a:fld>
             <a:endParaRPr kumimoji="1" lang="ja-JP" altLang="en-US"/>
           </a:p>
@@ -2072,7 +2072,7 @@
           <a:p>
             <a:fld id="{E9E87471-319F-4954-8EC5-36236D89AF18}" type="datetimeFigureOut">
               <a:rPr kumimoji="1" lang="ja-JP" altLang="en-US" smtClean="0"/>
-              <a:t>2024/3/24</a:t>
+              <a:t>2024/3/25</a:t>
             </a:fld>
             <a:endParaRPr kumimoji="1" lang="ja-JP" altLang="en-US"/>
           </a:p>
@@ -2381,7 +2381,7 @@
           <a:p>
             <a:fld id="{E9E87471-319F-4954-8EC5-36236D89AF18}" type="datetimeFigureOut">
               <a:rPr kumimoji="1" lang="ja-JP" altLang="en-US" smtClean="0"/>
-              <a:t>2024/3/24</a:t>
+              <a:t>2024/3/25</a:t>
             </a:fld>
             <a:endParaRPr kumimoji="1" lang="ja-JP" altLang="en-US"/>
           </a:p>
@@ -2638,7 +2638,7 @@
           <a:p>
             <a:fld id="{E9E87471-319F-4954-8EC5-36236D89AF18}" type="datetimeFigureOut">
               <a:rPr kumimoji="1" lang="ja-JP" altLang="en-US" smtClean="0"/>
-              <a:t>2024/3/24</a:t>
+              <a:t>2024/3/25</a:t>
             </a:fld>
             <a:endParaRPr kumimoji="1" lang="ja-JP" altLang="en-US"/>
           </a:p>
@@ -2883,7 +2883,7 @@
           <a:p>
             <a:fld id="{E9E87471-319F-4954-8EC5-36236D89AF18}" type="datetimeFigureOut">
               <a:rPr kumimoji="1" lang="ja-JP" altLang="en-US" smtClean="0"/>
-              <a:t>2024/3/24</a:t>
+              <a:t>2024/3/25</a:t>
             </a:fld>
             <a:endParaRPr kumimoji="1" lang="ja-JP" altLang="en-US"/>
           </a:p>
@@ -26915,7 +26915,7 @@
         </p:nvSpPr>
         <p:spPr>
           <a:xfrm>
-            <a:off x="807935" y="3617112"/>
+            <a:off x="807935" y="3131337"/>
             <a:ext cx="1105202" cy="369332"/>
           </a:xfrm>
           <a:prstGeom prst="rect">
@@ -26968,7 +26968,7 @@
         </p:blipFill>
         <p:spPr>
           <a:xfrm>
-            <a:off x="1721757" y="3295064"/>
+            <a:off x="1721757" y="2809289"/>
             <a:ext cx="914400" cy="914400"/>
           </a:xfrm>
           <a:prstGeom prst="rect">
@@ -27007,7 +27007,7 @@
         </p:blipFill>
         <p:spPr>
           <a:xfrm>
-            <a:off x="3962400" y="3295064"/>
+            <a:off x="3962400" y="2809289"/>
             <a:ext cx="914400" cy="914400"/>
           </a:xfrm>
           <a:prstGeom prst="rect">
@@ -27029,7 +27029,7 @@
         </p:nvSpPr>
         <p:spPr>
           <a:xfrm>
-            <a:off x="2531328" y="3429098"/>
+            <a:off x="2531328" y="2943323"/>
             <a:ext cx="797686" cy="646331"/>
           </a:xfrm>
           <a:prstGeom prst="rect">
@@ -27074,7 +27074,7 @@
         </p:nvSpPr>
         <p:spPr>
           <a:xfrm>
-            <a:off x="3202930" y="3429098"/>
+            <a:off x="3202930" y="2943323"/>
             <a:ext cx="914400" cy="646331"/>
           </a:xfrm>
           <a:prstGeom prst="rect">
@@ -27143,7 +27143,7 @@
         </p:blipFill>
         <p:spPr>
           <a:xfrm rot="2205768">
-            <a:off x="2449647" y="4380189"/>
+            <a:off x="2449647" y="3894414"/>
             <a:ext cx="330491" cy="646478"/>
           </a:xfrm>
           <a:prstGeom prst="rect">
@@ -27185,7 +27185,7 @@
         </p:blipFill>
         <p:spPr>
           <a:xfrm rot="2205768">
-            <a:off x="3853403" y="4380189"/>
+            <a:off x="3853403" y="3894414"/>
             <a:ext cx="330491" cy="646478"/>
           </a:xfrm>
           <a:prstGeom prst="rect">
@@ -27207,7 +27207,7 @@
         </p:nvSpPr>
         <p:spPr>
           <a:xfrm rot="19484603">
-            <a:off x="2210889" y="4115103"/>
+            <a:off x="2210889" y="3629328"/>
             <a:ext cx="375793" cy="372900"/>
           </a:xfrm>
           <a:prstGeom prst="downArrow">
@@ -27253,7 +27253,7 @@
         </p:nvSpPr>
         <p:spPr>
           <a:xfrm>
-            <a:off x="2899568" y="4545752"/>
+            <a:off x="2899568" y="4059977"/>
             <a:ext cx="797686" cy="369332"/>
           </a:xfrm>
           <a:prstGeom prst="rect">
@@ -27290,7 +27290,7 @@
         </p:nvSpPr>
         <p:spPr>
           <a:xfrm rot="2115397" flipH="1">
-            <a:off x="4153302" y="4114687"/>
+            <a:off x="4153302" y="3628912"/>
             <a:ext cx="375793" cy="363042"/>
           </a:xfrm>
           <a:prstGeom prst="downArrow">
@@ -27336,7 +27336,7 @@
         </p:nvSpPr>
         <p:spPr>
           <a:xfrm>
-            <a:off x="1454646" y="4491899"/>
+            <a:off x="1454646" y="4006124"/>
             <a:ext cx="797686" cy="369332"/>
           </a:xfrm>
           <a:prstGeom prst="rect">
@@ -27373,7 +27373,7 @@
         </p:nvSpPr>
         <p:spPr>
           <a:xfrm>
-            <a:off x="528222" y="5102381"/>
+            <a:off x="528222" y="4616606"/>
             <a:ext cx="2017221" cy="307777"/>
           </a:xfrm>
           <a:prstGeom prst="rect">
@@ -27412,7 +27412,7 @@
         </p:nvSpPr>
         <p:spPr>
           <a:xfrm>
-            <a:off x="4158732" y="4826225"/>
+            <a:off x="4158732" y="4340450"/>
             <a:ext cx="257315" cy="542925"/>
           </a:xfrm>
           <a:custGeom>
@@ -27498,7 +27498,7 @@
         </p:nvSpPr>
         <p:spPr>
           <a:xfrm>
-            <a:off x="4341199" y="5113123"/>
+            <a:off x="4341199" y="4627348"/>
             <a:ext cx="1105202" cy="307777"/>
           </a:xfrm>
           <a:prstGeom prst="rect">
@@ -27537,7 +27537,7 @@
         </p:nvSpPr>
         <p:spPr>
           <a:xfrm>
-            <a:off x="3767044" y="5538684"/>
+            <a:off x="3767044" y="5052909"/>
             <a:ext cx="900000" cy="145886"/>
           </a:xfrm>
           <a:prstGeom prst="wedgeRoundRectCallout">
@@ -27591,7 +27591,7 @@
         </p:nvSpPr>
         <p:spPr>
           <a:xfrm>
-            <a:off x="3430683" y="5906712"/>
+            <a:off x="3430683" y="5420937"/>
             <a:ext cx="936000" cy="145886"/>
           </a:xfrm>
           <a:prstGeom prst="wedgeRoundRectCallout">
@@ -27645,7 +27645,7 @@
         </p:nvSpPr>
         <p:spPr>
           <a:xfrm>
-            <a:off x="4722283" y="5637083"/>
+            <a:off x="4722283" y="5151308"/>
             <a:ext cx="936000" cy="145886"/>
           </a:xfrm>
           <a:prstGeom prst="wedgeRoundRectCallout">
@@ -27699,7 +27699,7 @@
         </p:nvSpPr>
         <p:spPr>
           <a:xfrm>
-            <a:off x="4234608" y="6274740"/>
+            <a:off x="4234608" y="5788965"/>
             <a:ext cx="936000" cy="145886"/>
           </a:xfrm>
           <a:prstGeom prst="wedgeRoundRectCallout">
@@ -27753,7 +27753,7 @@
         </p:nvSpPr>
         <p:spPr>
           <a:xfrm>
-            <a:off x="4531783" y="5974175"/>
+            <a:off x="4531783" y="5488400"/>
             <a:ext cx="936000" cy="145886"/>
           </a:xfrm>
           <a:prstGeom prst="wedgeRoundRectCallout">
@@ -27807,7 +27807,7 @@
         </p:nvSpPr>
         <p:spPr>
           <a:xfrm>
-            <a:off x="5624633" y="5893229"/>
+            <a:off x="5624633" y="5407454"/>
             <a:ext cx="412100" cy="307777"/>
           </a:xfrm>
           <a:prstGeom prst="rect">
@@ -27846,7 +27846,7 @@
         </p:nvSpPr>
         <p:spPr>
           <a:xfrm>
-            <a:off x="3394831" y="5997836"/>
+            <a:off x="3394831" y="5512061"/>
             <a:ext cx="1105202" cy="261610"/>
           </a:xfrm>
           <a:prstGeom prst="rect">
@@ -27885,7 +27885,7 @@
         </p:nvSpPr>
         <p:spPr>
           <a:xfrm>
-            <a:off x="152166" y="5504283"/>
+            <a:off x="152166" y="5018508"/>
             <a:ext cx="2791255" cy="210916"/>
           </a:xfrm>
           <a:prstGeom prst="wedgeRoundRectCallout">
@@ -27939,7 +27939,7 @@
         </p:nvSpPr>
         <p:spPr>
           <a:xfrm flipH="1">
-            <a:off x="2940734" y="6517604"/>
+            <a:off x="2940734" y="6031829"/>
             <a:ext cx="375793" cy="363042"/>
           </a:xfrm>
           <a:prstGeom prst="downArrow">
@@ -27985,7 +27985,7 @@
         </p:nvSpPr>
         <p:spPr>
           <a:xfrm>
-            <a:off x="3384832" y="6545236"/>
+            <a:off x="3384832" y="6059461"/>
             <a:ext cx="1806726" cy="307777"/>
           </a:xfrm>
           <a:prstGeom prst="rect">
@@ -28024,7 +28024,7 @@
         </p:nvSpPr>
         <p:spPr>
           <a:xfrm>
-            <a:off x="76309" y="5415922"/>
+            <a:off x="76309" y="4930147"/>
             <a:ext cx="5960424" cy="1110084"/>
           </a:xfrm>
           <a:prstGeom prst="rect">
@@ -28077,7 +28077,7 @@
         </p:nvSpPr>
         <p:spPr>
           <a:xfrm>
-            <a:off x="1618533" y="7010796"/>
+            <a:off x="1618533" y="6525021"/>
             <a:ext cx="3311607" cy="210916"/>
           </a:xfrm>
           <a:prstGeom prst="wedgeRoundRectCallout">
@@ -28137,7 +28137,7 @@
         </p:nvSpPr>
         <p:spPr>
           <a:xfrm>
-            <a:off x="1607525" y="7491106"/>
+            <a:off x="1607525" y="7005331"/>
             <a:ext cx="886743" cy="145886"/>
           </a:xfrm>
           <a:prstGeom prst="wedgeRoundRectCallout">
@@ -28210,7 +28210,7 @@
         </p:nvSpPr>
         <p:spPr>
           <a:xfrm>
-            <a:off x="2367936" y="8099130"/>
+            <a:off x="2367936" y="7613355"/>
             <a:ext cx="886743" cy="145886"/>
           </a:xfrm>
           <a:prstGeom prst="wedgeRoundRectCallout">
@@ -28270,7 +28270,7 @@
         </p:nvSpPr>
         <p:spPr>
           <a:xfrm>
-            <a:off x="2043276" y="7693781"/>
+            <a:off x="2043276" y="7208006"/>
             <a:ext cx="886743" cy="145886"/>
           </a:xfrm>
           <a:prstGeom prst="wedgeRoundRectCallout">
@@ -28347,7 +28347,7 @@
         </p:nvSpPr>
         <p:spPr>
           <a:xfrm>
-            <a:off x="3744970" y="7486515"/>
+            <a:off x="3744970" y="7000740"/>
             <a:ext cx="886743" cy="145886"/>
           </a:xfrm>
           <a:prstGeom prst="wedgeRoundRectCallout">
@@ -28407,7 +28407,7 @@
         </p:nvSpPr>
         <p:spPr>
           <a:xfrm>
-            <a:off x="3963552" y="7689987"/>
+            <a:off x="3963552" y="7204212"/>
             <a:ext cx="886743" cy="145886"/>
           </a:xfrm>
           <a:prstGeom prst="wedgeRoundRectCallout">
@@ -28467,7 +28467,7 @@
         </p:nvSpPr>
         <p:spPr>
           <a:xfrm>
-            <a:off x="2043276" y="7896456"/>
+            <a:off x="2043276" y="7410681"/>
             <a:ext cx="886743" cy="145886"/>
           </a:xfrm>
           <a:prstGeom prst="wedgeRoundRectCallout">
@@ -28544,7 +28544,7 @@
         </p:nvSpPr>
         <p:spPr>
           <a:xfrm>
-            <a:off x="4074817" y="7893460"/>
+            <a:off x="4074817" y="7407685"/>
             <a:ext cx="886743" cy="145886"/>
           </a:xfrm>
           <a:prstGeom prst="wedgeRoundRectCallout">
@@ -28604,7 +28604,7 @@
         </p:nvSpPr>
         <p:spPr>
           <a:xfrm>
-            <a:off x="3302390" y="7582423"/>
+            <a:off x="3302390" y="7096648"/>
             <a:ext cx="412100" cy="307777"/>
           </a:xfrm>
           <a:prstGeom prst="rect">
@@ -28643,7 +28643,7 @@
         </p:nvSpPr>
         <p:spPr>
           <a:xfrm>
-            <a:off x="23668" y="6939499"/>
+            <a:off x="23668" y="6453724"/>
             <a:ext cx="1575640" cy="307777"/>
           </a:xfrm>
           <a:prstGeom prst="rect">
@@ -28683,7 +28683,7 @@
         </p:nvSpPr>
         <p:spPr>
           <a:xfrm>
-            <a:off x="572645" y="7706502"/>
+            <a:off x="572645" y="7220727"/>
             <a:ext cx="1026663" cy="307777"/>
           </a:xfrm>
           <a:prstGeom prst="rect">
@@ -28723,7 +28723,7 @@
         </p:nvSpPr>
         <p:spPr>
           <a:xfrm>
-            <a:off x="2253602" y="7010796"/>
+            <a:off x="2253602" y="6525021"/>
             <a:ext cx="132238" cy="1031546"/>
           </a:xfrm>
           <a:prstGeom prst="rect">
@@ -28759,6 +28759,417 @@
           <a:p>
             <a:pPr algn="ctr"/>
             <a:endParaRPr kumimoji="1" lang="ja-JP" altLang="en-US"/>
+          </a:p>
+        </p:txBody>
+      </p:sp>
+      <p:sp>
+        <p:nvSpPr>
+          <p:cNvPr id="15" name="矢印: 右 14">
+            <a:extLst>
+              <a:ext uri="{FF2B5EF4-FFF2-40B4-BE49-F238E27FC236}">
+                <a16:creationId xmlns:a16="http://schemas.microsoft.com/office/drawing/2014/main" id="{785A53D9-8496-DC03-CDD9-EC21D38BC9D2}"/>
+              </a:ext>
+            </a:extLst>
+          </p:cNvPr>
+          <p:cNvSpPr/>
+          <p:nvPr/>
+        </p:nvSpPr>
+        <p:spPr>
+          <a:xfrm>
+            <a:off x="3434542" y="8456769"/>
+            <a:ext cx="829769" cy="182604"/>
+          </a:xfrm>
+          <a:prstGeom prst="rightArrow">
+            <a:avLst/>
+          </a:prstGeom>
+        </p:spPr>
+        <p:style>
+          <a:lnRef idx="2">
+            <a:schemeClr val="dk1">
+              <a:shade val="50000"/>
+            </a:schemeClr>
+          </a:lnRef>
+          <a:fillRef idx="1">
+            <a:schemeClr val="dk1"/>
+          </a:fillRef>
+          <a:effectRef idx="0">
+            <a:schemeClr val="dk1"/>
+          </a:effectRef>
+          <a:fontRef idx="minor">
+            <a:schemeClr val="lt1"/>
+          </a:fontRef>
+        </p:style>
+        <p:txBody>
+          <a:bodyPr rtlCol="0" anchor="ctr"/>
+          <a:lstStyle/>
+          <a:p>
+            <a:pPr algn="ctr"/>
+            <a:endParaRPr kumimoji="1" lang="ja-JP" altLang="en-US"/>
+          </a:p>
+        </p:txBody>
+      </p:sp>
+      <p:sp>
+        <p:nvSpPr>
+          <p:cNvPr id="19" name="テキスト ボックス 18">
+            <a:extLst>
+              <a:ext uri="{FF2B5EF4-FFF2-40B4-BE49-F238E27FC236}">
+                <a16:creationId xmlns:a16="http://schemas.microsoft.com/office/drawing/2014/main" id="{40D9E151-3609-D15B-E0AD-1E380863D4FF}"/>
+              </a:ext>
+            </a:extLst>
+          </p:cNvPr>
+          <p:cNvSpPr txBox="1"/>
+          <p:nvPr/>
+        </p:nvSpPr>
+        <p:spPr>
+          <a:xfrm>
+            <a:off x="870263" y="8363405"/>
+            <a:ext cx="1105202" cy="369332"/>
+          </a:xfrm>
+          <a:prstGeom prst="rect">
+            <a:avLst/>
+          </a:prstGeom>
+          <a:noFill/>
+        </p:spPr>
+        <p:txBody>
+          <a:bodyPr wrap="square" rtlCol="0">
+            <a:spAutoFit/>
+          </a:bodyPr>
+          <a:lstStyle/>
+          <a:p>
+            <a:r>
+              <a:rPr kumimoji="1" lang="en-US" altLang="ja-JP" dirty="0"/>
+              <a:t>Cultivar A</a:t>
+            </a:r>
+            <a:endParaRPr kumimoji="1" lang="ja-JP" altLang="en-US" dirty="0"/>
+          </a:p>
+        </p:txBody>
+      </p:sp>
+      <p:pic>
+        <p:nvPicPr>
+          <p:cNvPr id="20" name="グラフィックス 19" descr="植物 単色塗りつぶし">
+            <a:extLst>
+              <a:ext uri="{FF2B5EF4-FFF2-40B4-BE49-F238E27FC236}">
+                <a16:creationId xmlns:a16="http://schemas.microsoft.com/office/drawing/2014/main" id="{B2445B66-CA28-85A6-DE4E-B86043CF1889}"/>
+              </a:ext>
+            </a:extLst>
+          </p:cNvPr>
+          <p:cNvPicPr>
+            <a:picLocks noChangeAspect="1"/>
+          </p:cNvPicPr>
+          <p:nvPr/>
+        </p:nvPicPr>
+        <p:blipFill>
+          <a:blip r:embed="rId3">
+            <a:extLst>
+              <a:ext uri="{28A0092B-C50C-407E-A947-70E740481C1C}">
+                <a14:useLocalDpi xmlns:a14="http://schemas.microsoft.com/office/drawing/2010/main" val="0"/>
+              </a:ext>
+              <a:ext uri="{96DAC541-7B7A-43D3-8B79-37D633B846F1}">
+                <asvg:svgBlip xmlns:asvg="http://schemas.microsoft.com/office/drawing/2016/SVG/main" r:embed="rId4"/>
+              </a:ext>
+            </a:extLst>
+          </a:blip>
+          <a:stretch>
+            <a:fillRect/>
+          </a:stretch>
+        </p:blipFill>
+        <p:spPr>
+          <a:xfrm>
+            <a:off x="1784085" y="8041357"/>
+            <a:ext cx="914400" cy="914400"/>
+          </a:xfrm>
+          <a:prstGeom prst="rect">
+            <a:avLst/>
+          </a:prstGeom>
+        </p:spPr>
+      </p:pic>
+      <p:pic>
+        <p:nvPicPr>
+          <p:cNvPr id="57" name="グラフィックス 56" descr="植物 単色塗りつぶし">
+            <a:extLst>
+              <a:ext uri="{FF2B5EF4-FFF2-40B4-BE49-F238E27FC236}">
+                <a16:creationId xmlns:a16="http://schemas.microsoft.com/office/drawing/2014/main" id="{D21F8864-139D-C29B-F142-6F769E05B305}"/>
+              </a:ext>
+            </a:extLst>
+          </p:cNvPr>
+          <p:cNvPicPr>
+            <a:picLocks noChangeAspect="1"/>
+          </p:cNvPicPr>
+          <p:nvPr/>
+        </p:nvPicPr>
+        <p:blipFill>
+          <a:blip r:embed="rId5">
+            <a:extLst>
+              <a:ext uri="{28A0092B-C50C-407E-A947-70E740481C1C}">
+                <a14:useLocalDpi xmlns:a14="http://schemas.microsoft.com/office/drawing/2010/main" val="0"/>
+              </a:ext>
+              <a:ext uri="{96DAC541-7B7A-43D3-8B79-37D633B846F1}">
+                <asvg:svgBlip xmlns:asvg="http://schemas.microsoft.com/office/drawing/2016/SVG/main" r:embed="rId6"/>
+              </a:ext>
+            </a:extLst>
+          </a:blip>
+          <a:stretch>
+            <a:fillRect/>
+          </a:stretch>
+        </p:blipFill>
+        <p:spPr>
+          <a:xfrm>
+            <a:off x="4986753" y="8041357"/>
+            <a:ext cx="914400" cy="914400"/>
+          </a:xfrm>
+          <a:prstGeom prst="rect">
+            <a:avLst/>
+          </a:prstGeom>
+        </p:spPr>
+      </p:pic>
+      <p:sp>
+        <p:nvSpPr>
+          <p:cNvPr id="65" name="テキスト ボックス 64">
+            <a:extLst>
+              <a:ext uri="{FF2B5EF4-FFF2-40B4-BE49-F238E27FC236}">
+                <a16:creationId xmlns:a16="http://schemas.microsoft.com/office/drawing/2014/main" id="{A0783D6A-5BA3-ACD7-B841-4F3BC7E47CCA}"/>
+              </a:ext>
+            </a:extLst>
+          </p:cNvPr>
+          <p:cNvSpPr txBox="1"/>
+          <p:nvPr/>
+        </p:nvSpPr>
+        <p:spPr>
+          <a:xfrm>
+            <a:off x="2593656" y="8175391"/>
+            <a:ext cx="797686" cy="646331"/>
+          </a:xfrm>
+          <a:prstGeom prst="rect">
+            <a:avLst/>
+          </a:prstGeom>
+          <a:noFill/>
+        </p:spPr>
+        <p:txBody>
+          <a:bodyPr wrap="square" rtlCol="0">
+            <a:spAutoFit/>
+          </a:bodyPr>
+          <a:lstStyle/>
+          <a:p>
+            <a:pPr algn="ctr"/>
+            <a:r>
+              <a:rPr kumimoji="1" lang="en-US" altLang="ja-JP" b="1" dirty="0">
+                <a:solidFill>
+                  <a:schemeClr val="accent6"/>
+                </a:solidFill>
+              </a:rPr>
+              <a:t>Green leaf</a:t>
+            </a:r>
+            <a:endParaRPr kumimoji="1" lang="ja-JP" altLang="en-US" b="1" dirty="0">
+              <a:solidFill>
+                <a:schemeClr val="accent6"/>
+              </a:solidFill>
+            </a:endParaRPr>
+          </a:p>
+        </p:txBody>
+      </p:sp>
+      <p:sp>
+        <p:nvSpPr>
+          <p:cNvPr id="66" name="テキスト ボックス 65">
+            <a:extLst>
+              <a:ext uri="{FF2B5EF4-FFF2-40B4-BE49-F238E27FC236}">
+                <a16:creationId xmlns:a16="http://schemas.microsoft.com/office/drawing/2014/main" id="{871D672C-A0C3-7E7A-099A-0CD4BD406E9C}"/>
+              </a:ext>
+            </a:extLst>
+          </p:cNvPr>
+          <p:cNvSpPr txBox="1"/>
+          <p:nvPr/>
+        </p:nvSpPr>
+        <p:spPr>
+          <a:xfrm>
+            <a:off x="3296134" y="8198560"/>
+            <a:ext cx="1096083" cy="338554"/>
+          </a:xfrm>
+          <a:prstGeom prst="rect">
+            <a:avLst/>
+          </a:prstGeom>
+          <a:noFill/>
+        </p:spPr>
+        <p:txBody>
+          <a:bodyPr wrap="square" rtlCol="0">
+            <a:spAutoFit/>
+          </a:bodyPr>
+          <a:lstStyle/>
+          <a:p>
+            <a:pPr algn="ctr"/>
+            <a:r>
+              <a:rPr kumimoji="1" lang="en-US" altLang="ja-JP" sz="1600" dirty="0"/>
+              <a:t>mutation</a:t>
+            </a:r>
+            <a:endParaRPr kumimoji="1" lang="ja-JP" altLang="en-US" sz="1600" dirty="0"/>
+          </a:p>
+        </p:txBody>
+      </p:sp>
+      <p:sp>
+        <p:nvSpPr>
+          <p:cNvPr id="75" name="テキスト ボックス 74">
+            <a:extLst>
+              <a:ext uri="{FF2B5EF4-FFF2-40B4-BE49-F238E27FC236}">
+                <a16:creationId xmlns:a16="http://schemas.microsoft.com/office/drawing/2014/main" id="{6F63DE80-3DDD-7B82-4B86-1437335DE266}"/>
+              </a:ext>
+            </a:extLst>
+          </p:cNvPr>
+          <p:cNvSpPr txBox="1"/>
+          <p:nvPr/>
+        </p:nvSpPr>
+        <p:spPr>
+          <a:xfrm>
+            <a:off x="4227283" y="8175391"/>
+            <a:ext cx="914400" cy="646331"/>
+          </a:xfrm>
+          <a:prstGeom prst="rect">
+            <a:avLst/>
+          </a:prstGeom>
+          <a:noFill/>
+        </p:spPr>
+        <p:txBody>
+          <a:bodyPr wrap="square" rtlCol="0">
+            <a:spAutoFit/>
+          </a:bodyPr>
+          <a:lstStyle/>
+          <a:p>
+            <a:pPr algn="ctr"/>
+            <a:r>
+              <a:rPr kumimoji="1" lang="en-US" altLang="ja-JP" b="1" dirty="0">
+                <a:solidFill>
+                  <a:schemeClr val="accent4">
+                    <a:lumMod val="75000"/>
+                  </a:schemeClr>
+                </a:solidFill>
+              </a:rPr>
+              <a:t>Brown leaf</a:t>
+            </a:r>
+            <a:endParaRPr kumimoji="1" lang="ja-JP" altLang="en-US" b="1" dirty="0">
+              <a:solidFill>
+                <a:schemeClr val="accent4">
+                  <a:lumMod val="75000"/>
+                </a:schemeClr>
+              </a:solidFill>
+            </a:endParaRPr>
+          </a:p>
+        </p:txBody>
+      </p:sp>
+      <p:sp>
+        <p:nvSpPr>
+          <p:cNvPr id="77" name="吹き出し: 角を丸めた四角形 76">
+            <a:extLst>
+              <a:ext uri="{FF2B5EF4-FFF2-40B4-BE49-F238E27FC236}">
+                <a16:creationId xmlns:a16="http://schemas.microsoft.com/office/drawing/2014/main" id="{E324647D-67D5-B490-58CA-425F6118B422}"/>
+              </a:ext>
+            </a:extLst>
+          </p:cNvPr>
+          <p:cNvSpPr/>
+          <p:nvPr/>
+        </p:nvSpPr>
+        <p:spPr>
+          <a:xfrm>
+            <a:off x="845657" y="9198695"/>
+            <a:ext cx="2791255" cy="210916"/>
+          </a:xfrm>
+          <a:prstGeom prst="wedgeRoundRectCallout">
+            <a:avLst>
+              <a:gd name="adj1" fmla="val -9145"/>
+              <a:gd name="adj2" fmla="val -171429"/>
+              <a:gd name="adj3" fmla="val 16667"/>
+            </a:avLst>
+          </a:prstGeom>
+        </p:spPr>
+        <p:style>
+          <a:lnRef idx="2">
+            <a:schemeClr val="dk1">
+              <a:shade val="50000"/>
+            </a:schemeClr>
+          </a:lnRef>
+          <a:fillRef idx="1">
+            <a:schemeClr val="dk1"/>
+          </a:fillRef>
+          <a:effectRef idx="0">
+            <a:schemeClr val="dk1"/>
+          </a:effectRef>
+          <a:fontRef idx="minor">
+            <a:schemeClr val="lt1"/>
+          </a:fontRef>
+        </p:style>
+        <p:txBody>
+          <a:bodyPr rtlCol="0" anchor="ctr"/>
+          <a:lstStyle/>
+          <a:p>
+            <a:pPr algn="ctr"/>
+            <a:r>
+              <a:rPr kumimoji="1" lang="en-US" altLang="ja-JP" sz="1400" dirty="0"/>
+              <a:t>ATGCATGCATGCATGC…ATGCATCCA</a:t>
+            </a:r>
+            <a:endParaRPr kumimoji="1" lang="ja-JP" altLang="en-US" sz="1400" dirty="0"/>
+          </a:p>
+        </p:txBody>
+      </p:sp>
+      <p:sp>
+        <p:nvSpPr>
+          <p:cNvPr id="78" name="吹き出し: 角を丸めた四角形 77">
+            <a:extLst>
+              <a:ext uri="{FF2B5EF4-FFF2-40B4-BE49-F238E27FC236}">
+                <a16:creationId xmlns:a16="http://schemas.microsoft.com/office/drawing/2014/main" id="{40367533-F5B1-6DC2-0B35-6FF8C5A3588F}"/>
+              </a:ext>
+            </a:extLst>
+          </p:cNvPr>
+          <p:cNvSpPr/>
+          <p:nvPr/>
+        </p:nvSpPr>
+        <p:spPr>
+          <a:xfrm>
+            <a:off x="3971925" y="9198695"/>
+            <a:ext cx="2791255" cy="210916"/>
+          </a:xfrm>
+          <a:prstGeom prst="wedgeRoundRectCallout">
+            <a:avLst>
+              <a:gd name="adj1" fmla="val 10988"/>
+              <a:gd name="adj2" fmla="val -180461"/>
+              <a:gd name="adj3" fmla="val 16667"/>
+            </a:avLst>
+          </a:prstGeom>
+        </p:spPr>
+        <p:style>
+          <a:lnRef idx="2">
+            <a:schemeClr val="dk1">
+              <a:shade val="50000"/>
+            </a:schemeClr>
+          </a:lnRef>
+          <a:fillRef idx="1">
+            <a:schemeClr val="dk1"/>
+          </a:fillRef>
+          <a:effectRef idx="0">
+            <a:schemeClr val="dk1"/>
+          </a:effectRef>
+          <a:fontRef idx="minor">
+            <a:schemeClr val="lt1"/>
+          </a:fontRef>
+        </p:style>
+        <p:txBody>
+          <a:bodyPr rtlCol="0" anchor="ctr"/>
+          <a:lstStyle/>
+          <a:p>
+            <a:pPr algn="ctr"/>
+            <a:r>
+              <a:rPr kumimoji="1" lang="en-US" altLang="ja-JP" sz="1400" dirty="0"/>
+              <a:t>ATGCA</a:t>
+            </a:r>
+            <a:r>
+              <a:rPr kumimoji="1" lang="en-US" altLang="ja-JP" sz="1400" b="1" dirty="0">
+                <a:solidFill>
+                  <a:srgbClr val="FF0000"/>
+                </a:solidFill>
+              </a:rPr>
+              <a:t>G</a:t>
+            </a:r>
+            <a:r>
+              <a:rPr kumimoji="1" lang="en-US" altLang="ja-JP" sz="1400" dirty="0"/>
+              <a:t>GCATGCATGC…ATGCATCCA</a:t>
+            </a:r>
+            <a:endParaRPr kumimoji="1" lang="ja-JP" altLang="en-US" sz="1400" dirty="0"/>
           </a:p>
         </p:txBody>
       </p:sp>

--- a/FAO_2024/mutmapqtlseq.pptx
+++ b/FAO_2024/mutmapqtlseq.pptx
@@ -32713,7 +32713,7 @@
         </p:nvSpPr>
         <p:spPr>
           <a:xfrm>
-            <a:off x="743226" y="3970290"/>
+            <a:off x="438426" y="278824"/>
             <a:ext cx="1105202" cy="369332"/>
           </a:xfrm>
           <a:prstGeom prst="rect">
@@ -32766,7 +32766,7 @@
         </p:blipFill>
         <p:spPr>
           <a:xfrm>
-            <a:off x="838627" y="4315268"/>
+            <a:off x="533827" y="623802"/>
             <a:ext cx="914400" cy="914400"/>
           </a:xfrm>
           <a:prstGeom prst="rect">
@@ -32805,99 +32805,8 @@
         </p:blipFill>
         <p:spPr>
           <a:xfrm>
-            <a:off x="861487" y="6040297"/>
+            <a:off x="556687" y="2348831"/>
             <a:ext cx="914400" cy="914400"/>
-          </a:xfrm>
-          <a:prstGeom prst="rect">
-            <a:avLst/>
-          </a:prstGeom>
-        </p:spPr>
-      </p:pic>
-      <p:sp>
-        <p:nvSpPr>
-          <p:cNvPr id="6" name="テキスト ボックス 5">
-            <a:extLst>
-              <a:ext uri="{FF2B5EF4-FFF2-40B4-BE49-F238E27FC236}">
-                <a16:creationId xmlns:a16="http://schemas.microsoft.com/office/drawing/2014/main" id="{5DCC0C21-B656-B501-A27B-682B2F2C0480}"/>
-              </a:ext>
-            </a:extLst>
-          </p:cNvPr>
-          <p:cNvSpPr txBox="1"/>
-          <p:nvPr/>
-        </p:nvSpPr>
-        <p:spPr>
-          <a:xfrm>
-            <a:off x="3436604" y="454127"/>
-            <a:ext cx="914400" cy="646331"/>
-          </a:xfrm>
-          <a:prstGeom prst="rect">
-            <a:avLst/>
-          </a:prstGeom>
-          <a:noFill/>
-        </p:spPr>
-        <p:txBody>
-          <a:bodyPr wrap="square" rtlCol="0">
-            <a:spAutoFit/>
-          </a:bodyPr>
-          <a:lstStyle/>
-          <a:p>
-            <a:pPr algn="ctr"/>
-            <a:r>
-              <a:rPr kumimoji="1" lang="en-US" altLang="ja-JP" b="1" dirty="0">
-                <a:solidFill>
-                  <a:schemeClr val="accent4">
-                    <a:lumMod val="75000"/>
-                  </a:schemeClr>
-                </a:solidFill>
-              </a:rPr>
-              <a:t>Brown leaf</a:t>
-            </a:r>
-            <a:endParaRPr kumimoji="1" lang="ja-JP" altLang="en-US" b="1" dirty="0">
-              <a:solidFill>
-                <a:schemeClr val="accent4">
-                  <a:lumMod val="75000"/>
-                </a:schemeClr>
-              </a:solidFill>
-            </a:endParaRPr>
-          </a:p>
-        </p:txBody>
-      </p:sp>
-      <p:pic>
-        <p:nvPicPr>
-          <p:cNvPr id="7" name="図 6" descr="会社名 が含まれている画像&#10;&#10;自動的に生成された説明">
-            <a:extLst>
-              <a:ext uri="{FF2B5EF4-FFF2-40B4-BE49-F238E27FC236}">
-                <a16:creationId xmlns:a16="http://schemas.microsoft.com/office/drawing/2014/main" id="{BB511F6C-2218-386A-E1F9-96F5B1CA7977}"/>
-              </a:ext>
-            </a:extLst>
-          </p:cNvPr>
-          <p:cNvPicPr>
-            <a:picLocks noChangeAspect="1"/>
-          </p:cNvPicPr>
-          <p:nvPr/>
-        </p:nvPicPr>
-        <p:blipFill rotWithShape="1">
-          <a:blip r:embed="rId6">
-            <a:duotone>
-              <a:schemeClr val="accent6">
-                <a:shade val="45000"/>
-                <a:satMod val="135000"/>
-              </a:schemeClr>
-              <a:prstClr val="white"/>
-            </a:duotone>
-            <a:extLst>
-              <a:ext uri="{28A0092B-C50C-407E-A947-70E740481C1C}">
-                <a14:useLocalDpi xmlns:a14="http://schemas.microsoft.com/office/drawing/2010/main" val="0"/>
-              </a:ext>
-            </a:extLst>
-          </a:blip>
-          <a:srcRect l="31833" r="32382"/>
-          <a:stretch/>
-        </p:blipFill>
-        <p:spPr>
-          <a:xfrm rot="2205768">
-            <a:off x="2777958" y="1235162"/>
-            <a:ext cx="330491" cy="646478"/>
           </a:xfrm>
           <a:prstGeom prst="rect">
             <a:avLst/>
@@ -32938,7 +32847,7 @@
         </p:blipFill>
         <p:spPr>
           <a:xfrm rot="2205768">
-            <a:off x="2267337" y="6187284"/>
+            <a:off x="1962537" y="2495818"/>
             <a:ext cx="330491" cy="646478"/>
           </a:xfrm>
           <a:prstGeom prst="rect">
@@ -32948,56 +32857,10 @@
       </p:pic>
       <p:sp>
         <p:nvSpPr>
-          <p:cNvPr id="9" name="矢印: 下 8">
-            <a:extLst>
-              <a:ext uri="{FF2B5EF4-FFF2-40B4-BE49-F238E27FC236}">
-                <a16:creationId xmlns:a16="http://schemas.microsoft.com/office/drawing/2014/main" id="{BF22E6AE-CE06-195F-347F-62C924910ADA}"/>
-              </a:ext>
-            </a:extLst>
-          </p:cNvPr>
-          <p:cNvSpPr/>
-          <p:nvPr/>
-        </p:nvSpPr>
-        <p:spPr>
-          <a:xfrm rot="19484603">
-            <a:off x="2539200" y="970076"/>
-            <a:ext cx="375793" cy="372900"/>
-          </a:xfrm>
-          <a:prstGeom prst="downArrow">
-            <a:avLst/>
-          </a:prstGeom>
-        </p:spPr>
-        <p:style>
-          <a:lnRef idx="2">
-            <a:schemeClr val="dk1">
-              <a:shade val="15000"/>
-            </a:schemeClr>
-          </a:lnRef>
-          <a:fillRef idx="1">
-            <a:schemeClr val="dk1"/>
-          </a:fillRef>
-          <a:effectRef idx="0">
-            <a:schemeClr val="dk1"/>
-          </a:effectRef>
-          <a:fontRef idx="minor">
-            <a:schemeClr val="lt1"/>
-          </a:fontRef>
-        </p:style>
-        <p:txBody>
-          <a:bodyPr rtlCol="0" anchor="ctr"/>
-          <a:lstStyle/>
-          <a:p>
-            <a:pPr algn="ctr"/>
-            <a:endParaRPr kumimoji="1" lang="ja-JP" altLang="en-US"/>
-          </a:p>
-        </p:txBody>
-      </p:sp>
-      <p:sp>
-        <p:nvSpPr>
-          <p:cNvPr id="12" name="テキスト ボックス 11">
-            <a:extLst>
-              <a:ext uri="{FF2B5EF4-FFF2-40B4-BE49-F238E27FC236}">
-                <a16:creationId xmlns:a16="http://schemas.microsoft.com/office/drawing/2014/main" id="{0B60E4B8-83CB-CAA1-A2DD-20DB8187600E}"/>
+          <p:cNvPr id="18" name="テキスト ボックス 17">
+            <a:extLst>
+              <a:ext uri="{FF2B5EF4-FFF2-40B4-BE49-F238E27FC236}">
+                <a16:creationId xmlns:a16="http://schemas.microsoft.com/office/drawing/2014/main" id="{4DC0944A-92F9-14A6-877D-4A270BE68595}"/>
               </a:ext>
             </a:extLst>
           </p:cNvPr>
@@ -33006,128 +32869,8 @@
         </p:nvSpPr>
         <p:spPr>
           <a:xfrm>
-            <a:off x="3227879" y="1400725"/>
-            <a:ext cx="797686" cy="369332"/>
-          </a:xfrm>
-          <a:prstGeom prst="rect">
-            <a:avLst/>
-          </a:prstGeom>
-          <a:noFill/>
-        </p:spPr>
-        <p:txBody>
-          <a:bodyPr wrap="square" rtlCol="0">
-            <a:spAutoFit/>
-          </a:bodyPr>
-          <a:lstStyle/>
-          <a:p>
-            <a:pPr algn="ctr"/>
-            <a:r>
-              <a:rPr kumimoji="1" lang="en-US" altLang="ja-JP" b="1" dirty="0"/>
-              <a:t>vs</a:t>
-            </a:r>
-            <a:endParaRPr kumimoji="1" lang="ja-JP" altLang="en-US" b="1" dirty="0"/>
-          </a:p>
-        </p:txBody>
-      </p:sp>
-      <p:sp>
-        <p:nvSpPr>
-          <p:cNvPr id="13" name="矢印: 下 12">
-            <a:extLst>
-              <a:ext uri="{FF2B5EF4-FFF2-40B4-BE49-F238E27FC236}">
-                <a16:creationId xmlns:a16="http://schemas.microsoft.com/office/drawing/2014/main" id="{02AE2827-762D-BC8F-DAD4-6893FD508A20}"/>
-              </a:ext>
-            </a:extLst>
-          </p:cNvPr>
-          <p:cNvSpPr/>
-          <p:nvPr/>
-        </p:nvSpPr>
-        <p:spPr>
-          <a:xfrm rot="2115397" flipH="1">
-            <a:off x="4481613" y="969660"/>
-            <a:ext cx="375793" cy="363042"/>
-          </a:xfrm>
-          <a:prstGeom prst="downArrow">
-            <a:avLst/>
-          </a:prstGeom>
-        </p:spPr>
-        <p:style>
-          <a:lnRef idx="2">
-            <a:schemeClr val="dk1">
-              <a:shade val="15000"/>
-            </a:schemeClr>
-          </a:lnRef>
-          <a:fillRef idx="1">
-            <a:schemeClr val="dk1"/>
-          </a:fillRef>
-          <a:effectRef idx="0">
-            <a:schemeClr val="dk1"/>
-          </a:effectRef>
-          <a:fontRef idx="minor">
-            <a:schemeClr val="lt1"/>
-          </a:fontRef>
-        </p:style>
-        <p:txBody>
-          <a:bodyPr rtlCol="0" anchor="ctr"/>
-          <a:lstStyle/>
-          <a:p>
-            <a:pPr algn="ctr"/>
-            <a:endParaRPr kumimoji="1" lang="ja-JP" altLang="en-US"/>
-          </a:p>
-        </p:txBody>
-      </p:sp>
-      <p:sp>
-        <p:nvSpPr>
-          <p:cNvPr id="14" name="テキスト ボックス 13">
-            <a:extLst>
-              <a:ext uri="{FF2B5EF4-FFF2-40B4-BE49-F238E27FC236}">
-                <a16:creationId xmlns:a16="http://schemas.microsoft.com/office/drawing/2014/main" id="{DD054D29-801D-BC0F-D241-0E40ACCCBB8C}"/>
-              </a:ext>
-            </a:extLst>
-          </p:cNvPr>
-          <p:cNvSpPr txBox="1"/>
-          <p:nvPr/>
-        </p:nvSpPr>
-        <p:spPr>
-          <a:xfrm>
-            <a:off x="1782957" y="1346872"/>
-            <a:ext cx="797686" cy="369332"/>
-          </a:xfrm>
-          <a:prstGeom prst="rect">
-            <a:avLst/>
-          </a:prstGeom>
-          <a:noFill/>
-        </p:spPr>
-        <p:txBody>
-          <a:bodyPr wrap="square" rtlCol="0">
-            <a:spAutoFit/>
-          </a:bodyPr>
-          <a:lstStyle/>
-          <a:p>
-            <a:pPr algn="ctr"/>
-            <a:r>
-              <a:rPr kumimoji="1" lang="en-US" altLang="ja-JP" b="1" dirty="0"/>
-              <a:t>DNA</a:t>
-            </a:r>
-            <a:endParaRPr kumimoji="1" lang="ja-JP" altLang="en-US" b="1" dirty="0"/>
-          </a:p>
-        </p:txBody>
-      </p:sp>
-      <p:sp>
-        <p:nvSpPr>
-          <p:cNvPr id="16" name="テキスト ボックス 15">
-            <a:extLst>
-              <a:ext uri="{FF2B5EF4-FFF2-40B4-BE49-F238E27FC236}">
-                <a16:creationId xmlns:a16="http://schemas.microsoft.com/office/drawing/2014/main" id="{85E8FC3E-6700-F877-DF30-C6FD573AB3F2}"/>
-              </a:ext>
-            </a:extLst>
-          </p:cNvPr>
-          <p:cNvSpPr txBox="1"/>
-          <p:nvPr/>
-        </p:nvSpPr>
-        <p:spPr>
-          <a:xfrm>
-            <a:off x="3429222" y="4315268"/>
-            <a:ext cx="2017221" cy="307777"/>
+            <a:off x="2416219" y="2237787"/>
+            <a:ext cx="1061420" cy="523220"/>
           </a:xfrm>
           <a:prstGeom prst="rect">
             <a:avLst/>
@@ -33145,45 +32888,6 @@
           <a:p>
             <a:r>
               <a:rPr kumimoji="1" lang="en-US" altLang="ja-JP" sz="1400" dirty="0"/>
-              <a:t>Reference genome</a:t>
-            </a:r>
-            <a:endParaRPr kumimoji="1" lang="ja-JP" altLang="en-US" sz="1400" dirty="0"/>
-          </a:p>
-        </p:txBody>
-      </p:sp>
-      <p:sp>
-        <p:nvSpPr>
-          <p:cNvPr id="18" name="テキスト ボックス 17">
-            <a:extLst>
-              <a:ext uri="{FF2B5EF4-FFF2-40B4-BE49-F238E27FC236}">
-                <a16:creationId xmlns:a16="http://schemas.microsoft.com/office/drawing/2014/main" id="{4DC0944A-92F9-14A6-877D-4A270BE68595}"/>
-              </a:ext>
-            </a:extLst>
-          </p:cNvPr>
-          <p:cNvSpPr txBox="1"/>
-          <p:nvPr/>
-        </p:nvSpPr>
-        <p:spPr>
-          <a:xfrm>
-            <a:off x="2721019" y="5929253"/>
-            <a:ext cx="1061420" cy="523220"/>
-          </a:xfrm>
-          <a:prstGeom prst="rect">
-            <a:avLst/>
-          </a:prstGeom>
-          <a:noFill/>
-          <a:ln w="12700">
-            <a:noFill/>
-          </a:ln>
-        </p:spPr>
-        <p:txBody>
-          <a:bodyPr wrap="square" rtlCol="0">
-            <a:spAutoFit/>
-          </a:bodyPr>
-          <a:lstStyle/>
-          <a:p>
-            <a:r>
-              <a:rPr kumimoji="1" lang="en-US" altLang="ja-JP" sz="1400" dirty="0"/>
               <a:t>Short read</a:t>
             </a:r>
           </a:p>
@@ -33210,7 +32914,7 @@
         </p:nvSpPr>
         <p:spPr>
           <a:xfrm>
-            <a:off x="4115052" y="5850198"/>
+            <a:off x="721408" y="5191634"/>
             <a:ext cx="900000" cy="145886"/>
           </a:xfrm>
           <a:prstGeom prst="wedgeRoundRectCallout">
@@ -33264,7 +32968,7 @@
         </p:nvSpPr>
         <p:spPr>
           <a:xfrm>
-            <a:off x="3778691" y="6218226"/>
+            <a:off x="385047" y="5559662"/>
             <a:ext cx="936000" cy="145886"/>
           </a:xfrm>
           <a:prstGeom prst="wedgeRoundRectCallout">
@@ -33318,7 +33022,7 @@
         </p:nvSpPr>
         <p:spPr>
           <a:xfrm>
-            <a:off x="5070291" y="5948597"/>
+            <a:off x="1676647" y="5290033"/>
             <a:ext cx="936000" cy="145886"/>
           </a:xfrm>
           <a:prstGeom prst="wedgeRoundRectCallout">
@@ -33372,7 +33076,7 @@
         </p:nvSpPr>
         <p:spPr>
           <a:xfrm>
-            <a:off x="4582616" y="6586254"/>
+            <a:off x="1188972" y="5927690"/>
             <a:ext cx="936000" cy="145886"/>
           </a:xfrm>
           <a:prstGeom prst="wedgeRoundRectCallout">
@@ -33426,7 +33130,7 @@
         </p:nvSpPr>
         <p:spPr>
           <a:xfrm>
-            <a:off x="4879791" y="6285689"/>
+            <a:off x="1486147" y="5627125"/>
             <a:ext cx="936000" cy="145886"/>
           </a:xfrm>
           <a:prstGeom prst="wedgeRoundRectCallout">
@@ -33480,7 +33184,7 @@
         </p:nvSpPr>
         <p:spPr>
           <a:xfrm>
-            <a:off x="5972641" y="6204743"/>
+            <a:off x="2578997" y="5546179"/>
             <a:ext cx="412100" cy="307777"/>
           </a:xfrm>
           <a:prstGeom prst="rect">
@@ -33519,13 +33223,13 @@
         </p:nvSpPr>
         <p:spPr>
           <a:xfrm>
-            <a:off x="3532095" y="4629789"/>
+            <a:off x="235855" y="4072613"/>
             <a:ext cx="2791255" cy="210916"/>
           </a:xfrm>
           <a:prstGeom prst="wedgeRoundRectCallout">
             <a:avLst>
-              <a:gd name="adj1" fmla="val -58693"/>
-              <a:gd name="adj2" fmla="val 5599"/>
+              <a:gd name="adj1" fmla="val -46408"/>
+              <a:gd name="adj2" fmla="val 23663"/>
               <a:gd name="adj3" fmla="val 16667"/>
             </a:avLst>
           </a:prstGeom>
@@ -33573,7 +33277,7 @@
         </p:nvSpPr>
         <p:spPr>
           <a:xfrm>
-            <a:off x="3817737" y="4921891"/>
+            <a:off x="539360" y="3733468"/>
             <a:ext cx="2033676" cy="307777"/>
           </a:xfrm>
           <a:prstGeom prst="rect">
@@ -33591,29 +33295,13 @@
           <a:lstStyle/>
           <a:p>
             <a:pPr algn="ctr"/>
-            <a:r>
-              <a:rPr kumimoji="1" lang="ja-JP" altLang="en-US" sz="1400" b="1" dirty="0">
-                <a:solidFill>
-                  <a:srgbClr val="FF0000"/>
-                </a:solidFill>
-              </a:rPr>
-              <a:t>→</a:t>
-            </a:r>
-            <a:r>
-              <a:rPr kumimoji="1" lang="en-US" altLang="ja-JP" sz="1400" b="1" dirty="0">
-                <a:solidFill>
-                  <a:srgbClr val="FF0000"/>
-                </a:solidFill>
-              </a:rPr>
-              <a:t> genome/</a:t>
-            </a:r>
             <a:r>
               <a:rPr kumimoji="1" lang="en-US" altLang="ja-JP" sz="1400" b="1" dirty="0" err="1">
                 <a:solidFill>
                   <a:srgbClr val="FF0000"/>
                 </a:solidFill>
               </a:rPr>
-              <a:t>CultivarA.fa</a:t>
+              <a:t>CultivarA.fasta</a:t>
             </a:r>
             <a:endParaRPr kumimoji="1" lang="ja-JP" altLang="en-US" sz="1400" b="1" dirty="0">
               <a:solidFill>
@@ -33637,7 +33325,7 @@
         </p:nvSpPr>
         <p:spPr>
           <a:xfrm>
-            <a:off x="3817737" y="6891741"/>
+            <a:off x="202708" y="4832230"/>
             <a:ext cx="2947878" cy="307777"/>
           </a:xfrm>
           <a:prstGeom prst="rect">
@@ -33655,29 +33343,13 @@
           <a:lstStyle/>
           <a:p>
             <a:pPr algn="ctr"/>
-            <a:r>
-              <a:rPr kumimoji="1" lang="ja-JP" altLang="en-US" sz="1400" b="1" dirty="0">
-                <a:solidFill>
-                  <a:srgbClr val="FF0000"/>
-                </a:solidFill>
-              </a:rPr>
-              <a:t>→</a:t>
-            </a:r>
-            <a:r>
-              <a:rPr kumimoji="1" lang="en-US" altLang="ja-JP" sz="1400" b="1" dirty="0">
-                <a:solidFill>
-                  <a:srgbClr val="FF0000"/>
-                </a:solidFill>
-              </a:rPr>
-              <a:t> reads/</a:t>
-            </a:r>
             <a:r>
               <a:rPr kumimoji="1" lang="en-US" altLang="ja-JP" sz="1400" b="1" dirty="0" err="1">
                 <a:solidFill>
                   <a:srgbClr val="FF0000"/>
                 </a:solidFill>
               </a:rPr>
-              <a:t>Mutated_Cultivar_read.fq</a:t>
+              <a:t>Mutated_Cultivar_read.fastq</a:t>
             </a:r>
             <a:endParaRPr kumimoji="1" lang="ja-JP" altLang="en-US" sz="1400" b="1" dirty="0">
               <a:solidFill>
@@ -33701,7 +33373,7 @@
         </p:nvSpPr>
         <p:spPr>
           <a:xfrm>
-            <a:off x="1566131" y="5930037"/>
+            <a:off x="1261331" y="2238571"/>
             <a:ext cx="716314" cy="523220"/>
           </a:xfrm>
           <a:prstGeom prst="rect">
@@ -33763,7 +33435,7 @@
         </p:blipFill>
         <p:spPr bwMode="auto">
           <a:xfrm>
-            <a:off x="2498129" y="4229217"/>
+            <a:off x="2193329" y="537751"/>
             <a:ext cx="818346" cy="1012060"/>
           </a:xfrm>
           <a:prstGeom prst="rect">
@@ -33795,7 +33467,7 @@
         </p:nvCxnSpPr>
         <p:spPr>
           <a:xfrm>
-            <a:off x="1699260" y="6479617"/>
+            <a:off x="1394460" y="2788151"/>
             <a:ext cx="529862" cy="0"/>
           </a:xfrm>
           <a:prstGeom prst="straightConnector1">
@@ -33834,7 +33506,7 @@
         </p:nvCxnSpPr>
         <p:spPr>
           <a:xfrm>
-            <a:off x="2683611" y="6484874"/>
+            <a:off x="2378811" y="2793408"/>
             <a:ext cx="1080000" cy="0"/>
           </a:xfrm>
           <a:prstGeom prst="straightConnector1">
@@ -33873,7 +33545,7 @@
         </p:nvSpPr>
         <p:spPr>
           <a:xfrm>
-            <a:off x="1566130" y="4291482"/>
+            <a:off x="1261330" y="600016"/>
             <a:ext cx="899907" cy="523220"/>
           </a:xfrm>
           <a:prstGeom prst="rect">
@@ -33920,13 +33592,763 @@
         </p:nvCxnSpPr>
         <p:spPr>
           <a:xfrm>
-            <a:off x="1699260" y="4841062"/>
+            <a:off x="1394460" y="1149596"/>
             <a:ext cx="684000" cy="0"/>
           </a:xfrm>
           <a:prstGeom prst="straightConnector1">
             <a:avLst/>
           </a:prstGeom>
           <a:ln w="28575">
+            <a:tailEnd type="triangle"/>
+          </a:ln>
+        </p:spPr>
+        <p:style>
+          <a:lnRef idx="1">
+            <a:schemeClr val="dk1"/>
+          </a:lnRef>
+          <a:fillRef idx="0">
+            <a:schemeClr val="dk1"/>
+          </a:fillRef>
+          <a:effectRef idx="0">
+            <a:schemeClr val="dk1"/>
+          </a:effectRef>
+          <a:fontRef idx="minor">
+            <a:schemeClr val="tx1"/>
+          </a:fontRef>
+        </p:style>
+      </p:cxnSp>
+      <p:grpSp>
+        <p:nvGrpSpPr>
+          <p:cNvPr id="35" name="グループ化 34">
+            <a:extLst>
+              <a:ext uri="{FF2B5EF4-FFF2-40B4-BE49-F238E27FC236}">
+                <a16:creationId xmlns:a16="http://schemas.microsoft.com/office/drawing/2014/main" id="{AFBCA765-855B-7845-941F-418E2C922C7A}"/>
+              </a:ext>
+            </a:extLst>
+          </p:cNvPr>
+          <p:cNvGrpSpPr/>
+          <p:nvPr/>
+        </p:nvGrpSpPr>
+        <p:grpSpPr>
+          <a:xfrm>
+            <a:off x="4459574" y="4529069"/>
+            <a:ext cx="3354035" cy="1091345"/>
+            <a:chOff x="1658836" y="5627823"/>
+            <a:chExt cx="3354035" cy="1091345"/>
+          </a:xfrm>
+        </p:grpSpPr>
+        <p:sp>
+          <p:nvSpPr>
+            <p:cNvPr id="5" name="吹き出し: 角を丸めた四角形 4">
+              <a:extLst>
+                <a:ext uri="{FF2B5EF4-FFF2-40B4-BE49-F238E27FC236}">
+                  <a16:creationId xmlns:a16="http://schemas.microsoft.com/office/drawing/2014/main" id="{B4F978CB-8268-E2BB-9F3A-7ABBE4179688}"/>
+                </a:ext>
+              </a:extLst>
+            </p:cNvPr>
+            <p:cNvSpPr/>
+            <p:nvPr/>
+          </p:nvSpPr>
+          <p:spPr>
+            <a:xfrm>
+              <a:off x="1669844" y="5627823"/>
+              <a:ext cx="3311607" cy="210916"/>
+            </a:xfrm>
+            <a:prstGeom prst="wedgeRoundRectCallout">
+              <a:avLst>
+                <a:gd name="adj1" fmla="val 32487"/>
+                <a:gd name="adj2" fmla="val -32938"/>
+                <a:gd name="adj3" fmla="val 16667"/>
+              </a:avLst>
+            </a:prstGeom>
+          </p:spPr>
+          <p:style>
+            <a:lnRef idx="2">
+              <a:schemeClr val="dk1">
+                <a:shade val="50000"/>
+              </a:schemeClr>
+            </a:lnRef>
+            <a:fillRef idx="1">
+              <a:schemeClr val="dk1"/>
+            </a:fillRef>
+            <a:effectRef idx="0">
+              <a:schemeClr val="dk1"/>
+            </a:effectRef>
+            <a:fontRef idx="minor">
+              <a:schemeClr val="lt1"/>
+            </a:fontRef>
+          </p:style>
+          <p:txBody>
+            <a:bodyPr rtlCol="0" anchor="ctr"/>
+            <a:lstStyle/>
+            <a:p>
+              <a:pPr algn="ctr"/>
+              <a:r>
+                <a:rPr kumimoji="1" lang="en-US" altLang="ja-JP" sz="1400" dirty="0">
+                  <a:latin typeface="Courier New" panose="02070309020205020404" pitchFamily="49" charset="0"/>
+                  <a:cs typeface="Courier New" panose="02070309020205020404" pitchFamily="49" charset="0"/>
+                </a:rPr>
+                <a:t>ATGCATGCATGCATGC…………ATGCATCCA</a:t>
+              </a:r>
+              <a:endParaRPr kumimoji="1" lang="ja-JP" altLang="en-US" sz="1400" dirty="0">
+                <a:latin typeface="Courier New" panose="02070309020205020404" pitchFamily="49" charset="0"/>
+                <a:cs typeface="Courier New" panose="02070309020205020404" pitchFamily="49" charset="0"/>
+              </a:endParaRPr>
+            </a:p>
+          </p:txBody>
+        </p:sp>
+        <p:sp>
+          <p:nvSpPr>
+            <p:cNvPr id="10" name="吹き出し: 角を丸めた四角形 9">
+              <a:extLst>
+                <a:ext uri="{FF2B5EF4-FFF2-40B4-BE49-F238E27FC236}">
+                  <a16:creationId xmlns:a16="http://schemas.microsoft.com/office/drawing/2014/main" id="{7E5F1B04-BF09-5763-3F6B-B16F34200AEF}"/>
+                </a:ext>
+              </a:extLst>
+            </p:cNvPr>
+            <p:cNvSpPr/>
+            <p:nvPr/>
+          </p:nvSpPr>
+          <p:spPr>
+            <a:xfrm>
+              <a:off x="1658836" y="5965258"/>
+              <a:ext cx="886743" cy="145886"/>
+            </a:xfrm>
+            <a:prstGeom prst="wedgeRoundRectCallout">
+              <a:avLst>
+                <a:gd name="adj1" fmla="val 19747"/>
+                <a:gd name="adj2" fmla="val -44980"/>
+                <a:gd name="adj3" fmla="val 16667"/>
+              </a:avLst>
+            </a:prstGeom>
+          </p:spPr>
+          <p:style>
+            <a:lnRef idx="2">
+              <a:schemeClr val="dk1">
+                <a:shade val="50000"/>
+              </a:schemeClr>
+            </a:lnRef>
+            <a:fillRef idx="1">
+              <a:schemeClr val="dk1"/>
+            </a:fillRef>
+            <a:effectRef idx="0">
+              <a:schemeClr val="dk1"/>
+            </a:effectRef>
+            <a:fontRef idx="minor">
+              <a:schemeClr val="lt1"/>
+            </a:fontRef>
+          </p:style>
+          <p:txBody>
+            <a:bodyPr rtlCol="0" anchor="ctr"/>
+            <a:lstStyle/>
+            <a:p>
+              <a:pPr algn="ctr"/>
+              <a:r>
+                <a:rPr kumimoji="1" lang="en-US" altLang="ja-JP" sz="1400" dirty="0">
+                  <a:latin typeface="Courier New" panose="02070309020205020404" pitchFamily="49" charset="0"/>
+                  <a:cs typeface="Courier New" panose="02070309020205020404" pitchFamily="49" charset="0"/>
+                </a:rPr>
+                <a:t>ATGCA</a:t>
+              </a:r>
+              <a:r>
+                <a:rPr kumimoji="1" lang="en-US" altLang="ja-JP" sz="1400" b="1" dirty="0">
+                  <a:solidFill>
+                    <a:srgbClr val="FF0000"/>
+                  </a:solidFill>
+                  <a:latin typeface="Courier New" panose="02070309020205020404" pitchFamily="49" charset="0"/>
+                  <a:cs typeface="Courier New" panose="02070309020205020404" pitchFamily="49" charset="0"/>
+                </a:rPr>
+                <a:t>G</a:t>
+              </a:r>
+              <a:endParaRPr kumimoji="1" lang="ja-JP" altLang="en-US" sz="1400" b="1" dirty="0">
+                <a:solidFill>
+                  <a:srgbClr val="FF0000"/>
+                </a:solidFill>
+                <a:latin typeface="Courier New" panose="02070309020205020404" pitchFamily="49" charset="0"/>
+                <a:cs typeface="Courier New" panose="02070309020205020404" pitchFamily="49" charset="0"/>
+              </a:endParaRPr>
+            </a:p>
+          </p:txBody>
+        </p:sp>
+        <p:sp>
+          <p:nvSpPr>
+            <p:cNvPr id="15" name="吹き出し: 角を丸めた四角形 14">
+              <a:extLst>
+                <a:ext uri="{FF2B5EF4-FFF2-40B4-BE49-F238E27FC236}">
+                  <a16:creationId xmlns:a16="http://schemas.microsoft.com/office/drawing/2014/main" id="{928220D8-E587-7A2B-24EC-9F280CC8A9D5}"/>
+                </a:ext>
+              </a:extLst>
+            </p:cNvPr>
+            <p:cNvSpPr/>
+            <p:nvPr/>
+          </p:nvSpPr>
+          <p:spPr>
+            <a:xfrm>
+              <a:off x="2419247" y="6573282"/>
+              <a:ext cx="886743" cy="145886"/>
+            </a:xfrm>
+            <a:prstGeom prst="wedgeRoundRectCallout">
+              <a:avLst>
+                <a:gd name="adj1" fmla="val 19747"/>
+                <a:gd name="adj2" fmla="val -44980"/>
+                <a:gd name="adj3" fmla="val 16667"/>
+              </a:avLst>
+            </a:prstGeom>
+          </p:spPr>
+          <p:style>
+            <a:lnRef idx="2">
+              <a:schemeClr val="dk1">
+                <a:shade val="50000"/>
+              </a:schemeClr>
+            </a:lnRef>
+            <a:fillRef idx="1">
+              <a:schemeClr val="dk1"/>
+            </a:fillRef>
+            <a:effectRef idx="0">
+              <a:schemeClr val="dk1"/>
+            </a:effectRef>
+            <a:fontRef idx="minor">
+              <a:schemeClr val="lt1"/>
+            </a:fontRef>
+          </p:style>
+          <p:txBody>
+            <a:bodyPr rtlCol="0" anchor="ctr"/>
+            <a:lstStyle/>
+            <a:p>
+              <a:pPr algn="ctr"/>
+              <a:r>
+                <a:rPr kumimoji="1" lang="en-US" altLang="ja-JP" sz="1400" dirty="0">
+                  <a:latin typeface="Courier New" panose="02070309020205020404" pitchFamily="49" charset="0"/>
+                  <a:cs typeface="Courier New" panose="02070309020205020404" pitchFamily="49" charset="0"/>
+                </a:rPr>
+                <a:t>CATGCA</a:t>
+              </a:r>
+              <a:endParaRPr kumimoji="1" lang="ja-JP" altLang="en-US" sz="1400" dirty="0">
+                <a:latin typeface="Courier New" panose="02070309020205020404" pitchFamily="49" charset="0"/>
+                <a:cs typeface="Courier New" panose="02070309020205020404" pitchFamily="49" charset="0"/>
+              </a:endParaRPr>
+            </a:p>
+          </p:txBody>
+        </p:sp>
+        <p:sp>
+          <p:nvSpPr>
+            <p:cNvPr id="17" name="吹き出し: 角を丸めた四角形 16">
+              <a:extLst>
+                <a:ext uri="{FF2B5EF4-FFF2-40B4-BE49-F238E27FC236}">
+                  <a16:creationId xmlns:a16="http://schemas.microsoft.com/office/drawing/2014/main" id="{1AA312E4-AF70-2503-F9D0-D92025E6A315}"/>
+                </a:ext>
+              </a:extLst>
+            </p:cNvPr>
+            <p:cNvSpPr/>
+            <p:nvPr/>
+          </p:nvSpPr>
+          <p:spPr>
+            <a:xfrm>
+              <a:off x="2094587" y="6167933"/>
+              <a:ext cx="886743" cy="145886"/>
+            </a:xfrm>
+            <a:prstGeom prst="wedgeRoundRectCallout">
+              <a:avLst>
+                <a:gd name="adj1" fmla="val 19747"/>
+                <a:gd name="adj2" fmla="val -44980"/>
+                <a:gd name="adj3" fmla="val 16667"/>
+              </a:avLst>
+            </a:prstGeom>
+          </p:spPr>
+          <p:style>
+            <a:lnRef idx="2">
+              <a:schemeClr val="dk1">
+                <a:shade val="50000"/>
+              </a:schemeClr>
+            </a:lnRef>
+            <a:fillRef idx="1">
+              <a:schemeClr val="dk1"/>
+            </a:fillRef>
+            <a:effectRef idx="0">
+              <a:schemeClr val="dk1"/>
+            </a:effectRef>
+            <a:fontRef idx="minor">
+              <a:schemeClr val="lt1"/>
+            </a:fontRef>
+          </p:style>
+          <p:txBody>
+            <a:bodyPr rtlCol="0" anchor="ctr"/>
+            <a:lstStyle/>
+            <a:p>
+              <a:pPr algn="ctr"/>
+              <a:r>
+                <a:rPr kumimoji="1" lang="en-US" altLang="ja-JP" sz="1400" dirty="0">
+                  <a:latin typeface="Courier New" panose="02070309020205020404" pitchFamily="49" charset="0"/>
+                  <a:cs typeface="Courier New" panose="02070309020205020404" pitchFamily="49" charset="0"/>
+                </a:rPr>
+                <a:t>A</a:t>
+              </a:r>
+              <a:r>
+                <a:rPr kumimoji="1" lang="en-US" altLang="ja-JP" sz="1400" b="1" dirty="0">
+                  <a:solidFill>
+                    <a:srgbClr val="FF0000"/>
+                  </a:solidFill>
+                  <a:latin typeface="Courier New" panose="02070309020205020404" pitchFamily="49" charset="0"/>
+                  <a:cs typeface="Courier New" panose="02070309020205020404" pitchFamily="49" charset="0"/>
+                </a:rPr>
+                <a:t>G</a:t>
+              </a:r>
+              <a:r>
+                <a:rPr kumimoji="1" lang="en-US" altLang="ja-JP" sz="1400" dirty="0">
+                  <a:latin typeface="Courier New" panose="02070309020205020404" pitchFamily="49" charset="0"/>
+                  <a:cs typeface="Courier New" panose="02070309020205020404" pitchFamily="49" charset="0"/>
+                </a:rPr>
+                <a:t>GCAT</a:t>
+              </a:r>
+              <a:endParaRPr kumimoji="1" lang="ja-JP" altLang="en-US" sz="1400" dirty="0">
+                <a:latin typeface="Courier New" panose="02070309020205020404" pitchFamily="49" charset="0"/>
+                <a:cs typeface="Courier New" panose="02070309020205020404" pitchFamily="49" charset="0"/>
+              </a:endParaRPr>
+            </a:p>
+          </p:txBody>
+        </p:sp>
+        <p:sp>
+          <p:nvSpPr>
+            <p:cNvPr id="19" name="吹き出し: 角を丸めた四角形 18">
+              <a:extLst>
+                <a:ext uri="{FF2B5EF4-FFF2-40B4-BE49-F238E27FC236}">
+                  <a16:creationId xmlns:a16="http://schemas.microsoft.com/office/drawing/2014/main" id="{AD8131ED-1841-D2F6-92B6-BBCB3282FD14}"/>
+                </a:ext>
+              </a:extLst>
+            </p:cNvPr>
+            <p:cNvSpPr/>
+            <p:nvPr/>
+          </p:nvSpPr>
+          <p:spPr>
+            <a:xfrm>
+              <a:off x="3796281" y="5960667"/>
+              <a:ext cx="886743" cy="145886"/>
+            </a:xfrm>
+            <a:prstGeom prst="wedgeRoundRectCallout">
+              <a:avLst>
+                <a:gd name="adj1" fmla="val 19747"/>
+                <a:gd name="adj2" fmla="val -44980"/>
+                <a:gd name="adj3" fmla="val 16667"/>
+              </a:avLst>
+            </a:prstGeom>
+          </p:spPr>
+          <p:style>
+            <a:lnRef idx="2">
+              <a:schemeClr val="dk1">
+                <a:shade val="50000"/>
+              </a:schemeClr>
+            </a:lnRef>
+            <a:fillRef idx="1">
+              <a:schemeClr val="dk1"/>
+            </a:fillRef>
+            <a:effectRef idx="0">
+              <a:schemeClr val="dk1"/>
+            </a:effectRef>
+            <a:fontRef idx="minor">
+              <a:schemeClr val="lt1"/>
+            </a:fontRef>
+          </p:style>
+          <p:txBody>
+            <a:bodyPr rtlCol="0" anchor="ctr"/>
+            <a:lstStyle/>
+            <a:p>
+              <a:pPr algn="ctr"/>
+              <a:r>
+                <a:rPr kumimoji="1" lang="en-US" altLang="ja-JP" sz="1400" dirty="0">
+                  <a:latin typeface="Courier New" panose="02070309020205020404" pitchFamily="49" charset="0"/>
+                  <a:cs typeface="Courier New" panose="02070309020205020404" pitchFamily="49" charset="0"/>
+                </a:rPr>
+                <a:t>ATGCAT</a:t>
+              </a:r>
+              <a:endParaRPr kumimoji="1" lang="ja-JP" altLang="en-US" sz="1400" dirty="0">
+                <a:latin typeface="Courier New" panose="02070309020205020404" pitchFamily="49" charset="0"/>
+                <a:cs typeface="Courier New" panose="02070309020205020404" pitchFamily="49" charset="0"/>
+              </a:endParaRPr>
+            </a:p>
+          </p:txBody>
+        </p:sp>
+        <p:sp>
+          <p:nvSpPr>
+            <p:cNvPr id="20" name="吹き出し: 角を丸めた四角形 19">
+              <a:extLst>
+                <a:ext uri="{FF2B5EF4-FFF2-40B4-BE49-F238E27FC236}">
+                  <a16:creationId xmlns:a16="http://schemas.microsoft.com/office/drawing/2014/main" id="{0497BE69-8606-1529-635E-82E51CF79532}"/>
+                </a:ext>
+              </a:extLst>
+            </p:cNvPr>
+            <p:cNvSpPr/>
+            <p:nvPr/>
+          </p:nvSpPr>
+          <p:spPr>
+            <a:xfrm>
+              <a:off x="4014863" y="6164139"/>
+              <a:ext cx="886743" cy="145886"/>
+            </a:xfrm>
+            <a:prstGeom prst="wedgeRoundRectCallout">
+              <a:avLst>
+                <a:gd name="adj1" fmla="val 19747"/>
+                <a:gd name="adj2" fmla="val -44980"/>
+                <a:gd name="adj3" fmla="val 16667"/>
+              </a:avLst>
+            </a:prstGeom>
+          </p:spPr>
+          <p:style>
+            <a:lnRef idx="2">
+              <a:schemeClr val="dk1">
+                <a:shade val="50000"/>
+              </a:schemeClr>
+            </a:lnRef>
+            <a:fillRef idx="1">
+              <a:schemeClr val="dk1"/>
+            </a:fillRef>
+            <a:effectRef idx="0">
+              <a:schemeClr val="dk1"/>
+            </a:effectRef>
+            <a:fontRef idx="minor">
+              <a:schemeClr val="lt1"/>
+            </a:fontRef>
+          </p:style>
+          <p:txBody>
+            <a:bodyPr rtlCol="0" anchor="ctr"/>
+            <a:lstStyle/>
+            <a:p>
+              <a:pPr algn="ctr"/>
+              <a:r>
+                <a:rPr kumimoji="1" lang="en-US" altLang="ja-JP" sz="1400" dirty="0">
+                  <a:latin typeface="Courier New" panose="02070309020205020404" pitchFamily="49" charset="0"/>
+                  <a:cs typeface="Courier New" panose="02070309020205020404" pitchFamily="49" charset="0"/>
+                </a:rPr>
+                <a:t>GCATCC</a:t>
+              </a:r>
+              <a:endParaRPr kumimoji="1" lang="ja-JP" altLang="en-US" sz="1400" dirty="0">
+                <a:latin typeface="Courier New" panose="02070309020205020404" pitchFamily="49" charset="0"/>
+                <a:cs typeface="Courier New" panose="02070309020205020404" pitchFamily="49" charset="0"/>
+              </a:endParaRPr>
+            </a:p>
+          </p:txBody>
+        </p:sp>
+        <p:sp>
+          <p:nvSpPr>
+            <p:cNvPr id="22" name="吹き出し: 角を丸めた四角形 21">
+              <a:extLst>
+                <a:ext uri="{FF2B5EF4-FFF2-40B4-BE49-F238E27FC236}">
+                  <a16:creationId xmlns:a16="http://schemas.microsoft.com/office/drawing/2014/main" id="{C6C2B9F1-B92E-1F81-B7D4-4A10EF3182BD}"/>
+                </a:ext>
+              </a:extLst>
+            </p:cNvPr>
+            <p:cNvSpPr/>
+            <p:nvPr/>
+          </p:nvSpPr>
+          <p:spPr>
+            <a:xfrm>
+              <a:off x="2094587" y="6370608"/>
+              <a:ext cx="886743" cy="145886"/>
+            </a:xfrm>
+            <a:prstGeom prst="wedgeRoundRectCallout">
+              <a:avLst>
+                <a:gd name="adj1" fmla="val 19747"/>
+                <a:gd name="adj2" fmla="val -44980"/>
+                <a:gd name="adj3" fmla="val 16667"/>
+              </a:avLst>
+            </a:prstGeom>
+          </p:spPr>
+          <p:style>
+            <a:lnRef idx="2">
+              <a:schemeClr val="dk1">
+                <a:shade val="50000"/>
+              </a:schemeClr>
+            </a:lnRef>
+            <a:fillRef idx="1">
+              <a:schemeClr val="dk1"/>
+            </a:fillRef>
+            <a:effectRef idx="0">
+              <a:schemeClr val="dk1"/>
+            </a:effectRef>
+            <a:fontRef idx="minor">
+              <a:schemeClr val="lt1"/>
+            </a:fontRef>
+          </p:style>
+          <p:txBody>
+            <a:bodyPr rtlCol="0" anchor="ctr"/>
+            <a:lstStyle/>
+            <a:p>
+              <a:pPr algn="ctr"/>
+              <a:r>
+                <a:rPr kumimoji="1" lang="en-US" altLang="ja-JP" sz="1400" dirty="0">
+                  <a:latin typeface="Courier New" panose="02070309020205020404" pitchFamily="49" charset="0"/>
+                  <a:cs typeface="Courier New" panose="02070309020205020404" pitchFamily="49" charset="0"/>
+                </a:rPr>
+                <a:t>A</a:t>
+              </a:r>
+              <a:r>
+                <a:rPr kumimoji="1" lang="en-US" altLang="ja-JP" sz="1400" b="1" dirty="0">
+                  <a:solidFill>
+                    <a:srgbClr val="FF0000"/>
+                  </a:solidFill>
+                  <a:latin typeface="Courier New" panose="02070309020205020404" pitchFamily="49" charset="0"/>
+                  <a:cs typeface="Courier New" panose="02070309020205020404" pitchFamily="49" charset="0"/>
+                </a:rPr>
+                <a:t>G</a:t>
+              </a:r>
+              <a:r>
+                <a:rPr kumimoji="1" lang="en-US" altLang="ja-JP" sz="1400" dirty="0">
+                  <a:latin typeface="Courier New" panose="02070309020205020404" pitchFamily="49" charset="0"/>
+                  <a:cs typeface="Courier New" panose="02070309020205020404" pitchFamily="49" charset="0"/>
+                </a:rPr>
+                <a:t>GCAT</a:t>
+              </a:r>
+              <a:endParaRPr kumimoji="1" lang="ja-JP" altLang="en-US" sz="1400" dirty="0">
+                <a:latin typeface="Courier New" panose="02070309020205020404" pitchFamily="49" charset="0"/>
+                <a:cs typeface="Courier New" panose="02070309020205020404" pitchFamily="49" charset="0"/>
+              </a:endParaRPr>
+            </a:p>
+          </p:txBody>
+        </p:sp>
+        <p:sp>
+          <p:nvSpPr>
+            <p:cNvPr id="24" name="吹き出し: 角を丸めた四角形 23">
+              <a:extLst>
+                <a:ext uri="{FF2B5EF4-FFF2-40B4-BE49-F238E27FC236}">
+                  <a16:creationId xmlns:a16="http://schemas.microsoft.com/office/drawing/2014/main" id="{8EF0EE06-47E6-6040-A109-3E0CA52A4BA2}"/>
+                </a:ext>
+              </a:extLst>
+            </p:cNvPr>
+            <p:cNvSpPr/>
+            <p:nvPr/>
+          </p:nvSpPr>
+          <p:spPr>
+            <a:xfrm>
+              <a:off x="4126128" y="6367612"/>
+              <a:ext cx="886743" cy="145886"/>
+            </a:xfrm>
+            <a:prstGeom prst="wedgeRoundRectCallout">
+              <a:avLst>
+                <a:gd name="adj1" fmla="val 19747"/>
+                <a:gd name="adj2" fmla="val -44980"/>
+                <a:gd name="adj3" fmla="val 16667"/>
+              </a:avLst>
+            </a:prstGeom>
+          </p:spPr>
+          <p:style>
+            <a:lnRef idx="2">
+              <a:schemeClr val="dk1">
+                <a:shade val="50000"/>
+              </a:schemeClr>
+            </a:lnRef>
+            <a:fillRef idx="1">
+              <a:schemeClr val="dk1"/>
+            </a:fillRef>
+            <a:effectRef idx="0">
+              <a:schemeClr val="dk1"/>
+            </a:effectRef>
+            <a:fontRef idx="minor">
+              <a:schemeClr val="lt1"/>
+            </a:fontRef>
+          </p:style>
+          <p:txBody>
+            <a:bodyPr rtlCol="0" anchor="ctr"/>
+            <a:lstStyle/>
+            <a:p>
+              <a:pPr algn="ctr"/>
+              <a:r>
+                <a:rPr kumimoji="1" lang="en-US" altLang="ja-JP" sz="1400" dirty="0">
+                  <a:latin typeface="Courier New" panose="02070309020205020404" pitchFamily="49" charset="0"/>
+                  <a:cs typeface="Courier New" panose="02070309020205020404" pitchFamily="49" charset="0"/>
+                </a:rPr>
+                <a:t>CATCCA</a:t>
+              </a:r>
+              <a:endParaRPr kumimoji="1" lang="ja-JP" altLang="en-US" sz="1400" dirty="0">
+                <a:latin typeface="Courier New" panose="02070309020205020404" pitchFamily="49" charset="0"/>
+                <a:cs typeface="Courier New" panose="02070309020205020404" pitchFamily="49" charset="0"/>
+              </a:endParaRPr>
+            </a:p>
+          </p:txBody>
+        </p:sp>
+        <p:sp>
+          <p:nvSpPr>
+            <p:cNvPr id="26" name="テキスト ボックス 25">
+              <a:extLst>
+                <a:ext uri="{FF2B5EF4-FFF2-40B4-BE49-F238E27FC236}">
+                  <a16:creationId xmlns:a16="http://schemas.microsoft.com/office/drawing/2014/main" id="{DCF76F07-AE52-392E-40EB-022E217BF81D}"/>
+                </a:ext>
+              </a:extLst>
+            </p:cNvPr>
+            <p:cNvSpPr txBox="1"/>
+            <p:nvPr/>
+          </p:nvSpPr>
+          <p:spPr>
+            <a:xfrm>
+              <a:off x="3353701" y="6056575"/>
+              <a:ext cx="412100" cy="307777"/>
+            </a:xfrm>
+            <a:prstGeom prst="rect">
+              <a:avLst/>
+            </a:prstGeom>
+            <a:noFill/>
+            <a:ln w="12700">
+              <a:noFill/>
+            </a:ln>
+          </p:spPr>
+          <p:txBody>
+            <a:bodyPr wrap="square" rtlCol="0">
+              <a:spAutoFit/>
+            </a:bodyPr>
+            <a:lstStyle/>
+            <a:p>
+              <a:r>
+                <a:rPr kumimoji="1" lang="en-US" altLang="ja-JP" sz="1400" dirty="0"/>
+                <a:t>…</a:t>
+              </a:r>
+              <a:endParaRPr kumimoji="1" lang="ja-JP" altLang="en-US" sz="1400" dirty="0"/>
+            </a:p>
+          </p:txBody>
+        </p:sp>
+      </p:grpSp>
+      <p:sp>
+        <p:nvSpPr>
+          <p:cNvPr id="34" name="テキスト ボックス 33">
+            <a:extLst>
+              <a:ext uri="{FF2B5EF4-FFF2-40B4-BE49-F238E27FC236}">
+                <a16:creationId xmlns:a16="http://schemas.microsoft.com/office/drawing/2014/main" id="{E38A81E8-39B8-1E54-B812-145BA24E4DCF}"/>
+              </a:ext>
+            </a:extLst>
+          </p:cNvPr>
+          <p:cNvSpPr txBox="1"/>
+          <p:nvPr/>
+        </p:nvSpPr>
+        <p:spPr>
+          <a:xfrm>
+            <a:off x="3368632" y="4778573"/>
+            <a:ext cx="966411" cy="307777"/>
+          </a:xfrm>
+          <a:prstGeom prst="rect">
+            <a:avLst/>
+          </a:prstGeom>
+          <a:noFill/>
+          <a:ln w="12700">
+            <a:noFill/>
+          </a:ln>
+        </p:spPr>
+        <p:txBody>
+          <a:bodyPr wrap="square" rtlCol="0">
+            <a:spAutoFit/>
+          </a:bodyPr>
+          <a:lstStyle/>
+          <a:p>
+            <a:r>
+              <a:rPr kumimoji="1" lang="en-US" altLang="ja-JP" sz="1400" b="1" dirty="0"/>
+              <a:t>Alignment</a:t>
+            </a:r>
+            <a:endParaRPr kumimoji="1" lang="ja-JP" altLang="en-US" sz="1400" b="1" dirty="0"/>
+          </a:p>
+        </p:txBody>
+      </p:sp>
+      <p:sp>
+        <p:nvSpPr>
+          <p:cNvPr id="36" name="フリーフォーム: 図形 35">
+            <a:extLst>
+              <a:ext uri="{FF2B5EF4-FFF2-40B4-BE49-F238E27FC236}">
+                <a16:creationId xmlns:a16="http://schemas.microsoft.com/office/drawing/2014/main" id="{60CAC7EC-7057-E728-CD1E-2B223E4631BA}"/>
+              </a:ext>
+            </a:extLst>
+          </p:cNvPr>
+          <p:cNvSpPr/>
+          <p:nvPr/>
+        </p:nvSpPr>
+        <p:spPr>
+          <a:xfrm>
+            <a:off x="2924175" y="4410075"/>
+            <a:ext cx="467295" cy="1352550"/>
+          </a:xfrm>
+          <a:custGeom>
+            <a:avLst/>
+            <a:gdLst>
+              <a:gd name="connsiteX0" fmla="*/ 0 w 467295"/>
+              <a:gd name="connsiteY0" fmla="*/ 1352550 h 1352550"/>
+              <a:gd name="connsiteX1" fmla="*/ 466725 w 467295"/>
+              <a:gd name="connsiteY1" fmla="*/ 685800 h 1352550"/>
+              <a:gd name="connsiteX2" fmla="*/ 76200 w 467295"/>
+              <a:gd name="connsiteY2" fmla="*/ 0 h 1352550"/>
+            </a:gdLst>
+            <a:ahLst/>
+            <a:cxnLst>
+              <a:cxn ang="0">
+                <a:pos x="connsiteX0" y="connsiteY0"/>
+              </a:cxn>
+              <a:cxn ang="0">
+                <a:pos x="connsiteX1" y="connsiteY1"/>
+              </a:cxn>
+              <a:cxn ang="0">
+                <a:pos x="connsiteX2" y="connsiteY2"/>
+              </a:cxn>
+            </a:cxnLst>
+            <a:rect l="l" t="t" r="r" b="b"/>
+            <a:pathLst>
+              <a:path w="467295" h="1352550">
+                <a:moveTo>
+                  <a:pt x="0" y="1352550"/>
+                </a:moveTo>
+                <a:cubicBezTo>
+                  <a:pt x="227012" y="1131887"/>
+                  <a:pt x="454025" y="911225"/>
+                  <a:pt x="466725" y="685800"/>
+                </a:cubicBezTo>
+                <a:cubicBezTo>
+                  <a:pt x="479425" y="460375"/>
+                  <a:pt x="277812" y="230187"/>
+                  <a:pt x="76200" y="0"/>
+                </a:cubicBezTo>
+              </a:path>
+            </a:pathLst>
+          </a:custGeom>
+          <a:ln w="28575"/>
+        </p:spPr>
+        <p:style>
+          <a:lnRef idx="1">
+            <a:schemeClr val="dk1"/>
+          </a:lnRef>
+          <a:fillRef idx="0">
+            <a:schemeClr val="dk1"/>
+          </a:fillRef>
+          <a:effectRef idx="0">
+            <a:schemeClr val="dk1"/>
+          </a:effectRef>
+          <a:fontRef idx="minor">
+            <a:schemeClr val="tx1"/>
+          </a:fontRef>
+        </p:style>
+        <p:txBody>
+          <a:bodyPr rtlCol="0" anchor="ctr"/>
+          <a:lstStyle/>
+          <a:p>
+            <a:pPr algn="ctr"/>
+            <a:endParaRPr kumimoji="1" lang="ja-JP" altLang="en-US"/>
+          </a:p>
+        </p:txBody>
+      </p:sp>
+      <p:cxnSp>
+        <p:nvCxnSpPr>
+          <p:cNvPr id="38" name="直線矢印コネクタ 37">
+            <a:extLst>
+              <a:ext uri="{FF2B5EF4-FFF2-40B4-BE49-F238E27FC236}">
+                <a16:creationId xmlns:a16="http://schemas.microsoft.com/office/drawing/2014/main" id="{C69280E5-0BFD-4346-D141-5B5E5FAC600F}"/>
+              </a:ext>
+            </a:extLst>
+          </p:cNvPr>
+          <p:cNvCxnSpPr>
+            <a:stCxn id="36" idx="1"/>
+          </p:cNvCxnSpPr>
+          <p:nvPr/>
+        </p:nvCxnSpPr>
+        <p:spPr>
+          <a:xfrm flipV="1">
+            <a:off x="3390900" y="5086350"/>
+            <a:ext cx="951975" cy="0"/>
+          </a:xfrm>
+          <a:prstGeom prst="straightConnector1">
+            <a:avLst/>
+          </a:prstGeom>
+          <a:ln w="38100">
             <a:tailEnd type="triangle"/>
           </a:ln>
         </p:spPr>

--- a/FAO_2024/mutmapqtlseq.pptx
+++ b/FAO_2024/mutmapqtlseq.pptx
@@ -41336,6 +41336,831 @@
           </a:p>
         </p:txBody>
       </p:sp>
+      <p:sp>
+        <p:nvSpPr>
+          <p:cNvPr id="2" name="テキスト ボックス 1">
+            <a:extLst>
+              <a:ext uri="{FF2B5EF4-FFF2-40B4-BE49-F238E27FC236}">
+                <a16:creationId xmlns:a16="http://schemas.microsoft.com/office/drawing/2014/main" id="{EDCCEBE3-5CB6-FFCE-5C01-59855E5FD727}"/>
+              </a:ext>
+            </a:extLst>
+          </p:cNvPr>
+          <p:cNvSpPr txBox="1"/>
+          <p:nvPr/>
+        </p:nvSpPr>
+        <p:spPr>
+          <a:xfrm>
+            <a:off x="873749" y="5082826"/>
+            <a:ext cx="1105202" cy="369332"/>
+          </a:xfrm>
+          <a:prstGeom prst="rect">
+            <a:avLst/>
+          </a:prstGeom>
+          <a:noFill/>
+        </p:spPr>
+        <p:txBody>
+          <a:bodyPr wrap="square" rtlCol="0">
+            <a:spAutoFit/>
+          </a:bodyPr>
+          <a:lstStyle/>
+          <a:p>
+            <a:r>
+              <a:rPr kumimoji="1" lang="en-US" altLang="ja-JP" dirty="0"/>
+              <a:t>Cultivar A</a:t>
+            </a:r>
+            <a:endParaRPr kumimoji="1" lang="ja-JP" altLang="en-US" dirty="0"/>
+          </a:p>
+        </p:txBody>
+      </p:sp>
+      <p:pic>
+        <p:nvPicPr>
+          <p:cNvPr id="3" name="グラフィックス 2" descr="植物 単色塗りつぶし">
+            <a:extLst>
+              <a:ext uri="{FF2B5EF4-FFF2-40B4-BE49-F238E27FC236}">
+                <a16:creationId xmlns:a16="http://schemas.microsoft.com/office/drawing/2014/main" id="{977FEE06-7F68-8F74-F963-F0F7D1810F88}"/>
+              </a:ext>
+            </a:extLst>
+          </p:cNvPr>
+          <p:cNvPicPr>
+            <a:picLocks noChangeAspect="1"/>
+          </p:cNvPicPr>
+          <p:nvPr/>
+        </p:nvPicPr>
+        <p:blipFill>
+          <a:blip r:embed="rId2">
+            <a:extLst>
+              <a:ext uri="{28A0092B-C50C-407E-A947-70E740481C1C}">
+                <a14:useLocalDpi xmlns:a14="http://schemas.microsoft.com/office/drawing/2010/main" val="0"/>
+              </a:ext>
+              <a:ext uri="{96DAC541-7B7A-43D3-8B79-37D633B846F1}">
+                <asvg:svgBlip xmlns:asvg="http://schemas.microsoft.com/office/drawing/2016/SVG/main" r:embed="rId3"/>
+              </a:ext>
+            </a:extLst>
+          </a:blip>
+          <a:stretch>
+            <a:fillRect/>
+          </a:stretch>
+        </p:blipFill>
+        <p:spPr>
+          <a:xfrm>
+            <a:off x="1787571" y="4760778"/>
+            <a:ext cx="914400" cy="914400"/>
+          </a:xfrm>
+          <a:prstGeom prst="rect">
+            <a:avLst/>
+          </a:prstGeom>
+        </p:spPr>
+      </p:pic>
+      <p:pic>
+        <p:nvPicPr>
+          <p:cNvPr id="11" name="グラフィックス 10" descr="植物 単色塗りつぶし">
+            <a:extLst>
+              <a:ext uri="{FF2B5EF4-FFF2-40B4-BE49-F238E27FC236}">
+                <a16:creationId xmlns:a16="http://schemas.microsoft.com/office/drawing/2014/main" id="{A3673150-5307-CDAF-DFDC-CD6281A26C9E}"/>
+              </a:ext>
+            </a:extLst>
+          </p:cNvPr>
+          <p:cNvPicPr>
+            <a:picLocks noChangeAspect="1"/>
+          </p:cNvPicPr>
+          <p:nvPr/>
+        </p:nvPicPr>
+        <p:blipFill>
+          <a:blip r:embed="rId6">
+            <a:extLst>
+              <a:ext uri="{28A0092B-C50C-407E-A947-70E740481C1C}">
+                <a14:useLocalDpi xmlns:a14="http://schemas.microsoft.com/office/drawing/2010/main" val="0"/>
+              </a:ext>
+              <a:ext uri="{96DAC541-7B7A-43D3-8B79-37D633B846F1}">
+                <asvg:svgBlip xmlns:asvg="http://schemas.microsoft.com/office/drawing/2016/SVG/main" r:embed="rId7"/>
+              </a:ext>
+            </a:extLst>
+          </a:blip>
+          <a:stretch>
+            <a:fillRect/>
+          </a:stretch>
+        </p:blipFill>
+        <p:spPr>
+          <a:xfrm>
+            <a:off x="4838982" y="4760778"/>
+            <a:ext cx="914400" cy="914400"/>
+          </a:xfrm>
+          <a:prstGeom prst="rect">
+            <a:avLst/>
+          </a:prstGeom>
+        </p:spPr>
+      </p:pic>
+      <p:sp>
+        <p:nvSpPr>
+          <p:cNvPr id="12" name="テキスト ボックス 11">
+            <a:extLst>
+              <a:ext uri="{FF2B5EF4-FFF2-40B4-BE49-F238E27FC236}">
+                <a16:creationId xmlns:a16="http://schemas.microsoft.com/office/drawing/2014/main" id="{B153C4E7-1D36-FF70-1959-FA0D66B453BB}"/>
+              </a:ext>
+            </a:extLst>
+          </p:cNvPr>
+          <p:cNvSpPr txBox="1"/>
+          <p:nvPr/>
+        </p:nvSpPr>
+        <p:spPr>
+          <a:xfrm>
+            <a:off x="2597142" y="4894812"/>
+            <a:ext cx="797686" cy="646331"/>
+          </a:xfrm>
+          <a:prstGeom prst="rect">
+            <a:avLst/>
+          </a:prstGeom>
+          <a:noFill/>
+        </p:spPr>
+        <p:txBody>
+          <a:bodyPr wrap="square" rtlCol="0">
+            <a:spAutoFit/>
+          </a:bodyPr>
+          <a:lstStyle/>
+          <a:p>
+            <a:pPr algn="ctr"/>
+            <a:r>
+              <a:rPr kumimoji="1" lang="en-US" altLang="ja-JP" b="1" dirty="0">
+                <a:solidFill>
+                  <a:schemeClr val="accent6"/>
+                </a:solidFill>
+              </a:rPr>
+              <a:t>Green leaf</a:t>
+            </a:r>
+            <a:endParaRPr kumimoji="1" lang="ja-JP" altLang="en-US" b="1" dirty="0">
+              <a:solidFill>
+                <a:schemeClr val="accent6"/>
+              </a:solidFill>
+            </a:endParaRPr>
+          </a:p>
+        </p:txBody>
+      </p:sp>
+      <p:sp>
+        <p:nvSpPr>
+          <p:cNvPr id="14" name="テキスト ボックス 13">
+            <a:extLst>
+              <a:ext uri="{FF2B5EF4-FFF2-40B4-BE49-F238E27FC236}">
+                <a16:creationId xmlns:a16="http://schemas.microsoft.com/office/drawing/2014/main" id="{2FD8B11B-AB62-02E9-0F33-9A1F62F59F87}"/>
+              </a:ext>
+            </a:extLst>
+          </p:cNvPr>
+          <p:cNvSpPr txBox="1"/>
+          <p:nvPr/>
+        </p:nvSpPr>
+        <p:spPr>
+          <a:xfrm>
+            <a:off x="4079512" y="4894812"/>
+            <a:ext cx="914400" cy="646331"/>
+          </a:xfrm>
+          <a:prstGeom prst="rect">
+            <a:avLst/>
+          </a:prstGeom>
+          <a:noFill/>
+        </p:spPr>
+        <p:txBody>
+          <a:bodyPr wrap="square" rtlCol="0">
+            <a:spAutoFit/>
+          </a:bodyPr>
+          <a:lstStyle/>
+          <a:p>
+            <a:pPr algn="ctr"/>
+            <a:r>
+              <a:rPr kumimoji="1" lang="en-US" altLang="ja-JP" b="1" dirty="0"/>
+              <a:t>Black leaf</a:t>
+            </a:r>
+            <a:endParaRPr kumimoji="1" lang="ja-JP" altLang="en-US" b="1" dirty="0"/>
+          </a:p>
+        </p:txBody>
+      </p:sp>
+      <p:sp>
+        <p:nvSpPr>
+          <p:cNvPr id="15" name="矢印: 右 14">
+            <a:extLst>
+              <a:ext uri="{FF2B5EF4-FFF2-40B4-BE49-F238E27FC236}">
+                <a16:creationId xmlns:a16="http://schemas.microsoft.com/office/drawing/2014/main" id="{B05DC678-B74B-C79C-7C27-17AC82B29F8E}"/>
+              </a:ext>
+            </a:extLst>
+          </p:cNvPr>
+          <p:cNvSpPr/>
+          <p:nvPr/>
+        </p:nvSpPr>
+        <p:spPr>
+          <a:xfrm>
+            <a:off x="3394828" y="5117111"/>
+            <a:ext cx="829769" cy="182604"/>
+          </a:xfrm>
+          <a:prstGeom prst="rightArrow">
+            <a:avLst/>
+          </a:prstGeom>
+        </p:spPr>
+        <p:style>
+          <a:lnRef idx="2">
+            <a:schemeClr val="dk1">
+              <a:shade val="50000"/>
+            </a:schemeClr>
+          </a:lnRef>
+          <a:fillRef idx="1">
+            <a:schemeClr val="dk1"/>
+          </a:fillRef>
+          <a:effectRef idx="0">
+            <a:schemeClr val="dk1"/>
+          </a:effectRef>
+          <a:fontRef idx="minor">
+            <a:schemeClr val="lt1"/>
+          </a:fontRef>
+        </p:style>
+        <p:txBody>
+          <a:bodyPr rtlCol="0" anchor="ctr"/>
+          <a:lstStyle/>
+          <a:p>
+            <a:pPr algn="ctr"/>
+            <a:endParaRPr kumimoji="1" lang="ja-JP" altLang="en-US"/>
+          </a:p>
+        </p:txBody>
+      </p:sp>
+      <p:sp>
+        <p:nvSpPr>
+          <p:cNvPr id="17" name="テキスト ボックス 16">
+            <a:extLst>
+              <a:ext uri="{FF2B5EF4-FFF2-40B4-BE49-F238E27FC236}">
+                <a16:creationId xmlns:a16="http://schemas.microsoft.com/office/drawing/2014/main" id="{D0E1646C-9078-3935-FB39-0911D7C9AAA6}"/>
+              </a:ext>
+            </a:extLst>
+          </p:cNvPr>
+          <p:cNvSpPr txBox="1"/>
+          <p:nvPr/>
+        </p:nvSpPr>
+        <p:spPr>
+          <a:xfrm>
+            <a:off x="3256420" y="4858902"/>
+            <a:ext cx="1096083" cy="338554"/>
+          </a:xfrm>
+          <a:prstGeom prst="rect">
+            <a:avLst/>
+          </a:prstGeom>
+          <a:noFill/>
+        </p:spPr>
+        <p:txBody>
+          <a:bodyPr wrap="square" rtlCol="0">
+            <a:spAutoFit/>
+          </a:bodyPr>
+          <a:lstStyle/>
+          <a:p>
+            <a:pPr algn="ctr"/>
+            <a:r>
+              <a:rPr kumimoji="1" lang="en-US" altLang="ja-JP" sz="1600" dirty="0"/>
+              <a:t>mutation</a:t>
+            </a:r>
+            <a:endParaRPr kumimoji="1" lang="ja-JP" altLang="en-US" sz="1600" dirty="0"/>
+          </a:p>
+        </p:txBody>
+      </p:sp>
+      <p:sp>
+        <p:nvSpPr>
+          <p:cNvPr id="18" name="テキスト ボックス 17">
+            <a:extLst>
+              <a:ext uri="{FF2B5EF4-FFF2-40B4-BE49-F238E27FC236}">
+                <a16:creationId xmlns:a16="http://schemas.microsoft.com/office/drawing/2014/main" id="{9540599D-68AF-07EE-2FBA-7ABF4459D568}"/>
+              </a:ext>
+            </a:extLst>
+          </p:cNvPr>
+          <p:cNvSpPr txBox="1"/>
+          <p:nvPr/>
+        </p:nvSpPr>
+        <p:spPr>
+          <a:xfrm>
+            <a:off x="3529194" y="4310687"/>
+            <a:ext cx="1401613" cy="261610"/>
+          </a:xfrm>
+          <a:prstGeom prst="rect">
+            <a:avLst/>
+          </a:prstGeom>
+          <a:noFill/>
+          <a:ln w="12700">
+            <a:noFill/>
+          </a:ln>
+        </p:spPr>
+        <p:txBody>
+          <a:bodyPr wrap="square" rtlCol="0">
+            <a:spAutoFit/>
+          </a:bodyPr>
+          <a:lstStyle/>
+          <a:p>
+            <a:r>
+              <a:rPr kumimoji="1" lang="en-US" altLang="ja-JP" sz="1100" dirty="0"/>
+              <a:t>ex) EMS mutagenesis</a:t>
+            </a:r>
+            <a:endParaRPr kumimoji="1" lang="ja-JP" altLang="en-US" sz="1100" dirty="0"/>
+          </a:p>
+        </p:txBody>
+      </p:sp>
+      <p:sp>
+        <p:nvSpPr>
+          <p:cNvPr id="19" name="稲妻 18">
+            <a:extLst>
+              <a:ext uri="{FF2B5EF4-FFF2-40B4-BE49-F238E27FC236}">
+                <a16:creationId xmlns:a16="http://schemas.microsoft.com/office/drawing/2014/main" id="{A667BEB1-04A9-CFC9-BD4E-43CA131D28B9}"/>
+              </a:ext>
+            </a:extLst>
+          </p:cNvPr>
+          <p:cNvSpPr/>
+          <p:nvPr/>
+        </p:nvSpPr>
+        <p:spPr>
+          <a:xfrm>
+            <a:off x="3197140" y="4389198"/>
+            <a:ext cx="560828" cy="466747"/>
+          </a:xfrm>
+          <a:prstGeom prst="lightningBolt">
+            <a:avLst/>
+          </a:prstGeom>
+          <a:solidFill>
+            <a:schemeClr val="accent4"/>
+          </a:solidFill>
+        </p:spPr>
+        <p:style>
+          <a:lnRef idx="2">
+            <a:schemeClr val="accent1">
+              <a:shade val="50000"/>
+            </a:schemeClr>
+          </a:lnRef>
+          <a:fillRef idx="1">
+            <a:schemeClr val="accent1"/>
+          </a:fillRef>
+          <a:effectRef idx="0">
+            <a:schemeClr val="accent1"/>
+          </a:effectRef>
+          <a:fontRef idx="minor">
+            <a:schemeClr val="lt1"/>
+          </a:fontRef>
+        </p:style>
+        <p:txBody>
+          <a:bodyPr rtlCol="0" anchor="ctr"/>
+          <a:lstStyle/>
+          <a:p>
+            <a:pPr algn="ctr"/>
+            <a:endParaRPr kumimoji="1" lang="ja-JP" altLang="en-US"/>
+          </a:p>
+        </p:txBody>
+      </p:sp>
+      <p:pic>
+        <p:nvPicPr>
+          <p:cNvPr id="20" name="グラフィックス 19" descr="植物 単色塗りつぶし">
+            <a:extLst>
+              <a:ext uri="{FF2B5EF4-FFF2-40B4-BE49-F238E27FC236}">
+                <a16:creationId xmlns:a16="http://schemas.microsoft.com/office/drawing/2014/main" id="{9A6386B9-5ED0-7040-CB10-7F97C2746EE3}"/>
+              </a:ext>
+            </a:extLst>
+          </p:cNvPr>
+          <p:cNvPicPr>
+            <a:picLocks noChangeAspect="1"/>
+          </p:cNvPicPr>
+          <p:nvPr/>
+        </p:nvPicPr>
+        <p:blipFill>
+          <a:blip r:embed="rId2">
+            <a:extLst>
+              <a:ext uri="{28A0092B-C50C-407E-A947-70E740481C1C}">
+                <a14:useLocalDpi xmlns:a14="http://schemas.microsoft.com/office/drawing/2010/main" val="0"/>
+              </a:ext>
+              <a:ext uri="{96DAC541-7B7A-43D3-8B79-37D633B846F1}">
+                <asvg:svgBlip xmlns:asvg="http://schemas.microsoft.com/office/drawing/2016/SVG/main" r:embed="rId3"/>
+              </a:ext>
+            </a:extLst>
+          </a:blip>
+          <a:stretch>
+            <a:fillRect/>
+          </a:stretch>
+        </p:blipFill>
+        <p:spPr>
+          <a:xfrm>
+            <a:off x="749694" y="6131959"/>
+            <a:ext cx="914400" cy="914400"/>
+          </a:xfrm>
+          <a:prstGeom prst="rect">
+            <a:avLst/>
+          </a:prstGeom>
+        </p:spPr>
+      </p:pic>
+      <p:pic>
+        <p:nvPicPr>
+          <p:cNvPr id="21" name="グラフィックス 20" descr="植物 単色塗りつぶし">
+            <a:extLst>
+              <a:ext uri="{FF2B5EF4-FFF2-40B4-BE49-F238E27FC236}">
+                <a16:creationId xmlns:a16="http://schemas.microsoft.com/office/drawing/2014/main" id="{22D51FDD-4676-6724-1742-BAC06D1C9998}"/>
+              </a:ext>
+            </a:extLst>
+          </p:cNvPr>
+          <p:cNvPicPr>
+            <a:picLocks noChangeAspect="1"/>
+          </p:cNvPicPr>
+          <p:nvPr/>
+        </p:nvPicPr>
+        <p:blipFill>
+          <a:blip r:embed="rId6">
+            <a:extLst>
+              <a:ext uri="{28A0092B-C50C-407E-A947-70E740481C1C}">
+                <a14:useLocalDpi xmlns:a14="http://schemas.microsoft.com/office/drawing/2010/main" val="0"/>
+              </a:ext>
+              <a:ext uri="{96DAC541-7B7A-43D3-8B79-37D633B846F1}">
+                <asvg:svgBlip xmlns:asvg="http://schemas.microsoft.com/office/drawing/2016/SVG/main" r:embed="rId7"/>
+              </a:ext>
+            </a:extLst>
+          </a:blip>
+          <a:stretch>
+            <a:fillRect/>
+          </a:stretch>
+        </p:blipFill>
+        <p:spPr>
+          <a:xfrm>
+            <a:off x="710806" y="7269379"/>
+            <a:ext cx="914400" cy="914400"/>
+          </a:xfrm>
+          <a:prstGeom prst="rect">
+            <a:avLst/>
+          </a:prstGeom>
+        </p:spPr>
+      </p:pic>
+      <p:sp>
+        <p:nvSpPr>
+          <p:cNvPr id="22" name="テキスト ボックス 21">
+            <a:extLst>
+              <a:ext uri="{FF2B5EF4-FFF2-40B4-BE49-F238E27FC236}">
+                <a16:creationId xmlns:a16="http://schemas.microsoft.com/office/drawing/2014/main" id="{9CDE0518-DB60-8DF3-5CBE-F44682491B73}"/>
+              </a:ext>
+            </a:extLst>
+          </p:cNvPr>
+          <p:cNvSpPr txBox="1"/>
+          <p:nvPr/>
+        </p:nvSpPr>
+        <p:spPr>
+          <a:xfrm>
+            <a:off x="1559265" y="6265993"/>
+            <a:ext cx="797686" cy="646331"/>
+          </a:xfrm>
+          <a:prstGeom prst="rect">
+            <a:avLst/>
+          </a:prstGeom>
+          <a:noFill/>
+        </p:spPr>
+        <p:txBody>
+          <a:bodyPr wrap="square" rtlCol="0">
+            <a:spAutoFit/>
+          </a:bodyPr>
+          <a:lstStyle/>
+          <a:p>
+            <a:pPr algn="ctr"/>
+            <a:r>
+              <a:rPr kumimoji="1" lang="en-US" altLang="ja-JP" b="1" dirty="0">
+                <a:solidFill>
+                  <a:schemeClr val="accent6"/>
+                </a:solidFill>
+              </a:rPr>
+              <a:t>Green leaf</a:t>
+            </a:r>
+            <a:endParaRPr kumimoji="1" lang="ja-JP" altLang="en-US" b="1" dirty="0">
+              <a:solidFill>
+                <a:schemeClr val="accent6"/>
+              </a:solidFill>
+            </a:endParaRPr>
+          </a:p>
+        </p:txBody>
+      </p:sp>
+      <p:sp>
+        <p:nvSpPr>
+          <p:cNvPr id="23" name="テキスト ボックス 22">
+            <a:extLst>
+              <a:ext uri="{FF2B5EF4-FFF2-40B4-BE49-F238E27FC236}">
+                <a16:creationId xmlns:a16="http://schemas.microsoft.com/office/drawing/2014/main" id="{95EDACD2-EC51-6B24-43AB-870D44A4A41F}"/>
+              </a:ext>
+            </a:extLst>
+          </p:cNvPr>
+          <p:cNvSpPr txBox="1"/>
+          <p:nvPr/>
+        </p:nvSpPr>
+        <p:spPr>
+          <a:xfrm>
+            <a:off x="1500908" y="7441705"/>
+            <a:ext cx="914400" cy="646331"/>
+          </a:xfrm>
+          <a:prstGeom prst="rect">
+            <a:avLst/>
+          </a:prstGeom>
+          <a:noFill/>
+        </p:spPr>
+        <p:txBody>
+          <a:bodyPr wrap="square" rtlCol="0">
+            <a:spAutoFit/>
+          </a:bodyPr>
+          <a:lstStyle/>
+          <a:p>
+            <a:pPr algn="ctr"/>
+            <a:r>
+              <a:rPr kumimoji="1" lang="en-US" altLang="ja-JP" b="1" dirty="0"/>
+              <a:t>Black leaf</a:t>
+            </a:r>
+            <a:endParaRPr kumimoji="1" lang="ja-JP" altLang="en-US" b="1" dirty="0"/>
+          </a:p>
+        </p:txBody>
+      </p:sp>
+      <p:sp>
+        <p:nvSpPr>
+          <p:cNvPr id="24" name="吹き出し: 角を丸めた四角形 23">
+            <a:extLst>
+              <a:ext uri="{FF2B5EF4-FFF2-40B4-BE49-F238E27FC236}">
+                <a16:creationId xmlns:a16="http://schemas.microsoft.com/office/drawing/2014/main" id="{EABE8818-448B-2860-1902-D908E867F714}"/>
+              </a:ext>
+            </a:extLst>
+          </p:cNvPr>
+          <p:cNvSpPr/>
+          <p:nvPr/>
+        </p:nvSpPr>
+        <p:spPr>
+          <a:xfrm>
+            <a:off x="2441092" y="6549654"/>
+            <a:ext cx="4313276" cy="210916"/>
+          </a:xfrm>
+          <a:prstGeom prst="wedgeRoundRectCallout">
+            <a:avLst>
+              <a:gd name="adj1" fmla="val 20839"/>
+              <a:gd name="adj2" fmla="val -36952"/>
+              <a:gd name="adj3" fmla="val 16667"/>
+            </a:avLst>
+          </a:prstGeom>
+        </p:spPr>
+        <p:style>
+          <a:lnRef idx="2">
+            <a:schemeClr val="dk1">
+              <a:shade val="50000"/>
+            </a:schemeClr>
+          </a:lnRef>
+          <a:fillRef idx="1">
+            <a:schemeClr val="dk1"/>
+          </a:fillRef>
+          <a:effectRef idx="0">
+            <a:schemeClr val="dk1"/>
+          </a:effectRef>
+          <a:fontRef idx="minor">
+            <a:schemeClr val="lt1"/>
+          </a:fontRef>
+        </p:style>
+        <p:txBody>
+          <a:bodyPr rtlCol="0" anchor="ctr"/>
+          <a:lstStyle/>
+          <a:p>
+            <a:pPr algn="ctr"/>
+            <a:r>
+              <a:rPr kumimoji="1" lang="en-US" altLang="ja-JP" dirty="0"/>
+              <a:t>…AATGGATAG……CATTACAA……TGAAGTCA…</a:t>
+            </a:r>
+            <a:endParaRPr kumimoji="1" lang="ja-JP" altLang="en-US" dirty="0"/>
+          </a:p>
+        </p:txBody>
+      </p:sp>
+      <p:sp>
+        <p:nvSpPr>
+          <p:cNvPr id="25" name="吹き出し: 角を丸めた四角形 24">
+            <a:extLst>
+              <a:ext uri="{FF2B5EF4-FFF2-40B4-BE49-F238E27FC236}">
+                <a16:creationId xmlns:a16="http://schemas.microsoft.com/office/drawing/2014/main" id="{7B2178A0-36AB-EEAF-0A4B-3DFA9AAF5EBD}"/>
+              </a:ext>
+            </a:extLst>
+          </p:cNvPr>
+          <p:cNvSpPr/>
+          <p:nvPr/>
+        </p:nvSpPr>
+        <p:spPr>
+          <a:xfrm>
+            <a:off x="2441092" y="7672743"/>
+            <a:ext cx="4313276" cy="210916"/>
+          </a:xfrm>
+          <a:prstGeom prst="wedgeRoundRectCallout">
+            <a:avLst>
+              <a:gd name="adj1" fmla="val 20430"/>
+              <a:gd name="adj2" fmla="val -48994"/>
+              <a:gd name="adj3" fmla="val 16667"/>
+            </a:avLst>
+          </a:prstGeom>
+        </p:spPr>
+        <p:style>
+          <a:lnRef idx="2">
+            <a:schemeClr val="dk1">
+              <a:shade val="50000"/>
+            </a:schemeClr>
+          </a:lnRef>
+          <a:fillRef idx="1">
+            <a:schemeClr val="dk1"/>
+          </a:fillRef>
+          <a:effectRef idx="0">
+            <a:schemeClr val="dk1"/>
+          </a:effectRef>
+          <a:fontRef idx="minor">
+            <a:schemeClr val="lt1"/>
+          </a:fontRef>
+        </p:style>
+        <p:txBody>
+          <a:bodyPr rtlCol="0" anchor="ctr"/>
+          <a:lstStyle/>
+          <a:p>
+            <a:pPr algn="ctr"/>
+            <a:r>
+              <a:rPr kumimoji="1" lang="en-US" altLang="ja-JP" dirty="0"/>
+              <a:t>…AA</a:t>
+            </a:r>
+            <a:r>
+              <a:rPr kumimoji="1" lang="en-US" altLang="ja-JP" dirty="0">
+                <a:solidFill>
+                  <a:srgbClr val="FF0000"/>
+                </a:solidFill>
+              </a:rPr>
+              <a:t>C</a:t>
+            </a:r>
+            <a:r>
+              <a:rPr kumimoji="1" lang="en-US" altLang="ja-JP" dirty="0"/>
+              <a:t>GGATAG……CA</a:t>
+            </a:r>
+            <a:r>
+              <a:rPr kumimoji="1" lang="en-US" altLang="ja-JP" dirty="0">
+                <a:solidFill>
+                  <a:srgbClr val="FF0000"/>
+                </a:solidFill>
+              </a:rPr>
+              <a:t>G</a:t>
+            </a:r>
+            <a:r>
+              <a:rPr kumimoji="1" lang="en-US" altLang="ja-JP" dirty="0"/>
+              <a:t>TACAA……TGA</a:t>
+            </a:r>
+            <a:r>
+              <a:rPr kumimoji="1" lang="en-US" altLang="ja-JP" dirty="0">
+                <a:solidFill>
+                  <a:srgbClr val="FF0000"/>
+                </a:solidFill>
+              </a:rPr>
+              <a:t>T</a:t>
+            </a:r>
+            <a:r>
+              <a:rPr kumimoji="1" lang="en-US" altLang="ja-JP" dirty="0"/>
+              <a:t>GTCA…</a:t>
+            </a:r>
+            <a:endParaRPr kumimoji="1" lang="ja-JP" altLang="en-US" dirty="0"/>
+          </a:p>
+        </p:txBody>
+      </p:sp>
+      <p:cxnSp>
+        <p:nvCxnSpPr>
+          <p:cNvPr id="27" name="直線矢印コネクタ 26">
+            <a:extLst>
+              <a:ext uri="{FF2B5EF4-FFF2-40B4-BE49-F238E27FC236}">
+                <a16:creationId xmlns:a16="http://schemas.microsoft.com/office/drawing/2014/main" id="{72C23033-8F3C-BD41-D336-26602BA2FC78}"/>
+              </a:ext>
+            </a:extLst>
+          </p:cNvPr>
+          <p:cNvCxnSpPr/>
+          <p:nvPr/>
+        </p:nvCxnSpPr>
+        <p:spPr>
+          <a:xfrm>
+            <a:off x="3041904" y="6833616"/>
+            <a:ext cx="0" cy="749808"/>
+          </a:xfrm>
+          <a:prstGeom prst="straightConnector1">
+            <a:avLst/>
+          </a:prstGeom>
+          <a:ln w="38100">
+            <a:tailEnd type="triangle"/>
+          </a:ln>
+        </p:spPr>
+        <p:style>
+          <a:lnRef idx="1">
+            <a:schemeClr val="dk1"/>
+          </a:lnRef>
+          <a:fillRef idx="0">
+            <a:schemeClr val="dk1"/>
+          </a:fillRef>
+          <a:effectRef idx="0">
+            <a:schemeClr val="dk1"/>
+          </a:effectRef>
+          <a:fontRef idx="minor">
+            <a:schemeClr val="tx1"/>
+          </a:fontRef>
+        </p:style>
+      </p:cxnSp>
+      <p:cxnSp>
+        <p:nvCxnSpPr>
+          <p:cNvPr id="28" name="直線矢印コネクタ 27">
+            <a:extLst>
+              <a:ext uri="{FF2B5EF4-FFF2-40B4-BE49-F238E27FC236}">
+                <a16:creationId xmlns:a16="http://schemas.microsoft.com/office/drawing/2014/main" id="{BB2FDD4D-DC43-950A-5F4E-DFC57DABF077}"/>
+              </a:ext>
+            </a:extLst>
+          </p:cNvPr>
+          <p:cNvCxnSpPr/>
+          <p:nvPr/>
+        </p:nvCxnSpPr>
+        <p:spPr>
+          <a:xfrm>
+            <a:off x="4486656" y="6833616"/>
+            <a:ext cx="0" cy="749808"/>
+          </a:xfrm>
+          <a:prstGeom prst="straightConnector1">
+            <a:avLst/>
+          </a:prstGeom>
+          <a:ln w="38100">
+            <a:tailEnd type="triangle"/>
+          </a:ln>
+        </p:spPr>
+        <p:style>
+          <a:lnRef idx="1">
+            <a:schemeClr val="dk1"/>
+          </a:lnRef>
+          <a:fillRef idx="0">
+            <a:schemeClr val="dk1"/>
+          </a:fillRef>
+          <a:effectRef idx="0">
+            <a:schemeClr val="dk1"/>
+          </a:effectRef>
+          <a:fontRef idx="minor">
+            <a:schemeClr val="tx1"/>
+          </a:fontRef>
+        </p:style>
+      </p:cxnSp>
+      <p:cxnSp>
+        <p:nvCxnSpPr>
+          <p:cNvPr id="29" name="直線矢印コネクタ 28">
+            <a:extLst>
+              <a:ext uri="{FF2B5EF4-FFF2-40B4-BE49-F238E27FC236}">
+                <a16:creationId xmlns:a16="http://schemas.microsoft.com/office/drawing/2014/main" id="{07286796-3E24-14CB-B653-B24607E836A2}"/>
+              </a:ext>
+            </a:extLst>
+          </p:cNvPr>
+          <p:cNvCxnSpPr/>
+          <p:nvPr/>
+        </p:nvCxnSpPr>
+        <p:spPr>
+          <a:xfrm>
+            <a:off x="5913120" y="6833616"/>
+            <a:ext cx="0" cy="749808"/>
+          </a:xfrm>
+          <a:prstGeom prst="straightConnector1">
+            <a:avLst/>
+          </a:prstGeom>
+          <a:ln w="38100">
+            <a:tailEnd type="triangle"/>
+          </a:ln>
+        </p:spPr>
+        <p:style>
+          <a:lnRef idx="1">
+            <a:schemeClr val="dk1"/>
+          </a:lnRef>
+          <a:fillRef idx="0">
+            <a:schemeClr val="dk1"/>
+          </a:fillRef>
+          <a:effectRef idx="0">
+            <a:schemeClr val="dk1"/>
+          </a:effectRef>
+          <a:fontRef idx="minor">
+            <a:schemeClr val="tx1"/>
+          </a:fontRef>
+        </p:style>
+      </p:cxnSp>
+      <p:sp>
+        <p:nvSpPr>
+          <p:cNvPr id="30" name="テキスト ボックス 29">
+            <a:extLst>
+              <a:ext uri="{FF2B5EF4-FFF2-40B4-BE49-F238E27FC236}">
+                <a16:creationId xmlns:a16="http://schemas.microsoft.com/office/drawing/2014/main" id="{BF88BC32-4D84-56BC-1D02-8239E5E3AF7C}"/>
+              </a:ext>
+            </a:extLst>
+          </p:cNvPr>
+          <p:cNvSpPr txBox="1"/>
+          <p:nvPr/>
+        </p:nvSpPr>
+        <p:spPr>
+          <a:xfrm>
+            <a:off x="3232220" y="8086010"/>
+            <a:ext cx="2619522" cy="338554"/>
+          </a:xfrm>
+          <a:prstGeom prst="rect">
+            <a:avLst/>
+          </a:prstGeom>
+          <a:noFill/>
+        </p:spPr>
+        <p:txBody>
+          <a:bodyPr wrap="square" rtlCol="0">
+            <a:spAutoFit/>
+          </a:bodyPr>
+          <a:lstStyle/>
+          <a:p>
+            <a:pPr algn="ctr"/>
+            <a:r>
+              <a:rPr kumimoji="1" lang="en-US" altLang="ja-JP" sz="1600" dirty="0"/>
+              <a:t>Which is causal mutation…?</a:t>
+            </a:r>
+            <a:endParaRPr kumimoji="1" lang="ja-JP" altLang="en-US" sz="1600" dirty="0"/>
+          </a:p>
+        </p:txBody>
+      </p:sp>
     </p:spTree>
     <p:extLst>
       <p:ext uri="{BB962C8B-B14F-4D97-AF65-F5344CB8AC3E}">

--- a/FAO_2024/mutmapqtlseq.pptx
+++ b/FAO_2024/mutmapqtlseq.pptx
@@ -46446,7 +46446,7 @@
         <p:spPr>
           <a:xfrm>
             <a:off x="4198900" y="3232134"/>
-            <a:ext cx="2394359" cy="369332"/>
+            <a:ext cx="3151021" cy="369332"/>
           </a:xfrm>
           <a:prstGeom prst="rect">
             <a:avLst/>
@@ -46462,7 +46462,7 @@
             <a:pPr algn="ctr"/>
             <a:r>
               <a:rPr kumimoji="1" lang="en-US" altLang="ja-JP" b="1" dirty="0"/>
-              <a:t>Identify 78,101 SNPs</a:t>
+              <a:t>78,101 SNPs in the genome</a:t>
             </a:r>
           </a:p>
         </p:txBody>
@@ -46476,7 +46476,9 @@
               </a:ext>
             </a:extLst>
           </p:cNvPr>
-          <p:cNvCxnSpPr/>
+          <p:cNvCxnSpPr>
+            <a:cxnSpLocks/>
+          </p:cNvCxnSpPr>
           <p:nvPr/>
         </p:nvCxnSpPr>
         <p:spPr>
@@ -46540,6 +46542,132 @@
               <a:t>Sequencing (x Population size)</a:t>
             </a:r>
             <a:endParaRPr kumimoji="1" lang="ja-JP" altLang="en-US" b="1" dirty="0"/>
+          </a:p>
+        </p:txBody>
+      </p:sp>
+      <p:sp>
+        <p:nvSpPr>
+          <p:cNvPr id="4" name="吹き出し: 角を丸めた四角形 3">
+            <a:extLst>
+              <a:ext uri="{FF2B5EF4-FFF2-40B4-BE49-F238E27FC236}">
+                <a16:creationId xmlns:a16="http://schemas.microsoft.com/office/drawing/2014/main" id="{E00E52F2-9FC3-A3BA-75B4-D703959725BB}"/>
+              </a:ext>
+            </a:extLst>
+          </p:cNvPr>
+          <p:cNvSpPr/>
+          <p:nvPr/>
+        </p:nvSpPr>
+        <p:spPr>
+          <a:xfrm>
+            <a:off x="4350628" y="3695602"/>
+            <a:ext cx="4313276" cy="210916"/>
+          </a:xfrm>
+          <a:prstGeom prst="wedgeRoundRectCallout">
+            <a:avLst>
+              <a:gd name="adj1" fmla="val 20430"/>
+              <a:gd name="adj2" fmla="val -48994"/>
+              <a:gd name="adj3" fmla="val 16667"/>
+            </a:avLst>
+          </a:prstGeom>
+        </p:spPr>
+        <p:style>
+          <a:lnRef idx="2">
+            <a:schemeClr val="dk1">
+              <a:shade val="50000"/>
+            </a:schemeClr>
+          </a:lnRef>
+          <a:fillRef idx="1">
+            <a:schemeClr val="dk1"/>
+          </a:fillRef>
+          <a:effectRef idx="0">
+            <a:schemeClr val="dk1"/>
+          </a:effectRef>
+          <a:fontRef idx="minor">
+            <a:schemeClr val="lt1"/>
+          </a:fontRef>
+        </p:style>
+        <p:txBody>
+          <a:bodyPr rtlCol="0" anchor="ctr"/>
+          <a:lstStyle/>
+          <a:p>
+            <a:pPr algn="ctr"/>
+            <a:r>
+              <a:rPr kumimoji="1" lang="en-US" altLang="ja-JP" dirty="0"/>
+              <a:t>…A</a:t>
+            </a:r>
+            <a:r>
+              <a:rPr kumimoji="1" lang="en-US" altLang="ja-JP" dirty="0">
+                <a:solidFill>
+                  <a:srgbClr val="FF0000"/>
+                </a:solidFill>
+              </a:rPr>
+              <a:t>C</a:t>
+            </a:r>
+            <a:r>
+              <a:rPr kumimoji="1" lang="en-US" altLang="ja-JP" dirty="0"/>
+              <a:t>G…T</a:t>
+            </a:r>
+            <a:r>
+              <a:rPr kumimoji="1" lang="en-US" altLang="ja-JP" dirty="0">
+                <a:solidFill>
+                  <a:srgbClr val="FF0000"/>
+                </a:solidFill>
+              </a:rPr>
+              <a:t>G</a:t>
+            </a:r>
+            <a:r>
+              <a:rPr kumimoji="1" lang="en-US" altLang="ja-JP" dirty="0"/>
+              <a:t>A…C</a:t>
+            </a:r>
+            <a:r>
+              <a:rPr kumimoji="1" lang="en-US" altLang="ja-JP" dirty="0">
+                <a:solidFill>
+                  <a:srgbClr val="FF0000"/>
+                </a:solidFill>
+              </a:rPr>
+              <a:t>G</a:t>
+            </a:r>
+            <a:r>
+              <a:rPr kumimoji="1" lang="en-US" altLang="ja-JP" dirty="0"/>
+              <a:t>T………T</a:t>
+            </a:r>
+            <a:r>
+              <a:rPr kumimoji="1" lang="en-US" altLang="ja-JP" dirty="0">
+                <a:solidFill>
+                  <a:srgbClr val="FF0000"/>
+                </a:solidFill>
+              </a:rPr>
+              <a:t>G</a:t>
+            </a:r>
+            <a:r>
+              <a:rPr kumimoji="1" lang="en-US" altLang="ja-JP" dirty="0"/>
+              <a:t>A…C</a:t>
+            </a:r>
+            <a:r>
+              <a:rPr kumimoji="1" lang="en-US" altLang="ja-JP" dirty="0">
+                <a:solidFill>
+                  <a:srgbClr val="FF0000"/>
+                </a:solidFill>
+              </a:rPr>
+              <a:t>T</a:t>
+            </a:r>
+            <a:r>
+              <a:rPr kumimoji="1" lang="en-US" altLang="ja-JP" dirty="0"/>
+              <a:t>G…T</a:t>
+            </a:r>
+            <a:r>
+              <a:rPr kumimoji="1" lang="en-US" altLang="ja-JP" dirty="0">
+                <a:solidFill>
+                  <a:srgbClr val="FF0000"/>
+                </a:solidFill>
+              </a:rPr>
+              <a:t>C</a:t>
+            </a:r>
+            <a:r>
+              <a:rPr kumimoji="1" lang="en-US" altLang="ja-JP" dirty="0"/>
+              <a:t>A…</a:t>
+            </a:r>
+            <a:endParaRPr kumimoji="1" lang="ja-JP" altLang="en-US" dirty="0"/>
           </a:p>
         </p:txBody>
       </p:sp>

--- a/FAO_2024/mutmapqtlseq.pptx
+++ b/FAO_2024/mutmapqtlseq.pptx
@@ -46555,6 +46555,59 @@
       </p:grpSpPr>
       <p:sp>
         <p:nvSpPr>
+          <p:cNvPr id="4" name="正方形/長方形 3">
+            <a:extLst>
+              <a:ext uri="{FF2B5EF4-FFF2-40B4-BE49-F238E27FC236}">
+                <a16:creationId xmlns:a16="http://schemas.microsoft.com/office/drawing/2014/main" id="{B35EEE66-FF2B-B736-3EEF-08A4E7849AEC}"/>
+              </a:ext>
+            </a:extLst>
+          </p:cNvPr>
+          <p:cNvSpPr/>
+          <p:nvPr/>
+        </p:nvSpPr>
+        <p:spPr>
+          <a:xfrm>
+            <a:off x="1770832" y="3499643"/>
+            <a:ext cx="8150408" cy="2253565"/>
+          </a:xfrm>
+          <a:prstGeom prst="rect">
+            <a:avLst/>
+          </a:prstGeom>
+          <a:noFill/>
+          <a:ln>
+            <a:solidFill>
+              <a:srgbClr val="FF0000"/>
+            </a:solidFill>
+            <a:prstDash val="dash"/>
+          </a:ln>
+        </p:spPr>
+        <p:style>
+          <a:lnRef idx="2">
+            <a:schemeClr val="accent1">
+              <a:shade val="15000"/>
+            </a:schemeClr>
+          </a:lnRef>
+          <a:fillRef idx="1">
+            <a:schemeClr val="accent1"/>
+          </a:fillRef>
+          <a:effectRef idx="0">
+            <a:schemeClr val="accent1"/>
+          </a:effectRef>
+          <a:fontRef idx="minor">
+            <a:schemeClr val="lt1"/>
+          </a:fontRef>
+        </p:style>
+        <p:txBody>
+          <a:bodyPr rtlCol="0" anchor="ctr"/>
+          <a:lstStyle/>
+          <a:p>
+            <a:pPr algn="ctr"/>
+            <a:endParaRPr kumimoji="1" lang="ja-JP" altLang="en-US"/>
+          </a:p>
+        </p:txBody>
+      </p:sp>
+      <p:sp>
+        <p:nvSpPr>
           <p:cNvPr id="89" name="正方形/長方形 88">
             <a:extLst>
               <a:ext uri="{FF2B5EF4-FFF2-40B4-BE49-F238E27FC236}">
@@ -49292,8 +49345,8 @@
         </p:nvSpPr>
         <p:spPr>
           <a:xfrm>
-            <a:off x="2302127" y="3376533"/>
-            <a:ext cx="890936" cy="584775"/>
+            <a:off x="2289401" y="3533720"/>
+            <a:ext cx="1289516" cy="338554"/>
           </a:xfrm>
           <a:prstGeom prst="rect">
             <a:avLst/>
@@ -49309,14 +49362,7 @@
             <a:pPr algn="ctr"/>
             <a:r>
               <a:rPr kumimoji="1" lang="en-US" altLang="ja-JP" sz="1600" b="1" dirty="0"/>
-              <a:t>Extract</a:t>
-            </a:r>
-          </a:p>
-          <a:p>
-            <a:pPr algn="ctr"/>
-            <a:r>
-              <a:rPr kumimoji="1" lang="en-US" altLang="ja-JP" sz="1600" b="1" dirty="0"/>
-              <a:t>DNA</a:t>
+              <a:t>Extract DNA</a:t>
             </a:r>
             <a:endParaRPr kumimoji="1" lang="ja-JP" altLang="en-US" sz="1600" b="1" dirty="0"/>
           </a:p>

--- a/FAO_2024/mutmapqtlseq.pptx
+++ b/FAO_2024/mutmapqtlseq.pptx
@@ -279,7 +279,7 @@
           <a:p>
             <a:fld id="{E9E87471-319F-4954-8EC5-36236D89AF18}" type="datetimeFigureOut">
               <a:rPr kumimoji="1" lang="ja-JP" altLang="en-US" smtClean="0"/>
-              <a:t>2024/3/27</a:t>
+              <a:t>2024/3/28</a:t>
             </a:fld>
             <a:endParaRPr kumimoji="1" lang="ja-JP" altLang="en-US"/>
           </a:p>
@@ -481,7 +481,7 @@
           <a:p>
             <a:fld id="{E9E87471-319F-4954-8EC5-36236D89AF18}" type="datetimeFigureOut">
               <a:rPr kumimoji="1" lang="ja-JP" altLang="en-US" smtClean="0"/>
-              <a:t>2024/3/27</a:t>
+              <a:t>2024/3/28</a:t>
             </a:fld>
             <a:endParaRPr kumimoji="1" lang="ja-JP" altLang="en-US"/>
           </a:p>
@@ -693,7 +693,7 @@
           <a:p>
             <a:fld id="{E9E87471-319F-4954-8EC5-36236D89AF18}" type="datetimeFigureOut">
               <a:rPr kumimoji="1" lang="ja-JP" altLang="en-US" smtClean="0"/>
-              <a:t>2024/3/27</a:t>
+              <a:t>2024/3/28</a:t>
             </a:fld>
             <a:endParaRPr kumimoji="1" lang="ja-JP" altLang="en-US"/>
           </a:p>
@@ -895,7 +895,7 @@
           <a:p>
             <a:fld id="{E9E87471-319F-4954-8EC5-36236D89AF18}" type="datetimeFigureOut">
               <a:rPr kumimoji="1" lang="ja-JP" altLang="en-US" smtClean="0"/>
-              <a:t>2024/3/27</a:t>
+              <a:t>2024/3/28</a:t>
             </a:fld>
             <a:endParaRPr kumimoji="1" lang="ja-JP" altLang="en-US"/>
           </a:p>
@@ -1139,7 +1139,7 @@
           <a:p>
             <a:fld id="{E9E87471-319F-4954-8EC5-36236D89AF18}" type="datetimeFigureOut">
               <a:rPr kumimoji="1" lang="ja-JP" altLang="en-US" smtClean="0"/>
-              <a:t>2024/3/27</a:t>
+              <a:t>2024/3/28</a:t>
             </a:fld>
             <a:endParaRPr kumimoji="1" lang="ja-JP" altLang="en-US"/>
           </a:p>
@@ -1435,7 +1435,7 @@
           <a:p>
             <a:fld id="{E9E87471-319F-4954-8EC5-36236D89AF18}" type="datetimeFigureOut">
               <a:rPr kumimoji="1" lang="ja-JP" altLang="en-US" smtClean="0"/>
-              <a:t>2024/3/27</a:t>
+              <a:t>2024/3/28</a:t>
             </a:fld>
             <a:endParaRPr kumimoji="1" lang="ja-JP" altLang="en-US"/>
           </a:p>
@@ -1866,7 +1866,7 @@
           <a:p>
             <a:fld id="{E9E87471-319F-4954-8EC5-36236D89AF18}" type="datetimeFigureOut">
               <a:rPr kumimoji="1" lang="ja-JP" altLang="en-US" smtClean="0"/>
-              <a:t>2024/3/27</a:t>
+              <a:t>2024/3/28</a:t>
             </a:fld>
             <a:endParaRPr kumimoji="1" lang="ja-JP" altLang="en-US"/>
           </a:p>
@@ -1984,7 +1984,7 @@
           <a:p>
             <a:fld id="{E9E87471-319F-4954-8EC5-36236D89AF18}" type="datetimeFigureOut">
               <a:rPr kumimoji="1" lang="ja-JP" altLang="en-US" smtClean="0"/>
-              <a:t>2024/3/27</a:t>
+              <a:t>2024/3/28</a:t>
             </a:fld>
             <a:endParaRPr kumimoji="1" lang="ja-JP" altLang="en-US"/>
           </a:p>
@@ -2079,7 +2079,7 @@
           <a:p>
             <a:fld id="{E9E87471-319F-4954-8EC5-36236D89AF18}" type="datetimeFigureOut">
               <a:rPr kumimoji="1" lang="ja-JP" altLang="en-US" smtClean="0"/>
-              <a:t>2024/3/27</a:t>
+              <a:t>2024/3/28</a:t>
             </a:fld>
             <a:endParaRPr kumimoji="1" lang="ja-JP" altLang="en-US"/>
           </a:p>
@@ -2388,7 +2388,7 @@
           <a:p>
             <a:fld id="{E9E87471-319F-4954-8EC5-36236D89AF18}" type="datetimeFigureOut">
               <a:rPr kumimoji="1" lang="ja-JP" altLang="en-US" smtClean="0"/>
-              <a:t>2024/3/27</a:t>
+              <a:t>2024/3/28</a:t>
             </a:fld>
             <a:endParaRPr kumimoji="1" lang="ja-JP" altLang="en-US"/>
           </a:p>
@@ -2645,7 +2645,7 @@
           <a:p>
             <a:fld id="{E9E87471-319F-4954-8EC5-36236D89AF18}" type="datetimeFigureOut">
               <a:rPr kumimoji="1" lang="ja-JP" altLang="en-US" smtClean="0"/>
-              <a:t>2024/3/27</a:t>
+              <a:t>2024/3/28</a:t>
             </a:fld>
             <a:endParaRPr kumimoji="1" lang="ja-JP" altLang="en-US"/>
           </a:p>
@@ -2890,7 +2890,7 @@
           <a:p>
             <a:fld id="{E9E87471-319F-4954-8EC5-36236D89AF18}" type="datetimeFigureOut">
               <a:rPr kumimoji="1" lang="ja-JP" altLang="en-US" smtClean="0"/>
-              <a:t>2024/3/27</a:t>
+              <a:t>2024/3/28</a:t>
             </a:fld>
             <a:endParaRPr kumimoji="1" lang="ja-JP" altLang="en-US"/>
           </a:p>
@@ -4244,7 +4244,7 @@
             <a:pPr algn="ctr"/>
             <a:r>
               <a:rPr kumimoji="1" lang="en-US" altLang="ja-JP" sz="1400" dirty="0"/>
-              <a:t>ATGCATGCATGCATGC…ATGCATCCA</a:t>
+              <a:t>…TGCATGCATGCATGC…ATGCATCC…</a:t>
             </a:r>
             <a:endParaRPr kumimoji="1" lang="ja-JP" altLang="en-US" sz="1400" dirty="0"/>
           </a:p>
@@ -4280,7 +4280,7 @@
           <a:p>
             <a:r>
               <a:rPr kumimoji="1" lang="en-US" altLang="ja-JP" dirty="0"/>
-              <a:t>Cultivar A</a:t>
+              <a:t>Cultivar B</a:t>
             </a:r>
             <a:endParaRPr kumimoji="1" lang="ja-JP" altLang="en-US" dirty="0"/>
           </a:p>

--- a/FAO_2024/mutmapqtlseq.pptx
+++ b/FAO_2024/mutmapqtlseq.pptx
@@ -5028,6 +5028,1100 @@
               <a:t>…</a:t>
             </a:r>
             <a:endParaRPr kumimoji="1" lang="ja-JP" altLang="en-US" sz="3200" b="1" dirty="0"/>
+          </a:p>
+        </p:txBody>
+      </p:sp>
+      <p:sp>
+        <p:nvSpPr>
+          <p:cNvPr id="3" name="テキスト ボックス 2">
+            <a:extLst>
+              <a:ext uri="{FF2B5EF4-FFF2-40B4-BE49-F238E27FC236}">
+                <a16:creationId xmlns:a16="http://schemas.microsoft.com/office/drawing/2014/main" id="{8533D051-6F44-5216-EBB5-FC45FF8D5CCA}"/>
+              </a:ext>
+            </a:extLst>
+          </p:cNvPr>
+          <p:cNvSpPr txBox="1"/>
+          <p:nvPr/>
+        </p:nvSpPr>
+        <p:spPr>
+          <a:xfrm>
+            <a:off x="504563" y="5878283"/>
+            <a:ext cx="1763844" cy="369332"/>
+          </a:xfrm>
+          <a:prstGeom prst="rect">
+            <a:avLst/>
+          </a:prstGeom>
+          <a:noFill/>
+        </p:spPr>
+        <p:txBody>
+          <a:bodyPr wrap="square" rtlCol="0">
+            <a:spAutoFit/>
+          </a:bodyPr>
+          <a:lstStyle/>
+          <a:p>
+            <a:pPr algn="ctr"/>
+            <a:r>
+              <a:rPr kumimoji="1" lang="en-US" altLang="ja-JP" b="1" dirty="0"/>
+              <a:t>F2 population</a:t>
+            </a:r>
+            <a:endParaRPr kumimoji="1" lang="ja-JP" altLang="en-US" b="1" dirty="0"/>
+          </a:p>
+        </p:txBody>
+      </p:sp>
+      <p:pic>
+        <p:nvPicPr>
+          <p:cNvPr id="29" name="グラフィックス 28" descr="植物 単色塗りつぶし">
+            <a:extLst>
+              <a:ext uri="{FF2B5EF4-FFF2-40B4-BE49-F238E27FC236}">
+                <a16:creationId xmlns:a16="http://schemas.microsoft.com/office/drawing/2014/main" id="{E7900349-CF0E-391F-906D-157C99CA22BE}"/>
+              </a:ext>
+            </a:extLst>
+          </p:cNvPr>
+          <p:cNvPicPr>
+            <a:picLocks noChangeAspect="1"/>
+          </p:cNvPicPr>
+          <p:nvPr/>
+        </p:nvPicPr>
+        <p:blipFill>
+          <a:blip r:embed="rId2">
+            <a:extLst>
+              <a:ext uri="{28A0092B-C50C-407E-A947-70E740481C1C}">
+                <a14:useLocalDpi xmlns:a14="http://schemas.microsoft.com/office/drawing/2010/main" val="0"/>
+              </a:ext>
+              <a:ext uri="{96DAC541-7B7A-43D3-8B79-37D633B846F1}">
+                <asvg:svgBlip xmlns:asvg="http://schemas.microsoft.com/office/drawing/2016/SVG/main" r:embed="rId3"/>
+              </a:ext>
+            </a:extLst>
+          </a:blip>
+          <a:stretch>
+            <a:fillRect/>
+          </a:stretch>
+        </p:blipFill>
+        <p:spPr>
+          <a:xfrm>
+            <a:off x="1988792" y="6426604"/>
+            <a:ext cx="665849" cy="665849"/>
+          </a:xfrm>
+          <a:prstGeom prst="rect">
+            <a:avLst/>
+          </a:prstGeom>
+        </p:spPr>
+      </p:pic>
+      <p:pic>
+        <p:nvPicPr>
+          <p:cNvPr id="31" name="グラフィックス 30" descr="植物 単色塗りつぶし">
+            <a:extLst>
+              <a:ext uri="{FF2B5EF4-FFF2-40B4-BE49-F238E27FC236}">
+                <a16:creationId xmlns:a16="http://schemas.microsoft.com/office/drawing/2014/main" id="{29310E95-32E0-56CC-538D-A603276911C0}"/>
+              </a:ext>
+            </a:extLst>
+          </p:cNvPr>
+          <p:cNvPicPr>
+            <a:picLocks noChangeAspect="1"/>
+          </p:cNvPicPr>
+          <p:nvPr/>
+        </p:nvPicPr>
+        <p:blipFill>
+          <a:blip r:embed="rId2">
+            <a:extLst>
+              <a:ext uri="{28A0092B-C50C-407E-A947-70E740481C1C}">
+                <a14:useLocalDpi xmlns:a14="http://schemas.microsoft.com/office/drawing/2010/main" val="0"/>
+              </a:ext>
+              <a:ext uri="{96DAC541-7B7A-43D3-8B79-37D633B846F1}">
+                <asvg:svgBlip xmlns:asvg="http://schemas.microsoft.com/office/drawing/2016/SVG/main" r:embed="rId3"/>
+              </a:ext>
+            </a:extLst>
+          </a:blip>
+          <a:stretch>
+            <a:fillRect/>
+          </a:stretch>
+        </p:blipFill>
+        <p:spPr>
+          <a:xfrm>
+            <a:off x="727097" y="6442835"/>
+            <a:ext cx="665849" cy="665849"/>
+          </a:xfrm>
+          <a:prstGeom prst="rect">
+            <a:avLst/>
+          </a:prstGeom>
+        </p:spPr>
+      </p:pic>
+      <p:pic>
+        <p:nvPicPr>
+          <p:cNvPr id="32" name="グラフィックス 31" descr="植物 単色塗りつぶし">
+            <a:extLst>
+              <a:ext uri="{FF2B5EF4-FFF2-40B4-BE49-F238E27FC236}">
+                <a16:creationId xmlns:a16="http://schemas.microsoft.com/office/drawing/2014/main" id="{44D10FA0-3F64-6284-AB6D-6F06CC0D760A}"/>
+              </a:ext>
+            </a:extLst>
+          </p:cNvPr>
+          <p:cNvPicPr>
+            <a:picLocks noChangeAspect="1"/>
+          </p:cNvPicPr>
+          <p:nvPr/>
+        </p:nvPicPr>
+        <p:blipFill>
+          <a:blip r:embed="rId2">
+            <a:extLst>
+              <a:ext uri="{28A0092B-C50C-407E-A947-70E740481C1C}">
+                <a14:useLocalDpi xmlns:a14="http://schemas.microsoft.com/office/drawing/2010/main" val="0"/>
+              </a:ext>
+              <a:ext uri="{96DAC541-7B7A-43D3-8B79-37D633B846F1}">
+                <asvg:svgBlip xmlns:asvg="http://schemas.microsoft.com/office/drawing/2016/SVG/main" r:embed="rId3"/>
+              </a:ext>
+            </a:extLst>
+          </a:blip>
+          <a:stretch>
+            <a:fillRect/>
+          </a:stretch>
+        </p:blipFill>
+        <p:spPr>
+          <a:xfrm>
+            <a:off x="727097" y="7801781"/>
+            <a:ext cx="665849" cy="665849"/>
+          </a:xfrm>
+          <a:prstGeom prst="rect">
+            <a:avLst/>
+          </a:prstGeom>
+        </p:spPr>
+      </p:pic>
+      <p:pic>
+        <p:nvPicPr>
+          <p:cNvPr id="34" name="グラフィックス 33" descr="植物 単色塗りつぶし">
+            <a:extLst>
+              <a:ext uri="{FF2B5EF4-FFF2-40B4-BE49-F238E27FC236}">
+                <a16:creationId xmlns:a16="http://schemas.microsoft.com/office/drawing/2014/main" id="{FDE16FB3-4F6A-6848-3656-AB4A7D0CCCCE}"/>
+              </a:ext>
+            </a:extLst>
+          </p:cNvPr>
+          <p:cNvPicPr>
+            <a:picLocks noChangeAspect="1"/>
+          </p:cNvPicPr>
+          <p:nvPr/>
+        </p:nvPicPr>
+        <p:blipFill>
+          <a:blip r:embed="rId4">
+            <a:extLst>
+              <a:ext uri="{28A0092B-C50C-407E-A947-70E740481C1C}">
+                <a14:useLocalDpi xmlns:a14="http://schemas.microsoft.com/office/drawing/2010/main" val="0"/>
+              </a:ext>
+              <a:ext uri="{96DAC541-7B7A-43D3-8B79-37D633B846F1}">
+                <asvg:svgBlip xmlns:asvg="http://schemas.microsoft.com/office/drawing/2016/SVG/main" r:embed="rId5"/>
+              </a:ext>
+            </a:extLst>
+          </a:blip>
+          <a:stretch>
+            <a:fillRect/>
+          </a:stretch>
+        </p:blipFill>
+        <p:spPr>
+          <a:xfrm>
+            <a:off x="2020058" y="7092453"/>
+            <a:ext cx="665849" cy="665849"/>
+          </a:xfrm>
+          <a:prstGeom prst="rect">
+            <a:avLst/>
+          </a:prstGeom>
+        </p:spPr>
+      </p:pic>
+      <p:pic>
+        <p:nvPicPr>
+          <p:cNvPr id="35" name="グラフィックス 34" descr="植物 単色塗りつぶし">
+            <a:extLst>
+              <a:ext uri="{FF2B5EF4-FFF2-40B4-BE49-F238E27FC236}">
+                <a16:creationId xmlns:a16="http://schemas.microsoft.com/office/drawing/2014/main" id="{ECCAA8A0-A415-C39E-1E61-8D4541F55D62}"/>
+              </a:ext>
+            </a:extLst>
+          </p:cNvPr>
+          <p:cNvPicPr>
+            <a:picLocks noChangeAspect="1"/>
+          </p:cNvPicPr>
+          <p:nvPr/>
+        </p:nvPicPr>
+        <p:blipFill>
+          <a:blip r:embed="rId2">
+            <a:extLst>
+              <a:ext uri="{28A0092B-C50C-407E-A947-70E740481C1C}">
+                <a14:useLocalDpi xmlns:a14="http://schemas.microsoft.com/office/drawing/2010/main" val="0"/>
+              </a:ext>
+              <a:ext uri="{96DAC541-7B7A-43D3-8B79-37D633B846F1}">
+                <asvg:svgBlip xmlns:asvg="http://schemas.microsoft.com/office/drawing/2016/SVG/main" r:embed="rId3"/>
+              </a:ext>
+            </a:extLst>
+          </a:blip>
+          <a:stretch>
+            <a:fillRect/>
+          </a:stretch>
+        </p:blipFill>
+        <p:spPr>
+          <a:xfrm>
+            <a:off x="2020058" y="7793566"/>
+            <a:ext cx="665849" cy="665849"/>
+          </a:xfrm>
+          <a:prstGeom prst="rect">
+            <a:avLst/>
+          </a:prstGeom>
+        </p:spPr>
+      </p:pic>
+      <p:pic>
+        <p:nvPicPr>
+          <p:cNvPr id="36" name="グラフィックス 35" descr="植物 単色塗りつぶし">
+            <a:extLst>
+              <a:ext uri="{FF2B5EF4-FFF2-40B4-BE49-F238E27FC236}">
+                <a16:creationId xmlns:a16="http://schemas.microsoft.com/office/drawing/2014/main" id="{34800A8D-14BF-2E51-4280-093C0266B520}"/>
+              </a:ext>
+            </a:extLst>
+          </p:cNvPr>
+          <p:cNvPicPr>
+            <a:picLocks noChangeAspect="1"/>
+          </p:cNvPicPr>
+          <p:nvPr/>
+        </p:nvPicPr>
+        <p:blipFill>
+          <a:blip r:embed="rId4">
+            <a:extLst>
+              <a:ext uri="{28A0092B-C50C-407E-A947-70E740481C1C}">
+                <a14:useLocalDpi xmlns:a14="http://schemas.microsoft.com/office/drawing/2010/main" val="0"/>
+              </a:ext>
+              <a:ext uri="{96DAC541-7B7A-43D3-8B79-37D633B846F1}">
+                <asvg:svgBlip xmlns:asvg="http://schemas.microsoft.com/office/drawing/2016/SVG/main" r:embed="rId5"/>
+              </a:ext>
+            </a:extLst>
+          </a:blip>
+          <a:stretch>
+            <a:fillRect/>
+          </a:stretch>
+        </p:blipFill>
+        <p:spPr>
+          <a:xfrm>
+            <a:off x="1386485" y="6426604"/>
+            <a:ext cx="665849" cy="665849"/>
+          </a:xfrm>
+          <a:prstGeom prst="rect">
+            <a:avLst/>
+          </a:prstGeom>
+        </p:spPr>
+      </p:pic>
+      <p:pic>
+        <p:nvPicPr>
+          <p:cNvPr id="38" name="グラフィックス 37" descr="植物 単色塗りつぶし">
+            <a:extLst>
+              <a:ext uri="{FF2B5EF4-FFF2-40B4-BE49-F238E27FC236}">
+                <a16:creationId xmlns:a16="http://schemas.microsoft.com/office/drawing/2014/main" id="{090489B9-5142-35BA-EDD7-30335CD5BAA4}"/>
+              </a:ext>
+            </a:extLst>
+          </p:cNvPr>
+          <p:cNvPicPr>
+            <a:picLocks noChangeAspect="1"/>
+          </p:cNvPicPr>
+          <p:nvPr/>
+        </p:nvPicPr>
+        <p:blipFill>
+          <a:blip r:embed="rId2">
+            <a:extLst>
+              <a:ext uri="{28A0092B-C50C-407E-A947-70E740481C1C}">
+                <a14:useLocalDpi xmlns:a14="http://schemas.microsoft.com/office/drawing/2010/main" val="0"/>
+              </a:ext>
+              <a:ext uri="{96DAC541-7B7A-43D3-8B79-37D633B846F1}">
+                <asvg:svgBlip xmlns:asvg="http://schemas.microsoft.com/office/drawing/2016/SVG/main" r:embed="rId3"/>
+              </a:ext>
+            </a:extLst>
+          </a:blip>
+          <a:stretch>
+            <a:fillRect/>
+          </a:stretch>
+        </p:blipFill>
+        <p:spPr>
+          <a:xfrm>
+            <a:off x="1386485" y="7106077"/>
+            <a:ext cx="665849" cy="665849"/>
+          </a:xfrm>
+          <a:prstGeom prst="rect">
+            <a:avLst/>
+          </a:prstGeom>
+        </p:spPr>
+      </p:pic>
+      <p:pic>
+        <p:nvPicPr>
+          <p:cNvPr id="41" name="グラフィックス 40" descr="植物 単色塗りつぶし">
+            <a:extLst>
+              <a:ext uri="{FF2B5EF4-FFF2-40B4-BE49-F238E27FC236}">
+                <a16:creationId xmlns:a16="http://schemas.microsoft.com/office/drawing/2014/main" id="{0CDB4BCF-AA9D-9FB5-DEFC-E9021C1DAF60}"/>
+              </a:ext>
+            </a:extLst>
+          </p:cNvPr>
+          <p:cNvPicPr>
+            <a:picLocks noChangeAspect="1"/>
+          </p:cNvPicPr>
+          <p:nvPr/>
+        </p:nvPicPr>
+        <p:blipFill>
+          <a:blip r:embed="rId4">
+            <a:extLst>
+              <a:ext uri="{28A0092B-C50C-407E-A947-70E740481C1C}">
+                <a14:useLocalDpi xmlns:a14="http://schemas.microsoft.com/office/drawing/2010/main" val="0"/>
+              </a:ext>
+              <a:ext uri="{96DAC541-7B7A-43D3-8B79-37D633B846F1}">
+                <asvg:svgBlip xmlns:asvg="http://schemas.microsoft.com/office/drawing/2016/SVG/main" r:embed="rId5"/>
+              </a:ext>
+            </a:extLst>
+          </a:blip>
+          <a:stretch>
+            <a:fillRect/>
+          </a:stretch>
+        </p:blipFill>
+        <p:spPr>
+          <a:xfrm>
+            <a:off x="1386485" y="7785550"/>
+            <a:ext cx="665849" cy="665849"/>
+          </a:xfrm>
+          <a:prstGeom prst="rect">
+            <a:avLst/>
+          </a:prstGeom>
+        </p:spPr>
+      </p:pic>
+      <p:pic>
+        <p:nvPicPr>
+          <p:cNvPr id="44" name="グラフィックス 43" descr="植物 単色塗りつぶし">
+            <a:extLst>
+              <a:ext uri="{FF2B5EF4-FFF2-40B4-BE49-F238E27FC236}">
+                <a16:creationId xmlns:a16="http://schemas.microsoft.com/office/drawing/2014/main" id="{89916B5C-140F-D6D7-1637-78E3D96A4219}"/>
+              </a:ext>
+            </a:extLst>
+          </p:cNvPr>
+          <p:cNvPicPr>
+            <a:picLocks noChangeAspect="1"/>
+          </p:cNvPicPr>
+          <p:nvPr/>
+        </p:nvPicPr>
+        <p:blipFill>
+          <a:blip r:embed="rId2">
+            <a:extLst>
+              <a:ext uri="{28A0092B-C50C-407E-A947-70E740481C1C}">
+                <a14:useLocalDpi xmlns:a14="http://schemas.microsoft.com/office/drawing/2010/main" val="0"/>
+              </a:ext>
+              <a:ext uri="{96DAC541-7B7A-43D3-8B79-37D633B846F1}">
+                <asvg:svgBlip xmlns:asvg="http://schemas.microsoft.com/office/drawing/2016/SVG/main" r:embed="rId3"/>
+              </a:ext>
+            </a:extLst>
+          </a:blip>
+          <a:stretch>
+            <a:fillRect/>
+          </a:stretch>
+        </p:blipFill>
+        <p:spPr>
+          <a:xfrm>
+            <a:off x="727097" y="7099697"/>
+            <a:ext cx="665849" cy="665849"/>
+          </a:xfrm>
+          <a:prstGeom prst="rect">
+            <a:avLst/>
+          </a:prstGeom>
+        </p:spPr>
+      </p:pic>
+      <p:sp>
+        <p:nvSpPr>
+          <p:cNvPr id="61" name="楕円 60">
+            <a:extLst>
+              <a:ext uri="{FF2B5EF4-FFF2-40B4-BE49-F238E27FC236}">
+                <a16:creationId xmlns:a16="http://schemas.microsoft.com/office/drawing/2014/main" id="{044D019F-65AC-38C7-5422-C56AC13D7574}"/>
+              </a:ext>
+            </a:extLst>
+          </p:cNvPr>
+          <p:cNvSpPr>
+            <a:spLocks noChangeAspect="1"/>
+          </p:cNvSpPr>
+          <p:nvPr/>
+        </p:nvSpPr>
+        <p:spPr>
+          <a:xfrm>
+            <a:off x="1368377" y="6382539"/>
+            <a:ext cx="756000" cy="756000"/>
+          </a:xfrm>
+          <a:prstGeom prst="ellipse">
+            <a:avLst/>
+          </a:prstGeom>
+          <a:noFill/>
+          <a:ln w="28575">
+            <a:solidFill>
+              <a:srgbClr val="FF0000"/>
+            </a:solidFill>
+          </a:ln>
+        </p:spPr>
+        <p:style>
+          <a:lnRef idx="2">
+            <a:schemeClr val="accent1">
+              <a:shade val="15000"/>
+            </a:schemeClr>
+          </a:lnRef>
+          <a:fillRef idx="1">
+            <a:schemeClr val="accent1"/>
+          </a:fillRef>
+          <a:effectRef idx="0">
+            <a:schemeClr val="accent1"/>
+          </a:effectRef>
+          <a:fontRef idx="minor">
+            <a:schemeClr val="lt1"/>
+          </a:fontRef>
+        </p:style>
+        <p:txBody>
+          <a:bodyPr rtlCol="0" anchor="ctr"/>
+          <a:lstStyle/>
+          <a:p>
+            <a:pPr algn="ctr"/>
+            <a:endParaRPr kumimoji="1" lang="ja-JP" altLang="en-US"/>
+          </a:p>
+        </p:txBody>
+      </p:sp>
+      <p:sp>
+        <p:nvSpPr>
+          <p:cNvPr id="62" name="楕円 61">
+            <a:extLst>
+              <a:ext uri="{FF2B5EF4-FFF2-40B4-BE49-F238E27FC236}">
+                <a16:creationId xmlns:a16="http://schemas.microsoft.com/office/drawing/2014/main" id="{4B86C002-10A9-37B3-0B67-8084E0D67344}"/>
+              </a:ext>
+            </a:extLst>
+          </p:cNvPr>
+          <p:cNvSpPr>
+            <a:spLocks noChangeAspect="1"/>
+          </p:cNvSpPr>
+          <p:nvPr/>
+        </p:nvSpPr>
+        <p:spPr>
+          <a:xfrm>
+            <a:off x="1993184" y="7045781"/>
+            <a:ext cx="756000" cy="756000"/>
+          </a:xfrm>
+          <a:prstGeom prst="ellipse">
+            <a:avLst/>
+          </a:prstGeom>
+          <a:noFill/>
+          <a:ln w="28575">
+            <a:solidFill>
+              <a:srgbClr val="FF0000"/>
+            </a:solidFill>
+          </a:ln>
+        </p:spPr>
+        <p:style>
+          <a:lnRef idx="2">
+            <a:schemeClr val="accent1">
+              <a:shade val="15000"/>
+            </a:schemeClr>
+          </a:lnRef>
+          <a:fillRef idx="1">
+            <a:schemeClr val="accent1"/>
+          </a:fillRef>
+          <a:effectRef idx="0">
+            <a:schemeClr val="accent1"/>
+          </a:effectRef>
+          <a:fontRef idx="minor">
+            <a:schemeClr val="lt1"/>
+          </a:fontRef>
+        </p:style>
+        <p:txBody>
+          <a:bodyPr rtlCol="0" anchor="ctr"/>
+          <a:lstStyle/>
+          <a:p>
+            <a:pPr algn="ctr"/>
+            <a:endParaRPr kumimoji="1" lang="ja-JP" altLang="en-US"/>
+          </a:p>
+        </p:txBody>
+      </p:sp>
+      <p:sp>
+        <p:nvSpPr>
+          <p:cNvPr id="63" name="楕円 62">
+            <a:extLst>
+              <a:ext uri="{FF2B5EF4-FFF2-40B4-BE49-F238E27FC236}">
+                <a16:creationId xmlns:a16="http://schemas.microsoft.com/office/drawing/2014/main" id="{0154EACC-83D8-A7D1-6596-FE50CF338D2F}"/>
+              </a:ext>
+            </a:extLst>
+          </p:cNvPr>
+          <p:cNvSpPr>
+            <a:spLocks noChangeAspect="1"/>
+          </p:cNvSpPr>
+          <p:nvPr/>
+        </p:nvSpPr>
+        <p:spPr>
+          <a:xfrm>
+            <a:off x="1371690" y="7731634"/>
+            <a:ext cx="756000" cy="756000"/>
+          </a:xfrm>
+          <a:prstGeom prst="ellipse">
+            <a:avLst/>
+          </a:prstGeom>
+          <a:noFill/>
+          <a:ln w="28575">
+            <a:solidFill>
+              <a:srgbClr val="FF0000"/>
+            </a:solidFill>
+          </a:ln>
+        </p:spPr>
+        <p:style>
+          <a:lnRef idx="2">
+            <a:schemeClr val="accent1">
+              <a:shade val="15000"/>
+            </a:schemeClr>
+          </a:lnRef>
+          <a:fillRef idx="1">
+            <a:schemeClr val="accent1"/>
+          </a:fillRef>
+          <a:effectRef idx="0">
+            <a:schemeClr val="accent1"/>
+          </a:effectRef>
+          <a:fontRef idx="minor">
+            <a:schemeClr val="lt1"/>
+          </a:fontRef>
+        </p:style>
+        <p:txBody>
+          <a:bodyPr rtlCol="0" anchor="ctr"/>
+          <a:lstStyle/>
+          <a:p>
+            <a:pPr algn="ctr"/>
+            <a:endParaRPr kumimoji="1" lang="ja-JP" altLang="en-US"/>
+          </a:p>
+        </p:txBody>
+      </p:sp>
+      <p:cxnSp>
+        <p:nvCxnSpPr>
+          <p:cNvPr id="65" name="直線矢印コネクタ 64">
+            <a:extLst>
+              <a:ext uri="{FF2B5EF4-FFF2-40B4-BE49-F238E27FC236}">
+                <a16:creationId xmlns:a16="http://schemas.microsoft.com/office/drawing/2014/main" id="{CD982E2D-754D-93FF-3723-5F0EBBD87CFD}"/>
+              </a:ext>
+            </a:extLst>
+          </p:cNvPr>
+          <p:cNvCxnSpPr>
+            <a:cxnSpLocks/>
+            <a:stCxn id="62" idx="6"/>
+          </p:cNvCxnSpPr>
+          <p:nvPr/>
+        </p:nvCxnSpPr>
+        <p:spPr>
+          <a:xfrm>
+            <a:off x="2749184" y="7423781"/>
+            <a:ext cx="431896" cy="50074"/>
+          </a:xfrm>
+          <a:prstGeom prst="straightConnector1">
+            <a:avLst/>
+          </a:prstGeom>
+          <a:ln w="28575">
+            <a:solidFill>
+              <a:srgbClr val="FF0000"/>
+            </a:solidFill>
+            <a:tailEnd type="triangle"/>
+          </a:ln>
+        </p:spPr>
+        <p:style>
+          <a:lnRef idx="1">
+            <a:schemeClr val="accent1"/>
+          </a:lnRef>
+          <a:fillRef idx="0">
+            <a:schemeClr val="accent1"/>
+          </a:fillRef>
+          <a:effectRef idx="0">
+            <a:schemeClr val="accent1"/>
+          </a:effectRef>
+          <a:fontRef idx="minor">
+            <a:schemeClr val="tx1"/>
+          </a:fontRef>
+        </p:style>
+      </p:cxnSp>
+      <p:pic>
+        <p:nvPicPr>
+          <p:cNvPr id="67" name="図 66" descr="会社名 が含まれている画像&#10;&#10;自動的に生成された説明">
+            <a:extLst>
+              <a:ext uri="{FF2B5EF4-FFF2-40B4-BE49-F238E27FC236}">
+                <a16:creationId xmlns:a16="http://schemas.microsoft.com/office/drawing/2014/main" id="{A17C8FDB-492D-FE24-9F60-E3DBD04151B7}"/>
+              </a:ext>
+            </a:extLst>
+          </p:cNvPr>
+          <p:cNvPicPr>
+            <a:picLocks noChangeAspect="1"/>
+          </p:cNvPicPr>
+          <p:nvPr/>
+        </p:nvPicPr>
+        <p:blipFill rotWithShape="1">
+          <a:blip r:embed="rId6">
+            <a:grayscl/>
+            <a:extLst>
+              <a:ext uri="{28A0092B-C50C-407E-A947-70E740481C1C}">
+                <a14:useLocalDpi xmlns:a14="http://schemas.microsoft.com/office/drawing/2010/main" val="0"/>
+              </a:ext>
+            </a:extLst>
+          </a:blip>
+          <a:srcRect l="31833" r="32382"/>
+          <a:stretch/>
+        </p:blipFill>
+        <p:spPr>
+          <a:xfrm rot="2205768">
+            <a:off x="3436219" y="6586558"/>
+            <a:ext cx="330491" cy="646478"/>
+          </a:xfrm>
+          <a:prstGeom prst="rect">
+            <a:avLst/>
+          </a:prstGeom>
+        </p:spPr>
+      </p:pic>
+      <p:pic>
+        <p:nvPicPr>
+          <p:cNvPr id="68" name="図 67" descr="会社名 が含まれている画像&#10;&#10;自動的に生成された説明">
+            <a:extLst>
+              <a:ext uri="{FF2B5EF4-FFF2-40B4-BE49-F238E27FC236}">
+                <a16:creationId xmlns:a16="http://schemas.microsoft.com/office/drawing/2014/main" id="{8E9A1F8C-E1E3-7954-6556-DF19674EB163}"/>
+              </a:ext>
+            </a:extLst>
+          </p:cNvPr>
+          <p:cNvPicPr>
+            <a:picLocks noChangeAspect="1"/>
+          </p:cNvPicPr>
+          <p:nvPr/>
+        </p:nvPicPr>
+        <p:blipFill rotWithShape="1">
+          <a:blip r:embed="rId6">
+            <a:grayscl/>
+            <a:extLst>
+              <a:ext uri="{28A0092B-C50C-407E-A947-70E740481C1C}">
+                <a14:useLocalDpi xmlns:a14="http://schemas.microsoft.com/office/drawing/2010/main" val="0"/>
+              </a:ext>
+            </a:extLst>
+          </a:blip>
+          <a:srcRect l="31833" r="32382"/>
+          <a:stretch/>
+        </p:blipFill>
+        <p:spPr>
+          <a:xfrm rot="2205768">
+            <a:off x="3448159" y="7150616"/>
+            <a:ext cx="330491" cy="646478"/>
+          </a:xfrm>
+          <a:prstGeom prst="rect">
+            <a:avLst/>
+          </a:prstGeom>
+        </p:spPr>
+      </p:pic>
+      <p:pic>
+        <p:nvPicPr>
+          <p:cNvPr id="69" name="図 68" descr="会社名 が含まれている画像&#10;&#10;自動的に生成された説明">
+            <a:extLst>
+              <a:ext uri="{FF2B5EF4-FFF2-40B4-BE49-F238E27FC236}">
+                <a16:creationId xmlns:a16="http://schemas.microsoft.com/office/drawing/2014/main" id="{48DA2322-B4C7-D0A5-7FFC-CBA3A66F2A5C}"/>
+              </a:ext>
+            </a:extLst>
+          </p:cNvPr>
+          <p:cNvPicPr>
+            <a:picLocks noChangeAspect="1"/>
+          </p:cNvPicPr>
+          <p:nvPr/>
+        </p:nvPicPr>
+        <p:blipFill rotWithShape="1">
+          <a:blip r:embed="rId6">
+            <a:grayscl/>
+            <a:extLst>
+              <a:ext uri="{28A0092B-C50C-407E-A947-70E740481C1C}">
+                <a14:useLocalDpi xmlns:a14="http://schemas.microsoft.com/office/drawing/2010/main" val="0"/>
+              </a:ext>
+            </a:extLst>
+          </a:blip>
+          <a:srcRect l="31833" r="32382"/>
+          <a:stretch/>
+        </p:blipFill>
+        <p:spPr>
+          <a:xfrm rot="2205768">
+            <a:off x="3436218" y="7714674"/>
+            <a:ext cx="330491" cy="646478"/>
+          </a:xfrm>
+          <a:prstGeom prst="rect">
+            <a:avLst/>
+          </a:prstGeom>
+        </p:spPr>
+      </p:pic>
+      <p:sp>
+        <p:nvSpPr>
+          <p:cNvPr id="73" name="右中かっこ 72">
+            <a:extLst>
+              <a:ext uri="{FF2B5EF4-FFF2-40B4-BE49-F238E27FC236}">
+                <a16:creationId xmlns:a16="http://schemas.microsoft.com/office/drawing/2014/main" id="{33667B08-7D86-E88D-B811-486FF0649B97}"/>
+              </a:ext>
+            </a:extLst>
+          </p:cNvPr>
+          <p:cNvSpPr/>
+          <p:nvPr/>
+        </p:nvSpPr>
+        <p:spPr>
+          <a:xfrm>
+            <a:off x="3927305" y="6543213"/>
+            <a:ext cx="340006" cy="1761135"/>
+          </a:xfrm>
+          <a:prstGeom prst="rightBrace">
+            <a:avLst/>
+          </a:prstGeom>
+          <a:ln w="28575"/>
+        </p:spPr>
+        <p:style>
+          <a:lnRef idx="1">
+            <a:schemeClr val="dk1"/>
+          </a:lnRef>
+          <a:fillRef idx="0">
+            <a:schemeClr val="dk1"/>
+          </a:fillRef>
+          <a:effectRef idx="0">
+            <a:schemeClr val="dk1"/>
+          </a:effectRef>
+          <a:fontRef idx="minor">
+            <a:schemeClr val="tx1"/>
+          </a:fontRef>
+        </p:style>
+        <p:txBody>
+          <a:bodyPr rtlCol="0" anchor="ctr"/>
+          <a:lstStyle/>
+          <a:p>
+            <a:pPr algn="ctr"/>
+            <a:endParaRPr kumimoji="1" lang="ja-JP" altLang="en-US"/>
+          </a:p>
+        </p:txBody>
+      </p:sp>
+      <p:pic>
+        <p:nvPicPr>
+          <p:cNvPr id="74" name="図 73">
+            <a:extLst>
+              <a:ext uri="{FF2B5EF4-FFF2-40B4-BE49-F238E27FC236}">
+                <a16:creationId xmlns:a16="http://schemas.microsoft.com/office/drawing/2014/main" id="{696612D3-B62A-F72A-4638-A8F8E98D924F}"/>
+              </a:ext>
+            </a:extLst>
+          </p:cNvPr>
+          <p:cNvPicPr>
+            <a:picLocks noChangeAspect="1"/>
+          </p:cNvPicPr>
+          <p:nvPr/>
+        </p:nvPicPr>
+        <p:blipFill>
+          <a:blip r:embed="rId7">
+            <a:extLst>
+              <a:ext uri="{28A0092B-C50C-407E-A947-70E740481C1C}">
+                <a14:useLocalDpi xmlns:a14="http://schemas.microsoft.com/office/drawing/2010/main" val="0"/>
+              </a:ext>
+            </a:extLst>
+          </a:blip>
+          <a:stretch>
+            <a:fillRect/>
+          </a:stretch>
+        </p:blipFill>
+        <p:spPr>
+          <a:xfrm>
+            <a:off x="4308375" y="6977971"/>
+            <a:ext cx="419136" cy="891617"/>
+          </a:xfrm>
+          <a:prstGeom prst="rect">
+            <a:avLst/>
+          </a:prstGeom>
+        </p:spPr>
+      </p:pic>
+      <p:sp>
+        <p:nvSpPr>
+          <p:cNvPr id="75" name="テキスト ボックス 74">
+            <a:extLst>
+              <a:ext uri="{FF2B5EF4-FFF2-40B4-BE49-F238E27FC236}">
+                <a16:creationId xmlns:a16="http://schemas.microsoft.com/office/drawing/2014/main" id="{47934EA9-86E3-A1BD-FABD-721650EE2137}"/>
+              </a:ext>
+            </a:extLst>
+          </p:cNvPr>
+          <p:cNvSpPr txBox="1"/>
+          <p:nvPr/>
+        </p:nvSpPr>
+        <p:spPr>
+          <a:xfrm>
+            <a:off x="4082620" y="6418106"/>
+            <a:ext cx="911286" cy="584775"/>
+          </a:xfrm>
+          <a:prstGeom prst="rect">
+            <a:avLst/>
+          </a:prstGeom>
+          <a:noFill/>
+        </p:spPr>
+        <p:txBody>
+          <a:bodyPr wrap="square" rtlCol="0">
+            <a:spAutoFit/>
+          </a:bodyPr>
+          <a:lstStyle/>
+          <a:p>
+            <a:pPr algn="ctr"/>
+            <a:r>
+              <a:rPr kumimoji="1" lang="en-US" altLang="ja-JP" sz="1600" b="1" dirty="0"/>
+              <a:t>mixed</a:t>
+            </a:r>
+          </a:p>
+          <a:p>
+            <a:pPr algn="ctr"/>
+            <a:r>
+              <a:rPr kumimoji="1" lang="en-US" altLang="ja-JP" sz="1600" b="1" dirty="0"/>
+              <a:t>DNA</a:t>
+            </a:r>
+            <a:endParaRPr kumimoji="1" lang="ja-JP" altLang="en-US" sz="1600" b="1" dirty="0"/>
+          </a:p>
+        </p:txBody>
+      </p:sp>
+      <p:cxnSp>
+        <p:nvCxnSpPr>
+          <p:cNvPr id="76" name="直線矢印コネクタ 75">
+            <a:extLst>
+              <a:ext uri="{FF2B5EF4-FFF2-40B4-BE49-F238E27FC236}">
+                <a16:creationId xmlns:a16="http://schemas.microsoft.com/office/drawing/2014/main" id="{A34FBDAC-4772-80DD-5481-A16C64F4DDD9}"/>
+              </a:ext>
+            </a:extLst>
+          </p:cNvPr>
+          <p:cNvCxnSpPr>
+            <a:cxnSpLocks/>
+          </p:cNvCxnSpPr>
+          <p:nvPr/>
+        </p:nvCxnSpPr>
+        <p:spPr>
+          <a:xfrm>
+            <a:off x="4952999" y="7438165"/>
+            <a:ext cx="612000" cy="0"/>
+          </a:xfrm>
+          <a:prstGeom prst="straightConnector1">
+            <a:avLst/>
+          </a:prstGeom>
+          <a:ln w="38100">
+            <a:tailEnd type="triangle"/>
+          </a:ln>
+        </p:spPr>
+        <p:style>
+          <a:lnRef idx="1">
+            <a:schemeClr val="dk1"/>
+          </a:lnRef>
+          <a:fillRef idx="0">
+            <a:schemeClr val="dk1"/>
+          </a:fillRef>
+          <a:effectRef idx="0">
+            <a:schemeClr val="dk1"/>
+          </a:effectRef>
+          <a:fontRef idx="minor">
+            <a:schemeClr val="tx1"/>
+          </a:fontRef>
+        </p:style>
+      </p:cxnSp>
+      <p:sp>
+        <p:nvSpPr>
+          <p:cNvPr id="77" name="テキスト ボックス 76">
+            <a:extLst>
+              <a:ext uri="{FF2B5EF4-FFF2-40B4-BE49-F238E27FC236}">
+                <a16:creationId xmlns:a16="http://schemas.microsoft.com/office/drawing/2014/main" id="{7AB1A5C7-4FB7-EB5F-545C-61A51C238E5B}"/>
+              </a:ext>
+            </a:extLst>
+          </p:cNvPr>
+          <p:cNvSpPr txBox="1"/>
+          <p:nvPr/>
+        </p:nvSpPr>
+        <p:spPr>
+          <a:xfrm>
+            <a:off x="2993314" y="6176279"/>
+            <a:ext cx="1289516" cy="338554"/>
+          </a:xfrm>
+          <a:prstGeom prst="rect">
+            <a:avLst/>
+          </a:prstGeom>
+          <a:noFill/>
+        </p:spPr>
+        <p:txBody>
+          <a:bodyPr wrap="square" rtlCol="0">
+            <a:spAutoFit/>
+          </a:bodyPr>
+          <a:lstStyle/>
+          <a:p>
+            <a:pPr algn="ctr"/>
+            <a:r>
+              <a:rPr kumimoji="1" lang="en-US" altLang="ja-JP" sz="1600" b="1" dirty="0"/>
+              <a:t>Extract DNA</a:t>
+            </a:r>
+            <a:endParaRPr kumimoji="1" lang="ja-JP" altLang="en-US" sz="1600" b="1" dirty="0"/>
+          </a:p>
+        </p:txBody>
+      </p:sp>
+      <p:sp>
+        <p:nvSpPr>
+          <p:cNvPr id="94" name="テキスト ボックス 93">
+            <a:extLst>
+              <a:ext uri="{FF2B5EF4-FFF2-40B4-BE49-F238E27FC236}">
+                <a16:creationId xmlns:a16="http://schemas.microsoft.com/office/drawing/2014/main" id="{A6361DA8-081C-CDBA-F19A-EAD3AB84A793}"/>
+              </a:ext>
+            </a:extLst>
+          </p:cNvPr>
+          <p:cNvSpPr txBox="1"/>
+          <p:nvPr/>
+        </p:nvSpPr>
+        <p:spPr>
+          <a:xfrm>
+            <a:off x="251291" y="6219378"/>
+            <a:ext cx="705488" cy="2232021"/>
+          </a:xfrm>
+          <a:prstGeom prst="rect">
+            <a:avLst/>
+          </a:prstGeom>
+          <a:noFill/>
+        </p:spPr>
+        <p:txBody>
+          <a:bodyPr wrap="square" rtlCol="0">
+            <a:spAutoFit/>
+          </a:bodyPr>
+          <a:lstStyle/>
+          <a:p>
+            <a:pPr algn="ctr">
+              <a:lnSpc>
+                <a:spcPct val="150000"/>
+              </a:lnSpc>
+            </a:pPr>
+            <a:r>
+              <a:rPr kumimoji="1" lang="en-US" altLang="ja-JP" sz="3200" b="1" dirty="0"/>
+              <a:t>…</a:t>
+            </a:r>
+          </a:p>
+          <a:p>
+            <a:pPr algn="ctr">
+              <a:lnSpc>
+                <a:spcPct val="150000"/>
+              </a:lnSpc>
+            </a:pPr>
+            <a:r>
+              <a:rPr kumimoji="1" lang="en-US" altLang="ja-JP" sz="3200" b="1" dirty="0"/>
+              <a:t>…</a:t>
+            </a:r>
+          </a:p>
+          <a:p>
+            <a:pPr algn="ctr">
+              <a:lnSpc>
+                <a:spcPct val="150000"/>
+              </a:lnSpc>
+            </a:pPr>
+            <a:r>
+              <a:rPr kumimoji="1" lang="en-US" altLang="ja-JP" sz="3200" b="1" dirty="0"/>
+              <a:t>…</a:t>
+            </a:r>
+            <a:endParaRPr kumimoji="1" lang="ja-JP" altLang="en-US" sz="3200" b="1" dirty="0"/>
+          </a:p>
+        </p:txBody>
+      </p:sp>
+      <p:cxnSp>
+        <p:nvCxnSpPr>
+          <p:cNvPr id="95" name="直線矢印コネクタ 94">
+            <a:extLst>
+              <a:ext uri="{FF2B5EF4-FFF2-40B4-BE49-F238E27FC236}">
+                <a16:creationId xmlns:a16="http://schemas.microsoft.com/office/drawing/2014/main" id="{3B3C7261-9ECC-77D0-E831-D56322251A0A}"/>
+              </a:ext>
+            </a:extLst>
+          </p:cNvPr>
+          <p:cNvCxnSpPr>
+            <a:cxnSpLocks/>
+          </p:cNvCxnSpPr>
+          <p:nvPr/>
+        </p:nvCxnSpPr>
+        <p:spPr>
+          <a:xfrm>
+            <a:off x="2113052" y="6822890"/>
+            <a:ext cx="1068028" cy="86907"/>
+          </a:xfrm>
+          <a:prstGeom prst="straightConnector1">
+            <a:avLst/>
+          </a:prstGeom>
+          <a:ln w="28575">
+            <a:solidFill>
+              <a:srgbClr val="FF0000"/>
+            </a:solidFill>
+            <a:tailEnd type="triangle"/>
+          </a:ln>
+        </p:spPr>
+        <p:style>
+          <a:lnRef idx="1">
+            <a:schemeClr val="accent1"/>
+          </a:lnRef>
+          <a:fillRef idx="0">
+            <a:schemeClr val="accent1"/>
+          </a:fillRef>
+          <a:effectRef idx="0">
+            <a:schemeClr val="accent1"/>
+          </a:effectRef>
+          <a:fontRef idx="minor">
+            <a:schemeClr val="tx1"/>
+          </a:fontRef>
+        </p:style>
+      </p:cxnSp>
+      <p:cxnSp>
+        <p:nvCxnSpPr>
+          <p:cNvPr id="97" name="直線矢印コネクタ 96">
+            <a:extLst>
+              <a:ext uri="{FF2B5EF4-FFF2-40B4-BE49-F238E27FC236}">
+                <a16:creationId xmlns:a16="http://schemas.microsoft.com/office/drawing/2014/main" id="{C5BAADAF-6F8D-4BAB-4534-1BD46508BA84}"/>
+              </a:ext>
+            </a:extLst>
+          </p:cNvPr>
+          <p:cNvCxnSpPr>
+            <a:cxnSpLocks/>
+          </p:cNvCxnSpPr>
+          <p:nvPr/>
+        </p:nvCxnSpPr>
+        <p:spPr>
+          <a:xfrm flipV="1">
+            <a:off x="2124377" y="8037913"/>
+            <a:ext cx="1011157" cy="93758"/>
+          </a:xfrm>
+          <a:prstGeom prst="straightConnector1">
+            <a:avLst/>
+          </a:prstGeom>
+          <a:ln w="28575">
+            <a:solidFill>
+              <a:srgbClr val="FF0000"/>
+            </a:solidFill>
+            <a:tailEnd type="triangle"/>
+          </a:ln>
+        </p:spPr>
+        <p:style>
+          <a:lnRef idx="1">
+            <a:schemeClr val="accent1"/>
+          </a:lnRef>
+          <a:fillRef idx="0">
+            <a:schemeClr val="accent1"/>
+          </a:fillRef>
+          <a:effectRef idx="0">
+            <a:schemeClr val="accent1"/>
+          </a:effectRef>
+          <a:fontRef idx="minor">
+            <a:schemeClr val="tx1"/>
+          </a:fontRef>
+        </p:style>
+      </p:cxnSp>
+      <p:sp>
+        <p:nvSpPr>
+          <p:cNvPr id="100" name="テキスト ボックス 99">
+            <a:extLst>
+              <a:ext uri="{FF2B5EF4-FFF2-40B4-BE49-F238E27FC236}">
+                <a16:creationId xmlns:a16="http://schemas.microsoft.com/office/drawing/2014/main" id="{8C57683E-F78E-23C8-4853-DD120913B016}"/>
+              </a:ext>
+            </a:extLst>
+          </p:cNvPr>
+          <p:cNvSpPr txBox="1"/>
+          <p:nvPr/>
+        </p:nvSpPr>
+        <p:spPr>
+          <a:xfrm>
+            <a:off x="5500958" y="7254502"/>
+            <a:ext cx="1357042" cy="338554"/>
+          </a:xfrm>
+          <a:prstGeom prst="rect">
+            <a:avLst/>
+          </a:prstGeom>
+          <a:noFill/>
+        </p:spPr>
+        <p:txBody>
+          <a:bodyPr wrap="square" rtlCol="0">
+            <a:spAutoFit/>
+          </a:bodyPr>
+          <a:lstStyle/>
+          <a:p>
+            <a:pPr algn="ctr"/>
+            <a:r>
+              <a:rPr kumimoji="1" lang="en-US" altLang="ja-JP" sz="1600" b="1" dirty="0"/>
+              <a:t>Sequencing</a:t>
+            </a:r>
+            <a:endParaRPr kumimoji="1" lang="ja-JP" altLang="en-US" sz="1600" b="1" dirty="0"/>
           </a:p>
         </p:txBody>
       </p:sp>

--- a/FAO_2024/mutmapqtlseq.pptx
+++ b/FAO_2024/mutmapqtlseq.pptx
@@ -6184,7 +6184,7 @@
         </p:blipFill>
         <p:spPr>
           <a:xfrm>
-            <a:off x="3001318" y="2196758"/>
+            <a:off x="2018863" y="2165227"/>
             <a:ext cx="990686" cy="2019475"/>
           </a:xfrm>
           <a:prstGeom prst="rect">
@@ -6228,7 +6228,7 @@
         </p:blipFill>
         <p:spPr>
           <a:xfrm>
-            <a:off x="1206444" y="1974233"/>
+            <a:off x="-606591" y="1942702"/>
             <a:ext cx="665849" cy="665849"/>
           </a:xfrm>
           <a:prstGeom prst="rect">
@@ -6267,7 +6267,7 @@
         </p:blipFill>
         <p:spPr>
           <a:xfrm>
-            <a:off x="1206444" y="3107063"/>
+            <a:off x="-606591" y="3075532"/>
             <a:ext cx="665849" cy="665849"/>
           </a:xfrm>
           <a:prstGeom prst="rect">
@@ -6306,7 +6306,7 @@
         </p:blipFill>
         <p:spPr>
           <a:xfrm>
-            <a:off x="1206444" y="2540647"/>
+            <a:off x="-606591" y="2509116"/>
             <a:ext cx="665849" cy="665849"/>
           </a:xfrm>
           <a:prstGeom prst="rect">
@@ -6328,7 +6328,7 @@
         </p:nvSpPr>
         <p:spPr>
           <a:xfrm>
-            <a:off x="-1348" y="2267018"/>
+            <a:off x="-1814383" y="2235487"/>
             <a:ext cx="1224000" cy="210916"/>
           </a:xfrm>
           <a:prstGeom prst="wedgeRoundRectCallout">
@@ -6399,7 +6399,7 @@
         </p:blipFill>
         <p:spPr>
           <a:xfrm>
-            <a:off x="1206444" y="3673477"/>
+            <a:off x="-606591" y="3641946"/>
             <a:ext cx="665849" cy="665849"/>
           </a:xfrm>
           <a:prstGeom prst="rect">
@@ -6421,7 +6421,7 @@
         </p:nvSpPr>
         <p:spPr>
           <a:xfrm>
-            <a:off x="-1348" y="2825040"/>
+            <a:off x="-1814383" y="2793509"/>
             <a:ext cx="1224000" cy="210916"/>
           </a:xfrm>
           <a:prstGeom prst="wedgeRoundRectCallout">
@@ -6487,7 +6487,7 @@
         </p:nvSpPr>
         <p:spPr>
           <a:xfrm>
-            <a:off x="-1348" y="3383062"/>
+            <a:off x="-1814383" y="3351531"/>
             <a:ext cx="1224000" cy="210916"/>
           </a:xfrm>
           <a:prstGeom prst="wedgeRoundRectCallout">
@@ -6541,7 +6541,7 @@
         </p:nvSpPr>
         <p:spPr>
           <a:xfrm>
-            <a:off x="-1348" y="3941083"/>
+            <a:off x="-1814383" y="3909552"/>
             <a:ext cx="1224000" cy="210916"/>
           </a:xfrm>
           <a:prstGeom prst="wedgeRoundRectCallout">
@@ -6607,7 +6607,7 @@
         </p:nvSpPr>
         <p:spPr>
           <a:xfrm>
-            <a:off x="100688" y="1937825"/>
+            <a:off x="-1712347" y="1906294"/>
             <a:ext cx="990686" cy="369332"/>
           </a:xfrm>
           <a:prstGeom prst="rect">
@@ -6644,7 +6644,7 @@
         </p:nvSpPr>
         <p:spPr>
           <a:xfrm>
-            <a:off x="100688" y="2482467"/>
+            <a:off x="-1712347" y="2450936"/>
             <a:ext cx="990686" cy="369332"/>
           </a:xfrm>
           <a:prstGeom prst="rect">
@@ -6681,7 +6681,7 @@
         </p:nvSpPr>
         <p:spPr>
           <a:xfrm>
-            <a:off x="100688" y="3027109"/>
+            <a:off x="-1712347" y="2995578"/>
             <a:ext cx="990686" cy="369332"/>
           </a:xfrm>
           <a:prstGeom prst="rect">
@@ -6718,7 +6718,7 @@
         </p:nvSpPr>
         <p:spPr>
           <a:xfrm>
-            <a:off x="113723" y="3571751"/>
+            <a:off x="-1699312" y="3540220"/>
             <a:ext cx="990686" cy="369332"/>
           </a:xfrm>
           <a:prstGeom prst="rect">
@@ -6757,7 +6757,7 @@
         </p:nvCxnSpPr>
         <p:spPr>
           <a:xfrm>
-            <a:off x="1872293" y="2307157"/>
+            <a:off x="889838" y="2275626"/>
             <a:ext cx="1129025" cy="899339"/>
           </a:xfrm>
           <a:prstGeom prst="straightConnector1">
@@ -6798,7 +6798,7 @@
         </p:nvCxnSpPr>
         <p:spPr>
           <a:xfrm>
-            <a:off x="1874035" y="2310434"/>
+            <a:off x="891580" y="2278903"/>
             <a:ext cx="1127283" cy="1047422"/>
           </a:xfrm>
           <a:prstGeom prst="straightConnector1">
@@ -6839,7 +6839,7 @@
         </p:nvCxnSpPr>
         <p:spPr>
           <a:xfrm>
-            <a:off x="1872293" y="2930498"/>
+            <a:off x="889838" y="2898967"/>
             <a:ext cx="1112817" cy="558022"/>
           </a:xfrm>
           <a:prstGeom prst="straightConnector1">
@@ -6880,7 +6880,7 @@
         </p:nvCxnSpPr>
         <p:spPr>
           <a:xfrm flipV="1">
-            <a:off x="1872293" y="3593978"/>
+            <a:off x="889838" y="3562447"/>
             <a:ext cx="1294770" cy="452563"/>
           </a:xfrm>
           <a:prstGeom prst="straightConnector1">
@@ -6921,7 +6921,7 @@
         </p:nvCxnSpPr>
         <p:spPr>
           <a:xfrm>
-            <a:off x="1888501" y="3496912"/>
+            <a:off x="906046" y="3465381"/>
             <a:ext cx="1111075" cy="227730"/>
           </a:xfrm>
           <a:prstGeom prst="straightConnector1">
@@ -6960,7 +6960,7 @@
         </p:nvSpPr>
         <p:spPr>
           <a:xfrm>
-            <a:off x="263106" y="4238152"/>
+            <a:off x="-1549929" y="4206621"/>
             <a:ext cx="665849" cy="400110"/>
           </a:xfrm>
           <a:prstGeom prst="rect">
@@ -6997,7 +6997,7 @@
         </p:nvSpPr>
         <p:spPr>
           <a:xfrm>
-            <a:off x="1221967" y="4238152"/>
+            <a:off x="-591068" y="4206621"/>
             <a:ext cx="665849" cy="400110"/>
           </a:xfrm>
           <a:prstGeom prst="rect">
@@ -7034,7 +7034,7 @@
         </p:nvSpPr>
         <p:spPr>
           <a:xfrm>
-            <a:off x="2037307" y="4238152"/>
+            <a:off x="1054852" y="4206621"/>
             <a:ext cx="665849" cy="400110"/>
           </a:xfrm>
           <a:prstGeom prst="rect">
@@ -7054,6 +7054,529 @@
               <a:t>…</a:t>
             </a:r>
             <a:endParaRPr kumimoji="1" lang="ja-JP" altLang="en-US" sz="2000" dirty="0"/>
+          </a:p>
+        </p:txBody>
+      </p:sp>
+      <p:pic>
+        <p:nvPicPr>
+          <p:cNvPr id="3" name="図 2" descr="タイムライン が含まれている画像&#10;&#10;自動的に生成された説明">
+            <a:extLst>
+              <a:ext uri="{FF2B5EF4-FFF2-40B4-BE49-F238E27FC236}">
+                <a16:creationId xmlns:a16="http://schemas.microsoft.com/office/drawing/2014/main" id="{ED9E5B0E-1F33-65CA-9D31-E8EAFC0167C9}"/>
+              </a:ext>
+            </a:extLst>
+          </p:cNvPr>
+          <p:cNvPicPr>
+            <a:picLocks noChangeAspect="1"/>
+          </p:cNvPicPr>
+          <p:nvPr/>
+        </p:nvPicPr>
+        <p:blipFill>
+          <a:blip r:embed="rId5">
+            <a:extLst>
+              <a:ext uri="{28A0092B-C50C-407E-A947-70E740481C1C}">
+                <a14:useLocalDpi xmlns:a14="http://schemas.microsoft.com/office/drawing/2010/main" val="0"/>
+              </a:ext>
+            </a:extLst>
+          </a:blip>
+          <a:stretch>
+            <a:fillRect/>
+          </a:stretch>
+        </p:blipFill>
+        <p:spPr>
+          <a:xfrm>
+            <a:off x="4051935" y="2174206"/>
+            <a:ext cx="1044030" cy="1844200"/>
+          </a:xfrm>
+          <a:prstGeom prst="rect">
+            <a:avLst/>
+          </a:prstGeom>
+          <a:ln>
+            <a:solidFill>
+              <a:schemeClr val="tx1"/>
+            </a:solidFill>
+          </a:ln>
+        </p:spPr>
+      </p:pic>
+      <p:pic>
+        <p:nvPicPr>
+          <p:cNvPr id="4" name="図 3" descr="会社名 が含まれている画像&#10;&#10;自動的に生成された説明">
+            <a:extLst>
+              <a:ext uri="{FF2B5EF4-FFF2-40B4-BE49-F238E27FC236}">
+                <a16:creationId xmlns:a16="http://schemas.microsoft.com/office/drawing/2014/main" id="{242783EA-92F6-10BA-7456-226B86EC1602}"/>
+              </a:ext>
+            </a:extLst>
+          </p:cNvPr>
+          <p:cNvPicPr>
+            <a:picLocks noChangeAspect="1"/>
+          </p:cNvPicPr>
+          <p:nvPr/>
+        </p:nvPicPr>
+        <p:blipFill rotWithShape="1">
+          <a:blip r:embed="rId6">
+            <a:grayscl/>
+            <a:extLst>
+              <a:ext uri="{28A0092B-C50C-407E-A947-70E740481C1C}">
+                <a14:useLocalDpi xmlns:a14="http://schemas.microsoft.com/office/drawing/2010/main" val="0"/>
+              </a:ext>
+            </a:extLst>
+          </a:blip>
+          <a:srcRect l="31833" r="32382"/>
+          <a:stretch/>
+        </p:blipFill>
+        <p:spPr>
+          <a:xfrm rot="2205768">
+            <a:off x="253411" y="1988303"/>
+            <a:ext cx="330491" cy="646478"/>
+          </a:xfrm>
+          <a:prstGeom prst="rect">
+            <a:avLst/>
+          </a:prstGeom>
+        </p:spPr>
+      </p:pic>
+      <p:pic>
+        <p:nvPicPr>
+          <p:cNvPr id="10" name="図 9" descr="会社名 が含まれている画像&#10;&#10;自動的に生成された説明">
+            <a:extLst>
+              <a:ext uri="{FF2B5EF4-FFF2-40B4-BE49-F238E27FC236}">
+                <a16:creationId xmlns:a16="http://schemas.microsoft.com/office/drawing/2014/main" id="{6F88C959-47DB-B2D8-E789-1AE8F6AE5AED}"/>
+              </a:ext>
+            </a:extLst>
+          </p:cNvPr>
+          <p:cNvPicPr>
+            <a:picLocks noChangeAspect="1"/>
+          </p:cNvPicPr>
+          <p:nvPr/>
+        </p:nvPicPr>
+        <p:blipFill rotWithShape="1">
+          <a:blip r:embed="rId6">
+            <a:grayscl/>
+            <a:extLst>
+              <a:ext uri="{28A0092B-C50C-407E-A947-70E740481C1C}">
+                <a14:useLocalDpi xmlns:a14="http://schemas.microsoft.com/office/drawing/2010/main" val="0"/>
+              </a:ext>
+            </a:extLst>
+          </a:blip>
+          <a:srcRect l="31833" r="32382"/>
+          <a:stretch/>
+        </p:blipFill>
+        <p:spPr>
+          <a:xfrm rot="2205768">
+            <a:off x="265351" y="2552361"/>
+            <a:ext cx="330491" cy="646478"/>
+          </a:xfrm>
+          <a:prstGeom prst="rect">
+            <a:avLst/>
+          </a:prstGeom>
+        </p:spPr>
+      </p:pic>
+      <p:pic>
+        <p:nvPicPr>
+          <p:cNvPr id="11" name="図 10" descr="会社名 が含まれている画像&#10;&#10;自動的に生成された説明">
+            <a:extLst>
+              <a:ext uri="{FF2B5EF4-FFF2-40B4-BE49-F238E27FC236}">
+                <a16:creationId xmlns:a16="http://schemas.microsoft.com/office/drawing/2014/main" id="{983092CD-F572-2BAD-E3D5-0759C89F1AB6}"/>
+              </a:ext>
+            </a:extLst>
+          </p:cNvPr>
+          <p:cNvPicPr>
+            <a:picLocks noChangeAspect="1"/>
+          </p:cNvPicPr>
+          <p:nvPr/>
+        </p:nvPicPr>
+        <p:blipFill rotWithShape="1">
+          <a:blip r:embed="rId6">
+            <a:grayscl/>
+            <a:extLst>
+              <a:ext uri="{28A0092B-C50C-407E-A947-70E740481C1C}">
+                <a14:useLocalDpi xmlns:a14="http://schemas.microsoft.com/office/drawing/2010/main" val="0"/>
+              </a:ext>
+            </a:extLst>
+          </a:blip>
+          <a:srcRect l="31833" r="32382"/>
+          <a:stretch/>
+        </p:blipFill>
+        <p:spPr>
+          <a:xfrm rot="2205768">
+            <a:off x="253410" y="3116419"/>
+            <a:ext cx="330491" cy="646478"/>
+          </a:xfrm>
+          <a:prstGeom prst="rect">
+            <a:avLst/>
+          </a:prstGeom>
+        </p:spPr>
+      </p:pic>
+      <p:pic>
+        <p:nvPicPr>
+          <p:cNvPr id="20" name="図 19" descr="会社名 が含まれている画像&#10;&#10;自動的に生成された説明">
+            <a:extLst>
+              <a:ext uri="{FF2B5EF4-FFF2-40B4-BE49-F238E27FC236}">
+                <a16:creationId xmlns:a16="http://schemas.microsoft.com/office/drawing/2014/main" id="{FB31DEF2-3FCF-7ABA-FD75-E765A167F8BF}"/>
+              </a:ext>
+            </a:extLst>
+          </p:cNvPr>
+          <p:cNvPicPr>
+            <a:picLocks noChangeAspect="1"/>
+          </p:cNvPicPr>
+          <p:nvPr/>
+        </p:nvPicPr>
+        <p:blipFill rotWithShape="1">
+          <a:blip r:embed="rId6">
+            <a:grayscl/>
+            <a:extLst>
+              <a:ext uri="{28A0092B-C50C-407E-A947-70E740481C1C}">
+                <a14:useLocalDpi xmlns:a14="http://schemas.microsoft.com/office/drawing/2010/main" val="0"/>
+              </a:ext>
+            </a:extLst>
+          </a:blip>
+          <a:srcRect l="31833" r="32382"/>
+          <a:stretch/>
+        </p:blipFill>
+        <p:spPr>
+          <a:xfrm rot="2205768">
+            <a:off x="253411" y="3676561"/>
+            <a:ext cx="330491" cy="646478"/>
+          </a:xfrm>
+          <a:prstGeom prst="rect">
+            <a:avLst/>
+          </a:prstGeom>
+        </p:spPr>
+      </p:pic>
+      <p:sp>
+        <p:nvSpPr>
+          <p:cNvPr id="23" name="テキスト ボックス 22">
+            <a:extLst>
+              <a:ext uri="{FF2B5EF4-FFF2-40B4-BE49-F238E27FC236}">
+                <a16:creationId xmlns:a16="http://schemas.microsoft.com/office/drawing/2014/main" id="{5AC5F906-B38A-1018-8EC7-57D5E3705A5E}"/>
+              </a:ext>
+            </a:extLst>
+          </p:cNvPr>
+          <p:cNvSpPr txBox="1"/>
+          <p:nvPr/>
+        </p:nvSpPr>
+        <p:spPr>
+          <a:xfrm>
+            <a:off x="-423717" y="1239653"/>
+            <a:ext cx="2039643" cy="338554"/>
+          </a:xfrm>
+          <a:prstGeom prst="rect">
+            <a:avLst/>
+          </a:prstGeom>
+          <a:noFill/>
+        </p:spPr>
+        <p:txBody>
+          <a:bodyPr wrap="square" rtlCol="0">
+            <a:spAutoFit/>
+          </a:bodyPr>
+          <a:lstStyle/>
+          <a:p>
+            <a:pPr algn="ctr"/>
+            <a:r>
+              <a:rPr kumimoji="1" lang="en-US" altLang="ja-JP" sz="1600" b="1" dirty="0"/>
+              <a:t>Bulked sequencing</a:t>
+            </a:r>
+            <a:endParaRPr kumimoji="1" lang="ja-JP" altLang="en-US" sz="1600" b="1" dirty="0"/>
+          </a:p>
+        </p:txBody>
+      </p:sp>
+      <p:sp>
+        <p:nvSpPr>
+          <p:cNvPr id="24" name="テキスト ボックス 23">
+            <a:extLst>
+              <a:ext uri="{FF2B5EF4-FFF2-40B4-BE49-F238E27FC236}">
+                <a16:creationId xmlns:a16="http://schemas.microsoft.com/office/drawing/2014/main" id="{1252F04E-247B-61A0-94CA-86F7B0FF967A}"/>
+              </a:ext>
+            </a:extLst>
+          </p:cNvPr>
+          <p:cNvSpPr txBox="1"/>
+          <p:nvPr/>
+        </p:nvSpPr>
+        <p:spPr>
+          <a:xfrm>
+            <a:off x="4916850" y="1239653"/>
+            <a:ext cx="2455500" cy="338554"/>
+          </a:xfrm>
+          <a:prstGeom prst="rect">
+            <a:avLst/>
+          </a:prstGeom>
+          <a:noFill/>
+        </p:spPr>
+        <p:txBody>
+          <a:bodyPr wrap="square" rtlCol="0">
+            <a:spAutoFit/>
+          </a:bodyPr>
+          <a:lstStyle/>
+          <a:p>
+            <a:pPr algn="ctr"/>
+            <a:r>
+              <a:rPr kumimoji="1" lang="en-US" altLang="ja-JP" sz="1600" b="1" dirty="0"/>
+              <a:t>c.f.) Sequencing 1 sample </a:t>
+            </a:r>
+            <a:endParaRPr kumimoji="1" lang="ja-JP" altLang="en-US" sz="1600" b="1" dirty="0"/>
+          </a:p>
+        </p:txBody>
+      </p:sp>
+      <p:pic>
+        <p:nvPicPr>
+          <p:cNvPr id="25" name="グラフィックス 24" descr="植物 単色塗りつぶし">
+            <a:extLst>
+              <a:ext uri="{FF2B5EF4-FFF2-40B4-BE49-F238E27FC236}">
+                <a16:creationId xmlns:a16="http://schemas.microsoft.com/office/drawing/2014/main" id="{F1A77CFB-60B7-83B0-22EB-87AB596D871C}"/>
+              </a:ext>
+            </a:extLst>
+          </p:cNvPr>
+          <p:cNvPicPr>
+            <a:picLocks noChangeAspect="1"/>
+          </p:cNvPicPr>
+          <p:nvPr/>
+        </p:nvPicPr>
+        <p:blipFill>
+          <a:blip r:embed="rId3">
+            <a:extLst>
+              <a:ext uri="{28A0092B-C50C-407E-A947-70E740481C1C}">
+                <a14:useLocalDpi xmlns:a14="http://schemas.microsoft.com/office/drawing/2010/main" val="0"/>
+              </a:ext>
+              <a:ext uri="{96DAC541-7B7A-43D3-8B79-37D633B846F1}">
+                <asvg:svgBlip xmlns:asvg="http://schemas.microsoft.com/office/drawing/2016/SVG/main" r:embed="rId4"/>
+              </a:ext>
+            </a:extLst>
+          </a:blip>
+          <a:stretch>
+            <a:fillRect/>
+          </a:stretch>
+        </p:blipFill>
+        <p:spPr>
+          <a:xfrm>
+            <a:off x="6134689" y="3300667"/>
+            <a:ext cx="665849" cy="665849"/>
+          </a:xfrm>
+          <a:prstGeom prst="rect">
+            <a:avLst/>
+          </a:prstGeom>
+        </p:spPr>
+      </p:pic>
+      <p:sp>
+        <p:nvSpPr>
+          <p:cNvPr id="27" name="吹き出し: 角を丸めた四角形 26">
+            <a:extLst>
+              <a:ext uri="{FF2B5EF4-FFF2-40B4-BE49-F238E27FC236}">
+                <a16:creationId xmlns:a16="http://schemas.microsoft.com/office/drawing/2014/main" id="{FACEF3E9-3EED-B785-12DA-8DFDB75CFF90}"/>
+              </a:ext>
+            </a:extLst>
+          </p:cNvPr>
+          <p:cNvSpPr/>
+          <p:nvPr/>
+        </p:nvSpPr>
+        <p:spPr>
+          <a:xfrm>
+            <a:off x="6765185" y="3587653"/>
+            <a:ext cx="1224000" cy="210916"/>
+          </a:xfrm>
+          <a:prstGeom prst="wedgeRoundRectCallout">
+            <a:avLst>
+              <a:gd name="adj1" fmla="val 20430"/>
+              <a:gd name="adj2" fmla="val -48994"/>
+              <a:gd name="adj3" fmla="val 16667"/>
+            </a:avLst>
+          </a:prstGeom>
+        </p:spPr>
+        <p:style>
+          <a:lnRef idx="2">
+            <a:schemeClr val="dk1">
+              <a:shade val="50000"/>
+            </a:schemeClr>
+          </a:lnRef>
+          <a:fillRef idx="1">
+            <a:schemeClr val="dk1"/>
+          </a:fillRef>
+          <a:effectRef idx="0">
+            <a:schemeClr val="dk1"/>
+          </a:effectRef>
+          <a:fontRef idx="minor">
+            <a:schemeClr val="lt1"/>
+          </a:fontRef>
+        </p:style>
+        <p:txBody>
+          <a:bodyPr rtlCol="0" anchor="ctr"/>
+          <a:lstStyle/>
+          <a:p>
+            <a:pPr algn="ctr"/>
+            <a:r>
+              <a:rPr kumimoji="1" lang="en-US" altLang="ja-JP" dirty="0"/>
+              <a:t>…GT</a:t>
+            </a:r>
+            <a:r>
+              <a:rPr kumimoji="1" lang="en-US" altLang="ja-JP" dirty="0">
+                <a:solidFill>
+                  <a:srgbClr val="FF0000"/>
+                </a:solidFill>
+              </a:rPr>
+              <a:t>C</a:t>
+            </a:r>
+            <a:r>
+              <a:rPr kumimoji="1" lang="en-US" altLang="ja-JP" dirty="0"/>
+              <a:t>GA…</a:t>
+            </a:r>
+            <a:endParaRPr kumimoji="1" lang="ja-JP" altLang="en-US" dirty="0"/>
+          </a:p>
+        </p:txBody>
+      </p:sp>
+      <p:sp>
+        <p:nvSpPr>
+          <p:cNvPr id="28" name="テキスト ボックス 27">
+            <a:extLst>
+              <a:ext uri="{FF2B5EF4-FFF2-40B4-BE49-F238E27FC236}">
+                <a16:creationId xmlns:a16="http://schemas.microsoft.com/office/drawing/2014/main" id="{C8CEAD32-A115-92EA-A2F4-7F4119298448}"/>
+              </a:ext>
+            </a:extLst>
+          </p:cNvPr>
+          <p:cNvSpPr txBox="1"/>
+          <p:nvPr/>
+        </p:nvSpPr>
+        <p:spPr>
+          <a:xfrm>
+            <a:off x="6867221" y="3245080"/>
+            <a:ext cx="990686" cy="369332"/>
+          </a:xfrm>
+          <a:prstGeom prst="rect">
+            <a:avLst/>
+          </a:prstGeom>
+          <a:noFill/>
+        </p:spPr>
+        <p:txBody>
+          <a:bodyPr wrap="square" rtlCol="0">
+            <a:spAutoFit/>
+          </a:bodyPr>
+          <a:lstStyle/>
+          <a:p>
+            <a:pPr algn="ctr"/>
+            <a:r>
+              <a:rPr kumimoji="1" lang="en-US" altLang="ja-JP" dirty="0"/>
+              <a:t>Sample</a:t>
+            </a:r>
+            <a:endParaRPr kumimoji="1" lang="ja-JP" altLang="en-US" dirty="0"/>
+          </a:p>
+        </p:txBody>
+      </p:sp>
+      <p:pic>
+        <p:nvPicPr>
+          <p:cNvPr id="30" name="図 29" descr="会社名 が含まれている画像&#10;&#10;自動的に生成された説明">
+            <a:extLst>
+              <a:ext uri="{FF2B5EF4-FFF2-40B4-BE49-F238E27FC236}">
+                <a16:creationId xmlns:a16="http://schemas.microsoft.com/office/drawing/2014/main" id="{B0A85C13-FC88-79B5-8ABA-31278E6E2360}"/>
+              </a:ext>
+            </a:extLst>
+          </p:cNvPr>
+          <p:cNvPicPr>
+            <a:picLocks noChangeAspect="1"/>
+          </p:cNvPicPr>
+          <p:nvPr/>
+        </p:nvPicPr>
+        <p:blipFill rotWithShape="1">
+          <a:blip r:embed="rId6">
+            <a:grayscl/>
+            <a:extLst>
+              <a:ext uri="{28A0092B-C50C-407E-A947-70E740481C1C}">
+                <a14:useLocalDpi xmlns:a14="http://schemas.microsoft.com/office/drawing/2010/main" val="0"/>
+              </a:ext>
+            </a:extLst>
+          </a:blip>
+          <a:srcRect l="31833" r="32382"/>
+          <a:stretch/>
+        </p:blipFill>
+        <p:spPr>
+          <a:xfrm rot="2205768">
+            <a:off x="5773198" y="3310352"/>
+            <a:ext cx="330491" cy="646478"/>
+          </a:xfrm>
+          <a:prstGeom prst="rect">
+            <a:avLst/>
+          </a:prstGeom>
+        </p:spPr>
+      </p:pic>
+      <p:cxnSp>
+        <p:nvCxnSpPr>
+          <p:cNvPr id="31" name="直線矢印コネクタ 30">
+            <a:extLst>
+              <a:ext uri="{FF2B5EF4-FFF2-40B4-BE49-F238E27FC236}">
+                <a16:creationId xmlns:a16="http://schemas.microsoft.com/office/drawing/2014/main" id="{6F6E3F27-03B9-A5E7-1D23-40AE75DF6B54}"/>
+              </a:ext>
+            </a:extLst>
+          </p:cNvPr>
+          <p:cNvCxnSpPr>
+            <a:cxnSpLocks/>
+          </p:cNvCxnSpPr>
+          <p:nvPr/>
+        </p:nvCxnSpPr>
+        <p:spPr>
+          <a:xfrm flipH="1">
+            <a:off x="5437533" y="3598382"/>
+            <a:ext cx="252000" cy="0"/>
+          </a:xfrm>
+          <a:prstGeom prst="straightConnector1">
+            <a:avLst/>
+          </a:prstGeom>
+          <a:ln w="19050">
+            <a:tailEnd type="triangle"/>
+          </a:ln>
+        </p:spPr>
+        <p:style>
+          <a:lnRef idx="1">
+            <a:schemeClr val="dk1"/>
+          </a:lnRef>
+          <a:fillRef idx="0">
+            <a:schemeClr val="dk1"/>
+          </a:fillRef>
+          <a:effectRef idx="0">
+            <a:schemeClr val="dk1"/>
+          </a:effectRef>
+          <a:fontRef idx="minor">
+            <a:schemeClr val="tx1"/>
+          </a:fontRef>
+        </p:style>
+      </p:cxnSp>
+      <p:sp>
+        <p:nvSpPr>
+          <p:cNvPr id="35" name="右中かっこ 34">
+            <a:extLst>
+              <a:ext uri="{FF2B5EF4-FFF2-40B4-BE49-F238E27FC236}">
+                <a16:creationId xmlns:a16="http://schemas.microsoft.com/office/drawing/2014/main" id="{D77F44C8-7F85-18B6-BB7F-2FBFAFCC04BC}"/>
+              </a:ext>
+            </a:extLst>
+          </p:cNvPr>
+          <p:cNvSpPr/>
+          <p:nvPr/>
+        </p:nvSpPr>
+        <p:spPr>
+          <a:xfrm>
+            <a:off x="5095965" y="3174964"/>
+            <a:ext cx="279266" cy="840046"/>
+          </a:xfrm>
+          <a:prstGeom prst="rightBrace">
+            <a:avLst/>
+          </a:prstGeom>
+          <a:ln w="19050"/>
+        </p:spPr>
+        <p:style>
+          <a:lnRef idx="1">
+            <a:schemeClr val="dk1"/>
+          </a:lnRef>
+          <a:fillRef idx="0">
+            <a:schemeClr val="dk1"/>
+          </a:fillRef>
+          <a:effectRef idx="0">
+            <a:schemeClr val="dk1"/>
+          </a:effectRef>
+          <a:fontRef idx="minor">
+            <a:schemeClr val="tx1"/>
+          </a:fontRef>
+        </p:style>
+        <p:txBody>
+          <a:bodyPr rtlCol="0" anchor="ctr"/>
+          <a:lstStyle/>
+          <a:p>
+            <a:pPr algn="ctr"/>
+            <a:endParaRPr kumimoji="1" lang="ja-JP" altLang="en-US"/>
           </a:p>
         </p:txBody>
       </p:sp>

--- a/FAO_2024/mutmapqtlseq.pptx
+++ b/FAO_2024/mutmapqtlseq.pptx
@@ -6156,6 +6156,100 @@
           <a:chExt cx="0" cy="0"/>
         </a:xfrm>
       </p:grpSpPr>
+      <p:sp>
+        <p:nvSpPr>
+          <p:cNvPr id="77" name="正方形/長方形 76">
+            <a:extLst>
+              <a:ext uri="{FF2B5EF4-FFF2-40B4-BE49-F238E27FC236}">
+                <a16:creationId xmlns:a16="http://schemas.microsoft.com/office/drawing/2014/main" id="{3CCA227B-13D7-B018-77E8-E9F61B9A9A07}"/>
+              </a:ext>
+            </a:extLst>
+          </p:cNvPr>
+          <p:cNvSpPr/>
+          <p:nvPr/>
+        </p:nvSpPr>
+        <p:spPr>
+          <a:xfrm>
+            <a:off x="1267279" y="5126120"/>
+            <a:ext cx="180000" cy="2916000"/>
+          </a:xfrm>
+          <a:prstGeom prst="rect">
+            <a:avLst/>
+          </a:prstGeom>
+          <a:solidFill>
+            <a:schemeClr val="bg2">
+              <a:lumMod val="90000"/>
+            </a:schemeClr>
+          </a:solidFill>
+          <a:ln w="28575">
+            <a:solidFill>
+              <a:schemeClr val="tx1"/>
+            </a:solidFill>
+            <a:prstDash val="sysDot"/>
+          </a:ln>
+        </p:spPr>
+        <p:style>
+          <a:lnRef idx="2">
+            <a:schemeClr val="accent1">
+              <a:shade val="15000"/>
+            </a:schemeClr>
+          </a:lnRef>
+          <a:fillRef idx="1">
+            <a:schemeClr val="accent1"/>
+          </a:fillRef>
+          <a:effectRef idx="0">
+            <a:schemeClr val="accent1"/>
+          </a:effectRef>
+          <a:fontRef idx="minor">
+            <a:schemeClr val="lt1"/>
+          </a:fontRef>
+        </p:style>
+        <p:txBody>
+          <a:bodyPr rtlCol="0" anchor="ctr"/>
+          <a:lstStyle/>
+          <a:p>
+            <a:pPr algn="ctr"/>
+            <a:endParaRPr kumimoji="1" lang="ja-JP" altLang="en-US"/>
+          </a:p>
+        </p:txBody>
+      </p:sp>
+      <p:sp>
+        <p:nvSpPr>
+          <p:cNvPr id="78" name="テキスト ボックス 77">
+            <a:extLst>
+              <a:ext uri="{FF2B5EF4-FFF2-40B4-BE49-F238E27FC236}">
+                <a16:creationId xmlns:a16="http://schemas.microsoft.com/office/drawing/2014/main" id="{A3AFD83C-7A06-E2B2-C628-E2F364943D88}"/>
+              </a:ext>
+            </a:extLst>
+          </p:cNvPr>
+          <p:cNvSpPr txBox="1"/>
+          <p:nvPr/>
+        </p:nvSpPr>
+        <p:spPr>
+          <a:xfrm>
+            <a:off x="461288" y="8369461"/>
+            <a:ext cx="1820055" cy="338554"/>
+          </a:xfrm>
+          <a:prstGeom prst="rect">
+            <a:avLst/>
+          </a:prstGeom>
+          <a:noFill/>
+        </p:spPr>
+        <p:txBody>
+          <a:bodyPr wrap="square" rtlCol="0">
+            <a:spAutoFit/>
+          </a:bodyPr>
+          <a:lstStyle/>
+          <a:p>
+            <a:pPr algn="ctr"/>
+            <a:r>
+              <a:rPr kumimoji="1" lang="en-US" altLang="ja-JP" sz="1600" dirty="0"/>
+              <a:t>Causal mutation!</a:t>
+            </a:r>
+            <a:endParaRPr kumimoji="1" lang="ja-JP" altLang="en-US" sz="1600" dirty="0"/>
+          </a:p>
+        </p:txBody>
+      </p:sp>
       <p:pic>
         <p:nvPicPr>
           <p:cNvPr id="5" name="図 4" descr="グラフ&#10;&#10;中程度の精度で自動的に生成された説明">
@@ -7580,6 +7674,1244 @@
           </a:p>
         </p:txBody>
       </p:sp>
+      <p:pic>
+        <p:nvPicPr>
+          <p:cNvPr id="33" name="図 32" descr="グラフ が含まれている画像&#10;&#10;自動的に生成された説明">
+            <a:extLst>
+              <a:ext uri="{FF2B5EF4-FFF2-40B4-BE49-F238E27FC236}">
+                <a16:creationId xmlns:a16="http://schemas.microsoft.com/office/drawing/2014/main" id="{DE7026FE-A307-44DE-FF93-33536203D8A1}"/>
+              </a:ext>
+            </a:extLst>
+          </p:cNvPr>
+          <p:cNvPicPr>
+            <a:picLocks noChangeAspect="1"/>
+          </p:cNvPicPr>
+          <p:nvPr/>
+        </p:nvPicPr>
+        <p:blipFill>
+          <a:blip r:embed="rId7">
+            <a:extLst>
+              <a:ext uri="{28A0092B-C50C-407E-A947-70E740481C1C}">
+                <a14:useLocalDpi xmlns:a14="http://schemas.microsoft.com/office/drawing/2010/main" val="0"/>
+              </a:ext>
+            </a:extLst>
+          </a:blip>
+          <a:stretch>
+            <a:fillRect/>
+          </a:stretch>
+        </p:blipFill>
+        <p:spPr>
+          <a:xfrm>
+            <a:off x="4664048" y="6095865"/>
+            <a:ext cx="1143099" cy="1958510"/>
+          </a:xfrm>
+          <a:prstGeom prst="rect">
+            <a:avLst/>
+          </a:prstGeom>
+          <a:ln>
+            <a:solidFill>
+              <a:schemeClr val="tx1"/>
+            </a:solidFill>
+          </a:ln>
+        </p:spPr>
+      </p:pic>
+      <p:pic>
+        <p:nvPicPr>
+          <p:cNvPr id="34" name="グラフィックス 33" descr="植物 単色塗りつぶし">
+            <a:extLst>
+              <a:ext uri="{FF2B5EF4-FFF2-40B4-BE49-F238E27FC236}">
+                <a16:creationId xmlns:a16="http://schemas.microsoft.com/office/drawing/2014/main" id="{49B2DC23-4102-69B2-9835-7EFEE4E6A413}"/>
+              </a:ext>
+            </a:extLst>
+          </p:cNvPr>
+          <p:cNvPicPr>
+            <a:picLocks noChangeAspect="1"/>
+          </p:cNvPicPr>
+          <p:nvPr/>
+        </p:nvPicPr>
+        <p:blipFill>
+          <a:blip r:embed="rId3">
+            <a:extLst>
+              <a:ext uri="{28A0092B-C50C-407E-A947-70E740481C1C}">
+                <a14:useLocalDpi xmlns:a14="http://schemas.microsoft.com/office/drawing/2010/main" val="0"/>
+              </a:ext>
+              <a:ext uri="{96DAC541-7B7A-43D3-8B79-37D633B846F1}">
+                <asvg:svgBlip xmlns:asvg="http://schemas.microsoft.com/office/drawing/2016/SVG/main" r:embed="rId4"/>
+              </a:ext>
+            </a:extLst>
+          </a:blip>
+          <a:stretch>
+            <a:fillRect/>
+          </a:stretch>
+        </p:blipFill>
+        <p:spPr>
+          <a:xfrm>
+            <a:off x="1952289" y="5803080"/>
+            <a:ext cx="665849" cy="665849"/>
+          </a:xfrm>
+          <a:prstGeom prst="rect">
+            <a:avLst/>
+          </a:prstGeom>
+        </p:spPr>
+      </p:pic>
+      <p:pic>
+        <p:nvPicPr>
+          <p:cNvPr id="36" name="グラフィックス 35" descr="植物 単色塗りつぶし">
+            <a:extLst>
+              <a:ext uri="{FF2B5EF4-FFF2-40B4-BE49-F238E27FC236}">
+                <a16:creationId xmlns:a16="http://schemas.microsoft.com/office/drawing/2014/main" id="{64CD96FC-0718-3748-D4D7-5CAF841F9138}"/>
+              </a:ext>
+            </a:extLst>
+          </p:cNvPr>
+          <p:cNvPicPr>
+            <a:picLocks noChangeAspect="1"/>
+          </p:cNvPicPr>
+          <p:nvPr/>
+        </p:nvPicPr>
+        <p:blipFill>
+          <a:blip r:embed="rId3">
+            <a:extLst>
+              <a:ext uri="{28A0092B-C50C-407E-A947-70E740481C1C}">
+                <a14:useLocalDpi xmlns:a14="http://schemas.microsoft.com/office/drawing/2010/main" val="0"/>
+              </a:ext>
+              <a:ext uri="{96DAC541-7B7A-43D3-8B79-37D633B846F1}">
+                <asvg:svgBlip xmlns:asvg="http://schemas.microsoft.com/office/drawing/2016/SVG/main" r:embed="rId4"/>
+              </a:ext>
+            </a:extLst>
+          </a:blip>
+          <a:stretch>
+            <a:fillRect/>
+          </a:stretch>
+        </p:blipFill>
+        <p:spPr>
+          <a:xfrm>
+            <a:off x="1952289" y="6935910"/>
+            <a:ext cx="665849" cy="665849"/>
+          </a:xfrm>
+          <a:prstGeom prst="rect">
+            <a:avLst/>
+          </a:prstGeom>
+        </p:spPr>
+      </p:pic>
+      <p:pic>
+        <p:nvPicPr>
+          <p:cNvPr id="40" name="グラフィックス 39" descr="植物 単色塗りつぶし">
+            <a:extLst>
+              <a:ext uri="{FF2B5EF4-FFF2-40B4-BE49-F238E27FC236}">
+                <a16:creationId xmlns:a16="http://schemas.microsoft.com/office/drawing/2014/main" id="{1CB5EA96-AFC6-531E-925D-8714C4305D2B}"/>
+              </a:ext>
+            </a:extLst>
+          </p:cNvPr>
+          <p:cNvPicPr>
+            <a:picLocks noChangeAspect="1"/>
+          </p:cNvPicPr>
+          <p:nvPr/>
+        </p:nvPicPr>
+        <p:blipFill>
+          <a:blip r:embed="rId3">
+            <a:extLst>
+              <a:ext uri="{28A0092B-C50C-407E-A947-70E740481C1C}">
+                <a14:useLocalDpi xmlns:a14="http://schemas.microsoft.com/office/drawing/2010/main" val="0"/>
+              </a:ext>
+              <a:ext uri="{96DAC541-7B7A-43D3-8B79-37D633B846F1}">
+                <asvg:svgBlip xmlns:asvg="http://schemas.microsoft.com/office/drawing/2016/SVG/main" r:embed="rId4"/>
+              </a:ext>
+            </a:extLst>
+          </a:blip>
+          <a:stretch>
+            <a:fillRect/>
+          </a:stretch>
+        </p:blipFill>
+        <p:spPr>
+          <a:xfrm>
+            <a:off x="1952289" y="6369494"/>
+            <a:ext cx="665849" cy="665849"/>
+          </a:xfrm>
+          <a:prstGeom prst="rect">
+            <a:avLst/>
+          </a:prstGeom>
+        </p:spPr>
+      </p:pic>
+      <p:sp>
+        <p:nvSpPr>
+          <p:cNvPr id="41" name="吹き出し: 角を丸めた四角形 40">
+            <a:extLst>
+              <a:ext uri="{FF2B5EF4-FFF2-40B4-BE49-F238E27FC236}">
+                <a16:creationId xmlns:a16="http://schemas.microsoft.com/office/drawing/2014/main" id="{C88E21AF-2931-A497-4CFC-3BED3D791E3B}"/>
+              </a:ext>
+            </a:extLst>
+          </p:cNvPr>
+          <p:cNvSpPr/>
+          <p:nvPr/>
+        </p:nvSpPr>
+        <p:spPr>
+          <a:xfrm>
+            <a:off x="744497" y="6095865"/>
+            <a:ext cx="1224000" cy="210916"/>
+          </a:xfrm>
+          <a:prstGeom prst="wedgeRoundRectCallout">
+            <a:avLst>
+              <a:gd name="adj1" fmla="val 20430"/>
+              <a:gd name="adj2" fmla="val -48994"/>
+              <a:gd name="adj3" fmla="val 16667"/>
+            </a:avLst>
+          </a:prstGeom>
+        </p:spPr>
+        <p:style>
+          <a:lnRef idx="2">
+            <a:schemeClr val="dk1">
+              <a:shade val="50000"/>
+            </a:schemeClr>
+          </a:lnRef>
+          <a:fillRef idx="1">
+            <a:schemeClr val="dk1"/>
+          </a:fillRef>
+          <a:effectRef idx="0">
+            <a:schemeClr val="dk1"/>
+          </a:effectRef>
+          <a:fontRef idx="minor">
+            <a:schemeClr val="lt1"/>
+          </a:fontRef>
+        </p:style>
+        <p:txBody>
+          <a:bodyPr rtlCol="0" anchor="ctr"/>
+          <a:lstStyle/>
+          <a:p>
+            <a:pPr algn="ctr"/>
+            <a:r>
+              <a:rPr kumimoji="1" lang="en-US" altLang="ja-JP" dirty="0"/>
+              <a:t>…GG</a:t>
+            </a:r>
+            <a:r>
+              <a:rPr kumimoji="1" lang="en-US" altLang="ja-JP" dirty="0">
+                <a:solidFill>
+                  <a:srgbClr val="FF0000"/>
+                </a:solidFill>
+              </a:rPr>
+              <a:t>T</a:t>
+            </a:r>
+            <a:r>
+              <a:rPr kumimoji="1" lang="en-US" altLang="ja-JP" dirty="0"/>
+              <a:t>GA…</a:t>
+            </a:r>
+            <a:endParaRPr kumimoji="1" lang="ja-JP" altLang="en-US" dirty="0"/>
+          </a:p>
+        </p:txBody>
+      </p:sp>
+      <p:pic>
+        <p:nvPicPr>
+          <p:cNvPr id="42" name="グラフィックス 41" descr="植物 単色塗りつぶし">
+            <a:extLst>
+              <a:ext uri="{FF2B5EF4-FFF2-40B4-BE49-F238E27FC236}">
+                <a16:creationId xmlns:a16="http://schemas.microsoft.com/office/drawing/2014/main" id="{BB4D4E91-B0B9-EC54-A3E0-BDC0D658795A}"/>
+              </a:ext>
+            </a:extLst>
+          </p:cNvPr>
+          <p:cNvPicPr>
+            <a:picLocks noChangeAspect="1"/>
+          </p:cNvPicPr>
+          <p:nvPr/>
+        </p:nvPicPr>
+        <p:blipFill>
+          <a:blip r:embed="rId3">
+            <a:extLst>
+              <a:ext uri="{28A0092B-C50C-407E-A947-70E740481C1C}">
+                <a14:useLocalDpi xmlns:a14="http://schemas.microsoft.com/office/drawing/2010/main" val="0"/>
+              </a:ext>
+              <a:ext uri="{96DAC541-7B7A-43D3-8B79-37D633B846F1}">
+                <asvg:svgBlip xmlns:asvg="http://schemas.microsoft.com/office/drawing/2016/SVG/main" r:embed="rId4"/>
+              </a:ext>
+            </a:extLst>
+          </a:blip>
+          <a:stretch>
+            <a:fillRect/>
+          </a:stretch>
+        </p:blipFill>
+        <p:spPr>
+          <a:xfrm>
+            <a:off x="1952289" y="7502324"/>
+            <a:ext cx="665849" cy="665849"/>
+          </a:xfrm>
+          <a:prstGeom prst="rect">
+            <a:avLst/>
+          </a:prstGeom>
+        </p:spPr>
+      </p:pic>
+      <p:sp>
+        <p:nvSpPr>
+          <p:cNvPr id="43" name="吹き出し: 角を丸めた四角形 42">
+            <a:extLst>
+              <a:ext uri="{FF2B5EF4-FFF2-40B4-BE49-F238E27FC236}">
+                <a16:creationId xmlns:a16="http://schemas.microsoft.com/office/drawing/2014/main" id="{CBBE97A3-638D-A2B5-A6C9-9E6BCBA1C4DC}"/>
+              </a:ext>
+            </a:extLst>
+          </p:cNvPr>
+          <p:cNvSpPr/>
+          <p:nvPr/>
+        </p:nvSpPr>
+        <p:spPr>
+          <a:xfrm>
+            <a:off x="744497" y="6653887"/>
+            <a:ext cx="1224000" cy="210916"/>
+          </a:xfrm>
+          <a:prstGeom prst="wedgeRoundRectCallout">
+            <a:avLst>
+              <a:gd name="adj1" fmla="val 20430"/>
+              <a:gd name="adj2" fmla="val -48994"/>
+              <a:gd name="adj3" fmla="val 16667"/>
+            </a:avLst>
+          </a:prstGeom>
+        </p:spPr>
+        <p:style>
+          <a:lnRef idx="2">
+            <a:schemeClr val="dk1">
+              <a:shade val="50000"/>
+            </a:schemeClr>
+          </a:lnRef>
+          <a:fillRef idx="1">
+            <a:schemeClr val="dk1"/>
+          </a:fillRef>
+          <a:effectRef idx="0">
+            <a:schemeClr val="dk1"/>
+          </a:effectRef>
+          <a:fontRef idx="minor">
+            <a:schemeClr val="lt1"/>
+          </a:fontRef>
+        </p:style>
+        <p:txBody>
+          <a:bodyPr rtlCol="0" anchor="ctr"/>
+          <a:lstStyle/>
+          <a:p>
+            <a:pPr algn="ctr"/>
+            <a:r>
+              <a:rPr kumimoji="1" lang="en-US" altLang="ja-JP" dirty="0"/>
+              <a:t>…GG</a:t>
+            </a:r>
+            <a:r>
+              <a:rPr kumimoji="1" lang="en-US" altLang="ja-JP" dirty="0">
+                <a:solidFill>
+                  <a:srgbClr val="FF0000"/>
+                </a:solidFill>
+              </a:rPr>
+              <a:t>T</a:t>
+            </a:r>
+            <a:r>
+              <a:rPr kumimoji="1" lang="en-US" altLang="ja-JP" dirty="0"/>
+              <a:t>GA…</a:t>
+            </a:r>
+            <a:endParaRPr kumimoji="1" lang="ja-JP" altLang="en-US" dirty="0"/>
+          </a:p>
+        </p:txBody>
+      </p:sp>
+      <p:sp>
+        <p:nvSpPr>
+          <p:cNvPr id="44" name="吹き出し: 角を丸めた四角形 43">
+            <a:extLst>
+              <a:ext uri="{FF2B5EF4-FFF2-40B4-BE49-F238E27FC236}">
+                <a16:creationId xmlns:a16="http://schemas.microsoft.com/office/drawing/2014/main" id="{0DAC7A77-BCCF-AE2E-5B3D-D0C0E0D8BEC4}"/>
+              </a:ext>
+            </a:extLst>
+          </p:cNvPr>
+          <p:cNvSpPr/>
+          <p:nvPr/>
+        </p:nvSpPr>
+        <p:spPr>
+          <a:xfrm>
+            <a:off x="744497" y="7211909"/>
+            <a:ext cx="1224000" cy="210916"/>
+          </a:xfrm>
+          <a:prstGeom prst="wedgeRoundRectCallout">
+            <a:avLst>
+              <a:gd name="adj1" fmla="val 20430"/>
+              <a:gd name="adj2" fmla="val -48994"/>
+              <a:gd name="adj3" fmla="val 16667"/>
+            </a:avLst>
+          </a:prstGeom>
+        </p:spPr>
+        <p:style>
+          <a:lnRef idx="2">
+            <a:schemeClr val="dk1">
+              <a:shade val="50000"/>
+            </a:schemeClr>
+          </a:lnRef>
+          <a:fillRef idx="1">
+            <a:schemeClr val="dk1"/>
+          </a:fillRef>
+          <a:effectRef idx="0">
+            <a:schemeClr val="dk1"/>
+          </a:effectRef>
+          <a:fontRef idx="minor">
+            <a:schemeClr val="lt1"/>
+          </a:fontRef>
+        </p:style>
+        <p:txBody>
+          <a:bodyPr rtlCol="0" anchor="ctr"/>
+          <a:lstStyle/>
+          <a:p>
+            <a:pPr algn="ctr"/>
+            <a:r>
+              <a:rPr kumimoji="1" lang="en-US" altLang="ja-JP" dirty="0"/>
+              <a:t>…GG</a:t>
+            </a:r>
+            <a:r>
+              <a:rPr kumimoji="1" lang="en-US" altLang="ja-JP" dirty="0">
+                <a:solidFill>
+                  <a:srgbClr val="FF0000"/>
+                </a:solidFill>
+              </a:rPr>
+              <a:t>T</a:t>
+            </a:r>
+            <a:r>
+              <a:rPr kumimoji="1" lang="en-US" altLang="ja-JP" dirty="0"/>
+              <a:t>GA…</a:t>
+            </a:r>
+            <a:endParaRPr kumimoji="1" lang="ja-JP" altLang="en-US" dirty="0"/>
+          </a:p>
+        </p:txBody>
+      </p:sp>
+      <p:sp>
+        <p:nvSpPr>
+          <p:cNvPr id="45" name="吹き出し: 角を丸めた四角形 44">
+            <a:extLst>
+              <a:ext uri="{FF2B5EF4-FFF2-40B4-BE49-F238E27FC236}">
+                <a16:creationId xmlns:a16="http://schemas.microsoft.com/office/drawing/2014/main" id="{EF7A6935-AA47-8F55-F5F4-D074EE4C4DDD}"/>
+              </a:ext>
+            </a:extLst>
+          </p:cNvPr>
+          <p:cNvSpPr/>
+          <p:nvPr/>
+        </p:nvSpPr>
+        <p:spPr>
+          <a:xfrm>
+            <a:off x="744497" y="7769930"/>
+            <a:ext cx="1224000" cy="210916"/>
+          </a:xfrm>
+          <a:prstGeom prst="wedgeRoundRectCallout">
+            <a:avLst>
+              <a:gd name="adj1" fmla="val 20430"/>
+              <a:gd name="adj2" fmla="val -48994"/>
+              <a:gd name="adj3" fmla="val 16667"/>
+            </a:avLst>
+          </a:prstGeom>
+        </p:spPr>
+        <p:style>
+          <a:lnRef idx="2">
+            <a:schemeClr val="dk1">
+              <a:shade val="50000"/>
+            </a:schemeClr>
+          </a:lnRef>
+          <a:fillRef idx="1">
+            <a:schemeClr val="dk1"/>
+          </a:fillRef>
+          <a:effectRef idx="0">
+            <a:schemeClr val="dk1"/>
+          </a:effectRef>
+          <a:fontRef idx="minor">
+            <a:schemeClr val="lt1"/>
+          </a:fontRef>
+        </p:style>
+        <p:txBody>
+          <a:bodyPr rtlCol="0" anchor="ctr"/>
+          <a:lstStyle/>
+          <a:p>
+            <a:pPr algn="ctr"/>
+            <a:r>
+              <a:rPr kumimoji="1" lang="en-US" altLang="ja-JP" dirty="0"/>
+              <a:t>…GG</a:t>
+            </a:r>
+            <a:r>
+              <a:rPr kumimoji="1" lang="en-US" altLang="ja-JP" dirty="0">
+                <a:solidFill>
+                  <a:srgbClr val="FF0000"/>
+                </a:solidFill>
+              </a:rPr>
+              <a:t>T</a:t>
+            </a:r>
+            <a:r>
+              <a:rPr kumimoji="1" lang="en-US" altLang="ja-JP" dirty="0"/>
+              <a:t>GA…</a:t>
+            </a:r>
+            <a:endParaRPr kumimoji="1" lang="ja-JP" altLang="en-US" dirty="0"/>
+          </a:p>
+        </p:txBody>
+      </p:sp>
+      <p:sp>
+        <p:nvSpPr>
+          <p:cNvPr id="46" name="テキスト ボックス 45">
+            <a:extLst>
+              <a:ext uri="{FF2B5EF4-FFF2-40B4-BE49-F238E27FC236}">
+                <a16:creationId xmlns:a16="http://schemas.microsoft.com/office/drawing/2014/main" id="{2B1CCBBD-B5D2-825C-D24A-2E2B336573AE}"/>
+              </a:ext>
+            </a:extLst>
+          </p:cNvPr>
+          <p:cNvSpPr txBox="1"/>
+          <p:nvPr/>
+        </p:nvSpPr>
+        <p:spPr>
+          <a:xfrm>
+            <a:off x="246458" y="5766672"/>
+            <a:ext cx="990686" cy="369332"/>
+          </a:xfrm>
+          <a:prstGeom prst="rect">
+            <a:avLst/>
+          </a:prstGeom>
+          <a:noFill/>
+        </p:spPr>
+        <p:txBody>
+          <a:bodyPr wrap="square" rtlCol="0">
+            <a:spAutoFit/>
+          </a:bodyPr>
+          <a:lstStyle/>
+          <a:p>
+            <a:pPr algn="ctr"/>
+            <a:r>
+              <a:rPr kumimoji="1" lang="en-US" altLang="ja-JP" dirty="0"/>
+              <a:t>Sample1</a:t>
+            </a:r>
+            <a:endParaRPr kumimoji="1" lang="ja-JP" altLang="en-US" dirty="0"/>
+          </a:p>
+        </p:txBody>
+      </p:sp>
+      <p:sp>
+        <p:nvSpPr>
+          <p:cNvPr id="47" name="テキスト ボックス 46">
+            <a:extLst>
+              <a:ext uri="{FF2B5EF4-FFF2-40B4-BE49-F238E27FC236}">
+                <a16:creationId xmlns:a16="http://schemas.microsoft.com/office/drawing/2014/main" id="{D536396C-894A-6685-0161-9DAE6CDE866D}"/>
+              </a:ext>
+            </a:extLst>
+          </p:cNvPr>
+          <p:cNvSpPr txBox="1"/>
+          <p:nvPr/>
+        </p:nvSpPr>
+        <p:spPr>
+          <a:xfrm>
+            <a:off x="246458" y="6311314"/>
+            <a:ext cx="990686" cy="369332"/>
+          </a:xfrm>
+          <a:prstGeom prst="rect">
+            <a:avLst/>
+          </a:prstGeom>
+          <a:noFill/>
+        </p:spPr>
+        <p:txBody>
+          <a:bodyPr wrap="square" rtlCol="0">
+            <a:spAutoFit/>
+          </a:bodyPr>
+          <a:lstStyle/>
+          <a:p>
+            <a:pPr algn="ctr"/>
+            <a:r>
+              <a:rPr kumimoji="1" lang="en-US" altLang="ja-JP" dirty="0"/>
+              <a:t>Sample2</a:t>
+            </a:r>
+            <a:endParaRPr kumimoji="1" lang="ja-JP" altLang="en-US" dirty="0"/>
+          </a:p>
+        </p:txBody>
+      </p:sp>
+      <p:sp>
+        <p:nvSpPr>
+          <p:cNvPr id="48" name="テキスト ボックス 47">
+            <a:extLst>
+              <a:ext uri="{FF2B5EF4-FFF2-40B4-BE49-F238E27FC236}">
+                <a16:creationId xmlns:a16="http://schemas.microsoft.com/office/drawing/2014/main" id="{843ED954-82D5-1661-2D68-D2598299998A}"/>
+              </a:ext>
+            </a:extLst>
+          </p:cNvPr>
+          <p:cNvSpPr txBox="1"/>
+          <p:nvPr/>
+        </p:nvSpPr>
+        <p:spPr>
+          <a:xfrm>
+            <a:off x="246458" y="6855956"/>
+            <a:ext cx="990686" cy="369332"/>
+          </a:xfrm>
+          <a:prstGeom prst="rect">
+            <a:avLst/>
+          </a:prstGeom>
+          <a:noFill/>
+        </p:spPr>
+        <p:txBody>
+          <a:bodyPr wrap="square" rtlCol="0">
+            <a:spAutoFit/>
+          </a:bodyPr>
+          <a:lstStyle/>
+          <a:p>
+            <a:pPr algn="ctr"/>
+            <a:r>
+              <a:rPr kumimoji="1" lang="en-US" altLang="ja-JP" dirty="0"/>
+              <a:t>Sample3</a:t>
+            </a:r>
+            <a:endParaRPr kumimoji="1" lang="ja-JP" altLang="en-US" dirty="0"/>
+          </a:p>
+        </p:txBody>
+      </p:sp>
+      <p:sp>
+        <p:nvSpPr>
+          <p:cNvPr id="49" name="テキスト ボックス 48">
+            <a:extLst>
+              <a:ext uri="{FF2B5EF4-FFF2-40B4-BE49-F238E27FC236}">
+                <a16:creationId xmlns:a16="http://schemas.microsoft.com/office/drawing/2014/main" id="{9A1D72E6-9F87-F38B-70CF-7FC5576DC882}"/>
+              </a:ext>
+            </a:extLst>
+          </p:cNvPr>
+          <p:cNvSpPr txBox="1"/>
+          <p:nvPr/>
+        </p:nvSpPr>
+        <p:spPr>
+          <a:xfrm>
+            <a:off x="259493" y="7400598"/>
+            <a:ext cx="990686" cy="369332"/>
+          </a:xfrm>
+          <a:prstGeom prst="rect">
+            <a:avLst/>
+          </a:prstGeom>
+          <a:noFill/>
+        </p:spPr>
+        <p:txBody>
+          <a:bodyPr wrap="square" rtlCol="0">
+            <a:spAutoFit/>
+          </a:bodyPr>
+          <a:lstStyle/>
+          <a:p>
+            <a:pPr algn="ctr"/>
+            <a:r>
+              <a:rPr kumimoji="1" lang="en-US" altLang="ja-JP" dirty="0"/>
+              <a:t>Sample4</a:t>
+            </a:r>
+            <a:endParaRPr kumimoji="1" lang="ja-JP" altLang="en-US" dirty="0"/>
+          </a:p>
+        </p:txBody>
+      </p:sp>
+      <p:cxnSp>
+        <p:nvCxnSpPr>
+          <p:cNvPr id="50" name="直線矢印コネクタ 49">
+            <a:extLst>
+              <a:ext uri="{FF2B5EF4-FFF2-40B4-BE49-F238E27FC236}">
+                <a16:creationId xmlns:a16="http://schemas.microsoft.com/office/drawing/2014/main" id="{CFB57776-05C9-A5F2-E054-1213AE83E382}"/>
+              </a:ext>
+            </a:extLst>
+          </p:cNvPr>
+          <p:cNvCxnSpPr/>
+          <p:nvPr/>
+        </p:nvCxnSpPr>
+        <p:spPr>
+          <a:xfrm>
+            <a:off x="3448718" y="6136004"/>
+            <a:ext cx="1129025" cy="899339"/>
+          </a:xfrm>
+          <a:prstGeom prst="straightConnector1">
+            <a:avLst/>
+          </a:prstGeom>
+          <a:ln w="19050">
+            <a:tailEnd type="triangle"/>
+          </a:ln>
+        </p:spPr>
+        <p:style>
+          <a:lnRef idx="1">
+            <a:schemeClr val="dk1"/>
+          </a:lnRef>
+          <a:fillRef idx="0">
+            <a:schemeClr val="dk1"/>
+          </a:fillRef>
+          <a:effectRef idx="0">
+            <a:schemeClr val="dk1"/>
+          </a:effectRef>
+          <a:fontRef idx="minor">
+            <a:schemeClr val="tx1"/>
+          </a:fontRef>
+        </p:style>
+      </p:cxnSp>
+      <p:sp>
+        <p:nvSpPr>
+          <p:cNvPr id="55" name="テキスト ボックス 54">
+            <a:extLst>
+              <a:ext uri="{FF2B5EF4-FFF2-40B4-BE49-F238E27FC236}">
+                <a16:creationId xmlns:a16="http://schemas.microsoft.com/office/drawing/2014/main" id="{81DBA5FF-EFB0-35B9-7AF6-7FB8AB261E8F}"/>
+              </a:ext>
+            </a:extLst>
+          </p:cNvPr>
+          <p:cNvSpPr txBox="1"/>
+          <p:nvPr/>
+        </p:nvSpPr>
+        <p:spPr>
+          <a:xfrm>
+            <a:off x="1008951" y="8066999"/>
+            <a:ext cx="665849" cy="400110"/>
+          </a:xfrm>
+          <a:prstGeom prst="rect">
+            <a:avLst/>
+          </a:prstGeom>
+          <a:noFill/>
+        </p:spPr>
+        <p:txBody>
+          <a:bodyPr wrap="square" rtlCol="0">
+            <a:spAutoFit/>
+          </a:bodyPr>
+          <a:lstStyle/>
+          <a:p>
+            <a:pPr algn="ctr"/>
+            <a:r>
+              <a:rPr kumimoji="1" lang="en-US" altLang="ja-JP" sz="2000" dirty="0"/>
+              <a:t>…</a:t>
+            </a:r>
+            <a:endParaRPr kumimoji="1" lang="ja-JP" altLang="en-US" sz="2000" dirty="0"/>
+          </a:p>
+        </p:txBody>
+      </p:sp>
+      <p:sp>
+        <p:nvSpPr>
+          <p:cNvPr id="56" name="テキスト ボックス 55">
+            <a:extLst>
+              <a:ext uri="{FF2B5EF4-FFF2-40B4-BE49-F238E27FC236}">
+                <a16:creationId xmlns:a16="http://schemas.microsoft.com/office/drawing/2014/main" id="{90CCA8AA-0819-43C8-EE52-27A44D39392E}"/>
+              </a:ext>
+            </a:extLst>
+          </p:cNvPr>
+          <p:cNvSpPr txBox="1"/>
+          <p:nvPr/>
+        </p:nvSpPr>
+        <p:spPr>
+          <a:xfrm>
+            <a:off x="1967812" y="8066999"/>
+            <a:ext cx="665849" cy="400110"/>
+          </a:xfrm>
+          <a:prstGeom prst="rect">
+            <a:avLst/>
+          </a:prstGeom>
+          <a:noFill/>
+        </p:spPr>
+        <p:txBody>
+          <a:bodyPr wrap="square" rtlCol="0">
+            <a:spAutoFit/>
+          </a:bodyPr>
+          <a:lstStyle/>
+          <a:p>
+            <a:pPr algn="ctr"/>
+            <a:r>
+              <a:rPr kumimoji="1" lang="en-US" altLang="ja-JP" sz="2000" dirty="0"/>
+              <a:t>…</a:t>
+            </a:r>
+            <a:endParaRPr kumimoji="1" lang="ja-JP" altLang="en-US" sz="2000" dirty="0"/>
+          </a:p>
+        </p:txBody>
+      </p:sp>
+      <p:sp>
+        <p:nvSpPr>
+          <p:cNvPr id="57" name="テキスト ボックス 56">
+            <a:extLst>
+              <a:ext uri="{FF2B5EF4-FFF2-40B4-BE49-F238E27FC236}">
+                <a16:creationId xmlns:a16="http://schemas.microsoft.com/office/drawing/2014/main" id="{8A2C9DD9-8504-C3C5-EBFD-3FF33F2FCC87}"/>
+              </a:ext>
+            </a:extLst>
+          </p:cNvPr>
+          <p:cNvSpPr txBox="1"/>
+          <p:nvPr/>
+        </p:nvSpPr>
+        <p:spPr>
+          <a:xfrm>
+            <a:off x="3613732" y="8066999"/>
+            <a:ext cx="665849" cy="400110"/>
+          </a:xfrm>
+          <a:prstGeom prst="rect">
+            <a:avLst/>
+          </a:prstGeom>
+          <a:noFill/>
+        </p:spPr>
+        <p:txBody>
+          <a:bodyPr wrap="square" rtlCol="0">
+            <a:spAutoFit/>
+          </a:bodyPr>
+          <a:lstStyle/>
+          <a:p>
+            <a:pPr algn="ctr"/>
+            <a:r>
+              <a:rPr kumimoji="1" lang="en-US" altLang="ja-JP" sz="2000" dirty="0"/>
+              <a:t>…</a:t>
+            </a:r>
+            <a:endParaRPr kumimoji="1" lang="ja-JP" altLang="en-US" sz="2000" dirty="0"/>
+          </a:p>
+        </p:txBody>
+      </p:sp>
+      <p:pic>
+        <p:nvPicPr>
+          <p:cNvPr id="58" name="図 57" descr="会社名 が含まれている画像&#10;&#10;自動的に生成された説明">
+            <a:extLst>
+              <a:ext uri="{FF2B5EF4-FFF2-40B4-BE49-F238E27FC236}">
+                <a16:creationId xmlns:a16="http://schemas.microsoft.com/office/drawing/2014/main" id="{EEB066F4-FB65-464E-483C-31617AB7BCA4}"/>
+              </a:ext>
+            </a:extLst>
+          </p:cNvPr>
+          <p:cNvPicPr>
+            <a:picLocks noChangeAspect="1"/>
+          </p:cNvPicPr>
+          <p:nvPr/>
+        </p:nvPicPr>
+        <p:blipFill rotWithShape="1">
+          <a:blip r:embed="rId6">
+            <a:grayscl/>
+            <a:extLst>
+              <a:ext uri="{28A0092B-C50C-407E-A947-70E740481C1C}">
+                <a14:useLocalDpi xmlns:a14="http://schemas.microsoft.com/office/drawing/2010/main" val="0"/>
+              </a:ext>
+            </a:extLst>
+          </a:blip>
+          <a:srcRect l="31833" r="32382"/>
+          <a:stretch/>
+        </p:blipFill>
+        <p:spPr>
+          <a:xfrm rot="2205768">
+            <a:off x="2812291" y="5848681"/>
+            <a:ext cx="330491" cy="646478"/>
+          </a:xfrm>
+          <a:prstGeom prst="rect">
+            <a:avLst/>
+          </a:prstGeom>
+        </p:spPr>
+      </p:pic>
+      <p:pic>
+        <p:nvPicPr>
+          <p:cNvPr id="59" name="図 58" descr="会社名 が含まれている画像&#10;&#10;自動的に生成された説明">
+            <a:extLst>
+              <a:ext uri="{FF2B5EF4-FFF2-40B4-BE49-F238E27FC236}">
+                <a16:creationId xmlns:a16="http://schemas.microsoft.com/office/drawing/2014/main" id="{BDD93949-9F56-24DE-2C74-1E37638E7D50}"/>
+              </a:ext>
+            </a:extLst>
+          </p:cNvPr>
+          <p:cNvPicPr>
+            <a:picLocks noChangeAspect="1"/>
+          </p:cNvPicPr>
+          <p:nvPr/>
+        </p:nvPicPr>
+        <p:blipFill rotWithShape="1">
+          <a:blip r:embed="rId6">
+            <a:grayscl/>
+            <a:extLst>
+              <a:ext uri="{28A0092B-C50C-407E-A947-70E740481C1C}">
+                <a14:useLocalDpi xmlns:a14="http://schemas.microsoft.com/office/drawing/2010/main" val="0"/>
+              </a:ext>
+            </a:extLst>
+          </a:blip>
+          <a:srcRect l="31833" r="32382"/>
+          <a:stretch/>
+        </p:blipFill>
+        <p:spPr>
+          <a:xfrm rot="2205768">
+            <a:off x="2824231" y="6412739"/>
+            <a:ext cx="330491" cy="646478"/>
+          </a:xfrm>
+          <a:prstGeom prst="rect">
+            <a:avLst/>
+          </a:prstGeom>
+        </p:spPr>
+      </p:pic>
+      <p:pic>
+        <p:nvPicPr>
+          <p:cNvPr id="60" name="図 59" descr="会社名 が含まれている画像&#10;&#10;自動的に生成された説明">
+            <a:extLst>
+              <a:ext uri="{FF2B5EF4-FFF2-40B4-BE49-F238E27FC236}">
+                <a16:creationId xmlns:a16="http://schemas.microsoft.com/office/drawing/2014/main" id="{29559A79-83A0-6F06-B752-122B3BD6402C}"/>
+              </a:ext>
+            </a:extLst>
+          </p:cNvPr>
+          <p:cNvPicPr>
+            <a:picLocks noChangeAspect="1"/>
+          </p:cNvPicPr>
+          <p:nvPr/>
+        </p:nvPicPr>
+        <p:blipFill rotWithShape="1">
+          <a:blip r:embed="rId6">
+            <a:grayscl/>
+            <a:extLst>
+              <a:ext uri="{28A0092B-C50C-407E-A947-70E740481C1C}">
+                <a14:useLocalDpi xmlns:a14="http://schemas.microsoft.com/office/drawing/2010/main" val="0"/>
+              </a:ext>
+            </a:extLst>
+          </a:blip>
+          <a:srcRect l="31833" r="32382"/>
+          <a:stretch/>
+        </p:blipFill>
+        <p:spPr>
+          <a:xfrm rot="2205768">
+            <a:off x="2812290" y="6976797"/>
+            <a:ext cx="330491" cy="646478"/>
+          </a:xfrm>
+          <a:prstGeom prst="rect">
+            <a:avLst/>
+          </a:prstGeom>
+        </p:spPr>
+      </p:pic>
+      <p:pic>
+        <p:nvPicPr>
+          <p:cNvPr id="61" name="図 60" descr="会社名 が含まれている画像&#10;&#10;自動的に生成された説明">
+            <a:extLst>
+              <a:ext uri="{FF2B5EF4-FFF2-40B4-BE49-F238E27FC236}">
+                <a16:creationId xmlns:a16="http://schemas.microsoft.com/office/drawing/2014/main" id="{6F18407F-F686-0548-FC56-5A6A0E89465D}"/>
+              </a:ext>
+            </a:extLst>
+          </p:cNvPr>
+          <p:cNvPicPr>
+            <a:picLocks noChangeAspect="1"/>
+          </p:cNvPicPr>
+          <p:nvPr/>
+        </p:nvPicPr>
+        <p:blipFill rotWithShape="1">
+          <a:blip r:embed="rId6">
+            <a:grayscl/>
+            <a:extLst>
+              <a:ext uri="{28A0092B-C50C-407E-A947-70E740481C1C}">
+                <a14:useLocalDpi xmlns:a14="http://schemas.microsoft.com/office/drawing/2010/main" val="0"/>
+              </a:ext>
+            </a:extLst>
+          </a:blip>
+          <a:srcRect l="31833" r="32382"/>
+          <a:stretch/>
+        </p:blipFill>
+        <p:spPr>
+          <a:xfrm rot="2205768">
+            <a:off x="2812291" y="7536939"/>
+            <a:ext cx="330491" cy="646478"/>
+          </a:xfrm>
+          <a:prstGeom prst="rect">
+            <a:avLst/>
+          </a:prstGeom>
+        </p:spPr>
+      </p:pic>
+      <p:pic>
+        <p:nvPicPr>
+          <p:cNvPr id="62" name="グラフィックス 61" descr="植物 単色塗りつぶし">
+            <a:extLst>
+              <a:ext uri="{FF2B5EF4-FFF2-40B4-BE49-F238E27FC236}">
+                <a16:creationId xmlns:a16="http://schemas.microsoft.com/office/drawing/2014/main" id="{C0AA62E8-3C44-1844-BB49-A52C76B89A21}"/>
+              </a:ext>
+            </a:extLst>
+          </p:cNvPr>
+          <p:cNvPicPr>
+            <a:picLocks noChangeAspect="1"/>
+          </p:cNvPicPr>
+          <p:nvPr/>
+        </p:nvPicPr>
+        <p:blipFill>
+          <a:blip r:embed="rId8">
+            <a:extLst>
+              <a:ext uri="{28A0092B-C50C-407E-A947-70E740481C1C}">
+                <a14:useLocalDpi xmlns:a14="http://schemas.microsoft.com/office/drawing/2010/main" val="0"/>
+              </a:ext>
+              <a:ext uri="{96DAC541-7B7A-43D3-8B79-37D633B846F1}">
+                <asvg:svgBlip xmlns:asvg="http://schemas.microsoft.com/office/drawing/2016/SVG/main" r:embed="rId9"/>
+              </a:ext>
+            </a:extLst>
+          </a:blip>
+          <a:stretch>
+            <a:fillRect/>
+          </a:stretch>
+        </p:blipFill>
+        <p:spPr>
+          <a:xfrm>
+            <a:off x="1952289" y="4903740"/>
+            <a:ext cx="665849" cy="665849"/>
+          </a:xfrm>
+          <a:prstGeom prst="rect">
+            <a:avLst/>
+          </a:prstGeom>
+        </p:spPr>
+      </p:pic>
+      <p:sp>
+        <p:nvSpPr>
+          <p:cNvPr id="63" name="吹き出し: 角を丸めた四角形 62">
+            <a:extLst>
+              <a:ext uri="{FF2B5EF4-FFF2-40B4-BE49-F238E27FC236}">
+                <a16:creationId xmlns:a16="http://schemas.microsoft.com/office/drawing/2014/main" id="{C22C3585-5DAC-1C8E-496E-9CC89F639B24}"/>
+              </a:ext>
+            </a:extLst>
+          </p:cNvPr>
+          <p:cNvSpPr/>
+          <p:nvPr/>
+        </p:nvSpPr>
+        <p:spPr>
+          <a:xfrm>
+            <a:off x="749246" y="5173145"/>
+            <a:ext cx="1224000" cy="210916"/>
+          </a:xfrm>
+          <a:prstGeom prst="wedgeRoundRectCallout">
+            <a:avLst>
+              <a:gd name="adj1" fmla="val 20430"/>
+              <a:gd name="adj2" fmla="val -48994"/>
+              <a:gd name="adj3" fmla="val 16667"/>
+            </a:avLst>
+          </a:prstGeom>
+        </p:spPr>
+        <p:style>
+          <a:lnRef idx="2">
+            <a:schemeClr val="dk1">
+              <a:shade val="50000"/>
+            </a:schemeClr>
+          </a:lnRef>
+          <a:fillRef idx="1">
+            <a:schemeClr val="dk1"/>
+          </a:fillRef>
+          <a:effectRef idx="0">
+            <a:schemeClr val="dk1"/>
+          </a:effectRef>
+          <a:fontRef idx="minor">
+            <a:schemeClr val="lt1"/>
+          </a:fontRef>
+        </p:style>
+        <p:txBody>
+          <a:bodyPr rtlCol="0" anchor="ctr"/>
+          <a:lstStyle/>
+          <a:p>
+            <a:pPr algn="ctr"/>
+            <a:r>
+              <a:rPr kumimoji="1" lang="en-US" altLang="ja-JP" dirty="0"/>
+              <a:t>…GGAGA…</a:t>
+            </a:r>
+            <a:endParaRPr kumimoji="1" lang="ja-JP" altLang="en-US" dirty="0"/>
+          </a:p>
+        </p:txBody>
+      </p:sp>
+      <p:sp>
+        <p:nvSpPr>
+          <p:cNvPr id="64" name="テキスト ボックス 63">
+            <a:extLst>
+              <a:ext uri="{FF2B5EF4-FFF2-40B4-BE49-F238E27FC236}">
+                <a16:creationId xmlns:a16="http://schemas.microsoft.com/office/drawing/2014/main" id="{28CFDBC3-D217-835F-892E-5170F6628792}"/>
+              </a:ext>
+            </a:extLst>
+          </p:cNvPr>
+          <p:cNvSpPr txBox="1"/>
+          <p:nvPr/>
+        </p:nvSpPr>
+        <p:spPr>
+          <a:xfrm>
+            <a:off x="828742" y="4850480"/>
+            <a:ext cx="1100969" cy="369332"/>
+          </a:xfrm>
+          <a:prstGeom prst="rect">
+            <a:avLst/>
+          </a:prstGeom>
+          <a:noFill/>
+        </p:spPr>
+        <p:txBody>
+          <a:bodyPr wrap="square" rtlCol="0">
+            <a:spAutoFit/>
+          </a:bodyPr>
+          <a:lstStyle/>
+          <a:p>
+            <a:pPr algn="ctr"/>
+            <a:r>
+              <a:rPr kumimoji="1" lang="en-US" altLang="ja-JP" dirty="0" err="1"/>
+              <a:t>CultivarB</a:t>
+            </a:r>
+            <a:endParaRPr kumimoji="1" lang="ja-JP" altLang="en-US" dirty="0"/>
+          </a:p>
+        </p:txBody>
+      </p:sp>
+      <p:cxnSp>
+        <p:nvCxnSpPr>
+          <p:cNvPr id="65" name="直線矢印コネクタ 64">
+            <a:extLst>
+              <a:ext uri="{FF2B5EF4-FFF2-40B4-BE49-F238E27FC236}">
+                <a16:creationId xmlns:a16="http://schemas.microsoft.com/office/drawing/2014/main" id="{567CE68F-DDA5-CE2B-9E22-E8F77648E248}"/>
+              </a:ext>
+            </a:extLst>
+          </p:cNvPr>
+          <p:cNvCxnSpPr>
+            <a:cxnSpLocks/>
+          </p:cNvCxnSpPr>
+          <p:nvPr/>
+        </p:nvCxnSpPr>
+        <p:spPr>
+          <a:xfrm>
+            <a:off x="3401983" y="6335356"/>
+            <a:ext cx="1171967" cy="794720"/>
+          </a:xfrm>
+          <a:prstGeom prst="straightConnector1">
+            <a:avLst/>
+          </a:prstGeom>
+          <a:ln w="19050">
+            <a:tailEnd type="triangle"/>
+          </a:ln>
+        </p:spPr>
+        <p:style>
+          <a:lnRef idx="1">
+            <a:schemeClr val="dk1"/>
+          </a:lnRef>
+          <a:fillRef idx="0">
+            <a:schemeClr val="dk1"/>
+          </a:fillRef>
+          <a:effectRef idx="0">
+            <a:schemeClr val="dk1"/>
+          </a:effectRef>
+          <a:fontRef idx="minor">
+            <a:schemeClr val="tx1"/>
+          </a:fontRef>
+        </p:style>
+      </p:cxnSp>
+      <p:cxnSp>
+        <p:nvCxnSpPr>
+          <p:cNvPr id="67" name="直線矢印コネクタ 66">
+            <a:extLst>
+              <a:ext uri="{FF2B5EF4-FFF2-40B4-BE49-F238E27FC236}">
+                <a16:creationId xmlns:a16="http://schemas.microsoft.com/office/drawing/2014/main" id="{11F30C0F-2B76-EFC6-909C-5C914AFAA712}"/>
+              </a:ext>
+            </a:extLst>
+          </p:cNvPr>
+          <p:cNvCxnSpPr>
+            <a:cxnSpLocks/>
+          </p:cNvCxnSpPr>
+          <p:nvPr/>
+        </p:nvCxnSpPr>
+        <p:spPr>
+          <a:xfrm>
+            <a:off x="3445552" y="6759345"/>
+            <a:ext cx="1128398" cy="465943"/>
+          </a:xfrm>
+          <a:prstGeom prst="straightConnector1">
+            <a:avLst/>
+          </a:prstGeom>
+          <a:ln w="19050">
+            <a:tailEnd type="triangle"/>
+          </a:ln>
+        </p:spPr>
+        <p:style>
+          <a:lnRef idx="1">
+            <a:schemeClr val="dk1"/>
+          </a:lnRef>
+          <a:fillRef idx="0">
+            <a:schemeClr val="dk1"/>
+          </a:fillRef>
+          <a:effectRef idx="0">
+            <a:schemeClr val="dk1"/>
+          </a:effectRef>
+          <a:fontRef idx="minor">
+            <a:schemeClr val="tx1"/>
+          </a:fontRef>
+        </p:style>
+      </p:cxnSp>
+      <p:cxnSp>
+        <p:nvCxnSpPr>
+          <p:cNvPr id="70" name="直線矢印コネクタ 69">
+            <a:extLst>
+              <a:ext uri="{FF2B5EF4-FFF2-40B4-BE49-F238E27FC236}">
+                <a16:creationId xmlns:a16="http://schemas.microsoft.com/office/drawing/2014/main" id="{A29B4712-040A-9383-58F2-4FB99898AFC0}"/>
+              </a:ext>
+            </a:extLst>
+          </p:cNvPr>
+          <p:cNvCxnSpPr>
+            <a:cxnSpLocks/>
+          </p:cNvCxnSpPr>
+          <p:nvPr/>
+        </p:nvCxnSpPr>
+        <p:spPr>
+          <a:xfrm>
+            <a:off x="3445552" y="7247767"/>
+            <a:ext cx="1128398" cy="69600"/>
+          </a:xfrm>
+          <a:prstGeom prst="straightConnector1">
+            <a:avLst/>
+          </a:prstGeom>
+          <a:ln w="19050">
+            <a:tailEnd type="triangle"/>
+          </a:ln>
+        </p:spPr>
+        <p:style>
+          <a:lnRef idx="1">
+            <a:schemeClr val="dk1"/>
+          </a:lnRef>
+          <a:fillRef idx="0">
+            <a:schemeClr val="dk1"/>
+          </a:fillRef>
+          <a:effectRef idx="0">
+            <a:schemeClr val="dk1"/>
+          </a:effectRef>
+          <a:fontRef idx="minor">
+            <a:schemeClr val="tx1"/>
+          </a:fontRef>
+        </p:style>
+      </p:cxnSp>
+      <p:cxnSp>
+        <p:nvCxnSpPr>
+          <p:cNvPr id="72" name="直線矢印コネクタ 71">
+            <a:extLst>
+              <a:ext uri="{FF2B5EF4-FFF2-40B4-BE49-F238E27FC236}">
+                <a16:creationId xmlns:a16="http://schemas.microsoft.com/office/drawing/2014/main" id="{08F05F5D-BCAA-B2FB-F50F-696065F912A4}"/>
+              </a:ext>
+            </a:extLst>
+          </p:cNvPr>
+          <p:cNvCxnSpPr>
+            <a:cxnSpLocks/>
+          </p:cNvCxnSpPr>
+          <p:nvPr/>
+        </p:nvCxnSpPr>
+        <p:spPr>
+          <a:xfrm>
+            <a:off x="3445552" y="7400598"/>
+            <a:ext cx="1128398" cy="69600"/>
+          </a:xfrm>
+          <a:prstGeom prst="straightConnector1">
+            <a:avLst/>
+          </a:prstGeom>
+          <a:ln w="19050">
+            <a:tailEnd type="triangle"/>
+          </a:ln>
+        </p:spPr>
+        <p:style>
+          <a:lnRef idx="1">
+            <a:schemeClr val="dk1"/>
+          </a:lnRef>
+          <a:fillRef idx="0">
+            <a:schemeClr val="dk1"/>
+          </a:fillRef>
+          <a:effectRef idx="0">
+            <a:schemeClr val="dk1"/>
+          </a:effectRef>
+          <a:fontRef idx="minor">
+            <a:schemeClr val="tx1"/>
+          </a:fontRef>
+        </p:style>
+      </p:cxnSp>
+      <p:cxnSp>
+        <p:nvCxnSpPr>
+          <p:cNvPr id="73" name="直線矢印コネクタ 72">
+            <a:extLst>
+              <a:ext uri="{FF2B5EF4-FFF2-40B4-BE49-F238E27FC236}">
+                <a16:creationId xmlns:a16="http://schemas.microsoft.com/office/drawing/2014/main" id="{76340AF9-542C-6617-51AA-7EE3C79B71AF}"/>
+              </a:ext>
+            </a:extLst>
+          </p:cNvPr>
+          <p:cNvCxnSpPr>
+            <a:cxnSpLocks/>
+          </p:cNvCxnSpPr>
+          <p:nvPr/>
+        </p:nvCxnSpPr>
+        <p:spPr>
+          <a:xfrm flipV="1">
+            <a:off x="3427671" y="7601759"/>
+            <a:ext cx="1146279" cy="312409"/>
+          </a:xfrm>
+          <a:prstGeom prst="straightConnector1">
+            <a:avLst/>
+          </a:prstGeom>
+          <a:ln w="19050">
+            <a:tailEnd type="triangle"/>
+          </a:ln>
+        </p:spPr>
+        <p:style>
+          <a:lnRef idx="1">
+            <a:schemeClr val="dk1"/>
+          </a:lnRef>
+          <a:fillRef idx="0">
+            <a:schemeClr val="dk1"/>
+          </a:fillRef>
+          <a:effectRef idx="0">
+            <a:schemeClr val="dk1"/>
+          </a:effectRef>
+          <a:fontRef idx="minor">
+            <a:schemeClr val="tx1"/>
+          </a:fontRef>
+        </p:style>
+      </p:cxnSp>
     </p:spTree>
     <p:extLst>
       <p:ext uri="{BB962C8B-B14F-4D97-AF65-F5344CB8AC3E}">

--- a/FAO_2024/mutmapqtlseq.pptx
+++ b/FAO_2024/mutmapqtlseq.pptx
@@ -8945,10 +8945,10 @@
       </p:grpSpPr>
       <p:pic>
         <p:nvPicPr>
-          <p:cNvPr id="51" name="図 50" descr="背景パターン が含まれている画像&#10;&#10;自動的に生成された説明">
-            <a:extLst>
-              <a:ext uri="{FF2B5EF4-FFF2-40B4-BE49-F238E27FC236}">
-                <a16:creationId xmlns:a16="http://schemas.microsoft.com/office/drawing/2014/main" id="{E00D12F9-B696-3A46-6BE5-34EE139F7930}"/>
+          <p:cNvPr id="3" name="図 2" descr="テーブル&#10;&#10;自動的に生成された説明">
+            <a:extLst>
+              <a:ext uri="{FF2B5EF4-FFF2-40B4-BE49-F238E27FC236}">
+                <a16:creationId xmlns:a16="http://schemas.microsoft.com/office/drawing/2014/main" id="{79E17693-8B3C-2F6B-874E-B8F7DB9D40D7}"/>
               </a:ext>
             </a:extLst>
           </p:cNvPr>
@@ -8957,8 +8957,44 @@
           </p:cNvPicPr>
           <p:nvPr/>
         </p:nvPicPr>
+        <p:blipFill>
+          <a:blip r:embed="rId2">
+            <a:extLst>
+              <a:ext uri="{28A0092B-C50C-407E-A947-70E740481C1C}">
+                <a14:useLocalDpi xmlns:a14="http://schemas.microsoft.com/office/drawing/2010/main" val="0"/>
+              </a:ext>
+            </a:extLst>
+          </a:blip>
+          <a:stretch>
+            <a:fillRect/>
+          </a:stretch>
+        </p:blipFill>
+        <p:spPr>
+          <a:xfrm>
+            <a:off x="1525352" y="850787"/>
+            <a:ext cx="571550" cy="2606266"/>
+          </a:xfrm>
+          <a:prstGeom prst="rect">
+            <a:avLst/>
+          </a:prstGeom>
+        </p:spPr>
+      </p:pic>
+      <p:pic>
+        <p:nvPicPr>
+          <p:cNvPr id="51" name="図 50" descr="背景パターン が含まれている画像&#10;&#10;自動的に生成された説明">
+            <a:extLst>
+              <a:ext uri="{FF2B5EF4-FFF2-40B4-BE49-F238E27FC236}">
+                <a16:creationId xmlns:a16="http://schemas.microsoft.com/office/drawing/2014/main" id="{E00D12F9-B696-3A46-6BE5-34EE139F7930}"/>
+              </a:ext>
+            </a:extLst>
+          </p:cNvPr>
+          <p:cNvPicPr>
+            <a:picLocks noChangeAspect="1"/>
+          </p:cNvPicPr>
+          <p:nvPr/>
+        </p:nvPicPr>
         <p:blipFill rotWithShape="1">
-          <a:blip r:embed="rId2">
+          <a:blip r:embed="rId3">
             <a:extLst>
               <a:ext uri="{28A0092B-C50C-407E-A947-70E740481C1C}">
                 <a14:useLocalDpi xmlns:a14="http://schemas.microsoft.com/office/drawing/2010/main" val="0"/>
@@ -8993,55 +9029,20 @@
           <p:nvPr/>
         </p:nvPicPr>
         <p:blipFill rotWithShape="1">
-          <a:blip r:embed="rId3">
+          <a:blip r:embed="rId4">
             <a:extLst>
               <a:ext uri="{28A0092B-C50C-407E-A947-70E740481C1C}">
                 <a14:useLocalDpi xmlns:a14="http://schemas.microsoft.com/office/drawing/2010/main" val="0"/>
               </a:ext>
             </a:extLst>
           </a:blip>
-          <a:srcRect t="7637"/>
+          <a:srcRect l="14598" t="7637" r="13640"/>
           <a:stretch/>
         </p:blipFill>
         <p:spPr>
           <a:xfrm>
-            <a:off x="2403368" y="876300"/>
-            <a:ext cx="784928" cy="2688784"/>
-          </a:xfrm>
-          <a:prstGeom prst="rect">
-            <a:avLst/>
-          </a:prstGeom>
-        </p:spPr>
-      </p:pic>
-      <p:pic>
-        <p:nvPicPr>
-          <p:cNvPr id="66" name="図 65" descr="グラフ が含まれている画像&#10;&#10;自動的に生成された説明">
-            <a:extLst>
-              <a:ext uri="{FF2B5EF4-FFF2-40B4-BE49-F238E27FC236}">
-                <a16:creationId xmlns:a16="http://schemas.microsoft.com/office/drawing/2014/main" id="{115E9209-189B-70A4-8F74-341F34AAEC07}"/>
-              </a:ext>
-            </a:extLst>
-          </p:cNvPr>
-          <p:cNvPicPr>
-            <a:picLocks noChangeAspect="1"/>
-          </p:cNvPicPr>
-          <p:nvPr/>
-        </p:nvPicPr>
-        <p:blipFill rotWithShape="1">
-          <a:blip r:embed="rId4">
-            <a:extLst>
-              <a:ext uri="{28A0092B-C50C-407E-A947-70E740481C1C}">
-                <a14:useLocalDpi xmlns:a14="http://schemas.microsoft.com/office/drawing/2010/main" val="0"/>
-              </a:ext>
-            </a:extLst>
-          </a:blip>
-          <a:srcRect t="12641"/>
-          <a:stretch/>
-        </p:blipFill>
-        <p:spPr>
-          <a:xfrm>
-            <a:off x="1461414" y="876300"/>
-            <a:ext cx="586791" cy="1983883"/>
+            <a:off x="2517947" y="876300"/>
+            <a:ext cx="563287" cy="2688784"/>
           </a:xfrm>
           <a:prstGeom prst="rect">
             <a:avLst/>
@@ -9162,8 +9163,8 @@
         </p:nvSpPr>
         <p:spPr>
           <a:xfrm>
-            <a:off x="1663369" y="1557752"/>
-            <a:ext cx="182880" cy="1314000"/>
+            <a:off x="1720519" y="1557751"/>
+            <a:ext cx="182880" cy="1899301"/>
           </a:xfrm>
           <a:prstGeom prst="rect">
             <a:avLst/>
@@ -9228,6 +9229,7 @@
               </a:bodyPr>
               <a:lstStyle/>
               <a:p>
+                <a:pPr/>
                 <a14:m>
                   <m:oMathPara xmlns:m="http://schemas.openxmlformats.org/officeDocument/2006/math">
                     <m:oMathParaPr>
@@ -9374,7 +9376,7 @@
         </p:nvSpPr>
         <p:spPr>
           <a:xfrm>
-            <a:off x="945061" y="1878914"/>
+            <a:off x="976811" y="1878914"/>
             <a:ext cx="665849" cy="400110"/>
           </a:xfrm>
           <a:prstGeom prst="rect">
@@ -9411,7 +9413,7 @@
         </p:nvSpPr>
         <p:spPr>
           <a:xfrm>
-            <a:off x="1892862" y="1882088"/>
+            <a:off x="1969062" y="1882088"/>
             <a:ext cx="665849" cy="400110"/>
           </a:xfrm>
           <a:prstGeom prst="rect">
@@ -9537,7 +9539,7 @@
         </p:nvSpPr>
         <p:spPr>
           <a:xfrm>
-            <a:off x="1461225" y="657466"/>
+            <a:off x="1518375" y="657466"/>
             <a:ext cx="586790" cy="276999"/>
           </a:xfrm>
           <a:prstGeom prst="rect">
@@ -9649,7 +9651,7 @@
           <p:nvPr>
             <p:extLst>
               <p:ext uri="{D42A27DB-BD31-4B8C-83A1-F6EECF244321}">
-                <p14:modId xmlns:p14="http://schemas.microsoft.com/office/powerpoint/2010/main" val="1258314021"/>
+                <p14:modId xmlns:p14="http://schemas.microsoft.com/office/powerpoint/2010/main" val="2937788283"/>
               </p:ext>
             </p:extLst>
           </p:nvPr>
@@ -9997,7 +9999,7 @@
                       <a:pPr algn="ctr"/>
                       <a:r>
                         <a:rPr kumimoji="1" lang="en-US" altLang="ja-JP" sz="1100" dirty="0"/>
-                        <a:t>10</a:t>
+                        <a:t>15</a:t>
                       </a:r>
                       <a:endParaRPr kumimoji="1" lang="ja-JP" altLang="en-US" sz="1100" dirty="0"/>
                     </a:p>
@@ -10031,7 +10033,7 @@
                       <a:pPr algn="ctr"/>
                       <a:r>
                         <a:rPr kumimoji="1" lang="en-US" altLang="ja-JP" sz="1100" dirty="0"/>
-                        <a:t>10</a:t>
+                        <a:t>15</a:t>
                       </a:r>
                       <a:endParaRPr kumimoji="1" lang="ja-JP" altLang="en-US" sz="1100" dirty="0"/>
                     </a:p>
@@ -10216,6 +10218,588 @@
           </a:graphicData>
         </a:graphic>
       </p:graphicFrame>
+      <p:pic>
+        <p:nvPicPr>
+          <p:cNvPr id="1028" name="Picture 4">
+            <a:extLst>
+              <a:ext uri="{FF2B5EF4-FFF2-40B4-BE49-F238E27FC236}">
+                <a16:creationId xmlns:a16="http://schemas.microsoft.com/office/drawing/2014/main" id="{BBB32779-4E78-E415-306F-2F6329AE6E31}"/>
+              </a:ext>
+            </a:extLst>
+          </p:cNvPr>
+          <p:cNvPicPr>
+            <a:picLocks noChangeAspect="1" noChangeArrowheads="1"/>
+          </p:cNvPicPr>
+          <p:nvPr/>
+        </p:nvPicPr>
+        <p:blipFill>
+          <a:blip r:embed="rId6">
+            <a:extLst>
+              <a:ext uri="{28A0092B-C50C-407E-A947-70E740481C1C}">
+                <a14:useLocalDpi xmlns:a14="http://schemas.microsoft.com/office/drawing/2010/main" val="0"/>
+              </a:ext>
+            </a:extLst>
+          </a:blip>
+          <a:srcRect/>
+          <a:stretch>
+            <a:fillRect/>
+          </a:stretch>
+        </p:blipFill>
+        <p:spPr bwMode="auto">
+          <a:xfrm>
+            <a:off x="0" y="5318088"/>
+            <a:ext cx="4845036" cy="1909165"/>
+          </a:xfrm>
+          <a:prstGeom prst="rect">
+            <a:avLst/>
+          </a:prstGeom>
+          <a:noFill/>
+          <a:extLst>
+            <a:ext uri="{909E8E84-426E-40DD-AFC4-6F175D3DCCD1}">
+              <a14:hiddenFill xmlns:a14="http://schemas.microsoft.com/office/drawing/2010/main">
+                <a:solidFill>
+                  <a:srgbClr val="FFFFFF"/>
+                </a:solidFill>
+              </a14:hiddenFill>
+            </a:ext>
+          </a:extLst>
+        </p:spPr>
+      </p:pic>
+      <p:pic>
+        <p:nvPicPr>
+          <p:cNvPr id="5" name="図 4" descr="グラフ&#10;&#10;低い精度で自動的に生成された説明">
+            <a:extLst>
+              <a:ext uri="{FF2B5EF4-FFF2-40B4-BE49-F238E27FC236}">
+                <a16:creationId xmlns:a16="http://schemas.microsoft.com/office/drawing/2014/main" id="{F72BBFCF-49A2-F93F-420B-B560988328AC}"/>
+              </a:ext>
+            </a:extLst>
+          </p:cNvPr>
+          <p:cNvPicPr>
+            <a:picLocks noChangeAspect="1"/>
+          </p:cNvPicPr>
+          <p:nvPr/>
+        </p:nvPicPr>
+        <p:blipFill>
+          <a:blip r:embed="rId7">
+            <a:extLst>
+              <a:ext uri="{28A0092B-C50C-407E-A947-70E740481C1C}">
+                <a14:useLocalDpi xmlns:a14="http://schemas.microsoft.com/office/drawing/2010/main" val="0"/>
+              </a:ext>
+            </a:extLst>
+          </a:blip>
+          <a:stretch>
+            <a:fillRect/>
+          </a:stretch>
+        </p:blipFill>
+        <p:spPr>
+          <a:xfrm>
+            <a:off x="5288309" y="4794250"/>
+            <a:ext cx="975445" cy="2248095"/>
+          </a:xfrm>
+          <a:prstGeom prst="rect">
+            <a:avLst/>
+          </a:prstGeom>
+        </p:spPr>
+      </p:pic>
+      <p:sp>
+        <p:nvSpPr>
+          <p:cNvPr id="6" name="正方形/長方形 5">
+            <a:extLst>
+              <a:ext uri="{FF2B5EF4-FFF2-40B4-BE49-F238E27FC236}">
+                <a16:creationId xmlns:a16="http://schemas.microsoft.com/office/drawing/2014/main" id="{1A912D9F-236D-3B73-EF47-892440D6D4E2}"/>
+              </a:ext>
+            </a:extLst>
+          </p:cNvPr>
+          <p:cNvSpPr/>
+          <p:nvPr/>
+        </p:nvSpPr>
+        <p:spPr>
+          <a:xfrm>
+            <a:off x="2289286" y="5368985"/>
+            <a:ext cx="192975" cy="1352550"/>
+          </a:xfrm>
+          <a:prstGeom prst="rect">
+            <a:avLst/>
+          </a:prstGeom>
+          <a:solidFill>
+            <a:srgbClr val="ED7D31">
+              <a:alpha val="30196"/>
+            </a:srgbClr>
+          </a:solidFill>
+          <a:ln>
+            <a:noFill/>
+          </a:ln>
+        </p:spPr>
+        <p:style>
+          <a:lnRef idx="2">
+            <a:schemeClr val="accent1">
+              <a:shade val="15000"/>
+            </a:schemeClr>
+          </a:lnRef>
+          <a:fillRef idx="1">
+            <a:schemeClr val="accent1"/>
+          </a:fillRef>
+          <a:effectRef idx="0">
+            <a:schemeClr val="accent1"/>
+          </a:effectRef>
+          <a:fontRef idx="minor">
+            <a:schemeClr val="lt1"/>
+          </a:fontRef>
+        </p:style>
+        <p:txBody>
+          <a:bodyPr rtlCol="0" anchor="ctr"/>
+          <a:lstStyle/>
+          <a:p>
+            <a:pPr algn="ctr"/>
+            <a:endParaRPr kumimoji="1" lang="ja-JP" altLang="en-US"/>
+          </a:p>
+        </p:txBody>
+      </p:sp>
+      <p:sp>
+        <p:nvSpPr>
+          <p:cNvPr id="7" name="フリーフォーム: 図形 6">
+            <a:extLst>
+              <a:ext uri="{FF2B5EF4-FFF2-40B4-BE49-F238E27FC236}">
+                <a16:creationId xmlns:a16="http://schemas.microsoft.com/office/drawing/2014/main" id="{3F766518-D621-60D2-B425-A0814EA0DF63}"/>
+              </a:ext>
+            </a:extLst>
+          </p:cNvPr>
+          <p:cNvSpPr/>
+          <p:nvPr/>
+        </p:nvSpPr>
+        <p:spPr>
+          <a:xfrm>
+            <a:off x="2482260" y="4527054"/>
+            <a:ext cx="3004139" cy="506381"/>
+          </a:xfrm>
+          <a:custGeom>
+            <a:avLst/>
+            <a:gdLst>
+              <a:gd name="connsiteX0" fmla="*/ 0 w 3124200"/>
+              <a:gd name="connsiteY0" fmla="*/ 819646 h 819646"/>
+              <a:gd name="connsiteX1" fmla="*/ 1530350 w 3124200"/>
+              <a:gd name="connsiteY1" fmla="*/ 19546 h 819646"/>
+              <a:gd name="connsiteX2" fmla="*/ 3124200 w 3124200"/>
+              <a:gd name="connsiteY2" fmla="*/ 324346 h 819646"/>
+            </a:gdLst>
+            <a:ahLst/>
+            <a:cxnLst>
+              <a:cxn ang="0">
+                <a:pos x="connsiteX0" y="connsiteY0"/>
+              </a:cxn>
+              <a:cxn ang="0">
+                <a:pos x="connsiteX1" y="connsiteY1"/>
+              </a:cxn>
+              <a:cxn ang="0">
+                <a:pos x="connsiteX2" y="connsiteY2"/>
+              </a:cxn>
+            </a:cxnLst>
+            <a:rect l="l" t="t" r="r" b="b"/>
+            <a:pathLst>
+              <a:path w="3124200" h="819646">
+                <a:moveTo>
+                  <a:pt x="0" y="819646"/>
+                </a:moveTo>
+                <a:cubicBezTo>
+                  <a:pt x="504825" y="460871"/>
+                  <a:pt x="1009650" y="102096"/>
+                  <a:pt x="1530350" y="19546"/>
+                </a:cubicBezTo>
+                <a:cubicBezTo>
+                  <a:pt x="2051050" y="-63004"/>
+                  <a:pt x="2587625" y="130671"/>
+                  <a:pt x="3124200" y="324346"/>
+                </a:cubicBezTo>
+              </a:path>
+            </a:pathLst>
+          </a:custGeom>
+          <a:noFill/>
+          <a:ln w="19050">
+            <a:headEnd type="triangle" w="med" len="med"/>
+            <a:tailEnd type="triangle" w="med" len="med"/>
+          </a:ln>
+        </p:spPr>
+        <p:style>
+          <a:lnRef idx="2">
+            <a:schemeClr val="accent1">
+              <a:shade val="15000"/>
+            </a:schemeClr>
+          </a:lnRef>
+          <a:fillRef idx="1">
+            <a:schemeClr val="accent1"/>
+          </a:fillRef>
+          <a:effectRef idx="0">
+            <a:schemeClr val="accent1"/>
+          </a:effectRef>
+          <a:fontRef idx="minor">
+            <a:schemeClr val="lt1"/>
+          </a:fontRef>
+        </p:style>
+        <p:txBody>
+          <a:bodyPr rtlCol="0" anchor="ctr"/>
+          <a:lstStyle/>
+          <a:p>
+            <a:pPr algn="ctr"/>
+            <a:endParaRPr kumimoji="1" lang="ja-JP" altLang="en-US"/>
+          </a:p>
+        </p:txBody>
+      </p:sp>
+      <p:sp>
+        <p:nvSpPr>
+          <p:cNvPr id="8" name="テキスト ボックス 7">
+            <a:extLst>
+              <a:ext uri="{FF2B5EF4-FFF2-40B4-BE49-F238E27FC236}">
+                <a16:creationId xmlns:a16="http://schemas.microsoft.com/office/drawing/2014/main" id="{A9B90A09-37DE-7EF8-35A6-EFE41E9FCED4}"/>
+              </a:ext>
+            </a:extLst>
+          </p:cNvPr>
+          <p:cNvSpPr txBox="1"/>
+          <p:nvPr/>
+        </p:nvSpPr>
+        <p:spPr>
+          <a:xfrm>
+            <a:off x="1518375" y="5033435"/>
+            <a:ext cx="1820055" cy="338554"/>
+          </a:xfrm>
+          <a:prstGeom prst="rect">
+            <a:avLst/>
+          </a:prstGeom>
+          <a:noFill/>
+        </p:spPr>
+        <p:txBody>
+          <a:bodyPr wrap="square" rtlCol="0">
+            <a:spAutoFit/>
+          </a:bodyPr>
+          <a:lstStyle/>
+          <a:p>
+            <a:pPr algn="ctr"/>
+            <a:r>
+              <a:rPr kumimoji="1" lang="en-US" altLang="ja-JP" sz="1600" dirty="0"/>
+              <a:t>Causal mutation!</a:t>
+            </a:r>
+            <a:endParaRPr kumimoji="1" lang="ja-JP" altLang="en-US" sz="1600" dirty="0"/>
+          </a:p>
+        </p:txBody>
+      </p:sp>
+      <p:pic>
+        <p:nvPicPr>
+          <p:cNvPr id="9" name="グラフィックス 8" descr="植物 単色塗りつぶし">
+            <a:extLst>
+              <a:ext uri="{FF2B5EF4-FFF2-40B4-BE49-F238E27FC236}">
+                <a16:creationId xmlns:a16="http://schemas.microsoft.com/office/drawing/2014/main" id="{B6B91BCB-7322-9ACA-4774-456FA05E716B}"/>
+              </a:ext>
+            </a:extLst>
+          </p:cNvPr>
+          <p:cNvPicPr>
+            <a:picLocks noChangeAspect="1"/>
+          </p:cNvPicPr>
+          <p:nvPr/>
+        </p:nvPicPr>
+        <p:blipFill>
+          <a:blip r:embed="rId8">
+            <a:extLst>
+              <a:ext uri="{28A0092B-C50C-407E-A947-70E740481C1C}">
+                <a14:useLocalDpi xmlns:a14="http://schemas.microsoft.com/office/drawing/2010/main" val="0"/>
+              </a:ext>
+              <a:ext uri="{96DAC541-7B7A-43D3-8B79-37D633B846F1}">
+                <asvg:svgBlip xmlns:asvg="http://schemas.microsoft.com/office/drawing/2016/SVG/main" r:embed="rId9"/>
+              </a:ext>
+            </a:extLst>
+          </a:blip>
+          <a:stretch>
+            <a:fillRect/>
+          </a:stretch>
+        </p:blipFill>
+        <p:spPr>
+          <a:xfrm>
+            <a:off x="1374886" y="7713553"/>
+            <a:ext cx="914400" cy="914400"/>
+          </a:xfrm>
+          <a:prstGeom prst="rect">
+            <a:avLst/>
+          </a:prstGeom>
+        </p:spPr>
+      </p:pic>
+      <p:pic>
+        <p:nvPicPr>
+          <p:cNvPr id="10" name="グラフィックス 9" descr="植物 単色塗りつぶし">
+            <a:extLst>
+              <a:ext uri="{FF2B5EF4-FFF2-40B4-BE49-F238E27FC236}">
+                <a16:creationId xmlns:a16="http://schemas.microsoft.com/office/drawing/2014/main" id="{2ACC60B7-2309-9D98-587E-75C5AF0EA401}"/>
+              </a:ext>
+            </a:extLst>
+          </p:cNvPr>
+          <p:cNvPicPr>
+            <a:picLocks noChangeAspect="1"/>
+          </p:cNvPicPr>
+          <p:nvPr/>
+        </p:nvPicPr>
+        <p:blipFill>
+          <a:blip r:embed="rId10">
+            <a:extLst>
+              <a:ext uri="{28A0092B-C50C-407E-A947-70E740481C1C}">
+                <a14:useLocalDpi xmlns:a14="http://schemas.microsoft.com/office/drawing/2010/main" val="0"/>
+              </a:ext>
+              <a:ext uri="{96DAC541-7B7A-43D3-8B79-37D633B846F1}">
+                <asvg:svgBlip xmlns:asvg="http://schemas.microsoft.com/office/drawing/2016/SVG/main" r:embed="rId11"/>
+              </a:ext>
+            </a:extLst>
+          </a:blip>
+          <a:stretch>
+            <a:fillRect/>
+          </a:stretch>
+        </p:blipFill>
+        <p:spPr>
+          <a:xfrm>
+            <a:off x="1374886" y="8850973"/>
+            <a:ext cx="914400" cy="914400"/>
+          </a:xfrm>
+          <a:prstGeom prst="rect">
+            <a:avLst/>
+          </a:prstGeom>
+        </p:spPr>
+      </p:pic>
+      <p:sp>
+        <p:nvSpPr>
+          <p:cNvPr id="11" name="テキスト ボックス 10">
+            <a:extLst>
+              <a:ext uri="{FF2B5EF4-FFF2-40B4-BE49-F238E27FC236}">
+                <a16:creationId xmlns:a16="http://schemas.microsoft.com/office/drawing/2014/main" id="{6466EAF4-4F32-95F3-D28D-FE3C951EF317}"/>
+              </a:ext>
+            </a:extLst>
+          </p:cNvPr>
+          <p:cNvSpPr txBox="1"/>
+          <p:nvPr/>
+        </p:nvSpPr>
+        <p:spPr>
+          <a:xfrm>
+            <a:off x="2050737" y="8057137"/>
+            <a:ext cx="1293750" cy="369332"/>
+          </a:xfrm>
+          <a:prstGeom prst="rect">
+            <a:avLst/>
+          </a:prstGeom>
+          <a:noFill/>
+        </p:spPr>
+        <p:txBody>
+          <a:bodyPr wrap="square" rtlCol="0">
+            <a:spAutoFit/>
+          </a:bodyPr>
+          <a:lstStyle/>
+          <a:p>
+            <a:pPr algn="ctr"/>
+            <a:r>
+              <a:rPr kumimoji="1" lang="en-US" altLang="ja-JP" b="1" dirty="0">
+                <a:solidFill>
+                  <a:schemeClr val="accent6"/>
+                </a:solidFill>
+              </a:rPr>
+              <a:t>Green leaf</a:t>
+            </a:r>
+            <a:endParaRPr kumimoji="1" lang="ja-JP" altLang="en-US" b="1" dirty="0">
+              <a:solidFill>
+                <a:schemeClr val="accent6"/>
+              </a:solidFill>
+            </a:endParaRPr>
+          </a:p>
+        </p:txBody>
+      </p:sp>
+      <p:sp>
+        <p:nvSpPr>
+          <p:cNvPr id="12" name="テキスト ボックス 11">
+            <a:extLst>
+              <a:ext uri="{FF2B5EF4-FFF2-40B4-BE49-F238E27FC236}">
+                <a16:creationId xmlns:a16="http://schemas.microsoft.com/office/drawing/2014/main" id="{D47AF5E8-5DBE-394B-29BB-EC190EC7C6C3}"/>
+              </a:ext>
+            </a:extLst>
+          </p:cNvPr>
+          <p:cNvSpPr txBox="1"/>
+          <p:nvPr/>
+        </p:nvSpPr>
+        <p:spPr>
+          <a:xfrm>
+            <a:off x="2109094" y="9175699"/>
+            <a:ext cx="1293750" cy="369332"/>
+          </a:xfrm>
+          <a:prstGeom prst="rect">
+            <a:avLst/>
+          </a:prstGeom>
+          <a:noFill/>
+        </p:spPr>
+        <p:txBody>
+          <a:bodyPr wrap="square" rtlCol="0">
+            <a:spAutoFit/>
+          </a:bodyPr>
+          <a:lstStyle/>
+          <a:p>
+            <a:pPr algn="ctr"/>
+            <a:r>
+              <a:rPr kumimoji="1" lang="en-US" altLang="ja-JP" b="1" dirty="0"/>
+              <a:t>Black leaf</a:t>
+            </a:r>
+            <a:endParaRPr kumimoji="1" lang="ja-JP" altLang="en-US" b="1" dirty="0"/>
+          </a:p>
+        </p:txBody>
+      </p:sp>
+      <p:sp>
+        <p:nvSpPr>
+          <p:cNvPr id="13" name="吹き出し: 角を丸めた四角形 12">
+            <a:extLst>
+              <a:ext uri="{FF2B5EF4-FFF2-40B4-BE49-F238E27FC236}">
+                <a16:creationId xmlns:a16="http://schemas.microsoft.com/office/drawing/2014/main" id="{9E320782-5362-E804-BB21-F314519589DC}"/>
+              </a:ext>
+            </a:extLst>
+          </p:cNvPr>
+          <p:cNvSpPr/>
+          <p:nvPr/>
+        </p:nvSpPr>
+        <p:spPr>
+          <a:xfrm>
+            <a:off x="3428628" y="8131248"/>
+            <a:ext cx="1800000" cy="210916"/>
+          </a:xfrm>
+          <a:prstGeom prst="wedgeRoundRectCallout">
+            <a:avLst>
+              <a:gd name="adj1" fmla="val 20839"/>
+              <a:gd name="adj2" fmla="val -36952"/>
+              <a:gd name="adj3" fmla="val 16667"/>
+            </a:avLst>
+          </a:prstGeom>
+        </p:spPr>
+        <p:style>
+          <a:lnRef idx="2">
+            <a:schemeClr val="dk1">
+              <a:shade val="50000"/>
+            </a:schemeClr>
+          </a:lnRef>
+          <a:fillRef idx="1">
+            <a:schemeClr val="dk1"/>
+          </a:fillRef>
+          <a:effectRef idx="0">
+            <a:schemeClr val="dk1"/>
+          </a:effectRef>
+          <a:fontRef idx="minor">
+            <a:schemeClr val="lt1"/>
+          </a:fontRef>
+        </p:style>
+        <p:txBody>
+          <a:bodyPr rtlCol="0" anchor="ctr"/>
+          <a:lstStyle/>
+          <a:p>
+            <a:pPr algn="ctr"/>
+            <a:r>
+              <a:rPr kumimoji="1" lang="en-US" altLang="ja-JP" dirty="0"/>
+              <a:t>…TTCGAAACG…</a:t>
+            </a:r>
+            <a:endParaRPr kumimoji="1" lang="ja-JP" altLang="en-US" dirty="0"/>
+          </a:p>
+        </p:txBody>
+      </p:sp>
+      <p:cxnSp>
+        <p:nvCxnSpPr>
+          <p:cNvPr id="15" name="直線矢印コネクタ 14">
+            <a:extLst>
+              <a:ext uri="{FF2B5EF4-FFF2-40B4-BE49-F238E27FC236}">
+                <a16:creationId xmlns:a16="http://schemas.microsoft.com/office/drawing/2014/main" id="{C30289D4-E4CC-E549-8F6A-38D5B1B61AA8}"/>
+              </a:ext>
+            </a:extLst>
+          </p:cNvPr>
+          <p:cNvCxnSpPr/>
+          <p:nvPr/>
+        </p:nvCxnSpPr>
+        <p:spPr>
+          <a:xfrm>
+            <a:off x="4306047" y="8409547"/>
+            <a:ext cx="0" cy="749808"/>
+          </a:xfrm>
+          <a:prstGeom prst="straightConnector1">
+            <a:avLst/>
+          </a:prstGeom>
+          <a:ln w="38100">
+            <a:tailEnd type="triangle"/>
+          </a:ln>
+        </p:spPr>
+        <p:style>
+          <a:lnRef idx="1">
+            <a:schemeClr val="dk1"/>
+          </a:lnRef>
+          <a:fillRef idx="0">
+            <a:schemeClr val="dk1"/>
+          </a:fillRef>
+          <a:effectRef idx="0">
+            <a:schemeClr val="dk1"/>
+          </a:effectRef>
+          <a:fontRef idx="minor">
+            <a:schemeClr val="tx1"/>
+          </a:fontRef>
+        </p:style>
+      </p:cxnSp>
+      <p:sp>
+        <p:nvSpPr>
+          <p:cNvPr id="18" name="吹き出し: 角を丸めた四角形 17">
+            <a:extLst>
+              <a:ext uri="{FF2B5EF4-FFF2-40B4-BE49-F238E27FC236}">
+                <a16:creationId xmlns:a16="http://schemas.microsoft.com/office/drawing/2014/main" id="{8151630D-AB1D-CE84-6E71-0A682F716FC1}"/>
+              </a:ext>
+            </a:extLst>
+          </p:cNvPr>
+          <p:cNvSpPr/>
+          <p:nvPr/>
+        </p:nvSpPr>
+        <p:spPr>
+          <a:xfrm>
+            <a:off x="3428628" y="9241820"/>
+            <a:ext cx="1800000" cy="210916"/>
+          </a:xfrm>
+          <a:prstGeom prst="wedgeRoundRectCallout">
+            <a:avLst>
+              <a:gd name="adj1" fmla="val 20839"/>
+              <a:gd name="adj2" fmla="val -36952"/>
+              <a:gd name="adj3" fmla="val 16667"/>
+            </a:avLst>
+          </a:prstGeom>
+        </p:spPr>
+        <p:style>
+          <a:lnRef idx="2">
+            <a:schemeClr val="dk1">
+              <a:shade val="50000"/>
+            </a:schemeClr>
+          </a:lnRef>
+          <a:fillRef idx="1">
+            <a:schemeClr val="dk1"/>
+          </a:fillRef>
+          <a:effectRef idx="0">
+            <a:schemeClr val="dk1"/>
+          </a:effectRef>
+          <a:fontRef idx="minor">
+            <a:schemeClr val="lt1"/>
+          </a:fontRef>
+        </p:style>
+        <p:txBody>
+          <a:bodyPr rtlCol="0" anchor="ctr"/>
+          <a:lstStyle/>
+          <a:p>
+            <a:pPr algn="ctr"/>
+            <a:r>
+              <a:rPr kumimoji="1" lang="en-US" altLang="ja-JP" dirty="0"/>
+              <a:t>…TTCG</a:t>
+            </a:r>
+            <a:r>
+              <a:rPr kumimoji="1" lang="en-US" altLang="ja-JP" dirty="0">
+                <a:solidFill>
+                  <a:srgbClr val="FF0000"/>
+                </a:solidFill>
+              </a:rPr>
+              <a:t>T</a:t>
+            </a:r>
+            <a:r>
+              <a:rPr kumimoji="1" lang="en-US" altLang="ja-JP" dirty="0"/>
+              <a:t>AACG…</a:t>
+            </a:r>
+            <a:endParaRPr kumimoji="1" lang="ja-JP" altLang="en-US" dirty="0"/>
+          </a:p>
+        </p:txBody>
+      </p:sp>
     </p:spTree>
     <p:extLst>
       <p:ext uri="{BB962C8B-B14F-4D97-AF65-F5344CB8AC3E}">
